--- a/Presentation_Files/ROUGH_MBLodge_group1.pptx
+++ b/Presentation_Files/ROUGH_MBLodge_group1.pptx
@@ -11849,31 +11849,35 @@
           </a:p>
         </p:txBody>
       </p:sp>
-      <p:sp>
-        <p:nvSpPr>
-          <p:cNvPr id="6" name="Content Placeholder 5">
-            <a:extLst>
-              <a:ext uri="{FF2B5EF4-FFF2-40B4-BE49-F238E27FC236}">
-                <a16:creationId xmlns:a16="http://schemas.microsoft.com/office/drawing/2014/main" id="{5632A4BB-EBAC-A965-82D8-1198A802BA6C}"/>
-              </a:ext>
-            </a:extLst>
-          </p:cNvPr>
-          <p:cNvSpPr>
-            <a:spLocks noGrp="1"/>
-          </p:cNvSpPr>
+      <p:pic>
+        <p:nvPicPr>
+          <p:cNvPr id="5" name="Content Placeholder 4" descr="A screenshot of a computer&#10;&#10;Description automatically generated">
+            <a:extLst>
+              <a:ext uri="{FF2B5EF4-FFF2-40B4-BE49-F238E27FC236}">
+                <a16:creationId xmlns:a16="http://schemas.microsoft.com/office/drawing/2014/main" id="{E44C3514-DED8-D141-2DC0-4F54B64C364A}"/>
+              </a:ext>
+            </a:extLst>
+          </p:cNvPr>
+          <p:cNvPicPr>
+            <a:picLocks noGrp="1" noChangeAspect="1"/>
+          </p:cNvPicPr>
           <p:nvPr>
             <p:ph sz="quarter" idx="10"/>
           </p:nvPr>
-        </p:nvSpPr>
-        <p:spPr/>
-        <p:txBody>
-          <a:bodyPr/>
-          <a:lstStyle/>
-          <a:p>
-            <a:endParaRPr lang="en-US" dirty="0"/>
-          </a:p>
-        </p:txBody>
-      </p:sp>
+        </p:nvPicPr>
+        <p:blipFill>
+          <a:blip r:embed="rId3"/>
+          <a:stretch>
+            <a:fillRect/>
+          </a:stretch>
+        </p:blipFill>
+        <p:spPr>
+          <a:xfrm>
+            <a:off x="734592" y="1860117"/>
+            <a:ext cx="7626742" cy="3587934"/>
+          </a:xfrm>
+        </p:spPr>
+      </p:pic>
       <p:sp>
         <p:nvSpPr>
           <p:cNvPr id="3" name="Slide Number Placeholder 2">
@@ -13157,6 +13161,35 @@
 </file>
 
 <file path=customXml/item1.xml><?xml version="1.0" encoding="utf-8"?>
+<?mso-contentType ?>
+<FormTemplates xmlns="http://schemas.microsoft.com/sharepoint/v3/contenttype/forms">
+  <Display>DocumentLibraryForm</Display>
+  <Edit>DocumentLibraryForm</Edit>
+  <New>DocumentLibraryForm</New>
+</FormTemplates>
+</file>
+
+<file path=customXml/item2.xml><?xml version="1.0" encoding="utf-8"?>
+<p:properties xmlns:p="http://schemas.microsoft.com/office/2006/metadata/properties" xmlns:xsi="http://www.w3.org/2001/XMLSchema-instance" xmlns:pc="http://schemas.microsoft.com/office/infopath/2007/PartnerControls">
+  <documentManagement>
+    <_ip_UnifiedCompliancePolicyUIAction xmlns="http://schemas.microsoft.com/sharepoint/v3" xsi:nil="true"/>
+    <Image xmlns="71af3243-3dd4-4a8d-8c0d-dd76da1f02a5">
+      <Url xsi:nil="true"/>
+      <Description xsi:nil="true"/>
+    </Image>
+    <Status xmlns="71af3243-3dd4-4a8d-8c0d-dd76da1f02a5">Not started</Status>
+    <Background xmlns="71af3243-3dd4-4a8d-8c0d-dd76da1f02a5">false</Background>
+    <_ip_UnifiedCompliancePolicyProperties xmlns="http://schemas.microsoft.com/sharepoint/v3" xsi:nil="true"/>
+    <ImageTagsTaxHTField xmlns="71af3243-3dd4-4a8d-8c0d-dd76da1f02a5">
+      <Terms xmlns="http://schemas.microsoft.com/office/infopath/2007/PartnerControls"/>
+    </ImageTagsTaxHTField>
+    <TaxCatchAll xmlns="230e9df3-be65-4c73-a93b-d1236ebd677e" xsi:nil="true"/>
+    <MediaServiceKeyPoints xmlns="71af3243-3dd4-4a8d-8c0d-dd76da1f02a5" xsi:nil="true"/>
+  </documentManagement>
+</p:properties>
+</file>
+
+<file path=customXml/item3.xml><?xml version="1.0" encoding="utf-8"?>
 <ct:contentTypeSchema xmlns:ct="http://schemas.microsoft.com/office/2006/metadata/contentType" xmlns:ma="http://schemas.microsoft.com/office/2006/metadata/properties/metaAttributes" ct:_="" ma:_="" ma:contentTypeName="Document" ma:contentTypeID="0x01010079F111ED35F8CC479449609E8A0923A6" ma:contentTypeVersion="28" ma:contentTypeDescription="Create a new document." ma:contentTypeScope="" ma:versionID="60f5a4f2d2b0abadcf532d48ebf9cb71">
   <xsd:schema xmlns:xsd="http://www.w3.org/2001/XMLSchema" xmlns:xs="http://www.w3.org/2001/XMLSchema" xmlns:p="http://schemas.microsoft.com/office/2006/metadata/properties" xmlns:ns1="http://schemas.microsoft.com/sharepoint/v3" xmlns:ns2="71af3243-3dd4-4a8d-8c0d-dd76da1f02a5" xmlns:ns3="16c05727-aa75-4e4a-9b5f-8a80a1165891" xmlns:ns4="230e9df3-be65-4c73-a93b-d1236ebd677e" targetNamespace="http://schemas.microsoft.com/office/2006/metadata/properties" ma:root="true" ma:fieldsID="7dd78129e6a1811f84807ad11c651531" ns1:_="" ns2:_="" ns3:_="" ns4:_="">
     <xsd:import namespace="http://schemas.microsoft.com/sharepoint/v3"/>
@@ -13468,36 +13501,27 @@
 </ct:contentTypeSchema>
 </file>
 
-<file path=customXml/item2.xml><?xml version="1.0" encoding="utf-8"?>
-<p:properties xmlns:p="http://schemas.microsoft.com/office/2006/metadata/properties" xmlns:xsi="http://www.w3.org/2001/XMLSchema-instance" xmlns:pc="http://schemas.microsoft.com/office/infopath/2007/PartnerControls">
-  <documentManagement>
-    <_ip_UnifiedCompliancePolicyUIAction xmlns="http://schemas.microsoft.com/sharepoint/v3" xsi:nil="true"/>
-    <Image xmlns="71af3243-3dd4-4a8d-8c0d-dd76da1f02a5">
-      <Url xsi:nil="true"/>
-      <Description xsi:nil="true"/>
-    </Image>
-    <Status xmlns="71af3243-3dd4-4a8d-8c0d-dd76da1f02a5">Not started</Status>
-    <Background xmlns="71af3243-3dd4-4a8d-8c0d-dd76da1f02a5">false</Background>
-    <_ip_UnifiedCompliancePolicyProperties xmlns="http://schemas.microsoft.com/sharepoint/v3" xsi:nil="true"/>
-    <ImageTagsTaxHTField xmlns="71af3243-3dd4-4a8d-8c0d-dd76da1f02a5">
-      <Terms xmlns="http://schemas.microsoft.com/office/infopath/2007/PartnerControls"/>
-    </ImageTagsTaxHTField>
-    <TaxCatchAll xmlns="230e9df3-be65-4c73-a93b-d1236ebd677e" xsi:nil="true"/>
-    <MediaServiceKeyPoints xmlns="71af3243-3dd4-4a8d-8c0d-dd76da1f02a5" xsi:nil="true"/>
-  </documentManagement>
-</p:properties>
+<file path=customXml/itemProps1.xml><?xml version="1.0" encoding="utf-8"?>
+<ds:datastoreItem xmlns:ds="http://schemas.openxmlformats.org/officeDocument/2006/customXml" ds:itemID="{7B916DD8-9028-41F0-AB19-FE384D2009A2}">
+  <ds:schemaRefs>
+    <ds:schemaRef ds:uri="http://schemas.microsoft.com/sharepoint/v3/contenttype/forms"/>
+  </ds:schemaRefs>
+</ds:datastoreItem>
 </file>
 
-<file path=customXml/item3.xml><?xml version="1.0" encoding="utf-8"?>
-<?mso-contentType ?>
-<FormTemplates xmlns="http://schemas.microsoft.com/sharepoint/v3/contenttype/forms">
-  <Display>DocumentLibraryForm</Display>
-  <Edit>DocumentLibraryForm</Edit>
-  <New>DocumentLibraryForm</New>
-</FormTemplates>
+<file path=customXml/itemProps2.xml><?xml version="1.0" encoding="utf-8"?>
+<ds:datastoreItem xmlns:ds="http://schemas.openxmlformats.org/officeDocument/2006/customXml" ds:itemID="{D1C92F81-A6B6-4190-80A1-406B3B4C18B8}">
+  <ds:schemaRefs>
+    <ds:schemaRef ds:uri="http://schemas.microsoft.com/office/2006/metadata/properties"/>
+    <ds:schemaRef ds:uri="http://schemas.microsoft.com/office/infopath/2007/PartnerControls"/>
+    <ds:schemaRef ds:uri="http://schemas.microsoft.com/sharepoint/v3"/>
+    <ds:schemaRef ds:uri="71af3243-3dd4-4a8d-8c0d-dd76da1f02a5"/>
+    <ds:schemaRef ds:uri="230e9df3-be65-4c73-a93b-d1236ebd677e"/>
+  </ds:schemaRefs>
+</ds:datastoreItem>
 </file>
 
-<file path=customXml/itemProps1.xml><?xml version="1.0" encoding="utf-8"?>
+<file path=customXml/itemProps3.xml><?xml version="1.0" encoding="utf-8"?>
 <ds:datastoreItem xmlns:ds="http://schemas.openxmlformats.org/officeDocument/2006/customXml" ds:itemID="{778B3239-FE1A-45AC-BACA-CC3412D875A1}">
   <ds:schemaRefs>
     <ds:schemaRef ds:uri="http://schemas.microsoft.com/office/2006/metadata/contentType"/>
@@ -13518,26 +13542,6 @@
 </ds:datastoreItem>
 </file>
 
-<file path=customXml/itemProps2.xml><?xml version="1.0" encoding="utf-8"?>
-<ds:datastoreItem xmlns:ds="http://schemas.openxmlformats.org/officeDocument/2006/customXml" ds:itemID="{D1C92F81-A6B6-4190-80A1-406B3B4C18B8}">
-  <ds:schemaRefs>
-    <ds:schemaRef ds:uri="http://schemas.microsoft.com/office/2006/metadata/properties"/>
-    <ds:schemaRef ds:uri="http://schemas.microsoft.com/office/infopath/2007/PartnerControls"/>
-    <ds:schemaRef ds:uri="http://schemas.microsoft.com/sharepoint/v3"/>
-    <ds:schemaRef ds:uri="71af3243-3dd4-4a8d-8c0d-dd76da1f02a5"/>
-    <ds:schemaRef ds:uri="230e9df3-be65-4c73-a93b-d1236ebd677e"/>
-  </ds:schemaRefs>
-</ds:datastoreItem>
-</file>
-
-<file path=customXml/itemProps3.xml><?xml version="1.0" encoding="utf-8"?>
-<ds:datastoreItem xmlns:ds="http://schemas.openxmlformats.org/officeDocument/2006/customXml" ds:itemID="{7B916DD8-9028-41F0-AB19-FE384D2009A2}">
-  <ds:schemaRefs>
-    <ds:schemaRef ds:uri="http://schemas.microsoft.com/sharepoint/v3/contenttype/forms"/>
-  </ds:schemaRefs>
-</ds:datastoreItem>
-</file>
-
 <file path=docMetadata/LabelInfo.xml><?xml version="1.0" encoding="utf-8"?>
 <clbl:labelList xmlns:clbl="http://schemas.microsoft.com/office/2020/mipLabelMetadata"/>
 </file>
--- a/Presentation_Files/ROUGH_MBLodge_group1.pptx
+++ b/Presentation_Files/ROUGH_MBLodge_group1.pptx
@@ -5,26 +5,29 @@
     <p:sldMasterId id="2147483706" r:id="rId4"/>
   </p:sldMasterIdLst>
   <p:notesMasterIdLst>
-    <p:notesMasterId r:id="rId19"/>
+    <p:notesMasterId r:id="rId22"/>
   </p:notesMasterIdLst>
   <p:handoutMasterIdLst>
-    <p:handoutMasterId r:id="rId20"/>
+    <p:handoutMasterId r:id="rId23"/>
   </p:handoutMasterIdLst>
   <p:sldIdLst>
     <p:sldId id="332" r:id="rId5"/>
     <p:sldId id="333" r:id="rId6"/>
-    <p:sldId id="334" r:id="rId7"/>
-    <p:sldId id="346" r:id="rId8"/>
-    <p:sldId id="336" r:id="rId9"/>
-    <p:sldId id="337" r:id="rId10"/>
-    <p:sldId id="338" r:id="rId11"/>
-    <p:sldId id="339" r:id="rId12"/>
-    <p:sldId id="340" r:id="rId13"/>
-    <p:sldId id="341" r:id="rId14"/>
-    <p:sldId id="342" r:id="rId15"/>
-    <p:sldId id="343" r:id="rId16"/>
-    <p:sldId id="344" r:id="rId17"/>
-    <p:sldId id="345" r:id="rId18"/>
+    <p:sldId id="347" r:id="rId7"/>
+    <p:sldId id="349" r:id="rId8"/>
+    <p:sldId id="348" r:id="rId9"/>
+    <p:sldId id="334" r:id="rId10"/>
+    <p:sldId id="346" r:id="rId11"/>
+    <p:sldId id="336" r:id="rId12"/>
+    <p:sldId id="337" r:id="rId13"/>
+    <p:sldId id="338" r:id="rId14"/>
+    <p:sldId id="339" r:id="rId15"/>
+    <p:sldId id="340" r:id="rId16"/>
+    <p:sldId id="341" r:id="rId17"/>
+    <p:sldId id="342" r:id="rId18"/>
+    <p:sldId id="343" r:id="rId19"/>
+    <p:sldId id="344" r:id="rId20"/>
+    <p:sldId id="345" r:id="rId21"/>
   </p:sldIdLst>
   <p:sldSz cx="12192000" cy="6858000"/>
   <p:notesSz cx="6858000" cy="9144000"/>
@@ -145,6 +148,5921 @@
 </p:presentation>
 </file>
 
+<file path=ppt/diagrams/colors1.xml><?xml version="1.0" encoding="utf-8"?>
+<dgm:colorsDef xmlns:dgm="http://schemas.openxmlformats.org/drawingml/2006/diagram" xmlns:a="http://schemas.openxmlformats.org/drawingml/2006/main" uniqueId="urn:microsoft.com/office/officeart/2005/8/colors/accent1_2">
+  <dgm:title val=""/>
+  <dgm:desc val=""/>
+  <dgm:catLst>
+    <dgm:cat type="accent1" pri="11200"/>
+  </dgm:catLst>
+  <dgm:styleLbl name="node0">
+    <dgm:fillClrLst meth="repeat">
+      <a:schemeClr val="accent1"/>
+    </dgm:fillClrLst>
+    <dgm:linClrLst meth="repeat">
+      <a:schemeClr val="lt1"/>
+    </dgm:linClrLst>
+    <dgm:effectClrLst/>
+    <dgm:txLinClrLst/>
+    <dgm:txFillClrLst/>
+    <dgm:txEffectClrLst/>
+  </dgm:styleLbl>
+  <dgm:styleLbl name="alignNode1">
+    <dgm:fillClrLst meth="repeat">
+      <a:schemeClr val="accent1"/>
+    </dgm:fillClrLst>
+    <dgm:linClrLst meth="repeat">
+      <a:schemeClr val="accent1"/>
+    </dgm:linClrLst>
+    <dgm:effectClrLst/>
+    <dgm:txLinClrLst/>
+    <dgm:txFillClrLst/>
+    <dgm:txEffectClrLst/>
+  </dgm:styleLbl>
+  <dgm:styleLbl name="node1">
+    <dgm:fillClrLst meth="repeat">
+      <a:schemeClr val="accent1"/>
+    </dgm:fillClrLst>
+    <dgm:linClrLst meth="repeat">
+      <a:schemeClr val="lt1"/>
+    </dgm:linClrLst>
+    <dgm:effectClrLst/>
+    <dgm:txLinClrLst/>
+    <dgm:txFillClrLst/>
+    <dgm:txEffectClrLst/>
+  </dgm:styleLbl>
+  <dgm:styleLbl name="lnNode1">
+    <dgm:fillClrLst meth="repeat">
+      <a:schemeClr val="accent1"/>
+    </dgm:fillClrLst>
+    <dgm:linClrLst meth="repeat">
+      <a:schemeClr val="lt1"/>
+    </dgm:linClrLst>
+    <dgm:effectClrLst/>
+    <dgm:txLinClrLst/>
+    <dgm:txFillClrLst/>
+    <dgm:txEffectClrLst/>
+  </dgm:styleLbl>
+  <dgm:styleLbl name="vennNode1">
+    <dgm:fillClrLst meth="repeat">
+      <a:schemeClr val="accent1">
+        <a:alpha val="50000"/>
+      </a:schemeClr>
+    </dgm:fillClrLst>
+    <dgm:linClrLst meth="repeat">
+      <a:schemeClr val="lt1"/>
+    </dgm:linClrLst>
+    <dgm:effectClrLst/>
+    <dgm:txLinClrLst/>
+    <dgm:txFillClrLst/>
+    <dgm:txEffectClrLst/>
+  </dgm:styleLbl>
+  <dgm:styleLbl name="node2">
+    <dgm:fillClrLst meth="repeat">
+      <a:schemeClr val="accent1"/>
+    </dgm:fillClrLst>
+    <dgm:linClrLst meth="repeat">
+      <a:schemeClr val="lt1"/>
+    </dgm:linClrLst>
+    <dgm:effectClrLst/>
+    <dgm:txLinClrLst/>
+    <dgm:txFillClrLst/>
+    <dgm:txEffectClrLst/>
+  </dgm:styleLbl>
+  <dgm:styleLbl name="node3">
+    <dgm:fillClrLst meth="repeat">
+      <a:schemeClr val="accent1"/>
+    </dgm:fillClrLst>
+    <dgm:linClrLst meth="repeat">
+      <a:schemeClr val="lt1"/>
+    </dgm:linClrLst>
+    <dgm:effectClrLst/>
+    <dgm:txLinClrLst/>
+    <dgm:txFillClrLst/>
+    <dgm:txEffectClrLst/>
+  </dgm:styleLbl>
+  <dgm:styleLbl name="node4">
+    <dgm:fillClrLst meth="repeat">
+      <a:schemeClr val="accent1"/>
+    </dgm:fillClrLst>
+    <dgm:linClrLst meth="repeat">
+      <a:schemeClr val="lt1"/>
+    </dgm:linClrLst>
+    <dgm:effectClrLst/>
+    <dgm:txLinClrLst/>
+    <dgm:txFillClrLst/>
+    <dgm:txEffectClrLst/>
+  </dgm:styleLbl>
+  <dgm:styleLbl name="fgImgPlace1">
+    <dgm:fillClrLst meth="repeat">
+      <a:schemeClr val="accent1">
+        <a:tint val="50000"/>
+      </a:schemeClr>
+    </dgm:fillClrLst>
+    <dgm:linClrLst meth="repeat">
+      <a:schemeClr val="lt1"/>
+    </dgm:linClrLst>
+    <dgm:effectClrLst/>
+    <dgm:txLinClrLst/>
+    <dgm:txFillClrLst meth="repeat">
+      <a:schemeClr val="lt1"/>
+    </dgm:txFillClrLst>
+    <dgm:txEffectClrLst/>
+  </dgm:styleLbl>
+  <dgm:styleLbl name="alignImgPlace1">
+    <dgm:fillClrLst meth="repeat">
+      <a:schemeClr val="accent1">
+        <a:tint val="50000"/>
+      </a:schemeClr>
+    </dgm:fillClrLst>
+    <dgm:linClrLst meth="repeat">
+      <a:schemeClr val="lt1"/>
+    </dgm:linClrLst>
+    <dgm:effectClrLst/>
+    <dgm:txLinClrLst/>
+    <dgm:txFillClrLst meth="repeat">
+      <a:schemeClr val="lt1"/>
+    </dgm:txFillClrLst>
+    <dgm:txEffectClrLst/>
+  </dgm:styleLbl>
+  <dgm:styleLbl name="bgImgPlace1">
+    <dgm:fillClrLst meth="repeat">
+      <a:schemeClr val="accent1">
+        <a:tint val="50000"/>
+      </a:schemeClr>
+    </dgm:fillClrLst>
+    <dgm:linClrLst meth="repeat">
+      <a:schemeClr val="lt1"/>
+    </dgm:linClrLst>
+    <dgm:effectClrLst/>
+    <dgm:txLinClrLst/>
+    <dgm:txFillClrLst meth="repeat">
+      <a:schemeClr val="lt1"/>
+    </dgm:txFillClrLst>
+    <dgm:txEffectClrLst/>
+  </dgm:styleLbl>
+  <dgm:styleLbl name="sibTrans2D1">
+    <dgm:fillClrLst meth="repeat">
+      <a:schemeClr val="accent1">
+        <a:tint val="60000"/>
+      </a:schemeClr>
+    </dgm:fillClrLst>
+    <dgm:linClrLst meth="repeat">
+      <a:schemeClr val="accent1">
+        <a:tint val="60000"/>
+      </a:schemeClr>
+    </dgm:linClrLst>
+    <dgm:effectClrLst/>
+    <dgm:txLinClrLst/>
+    <dgm:txFillClrLst/>
+    <dgm:txEffectClrLst/>
+  </dgm:styleLbl>
+  <dgm:styleLbl name="fgSibTrans2D1">
+    <dgm:fillClrLst meth="repeat">
+      <a:schemeClr val="accent1">
+        <a:tint val="60000"/>
+      </a:schemeClr>
+    </dgm:fillClrLst>
+    <dgm:linClrLst meth="repeat">
+      <a:schemeClr val="accent1">
+        <a:tint val="60000"/>
+      </a:schemeClr>
+    </dgm:linClrLst>
+    <dgm:effectClrLst/>
+    <dgm:txLinClrLst/>
+    <dgm:txFillClrLst/>
+    <dgm:txEffectClrLst/>
+  </dgm:styleLbl>
+  <dgm:styleLbl name="bgSibTrans2D1">
+    <dgm:fillClrLst meth="repeat">
+      <a:schemeClr val="accent1">
+        <a:tint val="60000"/>
+      </a:schemeClr>
+    </dgm:fillClrLst>
+    <dgm:linClrLst meth="repeat">
+      <a:schemeClr val="accent1">
+        <a:tint val="60000"/>
+      </a:schemeClr>
+    </dgm:linClrLst>
+    <dgm:effectClrLst/>
+    <dgm:txLinClrLst/>
+    <dgm:txFillClrLst/>
+    <dgm:txEffectClrLst/>
+  </dgm:styleLbl>
+  <dgm:styleLbl name="sibTrans1D1">
+    <dgm:fillClrLst meth="repeat">
+      <a:schemeClr val="accent1"/>
+    </dgm:fillClrLst>
+    <dgm:linClrLst meth="repeat">
+      <a:schemeClr val="accent1"/>
+    </dgm:linClrLst>
+    <dgm:effectClrLst/>
+    <dgm:txLinClrLst/>
+    <dgm:txFillClrLst meth="repeat">
+      <a:schemeClr val="tx1"/>
+    </dgm:txFillClrLst>
+    <dgm:txEffectClrLst/>
+  </dgm:styleLbl>
+  <dgm:styleLbl name="callout">
+    <dgm:fillClrLst meth="repeat">
+      <a:schemeClr val="accent1"/>
+    </dgm:fillClrLst>
+    <dgm:linClrLst meth="repeat">
+      <a:schemeClr val="accent1">
+        <a:tint val="50000"/>
+      </a:schemeClr>
+    </dgm:linClrLst>
+    <dgm:effectClrLst/>
+    <dgm:txLinClrLst/>
+    <dgm:txFillClrLst meth="repeat">
+      <a:schemeClr val="tx1"/>
+    </dgm:txFillClrLst>
+    <dgm:txEffectClrLst/>
+  </dgm:styleLbl>
+  <dgm:styleLbl name="asst0">
+    <dgm:fillClrLst meth="repeat">
+      <a:schemeClr val="accent1"/>
+    </dgm:fillClrLst>
+    <dgm:linClrLst meth="repeat">
+      <a:schemeClr val="lt1"/>
+    </dgm:linClrLst>
+    <dgm:effectClrLst/>
+    <dgm:txLinClrLst/>
+    <dgm:txFillClrLst/>
+    <dgm:txEffectClrLst/>
+  </dgm:styleLbl>
+  <dgm:styleLbl name="asst1">
+    <dgm:fillClrLst meth="repeat">
+      <a:schemeClr val="accent1"/>
+    </dgm:fillClrLst>
+    <dgm:linClrLst meth="repeat">
+      <a:schemeClr val="lt1"/>
+    </dgm:linClrLst>
+    <dgm:effectClrLst/>
+    <dgm:txLinClrLst/>
+    <dgm:txFillClrLst/>
+    <dgm:txEffectClrLst/>
+  </dgm:styleLbl>
+  <dgm:styleLbl name="asst2">
+    <dgm:fillClrLst meth="repeat">
+      <a:schemeClr val="accent1"/>
+    </dgm:fillClrLst>
+    <dgm:linClrLst meth="repeat">
+      <a:schemeClr val="lt1"/>
+    </dgm:linClrLst>
+    <dgm:effectClrLst/>
+    <dgm:txLinClrLst/>
+    <dgm:txFillClrLst/>
+    <dgm:txEffectClrLst/>
+  </dgm:styleLbl>
+  <dgm:styleLbl name="asst3">
+    <dgm:fillClrLst meth="repeat">
+      <a:schemeClr val="accent1"/>
+    </dgm:fillClrLst>
+    <dgm:linClrLst meth="repeat">
+      <a:schemeClr val="lt1"/>
+    </dgm:linClrLst>
+    <dgm:effectClrLst/>
+    <dgm:txLinClrLst/>
+    <dgm:txFillClrLst/>
+    <dgm:txEffectClrLst/>
+  </dgm:styleLbl>
+  <dgm:styleLbl name="asst4">
+    <dgm:fillClrLst meth="repeat">
+      <a:schemeClr val="accent1"/>
+    </dgm:fillClrLst>
+    <dgm:linClrLst meth="repeat">
+      <a:schemeClr val="lt1"/>
+    </dgm:linClrLst>
+    <dgm:effectClrLst/>
+    <dgm:txLinClrLst/>
+    <dgm:txFillClrLst/>
+    <dgm:txEffectClrLst/>
+  </dgm:styleLbl>
+  <dgm:styleLbl name="parChTrans2D1">
+    <dgm:fillClrLst meth="repeat">
+      <a:schemeClr val="accent1">
+        <a:tint val="60000"/>
+      </a:schemeClr>
+    </dgm:fillClrLst>
+    <dgm:linClrLst meth="repeat">
+      <a:schemeClr val="accent1">
+        <a:tint val="60000"/>
+      </a:schemeClr>
+    </dgm:linClrLst>
+    <dgm:effectClrLst/>
+    <dgm:txLinClrLst/>
+    <dgm:txFillClrLst meth="repeat">
+      <a:schemeClr val="lt1"/>
+    </dgm:txFillClrLst>
+    <dgm:txEffectClrLst/>
+  </dgm:styleLbl>
+  <dgm:styleLbl name="parChTrans2D2">
+    <dgm:fillClrLst meth="repeat">
+      <a:schemeClr val="accent1"/>
+    </dgm:fillClrLst>
+    <dgm:linClrLst meth="repeat">
+      <a:schemeClr val="accent1"/>
+    </dgm:linClrLst>
+    <dgm:effectClrLst/>
+    <dgm:txLinClrLst/>
+    <dgm:txFillClrLst meth="repeat">
+      <a:schemeClr val="lt1"/>
+    </dgm:txFillClrLst>
+    <dgm:txEffectClrLst/>
+  </dgm:styleLbl>
+  <dgm:styleLbl name="parChTrans2D3">
+    <dgm:fillClrLst meth="repeat">
+      <a:schemeClr val="accent1"/>
+    </dgm:fillClrLst>
+    <dgm:linClrLst meth="repeat">
+      <a:schemeClr val="accent1"/>
+    </dgm:linClrLst>
+    <dgm:effectClrLst/>
+    <dgm:txLinClrLst/>
+    <dgm:txFillClrLst meth="repeat">
+      <a:schemeClr val="lt1"/>
+    </dgm:txFillClrLst>
+    <dgm:txEffectClrLst/>
+  </dgm:styleLbl>
+  <dgm:styleLbl name="parChTrans2D4">
+    <dgm:fillClrLst meth="repeat">
+      <a:schemeClr val="accent1"/>
+    </dgm:fillClrLst>
+    <dgm:linClrLst meth="repeat">
+      <a:schemeClr val="accent1"/>
+    </dgm:linClrLst>
+    <dgm:effectClrLst/>
+    <dgm:txLinClrLst/>
+    <dgm:txFillClrLst meth="repeat">
+      <a:schemeClr val="lt1"/>
+    </dgm:txFillClrLst>
+    <dgm:txEffectClrLst/>
+  </dgm:styleLbl>
+  <dgm:styleLbl name="parChTrans1D1">
+    <dgm:fillClrLst meth="repeat">
+      <a:schemeClr val="accent1"/>
+    </dgm:fillClrLst>
+    <dgm:linClrLst meth="repeat">
+      <a:schemeClr val="accent1">
+        <a:shade val="60000"/>
+      </a:schemeClr>
+    </dgm:linClrLst>
+    <dgm:effectClrLst/>
+    <dgm:txLinClrLst/>
+    <dgm:txFillClrLst meth="repeat">
+      <a:schemeClr val="tx1"/>
+    </dgm:txFillClrLst>
+    <dgm:txEffectClrLst/>
+  </dgm:styleLbl>
+  <dgm:styleLbl name="parChTrans1D2">
+    <dgm:fillClrLst meth="repeat">
+      <a:schemeClr val="accent1"/>
+    </dgm:fillClrLst>
+    <dgm:linClrLst meth="repeat">
+      <a:schemeClr val="accent1">
+        <a:shade val="60000"/>
+      </a:schemeClr>
+    </dgm:linClrLst>
+    <dgm:effectClrLst/>
+    <dgm:txLinClrLst/>
+    <dgm:txFillClrLst meth="repeat">
+      <a:schemeClr val="tx1"/>
+    </dgm:txFillClrLst>
+    <dgm:txEffectClrLst/>
+  </dgm:styleLbl>
+  <dgm:styleLbl name="parChTrans1D3">
+    <dgm:fillClrLst meth="repeat">
+      <a:schemeClr val="accent1"/>
+    </dgm:fillClrLst>
+    <dgm:linClrLst meth="repeat">
+      <a:schemeClr val="accent1">
+        <a:shade val="80000"/>
+      </a:schemeClr>
+    </dgm:linClrLst>
+    <dgm:effectClrLst/>
+    <dgm:txLinClrLst/>
+    <dgm:txFillClrLst meth="repeat">
+      <a:schemeClr val="tx1"/>
+    </dgm:txFillClrLst>
+    <dgm:txEffectClrLst/>
+  </dgm:styleLbl>
+  <dgm:styleLbl name="parChTrans1D4">
+    <dgm:fillClrLst meth="repeat">
+      <a:schemeClr val="accent1"/>
+    </dgm:fillClrLst>
+    <dgm:linClrLst meth="repeat">
+      <a:schemeClr val="accent1">
+        <a:shade val="80000"/>
+      </a:schemeClr>
+    </dgm:linClrLst>
+    <dgm:effectClrLst/>
+    <dgm:txLinClrLst/>
+    <dgm:txFillClrLst meth="repeat">
+      <a:schemeClr val="tx1"/>
+    </dgm:txFillClrLst>
+    <dgm:txEffectClrLst/>
+  </dgm:styleLbl>
+  <dgm:styleLbl name="fgAcc1">
+    <dgm:fillClrLst meth="repeat">
+      <a:schemeClr val="lt1">
+        <a:alpha val="90000"/>
+      </a:schemeClr>
+    </dgm:fillClrLst>
+    <dgm:linClrLst meth="repeat">
+      <a:schemeClr val="accent1"/>
+    </dgm:linClrLst>
+    <dgm:effectClrLst/>
+    <dgm:txLinClrLst/>
+    <dgm:txFillClrLst meth="repeat">
+      <a:schemeClr val="dk1"/>
+    </dgm:txFillClrLst>
+    <dgm:txEffectClrLst/>
+  </dgm:styleLbl>
+  <dgm:styleLbl name="conFgAcc1">
+    <dgm:fillClrLst meth="repeat">
+      <a:schemeClr val="lt1">
+        <a:alpha val="90000"/>
+      </a:schemeClr>
+    </dgm:fillClrLst>
+    <dgm:linClrLst meth="repeat">
+      <a:schemeClr val="accent1"/>
+    </dgm:linClrLst>
+    <dgm:effectClrLst/>
+    <dgm:txLinClrLst/>
+    <dgm:txFillClrLst meth="repeat">
+      <a:schemeClr val="dk1"/>
+    </dgm:txFillClrLst>
+    <dgm:txEffectClrLst/>
+  </dgm:styleLbl>
+  <dgm:styleLbl name="alignAcc1">
+    <dgm:fillClrLst meth="repeat">
+      <a:schemeClr val="lt1">
+        <a:alpha val="90000"/>
+      </a:schemeClr>
+    </dgm:fillClrLst>
+    <dgm:linClrLst meth="repeat">
+      <a:schemeClr val="accent1"/>
+    </dgm:linClrLst>
+    <dgm:effectClrLst/>
+    <dgm:txLinClrLst/>
+    <dgm:txFillClrLst meth="repeat">
+      <a:schemeClr val="dk1"/>
+    </dgm:txFillClrLst>
+    <dgm:txEffectClrLst/>
+  </dgm:styleLbl>
+  <dgm:styleLbl name="trAlignAcc1">
+    <dgm:fillClrLst meth="repeat">
+      <a:schemeClr val="lt1">
+        <a:alpha val="40000"/>
+      </a:schemeClr>
+    </dgm:fillClrLst>
+    <dgm:linClrLst meth="repeat">
+      <a:schemeClr val="accent1"/>
+    </dgm:linClrLst>
+    <dgm:effectClrLst/>
+    <dgm:txLinClrLst/>
+    <dgm:txFillClrLst meth="repeat">
+      <a:schemeClr val="dk1"/>
+    </dgm:txFillClrLst>
+    <dgm:txEffectClrLst/>
+  </dgm:styleLbl>
+  <dgm:styleLbl name="bgAcc1">
+    <dgm:fillClrLst meth="repeat">
+      <a:schemeClr val="lt1">
+        <a:alpha val="90000"/>
+      </a:schemeClr>
+    </dgm:fillClrLst>
+    <dgm:linClrLst meth="repeat">
+      <a:schemeClr val="accent1"/>
+    </dgm:linClrLst>
+    <dgm:effectClrLst/>
+    <dgm:txLinClrLst/>
+    <dgm:txFillClrLst meth="repeat">
+      <a:schemeClr val="dk1"/>
+    </dgm:txFillClrLst>
+    <dgm:txEffectClrLst/>
+  </dgm:styleLbl>
+  <dgm:styleLbl name="solidFgAcc1">
+    <dgm:fillClrLst meth="repeat">
+      <a:schemeClr val="lt1"/>
+    </dgm:fillClrLst>
+    <dgm:linClrLst meth="repeat">
+      <a:schemeClr val="accent1"/>
+    </dgm:linClrLst>
+    <dgm:effectClrLst/>
+    <dgm:txLinClrLst/>
+    <dgm:txFillClrLst meth="repeat">
+      <a:schemeClr val="dk1"/>
+    </dgm:txFillClrLst>
+    <dgm:txEffectClrLst/>
+  </dgm:styleLbl>
+  <dgm:styleLbl name="solidAlignAcc1">
+    <dgm:fillClrLst meth="repeat">
+      <a:schemeClr val="lt1"/>
+    </dgm:fillClrLst>
+    <dgm:linClrLst meth="repeat">
+      <a:schemeClr val="accent1"/>
+    </dgm:linClrLst>
+    <dgm:effectClrLst/>
+    <dgm:txLinClrLst/>
+    <dgm:txFillClrLst meth="repeat">
+      <a:schemeClr val="dk1"/>
+    </dgm:txFillClrLst>
+    <dgm:txEffectClrLst/>
+  </dgm:styleLbl>
+  <dgm:styleLbl name="solidBgAcc1">
+    <dgm:fillClrLst meth="repeat">
+      <a:schemeClr val="lt1"/>
+    </dgm:fillClrLst>
+    <dgm:linClrLst meth="repeat">
+      <a:schemeClr val="accent1"/>
+    </dgm:linClrLst>
+    <dgm:effectClrLst/>
+    <dgm:txLinClrLst/>
+    <dgm:txFillClrLst meth="repeat">
+      <a:schemeClr val="dk1"/>
+    </dgm:txFillClrLst>
+    <dgm:txEffectClrLst/>
+  </dgm:styleLbl>
+  <dgm:styleLbl name="fgAccFollowNode1">
+    <dgm:fillClrLst meth="repeat">
+      <a:schemeClr val="accent1">
+        <a:alpha val="90000"/>
+        <a:tint val="40000"/>
+      </a:schemeClr>
+    </dgm:fillClrLst>
+    <dgm:linClrLst meth="repeat">
+      <a:schemeClr val="accent1">
+        <a:alpha val="90000"/>
+        <a:tint val="40000"/>
+      </a:schemeClr>
+    </dgm:linClrLst>
+    <dgm:effectClrLst/>
+    <dgm:txLinClrLst/>
+    <dgm:txFillClrLst meth="repeat">
+      <a:schemeClr val="dk1"/>
+    </dgm:txFillClrLst>
+    <dgm:txEffectClrLst/>
+  </dgm:styleLbl>
+  <dgm:styleLbl name="alignAccFollowNode1">
+    <dgm:fillClrLst meth="repeat">
+      <a:schemeClr val="accent1">
+        <a:alpha val="90000"/>
+        <a:tint val="40000"/>
+      </a:schemeClr>
+    </dgm:fillClrLst>
+    <dgm:linClrLst meth="repeat">
+      <a:schemeClr val="accent1">
+        <a:alpha val="90000"/>
+        <a:tint val="40000"/>
+      </a:schemeClr>
+    </dgm:linClrLst>
+    <dgm:effectClrLst/>
+    <dgm:txLinClrLst/>
+    <dgm:txFillClrLst meth="repeat">
+      <a:schemeClr val="dk1"/>
+    </dgm:txFillClrLst>
+    <dgm:txEffectClrLst/>
+  </dgm:styleLbl>
+  <dgm:styleLbl name="bgAccFollowNode1">
+    <dgm:fillClrLst meth="repeat">
+      <a:schemeClr val="accent1">
+        <a:alpha val="90000"/>
+        <a:tint val="40000"/>
+      </a:schemeClr>
+    </dgm:fillClrLst>
+    <dgm:linClrLst meth="repeat">
+      <a:schemeClr val="accent1">
+        <a:alpha val="90000"/>
+        <a:tint val="40000"/>
+      </a:schemeClr>
+    </dgm:linClrLst>
+    <dgm:effectClrLst/>
+    <dgm:txLinClrLst/>
+    <dgm:txFillClrLst meth="repeat">
+      <a:schemeClr val="dk1"/>
+    </dgm:txFillClrLst>
+    <dgm:txEffectClrLst/>
+  </dgm:styleLbl>
+  <dgm:styleLbl name="fgAcc0">
+    <dgm:fillClrLst meth="repeat">
+      <a:schemeClr val="lt1">
+        <a:alpha val="90000"/>
+      </a:schemeClr>
+    </dgm:fillClrLst>
+    <dgm:linClrLst meth="repeat">
+      <a:schemeClr val="accent1"/>
+    </dgm:linClrLst>
+    <dgm:effectClrLst/>
+    <dgm:txLinClrLst/>
+    <dgm:txFillClrLst meth="repeat">
+      <a:schemeClr val="dk1"/>
+    </dgm:txFillClrLst>
+    <dgm:txEffectClrLst/>
+  </dgm:styleLbl>
+  <dgm:styleLbl name="fgAcc2">
+    <dgm:fillClrLst meth="repeat">
+      <a:schemeClr val="lt1">
+        <a:alpha val="90000"/>
+      </a:schemeClr>
+    </dgm:fillClrLst>
+    <dgm:linClrLst meth="repeat">
+      <a:schemeClr val="accent1"/>
+    </dgm:linClrLst>
+    <dgm:effectClrLst/>
+    <dgm:txLinClrLst/>
+    <dgm:txFillClrLst meth="repeat">
+      <a:schemeClr val="dk1"/>
+    </dgm:txFillClrLst>
+    <dgm:txEffectClrLst/>
+  </dgm:styleLbl>
+  <dgm:styleLbl name="fgAcc3">
+    <dgm:fillClrLst meth="repeat">
+      <a:schemeClr val="lt1">
+        <a:alpha val="90000"/>
+      </a:schemeClr>
+    </dgm:fillClrLst>
+    <dgm:linClrLst meth="repeat">
+      <a:schemeClr val="accent1"/>
+    </dgm:linClrLst>
+    <dgm:effectClrLst/>
+    <dgm:txLinClrLst/>
+    <dgm:txFillClrLst meth="repeat">
+      <a:schemeClr val="dk1"/>
+    </dgm:txFillClrLst>
+    <dgm:txEffectClrLst/>
+  </dgm:styleLbl>
+  <dgm:styleLbl name="fgAcc4">
+    <dgm:fillClrLst meth="repeat">
+      <a:schemeClr val="lt1">
+        <a:alpha val="90000"/>
+      </a:schemeClr>
+    </dgm:fillClrLst>
+    <dgm:linClrLst meth="repeat">
+      <a:schemeClr val="accent1"/>
+    </dgm:linClrLst>
+    <dgm:effectClrLst/>
+    <dgm:txLinClrLst/>
+    <dgm:txFillClrLst meth="repeat">
+      <a:schemeClr val="dk1"/>
+    </dgm:txFillClrLst>
+    <dgm:txEffectClrLst/>
+  </dgm:styleLbl>
+  <dgm:styleLbl name="bgShp">
+    <dgm:fillClrLst meth="repeat">
+      <a:schemeClr val="accent1">
+        <a:tint val="40000"/>
+      </a:schemeClr>
+    </dgm:fillClrLst>
+    <dgm:linClrLst meth="repeat">
+      <a:schemeClr val="accent1"/>
+    </dgm:linClrLst>
+    <dgm:effectClrLst/>
+    <dgm:txLinClrLst/>
+    <dgm:txFillClrLst meth="repeat">
+      <a:schemeClr val="dk1"/>
+    </dgm:txFillClrLst>
+    <dgm:txEffectClrLst/>
+  </dgm:styleLbl>
+  <dgm:styleLbl name="dkBgShp">
+    <dgm:fillClrLst meth="repeat">
+      <a:schemeClr val="accent1">
+        <a:shade val="80000"/>
+      </a:schemeClr>
+    </dgm:fillClrLst>
+    <dgm:linClrLst meth="repeat">
+      <a:schemeClr val="accent1"/>
+    </dgm:linClrLst>
+    <dgm:effectClrLst/>
+    <dgm:txLinClrLst/>
+    <dgm:txFillClrLst meth="repeat">
+      <a:schemeClr val="lt1"/>
+    </dgm:txFillClrLst>
+    <dgm:txEffectClrLst/>
+  </dgm:styleLbl>
+  <dgm:styleLbl name="trBgShp">
+    <dgm:fillClrLst meth="repeat">
+      <a:schemeClr val="accent1">
+        <a:tint val="50000"/>
+        <a:alpha val="40000"/>
+      </a:schemeClr>
+    </dgm:fillClrLst>
+    <dgm:linClrLst meth="repeat">
+      <a:schemeClr val="accent1"/>
+    </dgm:linClrLst>
+    <dgm:effectClrLst/>
+    <dgm:txLinClrLst/>
+    <dgm:txFillClrLst meth="repeat">
+      <a:schemeClr val="lt1"/>
+    </dgm:txFillClrLst>
+    <dgm:txEffectClrLst/>
+  </dgm:styleLbl>
+  <dgm:styleLbl name="fgShp">
+    <dgm:fillClrLst meth="repeat">
+      <a:schemeClr val="accent1">
+        <a:tint val="60000"/>
+      </a:schemeClr>
+    </dgm:fillClrLst>
+    <dgm:linClrLst meth="repeat">
+      <a:schemeClr val="lt1"/>
+    </dgm:linClrLst>
+    <dgm:effectClrLst/>
+    <dgm:txLinClrLst/>
+    <dgm:txFillClrLst meth="repeat">
+      <a:schemeClr val="dk1"/>
+    </dgm:txFillClrLst>
+    <dgm:txEffectClrLst/>
+  </dgm:styleLbl>
+  <dgm:styleLbl name="revTx">
+    <dgm:fillClrLst meth="repeat">
+      <a:schemeClr val="lt1">
+        <a:alpha val="0"/>
+      </a:schemeClr>
+    </dgm:fillClrLst>
+    <dgm:linClrLst meth="repeat">
+      <a:schemeClr val="dk1">
+        <a:alpha val="0"/>
+      </a:schemeClr>
+    </dgm:linClrLst>
+    <dgm:effectClrLst/>
+    <dgm:txLinClrLst/>
+    <dgm:txFillClrLst meth="repeat">
+      <a:schemeClr val="tx1"/>
+    </dgm:txFillClrLst>
+    <dgm:txEffectClrLst/>
+  </dgm:styleLbl>
+</dgm:colorsDef>
+</file>
+
+<file path=ppt/diagrams/colors2.xml><?xml version="1.0" encoding="utf-8"?>
+<dgm:colorsDef xmlns:dgm="http://schemas.openxmlformats.org/drawingml/2006/diagram" xmlns:a="http://schemas.openxmlformats.org/drawingml/2006/main" uniqueId="urn:microsoft.com/office/officeart/2005/8/colors/accent1_2">
+  <dgm:title val=""/>
+  <dgm:desc val=""/>
+  <dgm:catLst>
+    <dgm:cat type="accent1" pri="11200"/>
+  </dgm:catLst>
+  <dgm:styleLbl name="node0">
+    <dgm:fillClrLst meth="repeat">
+      <a:schemeClr val="accent1"/>
+    </dgm:fillClrLst>
+    <dgm:linClrLst meth="repeat">
+      <a:schemeClr val="lt1"/>
+    </dgm:linClrLst>
+    <dgm:effectClrLst/>
+    <dgm:txLinClrLst/>
+    <dgm:txFillClrLst/>
+    <dgm:txEffectClrLst/>
+  </dgm:styleLbl>
+  <dgm:styleLbl name="alignNode1">
+    <dgm:fillClrLst meth="repeat">
+      <a:schemeClr val="accent1"/>
+    </dgm:fillClrLst>
+    <dgm:linClrLst meth="repeat">
+      <a:schemeClr val="accent1"/>
+    </dgm:linClrLst>
+    <dgm:effectClrLst/>
+    <dgm:txLinClrLst/>
+    <dgm:txFillClrLst/>
+    <dgm:txEffectClrLst/>
+  </dgm:styleLbl>
+  <dgm:styleLbl name="node1">
+    <dgm:fillClrLst meth="repeat">
+      <a:schemeClr val="accent1"/>
+    </dgm:fillClrLst>
+    <dgm:linClrLst meth="repeat">
+      <a:schemeClr val="lt1"/>
+    </dgm:linClrLst>
+    <dgm:effectClrLst/>
+    <dgm:txLinClrLst/>
+    <dgm:txFillClrLst/>
+    <dgm:txEffectClrLst/>
+  </dgm:styleLbl>
+  <dgm:styleLbl name="lnNode1">
+    <dgm:fillClrLst meth="repeat">
+      <a:schemeClr val="accent1"/>
+    </dgm:fillClrLst>
+    <dgm:linClrLst meth="repeat">
+      <a:schemeClr val="lt1"/>
+    </dgm:linClrLst>
+    <dgm:effectClrLst/>
+    <dgm:txLinClrLst/>
+    <dgm:txFillClrLst/>
+    <dgm:txEffectClrLst/>
+  </dgm:styleLbl>
+  <dgm:styleLbl name="vennNode1">
+    <dgm:fillClrLst meth="repeat">
+      <a:schemeClr val="accent1">
+        <a:alpha val="50000"/>
+      </a:schemeClr>
+    </dgm:fillClrLst>
+    <dgm:linClrLst meth="repeat">
+      <a:schemeClr val="lt1"/>
+    </dgm:linClrLst>
+    <dgm:effectClrLst/>
+    <dgm:txLinClrLst/>
+    <dgm:txFillClrLst/>
+    <dgm:txEffectClrLst/>
+  </dgm:styleLbl>
+  <dgm:styleLbl name="node2">
+    <dgm:fillClrLst meth="repeat">
+      <a:schemeClr val="accent1"/>
+    </dgm:fillClrLst>
+    <dgm:linClrLst meth="repeat">
+      <a:schemeClr val="lt1"/>
+    </dgm:linClrLst>
+    <dgm:effectClrLst/>
+    <dgm:txLinClrLst/>
+    <dgm:txFillClrLst/>
+    <dgm:txEffectClrLst/>
+  </dgm:styleLbl>
+  <dgm:styleLbl name="node3">
+    <dgm:fillClrLst meth="repeat">
+      <a:schemeClr val="accent1"/>
+    </dgm:fillClrLst>
+    <dgm:linClrLst meth="repeat">
+      <a:schemeClr val="lt1"/>
+    </dgm:linClrLst>
+    <dgm:effectClrLst/>
+    <dgm:txLinClrLst/>
+    <dgm:txFillClrLst/>
+    <dgm:txEffectClrLst/>
+  </dgm:styleLbl>
+  <dgm:styleLbl name="node4">
+    <dgm:fillClrLst meth="repeat">
+      <a:schemeClr val="accent1"/>
+    </dgm:fillClrLst>
+    <dgm:linClrLst meth="repeat">
+      <a:schemeClr val="lt1"/>
+    </dgm:linClrLst>
+    <dgm:effectClrLst/>
+    <dgm:txLinClrLst/>
+    <dgm:txFillClrLst/>
+    <dgm:txEffectClrLst/>
+  </dgm:styleLbl>
+  <dgm:styleLbl name="fgImgPlace1">
+    <dgm:fillClrLst meth="repeat">
+      <a:schemeClr val="accent1">
+        <a:tint val="50000"/>
+      </a:schemeClr>
+    </dgm:fillClrLst>
+    <dgm:linClrLst meth="repeat">
+      <a:schemeClr val="lt1"/>
+    </dgm:linClrLst>
+    <dgm:effectClrLst/>
+    <dgm:txLinClrLst/>
+    <dgm:txFillClrLst meth="repeat">
+      <a:schemeClr val="lt1"/>
+    </dgm:txFillClrLst>
+    <dgm:txEffectClrLst/>
+  </dgm:styleLbl>
+  <dgm:styleLbl name="alignImgPlace1">
+    <dgm:fillClrLst meth="repeat">
+      <a:schemeClr val="accent1">
+        <a:tint val="50000"/>
+      </a:schemeClr>
+    </dgm:fillClrLst>
+    <dgm:linClrLst meth="repeat">
+      <a:schemeClr val="lt1"/>
+    </dgm:linClrLst>
+    <dgm:effectClrLst/>
+    <dgm:txLinClrLst/>
+    <dgm:txFillClrLst meth="repeat">
+      <a:schemeClr val="lt1"/>
+    </dgm:txFillClrLst>
+    <dgm:txEffectClrLst/>
+  </dgm:styleLbl>
+  <dgm:styleLbl name="bgImgPlace1">
+    <dgm:fillClrLst meth="repeat">
+      <a:schemeClr val="accent1">
+        <a:tint val="50000"/>
+      </a:schemeClr>
+    </dgm:fillClrLst>
+    <dgm:linClrLst meth="repeat">
+      <a:schemeClr val="lt1"/>
+    </dgm:linClrLst>
+    <dgm:effectClrLst/>
+    <dgm:txLinClrLst/>
+    <dgm:txFillClrLst meth="repeat">
+      <a:schemeClr val="lt1"/>
+    </dgm:txFillClrLst>
+    <dgm:txEffectClrLst/>
+  </dgm:styleLbl>
+  <dgm:styleLbl name="sibTrans2D1">
+    <dgm:fillClrLst meth="repeat">
+      <a:schemeClr val="accent1">
+        <a:tint val="60000"/>
+      </a:schemeClr>
+    </dgm:fillClrLst>
+    <dgm:linClrLst meth="repeat">
+      <a:schemeClr val="accent1">
+        <a:tint val="60000"/>
+      </a:schemeClr>
+    </dgm:linClrLst>
+    <dgm:effectClrLst/>
+    <dgm:txLinClrLst/>
+    <dgm:txFillClrLst/>
+    <dgm:txEffectClrLst/>
+  </dgm:styleLbl>
+  <dgm:styleLbl name="fgSibTrans2D1">
+    <dgm:fillClrLst meth="repeat">
+      <a:schemeClr val="accent1">
+        <a:tint val="60000"/>
+      </a:schemeClr>
+    </dgm:fillClrLst>
+    <dgm:linClrLst meth="repeat">
+      <a:schemeClr val="accent1">
+        <a:tint val="60000"/>
+      </a:schemeClr>
+    </dgm:linClrLst>
+    <dgm:effectClrLst/>
+    <dgm:txLinClrLst/>
+    <dgm:txFillClrLst/>
+    <dgm:txEffectClrLst/>
+  </dgm:styleLbl>
+  <dgm:styleLbl name="bgSibTrans2D1">
+    <dgm:fillClrLst meth="repeat">
+      <a:schemeClr val="accent1">
+        <a:tint val="60000"/>
+      </a:schemeClr>
+    </dgm:fillClrLst>
+    <dgm:linClrLst meth="repeat">
+      <a:schemeClr val="accent1">
+        <a:tint val="60000"/>
+      </a:schemeClr>
+    </dgm:linClrLst>
+    <dgm:effectClrLst/>
+    <dgm:txLinClrLst/>
+    <dgm:txFillClrLst/>
+    <dgm:txEffectClrLst/>
+  </dgm:styleLbl>
+  <dgm:styleLbl name="sibTrans1D1">
+    <dgm:fillClrLst meth="repeat">
+      <a:schemeClr val="accent1"/>
+    </dgm:fillClrLst>
+    <dgm:linClrLst meth="repeat">
+      <a:schemeClr val="accent1"/>
+    </dgm:linClrLst>
+    <dgm:effectClrLst/>
+    <dgm:txLinClrLst/>
+    <dgm:txFillClrLst meth="repeat">
+      <a:schemeClr val="tx1"/>
+    </dgm:txFillClrLst>
+    <dgm:txEffectClrLst/>
+  </dgm:styleLbl>
+  <dgm:styleLbl name="callout">
+    <dgm:fillClrLst meth="repeat">
+      <a:schemeClr val="accent1"/>
+    </dgm:fillClrLst>
+    <dgm:linClrLst meth="repeat">
+      <a:schemeClr val="accent1">
+        <a:tint val="50000"/>
+      </a:schemeClr>
+    </dgm:linClrLst>
+    <dgm:effectClrLst/>
+    <dgm:txLinClrLst/>
+    <dgm:txFillClrLst meth="repeat">
+      <a:schemeClr val="tx1"/>
+    </dgm:txFillClrLst>
+    <dgm:txEffectClrLst/>
+  </dgm:styleLbl>
+  <dgm:styleLbl name="asst0">
+    <dgm:fillClrLst meth="repeat">
+      <a:schemeClr val="accent1"/>
+    </dgm:fillClrLst>
+    <dgm:linClrLst meth="repeat">
+      <a:schemeClr val="lt1"/>
+    </dgm:linClrLst>
+    <dgm:effectClrLst/>
+    <dgm:txLinClrLst/>
+    <dgm:txFillClrLst/>
+    <dgm:txEffectClrLst/>
+  </dgm:styleLbl>
+  <dgm:styleLbl name="asst1">
+    <dgm:fillClrLst meth="repeat">
+      <a:schemeClr val="accent1"/>
+    </dgm:fillClrLst>
+    <dgm:linClrLst meth="repeat">
+      <a:schemeClr val="lt1"/>
+    </dgm:linClrLst>
+    <dgm:effectClrLst/>
+    <dgm:txLinClrLst/>
+    <dgm:txFillClrLst/>
+    <dgm:txEffectClrLst/>
+  </dgm:styleLbl>
+  <dgm:styleLbl name="asst2">
+    <dgm:fillClrLst meth="repeat">
+      <a:schemeClr val="accent1"/>
+    </dgm:fillClrLst>
+    <dgm:linClrLst meth="repeat">
+      <a:schemeClr val="lt1"/>
+    </dgm:linClrLst>
+    <dgm:effectClrLst/>
+    <dgm:txLinClrLst/>
+    <dgm:txFillClrLst/>
+    <dgm:txEffectClrLst/>
+  </dgm:styleLbl>
+  <dgm:styleLbl name="asst3">
+    <dgm:fillClrLst meth="repeat">
+      <a:schemeClr val="accent1"/>
+    </dgm:fillClrLst>
+    <dgm:linClrLst meth="repeat">
+      <a:schemeClr val="lt1"/>
+    </dgm:linClrLst>
+    <dgm:effectClrLst/>
+    <dgm:txLinClrLst/>
+    <dgm:txFillClrLst/>
+    <dgm:txEffectClrLst/>
+  </dgm:styleLbl>
+  <dgm:styleLbl name="asst4">
+    <dgm:fillClrLst meth="repeat">
+      <a:schemeClr val="accent1"/>
+    </dgm:fillClrLst>
+    <dgm:linClrLst meth="repeat">
+      <a:schemeClr val="lt1"/>
+    </dgm:linClrLst>
+    <dgm:effectClrLst/>
+    <dgm:txLinClrLst/>
+    <dgm:txFillClrLst/>
+    <dgm:txEffectClrLst/>
+  </dgm:styleLbl>
+  <dgm:styleLbl name="parChTrans2D1">
+    <dgm:fillClrLst meth="repeat">
+      <a:schemeClr val="accent1">
+        <a:tint val="60000"/>
+      </a:schemeClr>
+    </dgm:fillClrLst>
+    <dgm:linClrLst meth="repeat">
+      <a:schemeClr val="accent1">
+        <a:tint val="60000"/>
+      </a:schemeClr>
+    </dgm:linClrLst>
+    <dgm:effectClrLst/>
+    <dgm:txLinClrLst/>
+    <dgm:txFillClrLst meth="repeat">
+      <a:schemeClr val="lt1"/>
+    </dgm:txFillClrLst>
+    <dgm:txEffectClrLst/>
+  </dgm:styleLbl>
+  <dgm:styleLbl name="parChTrans2D2">
+    <dgm:fillClrLst meth="repeat">
+      <a:schemeClr val="accent1"/>
+    </dgm:fillClrLst>
+    <dgm:linClrLst meth="repeat">
+      <a:schemeClr val="accent1"/>
+    </dgm:linClrLst>
+    <dgm:effectClrLst/>
+    <dgm:txLinClrLst/>
+    <dgm:txFillClrLst meth="repeat">
+      <a:schemeClr val="lt1"/>
+    </dgm:txFillClrLst>
+    <dgm:txEffectClrLst/>
+  </dgm:styleLbl>
+  <dgm:styleLbl name="parChTrans2D3">
+    <dgm:fillClrLst meth="repeat">
+      <a:schemeClr val="accent1"/>
+    </dgm:fillClrLst>
+    <dgm:linClrLst meth="repeat">
+      <a:schemeClr val="accent1"/>
+    </dgm:linClrLst>
+    <dgm:effectClrLst/>
+    <dgm:txLinClrLst/>
+    <dgm:txFillClrLst meth="repeat">
+      <a:schemeClr val="lt1"/>
+    </dgm:txFillClrLst>
+    <dgm:txEffectClrLst/>
+  </dgm:styleLbl>
+  <dgm:styleLbl name="parChTrans2D4">
+    <dgm:fillClrLst meth="repeat">
+      <a:schemeClr val="accent1"/>
+    </dgm:fillClrLst>
+    <dgm:linClrLst meth="repeat">
+      <a:schemeClr val="accent1"/>
+    </dgm:linClrLst>
+    <dgm:effectClrLst/>
+    <dgm:txLinClrLst/>
+    <dgm:txFillClrLst meth="repeat">
+      <a:schemeClr val="lt1"/>
+    </dgm:txFillClrLst>
+    <dgm:txEffectClrLst/>
+  </dgm:styleLbl>
+  <dgm:styleLbl name="parChTrans1D1">
+    <dgm:fillClrLst meth="repeat">
+      <a:schemeClr val="accent1"/>
+    </dgm:fillClrLst>
+    <dgm:linClrLst meth="repeat">
+      <a:schemeClr val="accent1">
+        <a:shade val="60000"/>
+      </a:schemeClr>
+    </dgm:linClrLst>
+    <dgm:effectClrLst/>
+    <dgm:txLinClrLst/>
+    <dgm:txFillClrLst meth="repeat">
+      <a:schemeClr val="tx1"/>
+    </dgm:txFillClrLst>
+    <dgm:txEffectClrLst/>
+  </dgm:styleLbl>
+  <dgm:styleLbl name="parChTrans1D2">
+    <dgm:fillClrLst meth="repeat">
+      <a:schemeClr val="accent1"/>
+    </dgm:fillClrLst>
+    <dgm:linClrLst meth="repeat">
+      <a:schemeClr val="accent1">
+        <a:shade val="60000"/>
+      </a:schemeClr>
+    </dgm:linClrLst>
+    <dgm:effectClrLst/>
+    <dgm:txLinClrLst/>
+    <dgm:txFillClrLst meth="repeat">
+      <a:schemeClr val="tx1"/>
+    </dgm:txFillClrLst>
+    <dgm:txEffectClrLst/>
+  </dgm:styleLbl>
+  <dgm:styleLbl name="parChTrans1D3">
+    <dgm:fillClrLst meth="repeat">
+      <a:schemeClr val="accent1"/>
+    </dgm:fillClrLst>
+    <dgm:linClrLst meth="repeat">
+      <a:schemeClr val="accent1">
+        <a:shade val="80000"/>
+      </a:schemeClr>
+    </dgm:linClrLst>
+    <dgm:effectClrLst/>
+    <dgm:txLinClrLst/>
+    <dgm:txFillClrLst meth="repeat">
+      <a:schemeClr val="tx1"/>
+    </dgm:txFillClrLst>
+    <dgm:txEffectClrLst/>
+  </dgm:styleLbl>
+  <dgm:styleLbl name="parChTrans1D4">
+    <dgm:fillClrLst meth="repeat">
+      <a:schemeClr val="accent1"/>
+    </dgm:fillClrLst>
+    <dgm:linClrLst meth="repeat">
+      <a:schemeClr val="accent1">
+        <a:shade val="80000"/>
+      </a:schemeClr>
+    </dgm:linClrLst>
+    <dgm:effectClrLst/>
+    <dgm:txLinClrLst/>
+    <dgm:txFillClrLst meth="repeat">
+      <a:schemeClr val="tx1"/>
+    </dgm:txFillClrLst>
+    <dgm:txEffectClrLst/>
+  </dgm:styleLbl>
+  <dgm:styleLbl name="fgAcc1">
+    <dgm:fillClrLst meth="repeat">
+      <a:schemeClr val="lt1">
+        <a:alpha val="90000"/>
+      </a:schemeClr>
+    </dgm:fillClrLst>
+    <dgm:linClrLst meth="repeat">
+      <a:schemeClr val="accent1"/>
+    </dgm:linClrLst>
+    <dgm:effectClrLst/>
+    <dgm:txLinClrLst/>
+    <dgm:txFillClrLst meth="repeat">
+      <a:schemeClr val="dk1"/>
+    </dgm:txFillClrLst>
+    <dgm:txEffectClrLst/>
+  </dgm:styleLbl>
+  <dgm:styleLbl name="conFgAcc1">
+    <dgm:fillClrLst meth="repeat">
+      <a:schemeClr val="lt1">
+        <a:alpha val="90000"/>
+      </a:schemeClr>
+    </dgm:fillClrLst>
+    <dgm:linClrLst meth="repeat">
+      <a:schemeClr val="accent1"/>
+    </dgm:linClrLst>
+    <dgm:effectClrLst/>
+    <dgm:txLinClrLst/>
+    <dgm:txFillClrLst meth="repeat">
+      <a:schemeClr val="dk1"/>
+    </dgm:txFillClrLst>
+    <dgm:txEffectClrLst/>
+  </dgm:styleLbl>
+  <dgm:styleLbl name="alignAcc1">
+    <dgm:fillClrLst meth="repeat">
+      <a:schemeClr val="lt1">
+        <a:alpha val="90000"/>
+      </a:schemeClr>
+    </dgm:fillClrLst>
+    <dgm:linClrLst meth="repeat">
+      <a:schemeClr val="accent1"/>
+    </dgm:linClrLst>
+    <dgm:effectClrLst/>
+    <dgm:txLinClrLst/>
+    <dgm:txFillClrLst meth="repeat">
+      <a:schemeClr val="dk1"/>
+    </dgm:txFillClrLst>
+    <dgm:txEffectClrLst/>
+  </dgm:styleLbl>
+  <dgm:styleLbl name="trAlignAcc1">
+    <dgm:fillClrLst meth="repeat">
+      <a:schemeClr val="lt1">
+        <a:alpha val="40000"/>
+      </a:schemeClr>
+    </dgm:fillClrLst>
+    <dgm:linClrLst meth="repeat">
+      <a:schemeClr val="accent1"/>
+    </dgm:linClrLst>
+    <dgm:effectClrLst/>
+    <dgm:txLinClrLst/>
+    <dgm:txFillClrLst meth="repeat">
+      <a:schemeClr val="dk1"/>
+    </dgm:txFillClrLst>
+    <dgm:txEffectClrLst/>
+  </dgm:styleLbl>
+  <dgm:styleLbl name="bgAcc1">
+    <dgm:fillClrLst meth="repeat">
+      <a:schemeClr val="lt1">
+        <a:alpha val="90000"/>
+      </a:schemeClr>
+    </dgm:fillClrLst>
+    <dgm:linClrLst meth="repeat">
+      <a:schemeClr val="accent1"/>
+    </dgm:linClrLst>
+    <dgm:effectClrLst/>
+    <dgm:txLinClrLst/>
+    <dgm:txFillClrLst meth="repeat">
+      <a:schemeClr val="dk1"/>
+    </dgm:txFillClrLst>
+    <dgm:txEffectClrLst/>
+  </dgm:styleLbl>
+  <dgm:styleLbl name="solidFgAcc1">
+    <dgm:fillClrLst meth="repeat">
+      <a:schemeClr val="lt1"/>
+    </dgm:fillClrLst>
+    <dgm:linClrLst meth="repeat">
+      <a:schemeClr val="accent1"/>
+    </dgm:linClrLst>
+    <dgm:effectClrLst/>
+    <dgm:txLinClrLst/>
+    <dgm:txFillClrLst meth="repeat">
+      <a:schemeClr val="dk1"/>
+    </dgm:txFillClrLst>
+    <dgm:txEffectClrLst/>
+  </dgm:styleLbl>
+  <dgm:styleLbl name="solidAlignAcc1">
+    <dgm:fillClrLst meth="repeat">
+      <a:schemeClr val="lt1"/>
+    </dgm:fillClrLst>
+    <dgm:linClrLst meth="repeat">
+      <a:schemeClr val="accent1"/>
+    </dgm:linClrLst>
+    <dgm:effectClrLst/>
+    <dgm:txLinClrLst/>
+    <dgm:txFillClrLst meth="repeat">
+      <a:schemeClr val="dk1"/>
+    </dgm:txFillClrLst>
+    <dgm:txEffectClrLst/>
+  </dgm:styleLbl>
+  <dgm:styleLbl name="solidBgAcc1">
+    <dgm:fillClrLst meth="repeat">
+      <a:schemeClr val="lt1"/>
+    </dgm:fillClrLst>
+    <dgm:linClrLst meth="repeat">
+      <a:schemeClr val="accent1"/>
+    </dgm:linClrLst>
+    <dgm:effectClrLst/>
+    <dgm:txLinClrLst/>
+    <dgm:txFillClrLst meth="repeat">
+      <a:schemeClr val="dk1"/>
+    </dgm:txFillClrLst>
+    <dgm:txEffectClrLst/>
+  </dgm:styleLbl>
+  <dgm:styleLbl name="fgAccFollowNode1">
+    <dgm:fillClrLst meth="repeat">
+      <a:schemeClr val="accent1">
+        <a:alpha val="90000"/>
+        <a:tint val="40000"/>
+      </a:schemeClr>
+    </dgm:fillClrLst>
+    <dgm:linClrLst meth="repeat">
+      <a:schemeClr val="accent1">
+        <a:alpha val="90000"/>
+        <a:tint val="40000"/>
+      </a:schemeClr>
+    </dgm:linClrLst>
+    <dgm:effectClrLst/>
+    <dgm:txLinClrLst/>
+    <dgm:txFillClrLst meth="repeat">
+      <a:schemeClr val="dk1"/>
+    </dgm:txFillClrLst>
+    <dgm:txEffectClrLst/>
+  </dgm:styleLbl>
+  <dgm:styleLbl name="alignAccFollowNode1">
+    <dgm:fillClrLst meth="repeat">
+      <a:schemeClr val="accent1">
+        <a:alpha val="90000"/>
+        <a:tint val="40000"/>
+      </a:schemeClr>
+    </dgm:fillClrLst>
+    <dgm:linClrLst meth="repeat">
+      <a:schemeClr val="accent1">
+        <a:alpha val="90000"/>
+        <a:tint val="40000"/>
+      </a:schemeClr>
+    </dgm:linClrLst>
+    <dgm:effectClrLst/>
+    <dgm:txLinClrLst/>
+    <dgm:txFillClrLst meth="repeat">
+      <a:schemeClr val="dk1"/>
+    </dgm:txFillClrLst>
+    <dgm:txEffectClrLst/>
+  </dgm:styleLbl>
+  <dgm:styleLbl name="bgAccFollowNode1">
+    <dgm:fillClrLst meth="repeat">
+      <a:schemeClr val="accent1">
+        <a:alpha val="90000"/>
+        <a:tint val="40000"/>
+      </a:schemeClr>
+    </dgm:fillClrLst>
+    <dgm:linClrLst meth="repeat">
+      <a:schemeClr val="accent1">
+        <a:alpha val="90000"/>
+        <a:tint val="40000"/>
+      </a:schemeClr>
+    </dgm:linClrLst>
+    <dgm:effectClrLst/>
+    <dgm:txLinClrLst/>
+    <dgm:txFillClrLst meth="repeat">
+      <a:schemeClr val="dk1"/>
+    </dgm:txFillClrLst>
+    <dgm:txEffectClrLst/>
+  </dgm:styleLbl>
+  <dgm:styleLbl name="fgAcc0">
+    <dgm:fillClrLst meth="repeat">
+      <a:schemeClr val="lt1">
+        <a:alpha val="90000"/>
+      </a:schemeClr>
+    </dgm:fillClrLst>
+    <dgm:linClrLst meth="repeat">
+      <a:schemeClr val="accent1"/>
+    </dgm:linClrLst>
+    <dgm:effectClrLst/>
+    <dgm:txLinClrLst/>
+    <dgm:txFillClrLst meth="repeat">
+      <a:schemeClr val="dk1"/>
+    </dgm:txFillClrLst>
+    <dgm:txEffectClrLst/>
+  </dgm:styleLbl>
+  <dgm:styleLbl name="fgAcc2">
+    <dgm:fillClrLst meth="repeat">
+      <a:schemeClr val="lt1">
+        <a:alpha val="90000"/>
+      </a:schemeClr>
+    </dgm:fillClrLst>
+    <dgm:linClrLst meth="repeat">
+      <a:schemeClr val="accent1"/>
+    </dgm:linClrLst>
+    <dgm:effectClrLst/>
+    <dgm:txLinClrLst/>
+    <dgm:txFillClrLst meth="repeat">
+      <a:schemeClr val="dk1"/>
+    </dgm:txFillClrLst>
+    <dgm:txEffectClrLst/>
+  </dgm:styleLbl>
+  <dgm:styleLbl name="fgAcc3">
+    <dgm:fillClrLst meth="repeat">
+      <a:schemeClr val="lt1">
+        <a:alpha val="90000"/>
+      </a:schemeClr>
+    </dgm:fillClrLst>
+    <dgm:linClrLst meth="repeat">
+      <a:schemeClr val="accent1"/>
+    </dgm:linClrLst>
+    <dgm:effectClrLst/>
+    <dgm:txLinClrLst/>
+    <dgm:txFillClrLst meth="repeat">
+      <a:schemeClr val="dk1"/>
+    </dgm:txFillClrLst>
+    <dgm:txEffectClrLst/>
+  </dgm:styleLbl>
+  <dgm:styleLbl name="fgAcc4">
+    <dgm:fillClrLst meth="repeat">
+      <a:schemeClr val="lt1">
+        <a:alpha val="90000"/>
+      </a:schemeClr>
+    </dgm:fillClrLst>
+    <dgm:linClrLst meth="repeat">
+      <a:schemeClr val="accent1"/>
+    </dgm:linClrLst>
+    <dgm:effectClrLst/>
+    <dgm:txLinClrLst/>
+    <dgm:txFillClrLst meth="repeat">
+      <a:schemeClr val="dk1"/>
+    </dgm:txFillClrLst>
+    <dgm:txEffectClrLst/>
+  </dgm:styleLbl>
+  <dgm:styleLbl name="bgShp">
+    <dgm:fillClrLst meth="repeat">
+      <a:schemeClr val="accent1">
+        <a:tint val="40000"/>
+      </a:schemeClr>
+    </dgm:fillClrLst>
+    <dgm:linClrLst meth="repeat">
+      <a:schemeClr val="accent1"/>
+    </dgm:linClrLst>
+    <dgm:effectClrLst/>
+    <dgm:txLinClrLst/>
+    <dgm:txFillClrLst meth="repeat">
+      <a:schemeClr val="dk1"/>
+    </dgm:txFillClrLst>
+    <dgm:txEffectClrLst/>
+  </dgm:styleLbl>
+  <dgm:styleLbl name="dkBgShp">
+    <dgm:fillClrLst meth="repeat">
+      <a:schemeClr val="accent1">
+        <a:shade val="80000"/>
+      </a:schemeClr>
+    </dgm:fillClrLst>
+    <dgm:linClrLst meth="repeat">
+      <a:schemeClr val="accent1"/>
+    </dgm:linClrLst>
+    <dgm:effectClrLst/>
+    <dgm:txLinClrLst/>
+    <dgm:txFillClrLst meth="repeat">
+      <a:schemeClr val="lt1"/>
+    </dgm:txFillClrLst>
+    <dgm:txEffectClrLst/>
+  </dgm:styleLbl>
+  <dgm:styleLbl name="trBgShp">
+    <dgm:fillClrLst meth="repeat">
+      <a:schemeClr val="accent1">
+        <a:tint val="50000"/>
+        <a:alpha val="40000"/>
+      </a:schemeClr>
+    </dgm:fillClrLst>
+    <dgm:linClrLst meth="repeat">
+      <a:schemeClr val="accent1"/>
+    </dgm:linClrLst>
+    <dgm:effectClrLst/>
+    <dgm:txLinClrLst/>
+    <dgm:txFillClrLst meth="repeat">
+      <a:schemeClr val="lt1"/>
+    </dgm:txFillClrLst>
+    <dgm:txEffectClrLst/>
+  </dgm:styleLbl>
+  <dgm:styleLbl name="fgShp">
+    <dgm:fillClrLst meth="repeat">
+      <a:schemeClr val="accent1">
+        <a:tint val="60000"/>
+      </a:schemeClr>
+    </dgm:fillClrLst>
+    <dgm:linClrLst meth="repeat">
+      <a:schemeClr val="lt1"/>
+    </dgm:linClrLst>
+    <dgm:effectClrLst/>
+    <dgm:txLinClrLst/>
+    <dgm:txFillClrLst meth="repeat">
+      <a:schemeClr val="dk1"/>
+    </dgm:txFillClrLst>
+    <dgm:txEffectClrLst/>
+  </dgm:styleLbl>
+  <dgm:styleLbl name="revTx">
+    <dgm:fillClrLst meth="repeat">
+      <a:schemeClr val="lt1">
+        <a:alpha val="0"/>
+      </a:schemeClr>
+    </dgm:fillClrLst>
+    <dgm:linClrLst meth="repeat">
+      <a:schemeClr val="dk1">
+        <a:alpha val="0"/>
+      </a:schemeClr>
+    </dgm:linClrLst>
+    <dgm:effectClrLst/>
+    <dgm:txLinClrLst/>
+    <dgm:txFillClrLst meth="repeat">
+      <a:schemeClr val="tx1"/>
+    </dgm:txFillClrLst>
+    <dgm:txEffectClrLst/>
+  </dgm:styleLbl>
+</dgm:colorsDef>
+</file>
+
+<file path=ppt/diagrams/data1.xml><?xml version="1.0" encoding="utf-8"?>
+<dgm:dataModel xmlns:dgm="http://schemas.openxmlformats.org/drawingml/2006/diagram" xmlns:a="http://schemas.openxmlformats.org/drawingml/2006/main">
+  <dgm:ptLst>
+    <dgm:pt modelId="{61CBD980-9DCB-4679-A515-E2AB8A8A274D}" type="doc">
+      <dgm:prSet loTypeId="urn:microsoft.com/office/officeart/2005/8/layout/venn1" loCatId="relationship" qsTypeId="urn:microsoft.com/office/officeart/2005/8/quickstyle/simple1" qsCatId="simple" csTypeId="urn:microsoft.com/office/officeart/2005/8/colors/accent1_2" csCatId="accent1" phldr="1"/>
+      <dgm:spPr/>
+    </dgm:pt>
+    <dgm:pt modelId="{0E9D608C-45DA-4F97-A421-22AE871DC347}">
+      <dgm:prSet phldrT="[Text]"/>
+      <dgm:spPr/>
+      <dgm:t>
+        <a:bodyPr/>
+        <a:lstStyle/>
+        <a:p>
+          <a:r>
+            <a:rPr lang="en-US" dirty="0"/>
+            <a:t>Jaci</a:t>
+          </a:r>
+        </a:p>
+      </dgm:t>
+    </dgm:pt>
+    <dgm:pt modelId="{FCA017DA-76B3-42CA-9C2F-48ABC0ED82EF}" type="parTrans" cxnId="{4DC839C8-25EC-4833-925E-9C2497F17669}">
+      <dgm:prSet/>
+      <dgm:spPr/>
+      <dgm:t>
+        <a:bodyPr/>
+        <a:lstStyle/>
+        <a:p>
+          <a:endParaRPr lang="en-US"/>
+        </a:p>
+      </dgm:t>
+    </dgm:pt>
+    <dgm:pt modelId="{5CEB70F6-6FA5-4FC7-8BAB-EBB109A4E31D}" type="sibTrans" cxnId="{4DC839C8-25EC-4833-925E-9C2497F17669}">
+      <dgm:prSet/>
+      <dgm:spPr/>
+      <dgm:t>
+        <a:bodyPr/>
+        <a:lstStyle/>
+        <a:p>
+          <a:endParaRPr lang="en-US"/>
+        </a:p>
+      </dgm:t>
+    </dgm:pt>
+    <dgm:pt modelId="{24DC7787-6139-44E4-8F5F-6EDC2DBDC615}">
+      <dgm:prSet phldrT="[Text]"/>
+      <dgm:spPr/>
+      <dgm:t>
+        <a:bodyPr/>
+        <a:lstStyle/>
+        <a:p>
+          <a:r>
+            <a:rPr lang="en-US" dirty="0"/>
+            <a:t>Jon</a:t>
+          </a:r>
+        </a:p>
+      </dgm:t>
+    </dgm:pt>
+    <dgm:pt modelId="{2ED3F5AF-93A2-48C1-A09B-4A3D9EE3278B}" type="parTrans" cxnId="{237F4532-B2FD-426E-8434-AAFF3A3ABA3D}">
+      <dgm:prSet/>
+      <dgm:spPr/>
+      <dgm:t>
+        <a:bodyPr/>
+        <a:lstStyle/>
+        <a:p>
+          <a:endParaRPr lang="en-US"/>
+        </a:p>
+      </dgm:t>
+    </dgm:pt>
+    <dgm:pt modelId="{45887B2C-2287-48B4-89B5-EC69D4EABE55}" type="sibTrans" cxnId="{237F4532-B2FD-426E-8434-AAFF3A3ABA3D}">
+      <dgm:prSet/>
+      <dgm:spPr/>
+      <dgm:t>
+        <a:bodyPr/>
+        <a:lstStyle/>
+        <a:p>
+          <a:endParaRPr lang="en-US"/>
+        </a:p>
+      </dgm:t>
+    </dgm:pt>
+    <dgm:pt modelId="{A54EBB9F-F5E8-442A-B982-7245511146EE}">
+      <dgm:prSet phldrT="[Text]"/>
+      <dgm:spPr/>
+      <dgm:t>
+        <a:bodyPr/>
+        <a:lstStyle/>
+        <a:p>
+          <a:r>
+            <a:rPr lang="en-US" dirty="0"/>
+            <a:t>Austin</a:t>
+          </a:r>
+        </a:p>
+      </dgm:t>
+    </dgm:pt>
+    <dgm:pt modelId="{268CC724-0B08-4EA1-A93D-5219B844FCD2}" type="parTrans" cxnId="{AC336EC5-CE59-4309-8FCB-4E715A316BEA}">
+      <dgm:prSet/>
+      <dgm:spPr/>
+      <dgm:t>
+        <a:bodyPr/>
+        <a:lstStyle/>
+        <a:p>
+          <a:endParaRPr lang="en-US"/>
+        </a:p>
+      </dgm:t>
+    </dgm:pt>
+    <dgm:pt modelId="{1EF6555F-72C4-4D5D-B62A-728451D874E4}" type="sibTrans" cxnId="{AC336EC5-CE59-4309-8FCB-4E715A316BEA}">
+      <dgm:prSet/>
+      <dgm:spPr/>
+      <dgm:t>
+        <a:bodyPr/>
+        <a:lstStyle/>
+        <a:p>
+          <a:endParaRPr lang="en-US"/>
+        </a:p>
+      </dgm:t>
+    </dgm:pt>
+    <dgm:pt modelId="{96BD0E81-EA2D-42C4-8782-8CD7C199A975}">
+      <dgm:prSet phldrT="[Text]"/>
+      <dgm:spPr/>
+      <dgm:t>
+        <a:bodyPr/>
+        <a:lstStyle/>
+        <a:p>
+          <a:r>
+            <a:rPr lang="en-US" dirty="0"/>
+            <a:t>Descriptors: Team leader, Java lover, Organizer, Worry-er</a:t>
+          </a:r>
+        </a:p>
+      </dgm:t>
+    </dgm:pt>
+    <dgm:pt modelId="{DEBE1383-DCA6-463E-A396-674890D6BA5A}" type="parTrans" cxnId="{87B01394-CC69-434D-8CE4-AC1089C8B623}">
+      <dgm:prSet/>
+      <dgm:spPr/>
+      <dgm:t>
+        <a:bodyPr/>
+        <a:lstStyle/>
+        <a:p>
+          <a:endParaRPr lang="en-US"/>
+        </a:p>
+      </dgm:t>
+    </dgm:pt>
+    <dgm:pt modelId="{893CEE9C-74C8-43DD-9826-6A5EA9BDA715}" type="sibTrans" cxnId="{87B01394-CC69-434D-8CE4-AC1089C8B623}">
+      <dgm:prSet/>
+      <dgm:spPr/>
+      <dgm:t>
+        <a:bodyPr/>
+        <a:lstStyle/>
+        <a:p>
+          <a:endParaRPr lang="en-US"/>
+        </a:p>
+      </dgm:t>
+    </dgm:pt>
+    <dgm:pt modelId="{CDD22261-99B9-487D-9930-C76A73457867}">
+      <dgm:prSet/>
+      <dgm:spPr/>
+      <dgm:t>
+        <a:bodyPr/>
+        <a:lstStyle/>
+        <a:p>
+          <a:r>
+            <a:rPr lang="en-US" dirty="0"/>
+            <a:t>Descriptors:</a:t>
+          </a:r>
+        </a:p>
+      </dgm:t>
+    </dgm:pt>
+    <dgm:pt modelId="{A91092E2-8B45-42D5-950A-BB29236775BD}" type="parTrans" cxnId="{52B70A8F-7D1E-4738-BEB8-A745D1852C04}">
+      <dgm:prSet/>
+      <dgm:spPr/>
+      <dgm:t>
+        <a:bodyPr/>
+        <a:lstStyle/>
+        <a:p>
+          <a:endParaRPr lang="en-US"/>
+        </a:p>
+      </dgm:t>
+    </dgm:pt>
+    <dgm:pt modelId="{0D59B9CE-2AA2-4F1A-8C9E-1D998273647A}" type="sibTrans" cxnId="{52B70A8F-7D1E-4738-BEB8-A745D1852C04}">
+      <dgm:prSet/>
+      <dgm:spPr/>
+      <dgm:t>
+        <a:bodyPr/>
+        <a:lstStyle/>
+        <a:p>
+          <a:endParaRPr lang="en-US"/>
+        </a:p>
+      </dgm:t>
+    </dgm:pt>
+    <dgm:pt modelId="{DEC465CE-371C-4B94-AE48-F6AF30DC9EFD}">
+      <dgm:prSet phldrT="[Text]"/>
+      <dgm:spPr/>
+      <dgm:t>
+        <a:bodyPr/>
+        <a:lstStyle/>
+        <a:p>
+          <a:r>
+            <a:rPr lang="en-US" dirty="0"/>
+            <a:t>Location: South Mississippi</a:t>
+          </a:r>
+        </a:p>
+      </dgm:t>
+    </dgm:pt>
+    <dgm:pt modelId="{36EC1A30-79D5-464B-B10D-53F2398FC1C3}" type="parTrans" cxnId="{7EF7F7C6-8187-468B-A650-B701143F69B9}">
+      <dgm:prSet/>
+      <dgm:spPr/>
+      <dgm:t>
+        <a:bodyPr/>
+        <a:lstStyle/>
+        <a:p>
+          <a:endParaRPr lang="en-US"/>
+        </a:p>
+      </dgm:t>
+    </dgm:pt>
+    <dgm:pt modelId="{89BBED35-3D6F-47DD-802E-37517B84BED6}" type="sibTrans" cxnId="{7EF7F7C6-8187-468B-A650-B701143F69B9}">
+      <dgm:prSet/>
+      <dgm:spPr/>
+      <dgm:t>
+        <a:bodyPr/>
+        <a:lstStyle/>
+        <a:p>
+          <a:endParaRPr lang="en-US"/>
+        </a:p>
+      </dgm:t>
+    </dgm:pt>
+    <dgm:pt modelId="{74F83FCC-010F-4BBF-A77A-A10565480971}">
+      <dgm:prSet phldrT="[Text]"/>
+      <dgm:spPr/>
+      <dgm:t>
+        <a:bodyPr/>
+        <a:lstStyle/>
+        <a:p>
+          <a:r>
+            <a:rPr lang="en-US" dirty="0"/>
+            <a:t>Field Preference: Back-end logic, possibly DB, or full start up. </a:t>
+          </a:r>
+        </a:p>
+      </dgm:t>
+    </dgm:pt>
+    <dgm:pt modelId="{FB9D2996-8269-471A-B741-60CE22A600A5}" type="parTrans" cxnId="{9C144158-A882-4091-99BA-ACF7B131D6AA}">
+      <dgm:prSet/>
+      <dgm:spPr/>
+      <dgm:t>
+        <a:bodyPr/>
+        <a:lstStyle/>
+        <a:p>
+          <a:endParaRPr lang="en-US"/>
+        </a:p>
+      </dgm:t>
+    </dgm:pt>
+    <dgm:pt modelId="{CA6C26BA-F1C2-4A76-9DA0-C27DCA6E48D2}" type="sibTrans" cxnId="{9C144158-A882-4091-99BA-ACF7B131D6AA}">
+      <dgm:prSet/>
+      <dgm:spPr/>
+      <dgm:t>
+        <a:bodyPr/>
+        <a:lstStyle/>
+        <a:p>
+          <a:endParaRPr lang="en-US"/>
+        </a:p>
+      </dgm:t>
+    </dgm:pt>
+    <dgm:pt modelId="{CC1968F3-0B4D-46A3-AD7A-4E13089E7315}">
+      <dgm:prSet phldrT="[Text]"/>
+      <dgm:spPr/>
+      <dgm:t>
+        <a:bodyPr/>
+        <a:lstStyle/>
+        <a:p>
+          <a:r>
+            <a:rPr lang="en-US" dirty="0"/>
+            <a:t>Leader award: Methodical Solver</a:t>
+          </a:r>
+        </a:p>
+      </dgm:t>
+    </dgm:pt>
+    <dgm:pt modelId="{4A03CC07-461B-479F-B7BA-1C0AD3E4652F}" type="parTrans" cxnId="{231E9730-1498-4269-8356-823DB580A39D}">
+      <dgm:prSet/>
+      <dgm:spPr/>
+      <dgm:t>
+        <a:bodyPr/>
+        <a:lstStyle/>
+        <a:p>
+          <a:endParaRPr lang="en-US"/>
+        </a:p>
+      </dgm:t>
+    </dgm:pt>
+    <dgm:pt modelId="{63A370D9-DC6A-4F93-A707-9999D8ADF969}" type="sibTrans" cxnId="{231E9730-1498-4269-8356-823DB580A39D}">
+      <dgm:prSet/>
+      <dgm:spPr/>
+      <dgm:t>
+        <a:bodyPr/>
+        <a:lstStyle/>
+        <a:p>
+          <a:endParaRPr lang="en-US"/>
+        </a:p>
+      </dgm:t>
+    </dgm:pt>
+    <dgm:pt modelId="{1885145E-166E-4CF0-866D-243D06E537AD}">
+      <dgm:prSet/>
+      <dgm:spPr/>
+      <dgm:t>
+        <a:bodyPr/>
+        <a:lstStyle/>
+        <a:p>
+          <a:r>
+            <a:rPr lang="en-US" dirty="0"/>
+            <a:t>Location: </a:t>
+          </a:r>
+        </a:p>
+      </dgm:t>
+    </dgm:pt>
+    <dgm:pt modelId="{30798431-4A0C-40C2-9F02-506C98103B1C}" type="parTrans" cxnId="{AC39D721-771D-4F67-AC13-6A9D9E2FE639}">
+      <dgm:prSet/>
+      <dgm:spPr/>
+      <dgm:t>
+        <a:bodyPr/>
+        <a:lstStyle/>
+        <a:p>
+          <a:endParaRPr lang="en-US"/>
+        </a:p>
+      </dgm:t>
+    </dgm:pt>
+    <dgm:pt modelId="{32CF0D41-DCF5-410F-95AE-E21AD7F6EF12}" type="sibTrans" cxnId="{AC39D721-771D-4F67-AC13-6A9D9E2FE639}">
+      <dgm:prSet/>
+      <dgm:spPr/>
+      <dgm:t>
+        <a:bodyPr/>
+        <a:lstStyle/>
+        <a:p>
+          <a:endParaRPr lang="en-US"/>
+        </a:p>
+      </dgm:t>
+    </dgm:pt>
+    <dgm:pt modelId="{2B8EBFD6-A2C6-46A6-8480-88A984E76E92}">
+      <dgm:prSet/>
+      <dgm:spPr/>
+      <dgm:t>
+        <a:bodyPr/>
+        <a:lstStyle/>
+        <a:p>
+          <a:r>
+            <a:rPr lang="en-US" dirty="0"/>
+            <a:t>Field Preference: </a:t>
+          </a:r>
+        </a:p>
+      </dgm:t>
+    </dgm:pt>
+    <dgm:pt modelId="{FEEEF4FC-C626-4C5F-9AA3-2070E46ED37B}" type="parTrans" cxnId="{9F1338A8-D09A-4EE3-AC43-9B2C7826CBD5}">
+      <dgm:prSet/>
+      <dgm:spPr/>
+      <dgm:t>
+        <a:bodyPr/>
+        <a:lstStyle/>
+        <a:p>
+          <a:endParaRPr lang="en-US"/>
+        </a:p>
+      </dgm:t>
+    </dgm:pt>
+    <dgm:pt modelId="{B7FB517D-02FD-475C-BF20-825D93361008}" type="sibTrans" cxnId="{9F1338A8-D09A-4EE3-AC43-9B2C7826CBD5}">
+      <dgm:prSet/>
+      <dgm:spPr/>
+      <dgm:t>
+        <a:bodyPr/>
+        <a:lstStyle/>
+        <a:p>
+          <a:endParaRPr lang="en-US"/>
+        </a:p>
+      </dgm:t>
+    </dgm:pt>
+    <dgm:pt modelId="{5D462A64-84F8-4DA1-A6B8-835386BB1CB7}">
+      <dgm:prSet phldrT="[Text]"/>
+      <dgm:spPr/>
+      <dgm:t>
+        <a:bodyPr/>
+        <a:lstStyle/>
+        <a:p>
+          <a:r>
+            <a:rPr lang="en-US" dirty="0"/>
+            <a:t>Descriptors: Loves web development, overly analytical, avid movie buff.
+Location: North Carolina
+Field Preference: Front-end development and Cybersecurity</a:t>
+          </a:r>
+        </a:p>
+      </dgm:t>
+    </dgm:pt>
+    <dgm:pt modelId="{9D6788C5-EB24-4A29-B3EF-8BA7DD09DEE5}" type="parTrans" cxnId="{A8BB9043-EEAD-49B9-9C29-C77FA869E5D4}">
+      <dgm:prSet/>
+      <dgm:spPr/>
+      <dgm:t>
+        <a:bodyPr/>
+        <a:lstStyle/>
+        <a:p>
+          <a:endParaRPr lang="en-US"/>
+        </a:p>
+      </dgm:t>
+    </dgm:pt>
+    <dgm:pt modelId="{C2BD9BDC-23FF-43BF-B090-93868AB7B05A}" type="sibTrans" cxnId="{A8BB9043-EEAD-49B9-9C29-C77FA869E5D4}">
+      <dgm:prSet/>
+      <dgm:spPr/>
+      <dgm:t>
+        <a:bodyPr/>
+        <a:lstStyle/>
+        <a:p>
+          <a:endParaRPr lang="en-US"/>
+        </a:p>
+      </dgm:t>
+    </dgm:pt>
+    <dgm:pt modelId="{D0D2B677-7BC1-4EAA-81B4-912D0724E2C4}">
+      <dgm:prSet phldrT="[Text]"/>
+      <dgm:spPr/>
+      <dgm:t>
+        <a:bodyPr/>
+        <a:lstStyle/>
+        <a:p>
+          <a:r>
+            <a:rPr lang="en-US" dirty="0"/>
+            <a:t>Team compliments: Detailed, focused, calm</a:t>
+          </a:r>
+        </a:p>
+      </dgm:t>
+    </dgm:pt>
+    <dgm:pt modelId="{46A87B5F-FFCF-4C68-8FF3-6109205258F4}" type="parTrans" cxnId="{6A4D90B2-7785-46DE-9405-F8D903FC5058}">
+      <dgm:prSet/>
+      <dgm:spPr/>
+      <dgm:t>
+        <a:bodyPr/>
+        <a:lstStyle/>
+        <a:p>
+          <a:endParaRPr lang="en-US"/>
+        </a:p>
+      </dgm:t>
+    </dgm:pt>
+    <dgm:pt modelId="{72449FEF-1133-497F-9D7C-4BEA9D4A6896}" type="sibTrans" cxnId="{6A4D90B2-7785-46DE-9405-F8D903FC5058}">
+      <dgm:prSet/>
+      <dgm:spPr/>
+      <dgm:t>
+        <a:bodyPr/>
+        <a:lstStyle/>
+        <a:p>
+          <a:endParaRPr lang="en-US"/>
+        </a:p>
+      </dgm:t>
+    </dgm:pt>
+    <dgm:pt modelId="{C45C9F5E-C602-41D5-AF39-3BA3D1A89D01}">
+      <dgm:prSet/>
+      <dgm:spPr/>
+      <dgm:t>
+        <a:bodyPr/>
+        <a:lstStyle/>
+        <a:p>
+          <a:r>
+            <a:rPr lang="en-US" dirty="0"/>
+            <a:t>Team compliments: Methodical problem solver/troubleshooter, patient</a:t>
+          </a:r>
+        </a:p>
+      </dgm:t>
+    </dgm:pt>
+    <dgm:pt modelId="{47A96922-E432-48CA-B07E-1A8ABEA820B7}" type="parTrans" cxnId="{7C8663D0-EE0E-4E10-A877-2FAC110ED532}">
+      <dgm:prSet/>
+      <dgm:spPr/>
+      <dgm:t>
+        <a:bodyPr/>
+        <a:lstStyle/>
+        <a:p>
+          <a:endParaRPr lang="en-US"/>
+        </a:p>
+      </dgm:t>
+    </dgm:pt>
+    <dgm:pt modelId="{9A4B9E63-E8AE-40C5-B373-CA5AE6D8CA43}" type="sibTrans" cxnId="{7C8663D0-EE0E-4E10-A877-2FAC110ED532}">
+      <dgm:prSet/>
+      <dgm:spPr/>
+      <dgm:t>
+        <a:bodyPr/>
+        <a:lstStyle/>
+        <a:p>
+          <a:endParaRPr lang="en-US"/>
+        </a:p>
+      </dgm:t>
+    </dgm:pt>
+    <dgm:pt modelId="{6C0F4F6A-A1FC-4FE9-A2F4-6E54AEF8AB38}" type="pres">
+      <dgm:prSet presAssocID="{61CBD980-9DCB-4679-A515-E2AB8A8A274D}" presName="compositeShape" presStyleCnt="0">
+        <dgm:presLayoutVars>
+          <dgm:chMax val="7"/>
+          <dgm:dir/>
+          <dgm:resizeHandles val="exact"/>
+        </dgm:presLayoutVars>
+      </dgm:prSet>
+      <dgm:spPr/>
+    </dgm:pt>
+    <dgm:pt modelId="{5786B75E-32F9-4A27-958A-3FAD6525B308}" type="pres">
+      <dgm:prSet presAssocID="{0E9D608C-45DA-4F97-A421-22AE871DC347}" presName="circ1" presStyleLbl="vennNode1" presStyleIdx="0" presStyleCnt="3"/>
+      <dgm:spPr/>
+    </dgm:pt>
+    <dgm:pt modelId="{016E9B17-FC94-4F13-8AC3-293B8B32F1F8}" type="pres">
+      <dgm:prSet presAssocID="{0E9D608C-45DA-4F97-A421-22AE871DC347}" presName="circ1Tx" presStyleLbl="revTx" presStyleIdx="0" presStyleCnt="0">
+        <dgm:presLayoutVars>
+          <dgm:chMax val="0"/>
+          <dgm:chPref val="0"/>
+          <dgm:bulletEnabled val="1"/>
+        </dgm:presLayoutVars>
+      </dgm:prSet>
+      <dgm:spPr/>
+    </dgm:pt>
+    <dgm:pt modelId="{52934070-1235-42A5-9AB1-25C063DCA329}" type="pres">
+      <dgm:prSet presAssocID="{24DC7787-6139-44E4-8F5F-6EDC2DBDC615}" presName="circ2" presStyleLbl="vennNode1" presStyleIdx="1" presStyleCnt="3"/>
+      <dgm:spPr/>
+    </dgm:pt>
+    <dgm:pt modelId="{AC898BA9-7A21-47E4-8EED-068A61E23EF9}" type="pres">
+      <dgm:prSet presAssocID="{24DC7787-6139-44E4-8F5F-6EDC2DBDC615}" presName="circ2Tx" presStyleLbl="revTx" presStyleIdx="0" presStyleCnt="0">
+        <dgm:presLayoutVars>
+          <dgm:chMax val="0"/>
+          <dgm:chPref val="0"/>
+          <dgm:bulletEnabled val="1"/>
+        </dgm:presLayoutVars>
+      </dgm:prSet>
+      <dgm:spPr/>
+    </dgm:pt>
+    <dgm:pt modelId="{52E3E772-36B1-41A8-994C-C8B52E59C5CC}" type="pres">
+      <dgm:prSet presAssocID="{A54EBB9F-F5E8-442A-B982-7245511146EE}" presName="circ3" presStyleLbl="vennNode1" presStyleIdx="2" presStyleCnt="3"/>
+      <dgm:spPr/>
+    </dgm:pt>
+    <dgm:pt modelId="{F2F34E1F-A532-4EBE-8A2D-2DB0DD54EF61}" type="pres">
+      <dgm:prSet presAssocID="{A54EBB9F-F5E8-442A-B982-7245511146EE}" presName="circ3Tx" presStyleLbl="revTx" presStyleIdx="0" presStyleCnt="0">
+        <dgm:presLayoutVars>
+          <dgm:chMax val="0"/>
+          <dgm:chPref val="0"/>
+          <dgm:bulletEnabled val="1"/>
+        </dgm:presLayoutVars>
+      </dgm:prSet>
+      <dgm:spPr/>
+    </dgm:pt>
+  </dgm:ptLst>
+  <dgm:cxnLst>
+    <dgm:cxn modelId="{92A34000-CF33-4617-8708-ECECFD71B6CD}" type="presOf" srcId="{2B8EBFD6-A2C6-46A6-8480-88A984E76E92}" destId="{F2F34E1F-A532-4EBE-8A2D-2DB0DD54EF61}" srcOrd="1" destOrd="4" presId="urn:microsoft.com/office/officeart/2005/8/layout/venn1"/>
+    <dgm:cxn modelId="{AE1C2707-D6A1-4EC1-9EFA-78A2DF80869C}" type="presOf" srcId="{0E9D608C-45DA-4F97-A421-22AE871DC347}" destId="{5786B75E-32F9-4A27-958A-3FAD6525B308}" srcOrd="0" destOrd="0" presId="urn:microsoft.com/office/officeart/2005/8/layout/venn1"/>
+    <dgm:cxn modelId="{AC39D721-771D-4F67-AC13-6A9D9E2FE639}" srcId="{A54EBB9F-F5E8-442A-B982-7245511146EE}" destId="{1885145E-166E-4CF0-866D-243D06E537AD}" srcOrd="2" destOrd="0" parTransId="{30798431-4A0C-40C2-9F02-506C98103B1C}" sibTransId="{32CF0D41-DCF5-410F-95AE-E21AD7F6EF12}"/>
+    <dgm:cxn modelId="{231E9730-1498-4269-8356-823DB580A39D}" srcId="{A54EBB9F-F5E8-442A-B982-7245511146EE}" destId="{CC1968F3-0B4D-46A3-AD7A-4E13089E7315}" srcOrd="0" destOrd="0" parTransId="{4A03CC07-461B-479F-B7BA-1C0AD3E4652F}" sibTransId="{63A370D9-DC6A-4F93-A707-9999D8ADF969}"/>
+    <dgm:cxn modelId="{237F4532-B2FD-426E-8434-AAFF3A3ABA3D}" srcId="{61CBD980-9DCB-4679-A515-E2AB8A8A274D}" destId="{24DC7787-6139-44E4-8F5F-6EDC2DBDC615}" srcOrd="1" destOrd="0" parTransId="{2ED3F5AF-93A2-48C1-A09B-4A3D9EE3278B}" sibTransId="{45887B2C-2287-48B4-89B5-EC69D4EABE55}"/>
+    <dgm:cxn modelId="{45B3B132-C6BA-4EC8-AF3A-EE68667DBA09}" type="presOf" srcId="{1885145E-166E-4CF0-866D-243D06E537AD}" destId="{52E3E772-36B1-41A8-994C-C8B52E59C5CC}" srcOrd="0" destOrd="3" presId="urn:microsoft.com/office/officeart/2005/8/layout/venn1"/>
+    <dgm:cxn modelId="{A8BB9043-EEAD-49B9-9C29-C77FA869E5D4}" srcId="{24DC7787-6139-44E4-8F5F-6EDC2DBDC615}" destId="{5D462A64-84F8-4DA1-A6B8-835386BB1CB7}" srcOrd="0" destOrd="0" parTransId="{9D6788C5-EB24-4A29-B3EF-8BA7DD09DEE5}" sibTransId="{C2BD9BDC-23FF-43BF-B090-93868AB7B05A}"/>
+    <dgm:cxn modelId="{85D8F343-8D6E-4794-8AF2-3B3D8E5FC83B}" type="presOf" srcId="{5D462A64-84F8-4DA1-A6B8-835386BB1CB7}" destId="{AC898BA9-7A21-47E4-8EED-068A61E23EF9}" srcOrd="1" destOrd="1" presId="urn:microsoft.com/office/officeart/2005/8/layout/venn1"/>
+    <dgm:cxn modelId="{081C2848-C236-4B64-A8DC-F3E8E2C5C8C3}" type="presOf" srcId="{0E9D608C-45DA-4F97-A421-22AE871DC347}" destId="{016E9B17-FC94-4F13-8AC3-293B8B32F1F8}" srcOrd="1" destOrd="0" presId="urn:microsoft.com/office/officeart/2005/8/layout/venn1"/>
+    <dgm:cxn modelId="{B074D449-3AFC-44AD-A432-4B186C08BDA7}" type="presOf" srcId="{61CBD980-9DCB-4679-A515-E2AB8A8A274D}" destId="{6C0F4F6A-A1FC-4FE9-A2F4-6E54AEF8AB38}" srcOrd="0" destOrd="0" presId="urn:microsoft.com/office/officeart/2005/8/layout/venn1"/>
+    <dgm:cxn modelId="{93F6BD6C-9E6C-4703-9098-1672BEDE4A3E}" type="presOf" srcId="{D0D2B677-7BC1-4EAA-81B4-912D0724E2C4}" destId="{52934070-1235-42A5-9AB1-25C063DCA329}" srcOrd="0" destOrd="2" presId="urn:microsoft.com/office/officeart/2005/8/layout/venn1"/>
+    <dgm:cxn modelId="{3A1DCB6C-9E81-4892-99F2-0B0E82E357F2}" type="presOf" srcId="{CC1968F3-0B4D-46A3-AD7A-4E13089E7315}" destId="{F2F34E1F-A532-4EBE-8A2D-2DB0DD54EF61}" srcOrd="1" destOrd="1" presId="urn:microsoft.com/office/officeart/2005/8/layout/venn1"/>
+    <dgm:cxn modelId="{FAFEF16C-6C3B-4242-925F-366C617185CB}" type="presOf" srcId="{D0D2B677-7BC1-4EAA-81B4-912D0724E2C4}" destId="{AC898BA9-7A21-47E4-8EED-068A61E23EF9}" srcOrd="1" destOrd="2" presId="urn:microsoft.com/office/officeart/2005/8/layout/venn1"/>
+    <dgm:cxn modelId="{BD4E5F6E-7AB0-42D5-ADE6-2FFA3D2E0F85}" type="presOf" srcId="{24DC7787-6139-44E4-8F5F-6EDC2DBDC615}" destId="{52934070-1235-42A5-9AB1-25C063DCA329}" srcOrd="0" destOrd="0" presId="urn:microsoft.com/office/officeart/2005/8/layout/venn1"/>
+    <dgm:cxn modelId="{E7E7FD6E-E528-4FDA-9CD3-372A87D835D2}" type="presOf" srcId="{2B8EBFD6-A2C6-46A6-8480-88A984E76E92}" destId="{52E3E772-36B1-41A8-994C-C8B52E59C5CC}" srcOrd="0" destOrd="4" presId="urn:microsoft.com/office/officeart/2005/8/layout/venn1"/>
+    <dgm:cxn modelId="{52721274-06E7-4E79-84D9-1682AB2ADAB4}" type="presOf" srcId="{96BD0E81-EA2D-42C4-8782-8CD7C199A975}" destId="{016E9B17-FC94-4F13-8AC3-293B8B32F1F8}" srcOrd="1" destOrd="1" presId="urn:microsoft.com/office/officeart/2005/8/layout/venn1"/>
+    <dgm:cxn modelId="{9C144158-A882-4091-99BA-ACF7B131D6AA}" srcId="{0E9D608C-45DA-4F97-A421-22AE871DC347}" destId="{74F83FCC-010F-4BBF-A77A-A10565480971}" srcOrd="2" destOrd="0" parTransId="{FB9D2996-8269-471A-B741-60CE22A600A5}" sibTransId="{CA6C26BA-F1C2-4A76-9DA0-C27DCA6E48D2}"/>
+    <dgm:cxn modelId="{2BAB0F7B-5756-4BAF-8D95-B1B94CF2BD07}" type="presOf" srcId="{C45C9F5E-C602-41D5-AF39-3BA3D1A89D01}" destId="{52E3E772-36B1-41A8-994C-C8B52E59C5CC}" srcOrd="0" destOrd="5" presId="urn:microsoft.com/office/officeart/2005/8/layout/venn1"/>
+    <dgm:cxn modelId="{CD2F198D-F541-47B0-9597-03EBDB25987F}" type="presOf" srcId="{74F83FCC-010F-4BBF-A77A-A10565480971}" destId="{016E9B17-FC94-4F13-8AC3-293B8B32F1F8}" srcOrd="1" destOrd="3" presId="urn:microsoft.com/office/officeart/2005/8/layout/venn1"/>
+    <dgm:cxn modelId="{1F238B8D-062F-43D6-8C63-267AD56D5132}" type="presOf" srcId="{CC1968F3-0B4D-46A3-AD7A-4E13089E7315}" destId="{52E3E772-36B1-41A8-994C-C8B52E59C5CC}" srcOrd="0" destOrd="1" presId="urn:microsoft.com/office/officeart/2005/8/layout/venn1"/>
+    <dgm:cxn modelId="{52B70A8F-7D1E-4738-BEB8-A745D1852C04}" srcId="{A54EBB9F-F5E8-442A-B982-7245511146EE}" destId="{CDD22261-99B9-487D-9930-C76A73457867}" srcOrd="1" destOrd="0" parTransId="{A91092E2-8B45-42D5-950A-BB29236775BD}" sibTransId="{0D59B9CE-2AA2-4F1A-8C9E-1D998273647A}"/>
+    <dgm:cxn modelId="{0D351790-955B-4F5D-8F12-A0CE6FCC1DE2}" type="presOf" srcId="{DEC465CE-371C-4B94-AE48-F6AF30DC9EFD}" destId="{5786B75E-32F9-4A27-958A-3FAD6525B308}" srcOrd="0" destOrd="2" presId="urn:microsoft.com/office/officeart/2005/8/layout/venn1"/>
+    <dgm:cxn modelId="{87B01394-CC69-434D-8CE4-AC1089C8B623}" srcId="{0E9D608C-45DA-4F97-A421-22AE871DC347}" destId="{96BD0E81-EA2D-42C4-8782-8CD7C199A975}" srcOrd="0" destOrd="0" parTransId="{DEBE1383-DCA6-463E-A396-674890D6BA5A}" sibTransId="{893CEE9C-74C8-43DD-9826-6A5EA9BDA715}"/>
+    <dgm:cxn modelId="{33CBCA9E-4F1D-49D5-9AAC-050C3D227933}" type="presOf" srcId="{CDD22261-99B9-487D-9930-C76A73457867}" destId="{F2F34E1F-A532-4EBE-8A2D-2DB0DD54EF61}" srcOrd="1" destOrd="2" presId="urn:microsoft.com/office/officeart/2005/8/layout/venn1"/>
+    <dgm:cxn modelId="{9F1338A8-D09A-4EE3-AC43-9B2C7826CBD5}" srcId="{A54EBB9F-F5E8-442A-B982-7245511146EE}" destId="{2B8EBFD6-A2C6-46A6-8480-88A984E76E92}" srcOrd="3" destOrd="0" parTransId="{FEEEF4FC-C626-4C5F-9AA3-2070E46ED37B}" sibTransId="{B7FB517D-02FD-475C-BF20-825D93361008}"/>
+    <dgm:cxn modelId="{6A4D90B2-7785-46DE-9405-F8D903FC5058}" srcId="{24DC7787-6139-44E4-8F5F-6EDC2DBDC615}" destId="{D0D2B677-7BC1-4EAA-81B4-912D0724E2C4}" srcOrd="1" destOrd="0" parTransId="{46A87B5F-FFCF-4C68-8FF3-6109205258F4}" sibTransId="{72449FEF-1133-497F-9D7C-4BEA9D4A6896}"/>
+    <dgm:cxn modelId="{7BFD3CB3-9FCC-4320-B8B4-FFC33DA826D5}" type="presOf" srcId="{74F83FCC-010F-4BBF-A77A-A10565480971}" destId="{5786B75E-32F9-4A27-958A-3FAD6525B308}" srcOrd="0" destOrd="3" presId="urn:microsoft.com/office/officeart/2005/8/layout/venn1"/>
+    <dgm:cxn modelId="{3B2C40BA-2BE5-4FCD-8194-8B306F346B69}" type="presOf" srcId="{A54EBB9F-F5E8-442A-B982-7245511146EE}" destId="{52E3E772-36B1-41A8-994C-C8B52E59C5CC}" srcOrd="0" destOrd="0" presId="urn:microsoft.com/office/officeart/2005/8/layout/venn1"/>
+    <dgm:cxn modelId="{AC336EC5-CE59-4309-8FCB-4E715A316BEA}" srcId="{61CBD980-9DCB-4679-A515-E2AB8A8A274D}" destId="{A54EBB9F-F5E8-442A-B982-7245511146EE}" srcOrd="2" destOrd="0" parTransId="{268CC724-0B08-4EA1-A93D-5219B844FCD2}" sibTransId="{1EF6555F-72C4-4D5D-B62A-728451D874E4}"/>
+    <dgm:cxn modelId="{7EF7F7C6-8187-468B-A650-B701143F69B9}" srcId="{0E9D608C-45DA-4F97-A421-22AE871DC347}" destId="{DEC465CE-371C-4B94-AE48-F6AF30DC9EFD}" srcOrd="1" destOrd="0" parTransId="{36EC1A30-79D5-464B-B10D-53F2398FC1C3}" sibTransId="{89BBED35-3D6F-47DD-802E-37517B84BED6}"/>
+    <dgm:cxn modelId="{4DC839C8-25EC-4833-925E-9C2497F17669}" srcId="{61CBD980-9DCB-4679-A515-E2AB8A8A274D}" destId="{0E9D608C-45DA-4F97-A421-22AE871DC347}" srcOrd="0" destOrd="0" parTransId="{FCA017DA-76B3-42CA-9C2F-48ABC0ED82EF}" sibTransId="{5CEB70F6-6FA5-4FC7-8BAB-EBB109A4E31D}"/>
+    <dgm:cxn modelId="{7C8663D0-EE0E-4E10-A877-2FAC110ED532}" srcId="{A54EBB9F-F5E8-442A-B982-7245511146EE}" destId="{C45C9F5E-C602-41D5-AF39-3BA3D1A89D01}" srcOrd="4" destOrd="0" parTransId="{47A96922-E432-48CA-B07E-1A8ABEA820B7}" sibTransId="{9A4B9E63-E8AE-40C5-B373-CA5AE6D8CA43}"/>
+    <dgm:cxn modelId="{6E2716D5-E741-455D-BFBD-D411316EF99A}" type="presOf" srcId="{A54EBB9F-F5E8-442A-B982-7245511146EE}" destId="{F2F34E1F-A532-4EBE-8A2D-2DB0DD54EF61}" srcOrd="1" destOrd="0" presId="urn:microsoft.com/office/officeart/2005/8/layout/venn1"/>
+    <dgm:cxn modelId="{61A763D6-0550-4801-9D4F-6BDF0A7F06CC}" type="presOf" srcId="{CDD22261-99B9-487D-9930-C76A73457867}" destId="{52E3E772-36B1-41A8-994C-C8B52E59C5CC}" srcOrd="0" destOrd="2" presId="urn:microsoft.com/office/officeart/2005/8/layout/venn1"/>
+    <dgm:cxn modelId="{E18FE5E8-43C7-4CD4-80D6-2572BC0B79FD}" type="presOf" srcId="{5D462A64-84F8-4DA1-A6B8-835386BB1CB7}" destId="{52934070-1235-42A5-9AB1-25C063DCA329}" srcOrd="0" destOrd="1" presId="urn:microsoft.com/office/officeart/2005/8/layout/venn1"/>
+    <dgm:cxn modelId="{6E07B7ED-33AE-4894-97E7-1D40D4DA1C56}" type="presOf" srcId="{C45C9F5E-C602-41D5-AF39-3BA3D1A89D01}" destId="{F2F34E1F-A532-4EBE-8A2D-2DB0DD54EF61}" srcOrd="1" destOrd="5" presId="urn:microsoft.com/office/officeart/2005/8/layout/venn1"/>
+    <dgm:cxn modelId="{9627AEEE-A939-425C-8A72-88794F360DC4}" type="presOf" srcId="{1885145E-166E-4CF0-866D-243D06E537AD}" destId="{F2F34E1F-A532-4EBE-8A2D-2DB0DD54EF61}" srcOrd="1" destOrd="3" presId="urn:microsoft.com/office/officeart/2005/8/layout/venn1"/>
+    <dgm:cxn modelId="{AB5B0DEF-3405-4AC4-8F4D-5BACA4ABFD68}" type="presOf" srcId="{24DC7787-6139-44E4-8F5F-6EDC2DBDC615}" destId="{AC898BA9-7A21-47E4-8EED-068A61E23EF9}" srcOrd="1" destOrd="0" presId="urn:microsoft.com/office/officeart/2005/8/layout/venn1"/>
+    <dgm:cxn modelId="{F2ED53F0-08D8-4C0C-9FBA-3A0C0153AA77}" type="presOf" srcId="{DEC465CE-371C-4B94-AE48-F6AF30DC9EFD}" destId="{016E9B17-FC94-4F13-8AC3-293B8B32F1F8}" srcOrd="1" destOrd="2" presId="urn:microsoft.com/office/officeart/2005/8/layout/venn1"/>
+    <dgm:cxn modelId="{061294FB-19EB-4B9F-A4C7-221F879B1F04}" type="presOf" srcId="{96BD0E81-EA2D-42C4-8782-8CD7C199A975}" destId="{5786B75E-32F9-4A27-958A-3FAD6525B308}" srcOrd="0" destOrd="1" presId="urn:microsoft.com/office/officeart/2005/8/layout/venn1"/>
+    <dgm:cxn modelId="{59385416-C461-4B77-9310-293E19416073}" type="presParOf" srcId="{6C0F4F6A-A1FC-4FE9-A2F4-6E54AEF8AB38}" destId="{5786B75E-32F9-4A27-958A-3FAD6525B308}" srcOrd="0" destOrd="0" presId="urn:microsoft.com/office/officeart/2005/8/layout/venn1"/>
+    <dgm:cxn modelId="{1D43BDCA-82DB-438D-AC0B-C4CD380CCAFF}" type="presParOf" srcId="{6C0F4F6A-A1FC-4FE9-A2F4-6E54AEF8AB38}" destId="{016E9B17-FC94-4F13-8AC3-293B8B32F1F8}" srcOrd="1" destOrd="0" presId="urn:microsoft.com/office/officeart/2005/8/layout/venn1"/>
+    <dgm:cxn modelId="{C01B7EBB-B634-4E81-B8ED-127FAC6636F0}" type="presParOf" srcId="{6C0F4F6A-A1FC-4FE9-A2F4-6E54AEF8AB38}" destId="{52934070-1235-42A5-9AB1-25C063DCA329}" srcOrd="2" destOrd="0" presId="urn:microsoft.com/office/officeart/2005/8/layout/venn1"/>
+    <dgm:cxn modelId="{816C9F61-49DE-4730-BC65-0579C0FFD6CA}" type="presParOf" srcId="{6C0F4F6A-A1FC-4FE9-A2F4-6E54AEF8AB38}" destId="{AC898BA9-7A21-47E4-8EED-068A61E23EF9}" srcOrd="3" destOrd="0" presId="urn:microsoft.com/office/officeart/2005/8/layout/venn1"/>
+    <dgm:cxn modelId="{38B35BEE-9E22-4365-BF62-FCB9317ADA13}" type="presParOf" srcId="{6C0F4F6A-A1FC-4FE9-A2F4-6E54AEF8AB38}" destId="{52E3E772-36B1-41A8-994C-C8B52E59C5CC}" srcOrd="4" destOrd="0" presId="urn:microsoft.com/office/officeart/2005/8/layout/venn1"/>
+    <dgm:cxn modelId="{120F7AA5-3B32-49BC-A623-067562FCD75E}" type="presParOf" srcId="{6C0F4F6A-A1FC-4FE9-A2F4-6E54AEF8AB38}" destId="{F2F34E1F-A532-4EBE-8A2D-2DB0DD54EF61}" srcOrd="5" destOrd="0" presId="urn:microsoft.com/office/officeart/2005/8/layout/venn1"/>
+  </dgm:cxnLst>
+  <dgm:bg/>
+  <dgm:whole/>
+  <dgm:extLst>
+    <a:ext uri="http://schemas.microsoft.com/office/drawing/2008/diagram">
+      <dsp:dataModelExt xmlns:dsp="http://schemas.microsoft.com/office/drawing/2008/diagram" relId="rId7" minVer="http://schemas.openxmlformats.org/drawingml/2006/diagram"/>
+    </a:ext>
+  </dgm:extLst>
+</dgm:dataModel>
+</file>
+
+<file path=ppt/diagrams/data2.xml><?xml version="1.0" encoding="utf-8"?>
+<dgm:dataModel xmlns:dgm="http://schemas.openxmlformats.org/drawingml/2006/diagram" xmlns:a="http://schemas.openxmlformats.org/drawingml/2006/main">
+  <dgm:ptLst>
+    <dgm:pt modelId="{46E80F14-3DCE-46E7-B87F-F474A4996EB6}" type="doc">
+      <dgm:prSet loTypeId="urn:microsoft.com/office/officeart/2005/8/layout/default" loCatId="list" qsTypeId="urn:microsoft.com/office/officeart/2005/8/quickstyle/simple1" qsCatId="simple" csTypeId="urn:microsoft.com/office/officeart/2005/8/colors/accent1_2" csCatId="accent1" phldr="1"/>
+      <dgm:spPr/>
+      <dgm:t>
+        <a:bodyPr/>
+        <a:lstStyle/>
+        <a:p>
+          <a:endParaRPr lang="en-US"/>
+        </a:p>
+      </dgm:t>
+    </dgm:pt>
+    <dgm:pt modelId="{973C3432-5C8B-424F-A70B-4161F5F152B5}">
+      <dgm:prSet phldrT="[Text]"/>
+      <dgm:spPr/>
+      <dgm:t>
+        <a:bodyPr/>
+        <a:lstStyle/>
+        <a:p>
+          <a:r>
+            <a:rPr lang="en-US" dirty="0"/>
+            <a:t>Austin: </a:t>
+          </a:r>
+        </a:p>
+      </dgm:t>
+    </dgm:pt>
+    <dgm:pt modelId="{F70F6172-EED4-4768-A455-DCE226E2A712}" type="parTrans" cxnId="{375A95AB-18F8-4E00-B867-4538237FC433}">
+      <dgm:prSet/>
+      <dgm:spPr/>
+      <dgm:t>
+        <a:bodyPr/>
+        <a:lstStyle/>
+        <a:p>
+          <a:endParaRPr lang="en-US"/>
+        </a:p>
+      </dgm:t>
+    </dgm:pt>
+    <dgm:pt modelId="{C6205975-E8C2-43F3-85B4-F220B6F10D2F}" type="sibTrans" cxnId="{375A95AB-18F8-4E00-B867-4538237FC433}">
+      <dgm:prSet/>
+      <dgm:spPr/>
+      <dgm:t>
+        <a:bodyPr/>
+        <a:lstStyle/>
+        <a:p>
+          <a:endParaRPr lang="en-US"/>
+        </a:p>
+      </dgm:t>
+    </dgm:pt>
+    <dgm:pt modelId="{02138E7B-E5CE-439E-8194-BE0F89BCAD93}">
+      <dgm:prSet phldrT="[Text]"/>
+      <dgm:spPr/>
+      <dgm:t>
+        <a:bodyPr/>
+        <a:lstStyle/>
+        <a:p>
+          <a:r>
+            <a:rPr lang="en-US" dirty="0" err="1"/>
+            <a:t>Nilam</a:t>
+          </a:r>
+          <a:r>
+            <a:rPr lang="en-US" dirty="0"/>
+            <a:t>:</a:t>
+          </a:r>
+        </a:p>
+      </dgm:t>
+    </dgm:pt>
+    <dgm:pt modelId="{73EE5283-5DF9-4C93-AE55-597DC55E29D4}" type="parTrans" cxnId="{085A058E-F09A-4859-8EB7-1A52C0A562A5}">
+      <dgm:prSet/>
+      <dgm:spPr/>
+      <dgm:t>
+        <a:bodyPr/>
+        <a:lstStyle/>
+        <a:p>
+          <a:endParaRPr lang="en-US"/>
+        </a:p>
+      </dgm:t>
+    </dgm:pt>
+    <dgm:pt modelId="{7D0B13A9-9631-4990-A88E-9F39B0583974}" type="sibTrans" cxnId="{085A058E-F09A-4859-8EB7-1A52C0A562A5}">
+      <dgm:prSet/>
+      <dgm:spPr/>
+      <dgm:t>
+        <a:bodyPr/>
+        <a:lstStyle/>
+        <a:p>
+          <a:endParaRPr lang="en-US"/>
+        </a:p>
+      </dgm:t>
+    </dgm:pt>
+    <dgm:pt modelId="{8BC5ED09-C8DC-4847-AA72-2AD175CD23E9}" type="pres">
+      <dgm:prSet presAssocID="{46E80F14-3DCE-46E7-B87F-F474A4996EB6}" presName="diagram" presStyleCnt="0">
+        <dgm:presLayoutVars>
+          <dgm:dir/>
+          <dgm:resizeHandles val="exact"/>
+        </dgm:presLayoutVars>
+      </dgm:prSet>
+      <dgm:spPr/>
+    </dgm:pt>
+    <dgm:pt modelId="{781B6EB3-F7FD-46A2-B3E2-78DA34277DCD}" type="pres">
+      <dgm:prSet presAssocID="{973C3432-5C8B-424F-A70B-4161F5F152B5}" presName="node" presStyleLbl="node1" presStyleIdx="0" presStyleCnt="2" custScaleX="187128" custScaleY="56457" custLinFactNeighborX="9674" custLinFactNeighborY="-37891">
+        <dgm:presLayoutVars>
+          <dgm:bulletEnabled val="1"/>
+        </dgm:presLayoutVars>
+      </dgm:prSet>
+      <dgm:spPr/>
+    </dgm:pt>
+    <dgm:pt modelId="{8B90D730-5A2C-4090-8F40-BF370DB8524C}" type="pres">
+      <dgm:prSet presAssocID="{C6205975-E8C2-43F3-85B4-F220B6F10D2F}" presName="sibTrans" presStyleCnt="0"/>
+      <dgm:spPr/>
+    </dgm:pt>
+    <dgm:pt modelId="{B12B6C5B-21F4-428C-9A45-E5EAC19B8396}" type="pres">
+      <dgm:prSet presAssocID="{02138E7B-E5CE-439E-8194-BE0F89BCAD93}" presName="node" presStyleLbl="node1" presStyleIdx="1" presStyleCnt="2" custScaleX="187203" custScaleY="69023" custLinFactNeighborX="-2738" custLinFactNeighborY="-15050">
+        <dgm:presLayoutVars>
+          <dgm:bulletEnabled val="1"/>
+        </dgm:presLayoutVars>
+      </dgm:prSet>
+      <dgm:spPr/>
+    </dgm:pt>
+  </dgm:ptLst>
+  <dgm:cxnLst>
+    <dgm:cxn modelId="{F9E18901-6392-49CE-B4E3-FF42B944B7D1}" type="presOf" srcId="{46E80F14-3DCE-46E7-B87F-F474A4996EB6}" destId="{8BC5ED09-C8DC-4847-AA72-2AD175CD23E9}" srcOrd="0" destOrd="0" presId="urn:microsoft.com/office/officeart/2005/8/layout/default"/>
+    <dgm:cxn modelId="{085A058E-F09A-4859-8EB7-1A52C0A562A5}" srcId="{46E80F14-3DCE-46E7-B87F-F474A4996EB6}" destId="{02138E7B-E5CE-439E-8194-BE0F89BCAD93}" srcOrd="1" destOrd="0" parTransId="{73EE5283-5DF9-4C93-AE55-597DC55E29D4}" sibTransId="{7D0B13A9-9631-4990-A88E-9F39B0583974}"/>
+    <dgm:cxn modelId="{375A95AB-18F8-4E00-B867-4538237FC433}" srcId="{46E80F14-3DCE-46E7-B87F-F474A4996EB6}" destId="{973C3432-5C8B-424F-A70B-4161F5F152B5}" srcOrd="0" destOrd="0" parTransId="{F70F6172-EED4-4768-A455-DCE226E2A712}" sibTransId="{C6205975-E8C2-43F3-85B4-F220B6F10D2F}"/>
+    <dgm:cxn modelId="{2FA7E9B6-46E2-4CBD-94B4-CB1DBD5A794F}" type="presOf" srcId="{02138E7B-E5CE-439E-8194-BE0F89BCAD93}" destId="{B12B6C5B-21F4-428C-9A45-E5EAC19B8396}" srcOrd="0" destOrd="0" presId="urn:microsoft.com/office/officeart/2005/8/layout/default"/>
+    <dgm:cxn modelId="{C65D4EF4-6BAF-4CAA-A87E-4DEA161589F7}" type="presOf" srcId="{973C3432-5C8B-424F-A70B-4161F5F152B5}" destId="{781B6EB3-F7FD-46A2-B3E2-78DA34277DCD}" srcOrd="0" destOrd="0" presId="urn:microsoft.com/office/officeart/2005/8/layout/default"/>
+    <dgm:cxn modelId="{0A4A17C2-2274-4E3A-9DE6-63DC6E6B6C2B}" type="presParOf" srcId="{8BC5ED09-C8DC-4847-AA72-2AD175CD23E9}" destId="{781B6EB3-F7FD-46A2-B3E2-78DA34277DCD}" srcOrd="0" destOrd="0" presId="urn:microsoft.com/office/officeart/2005/8/layout/default"/>
+    <dgm:cxn modelId="{DCD945CE-30F3-4491-95AC-254930F2561F}" type="presParOf" srcId="{8BC5ED09-C8DC-4847-AA72-2AD175CD23E9}" destId="{8B90D730-5A2C-4090-8F40-BF370DB8524C}" srcOrd="1" destOrd="0" presId="urn:microsoft.com/office/officeart/2005/8/layout/default"/>
+    <dgm:cxn modelId="{1094413E-4BCA-477C-BF10-6CB3C53C4C5D}" type="presParOf" srcId="{8BC5ED09-C8DC-4847-AA72-2AD175CD23E9}" destId="{B12B6C5B-21F4-428C-9A45-E5EAC19B8396}" srcOrd="2" destOrd="0" presId="urn:microsoft.com/office/officeart/2005/8/layout/default"/>
+  </dgm:cxnLst>
+  <dgm:bg/>
+  <dgm:whole/>
+  <dgm:extLst>
+    <a:ext uri="http://schemas.microsoft.com/office/drawing/2008/diagram">
+      <dsp:dataModelExt xmlns:dsp="http://schemas.microsoft.com/office/drawing/2008/diagram" relId="rId6" minVer="http://schemas.openxmlformats.org/drawingml/2006/diagram"/>
+    </a:ext>
+  </dgm:extLst>
+</dgm:dataModel>
+</file>
+
+<file path=ppt/diagrams/drawing1.xml><?xml version="1.0" encoding="utf-8"?>
+<dsp:drawing xmlns:dgm="http://schemas.openxmlformats.org/drawingml/2006/diagram" xmlns:dsp="http://schemas.microsoft.com/office/drawing/2008/diagram" xmlns:a="http://schemas.openxmlformats.org/drawingml/2006/main">
+  <dsp:spTree>
+    <dsp:nvGrpSpPr>
+      <dsp:cNvPr id="0" name=""/>
+      <dsp:cNvGrpSpPr/>
+    </dsp:nvGrpSpPr>
+    <dsp:grpSpPr/>
+    <dsp:sp modelId="{5786B75E-32F9-4A27-958A-3FAD6525B308}">
+      <dsp:nvSpPr>
+        <dsp:cNvPr id="0" name=""/>
+        <dsp:cNvSpPr/>
+      </dsp:nvSpPr>
+      <dsp:spPr>
+        <a:xfrm>
+          <a:off x="2438399" y="67733"/>
+          <a:ext cx="3251200" cy="3251200"/>
+        </a:xfrm>
+        <a:prstGeom prst="ellipse">
+          <a:avLst/>
+        </a:prstGeom>
+        <a:solidFill>
+          <a:schemeClr val="accent1">
+            <a:alpha val="50000"/>
+            <a:hueOff val="0"/>
+            <a:satOff val="0"/>
+            <a:lumOff val="0"/>
+            <a:alphaOff val="0"/>
+          </a:schemeClr>
+        </a:solidFill>
+        <a:ln w="12700" cap="flat" cmpd="sng" algn="ctr">
+          <a:solidFill>
+            <a:schemeClr val="lt1">
+              <a:hueOff val="0"/>
+              <a:satOff val="0"/>
+              <a:lumOff val="0"/>
+              <a:alphaOff val="0"/>
+            </a:schemeClr>
+          </a:solidFill>
+          <a:prstDash val="solid"/>
+          <a:miter lim="800000"/>
+        </a:ln>
+        <a:effectLst/>
+      </dsp:spPr>
+      <dsp:style>
+        <a:lnRef idx="2">
+          <a:scrgbClr r="0" g="0" b="0"/>
+        </a:lnRef>
+        <a:fillRef idx="1">
+          <a:scrgbClr r="0" g="0" b="0"/>
+        </a:fillRef>
+        <a:effectRef idx="0">
+          <a:scrgbClr r="0" g="0" b="0"/>
+        </a:effectRef>
+        <a:fontRef idx="minor">
+          <a:schemeClr val="tx1"/>
+        </a:fontRef>
+      </dsp:style>
+      <dsp:txBody>
+        <a:bodyPr spcFirstLastPara="0" vert="horz" wrap="square" lIns="0" tIns="0" rIns="0" bIns="0" numCol="1" spcCol="1270" anchor="ctr" anchorCtr="1">
+          <a:noAutofit/>
+        </a:bodyPr>
+        <a:lstStyle/>
+        <a:p>
+          <a:pPr marL="0" lvl="0" indent="0" algn="l" defTabSz="622300">
+            <a:lnSpc>
+              <a:spcPct val="90000"/>
+            </a:lnSpc>
+            <a:spcBef>
+              <a:spcPct val="0"/>
+            </a:spcBef>
+            <a:spcAft>
+              <a:spcPct val="35000"/>
+            </a:spcAft>
+            <a:buNone/>
+          </a:pPr>
+          <a:r>
+            <a:rPr lang="en-US" sz="1400" kern="1200" dirty="0"/>
+            <a:t>Jaci</a:t>
+          </a:r>
+        </a:p>
+        <a:p>
+          <a:pPr marL="57150" lvl="1" indent="-57150" algn="l" defTabSz="488950">
+            <a:lnSpc>
+              <a:spcPct val="90000"/>
+            </a:lnSpc>
+            <a:spcBef>
+              <a:spcPct val="0"/>
+            </a:spcBef>
+            <a:spcAft>
+              <a:spcPct val="15000"/>
+            </a:spcAft>
+            <a:buChar char="•"/>
+          </a:pPr>
+          <a:r>
+            <a:rPr lang="en-US" sz="1100" kern="1200" dirty="0"/>
+            <a:t>Descriptors: Team leader, Java lover, Organizer, Worry-er</a:t>
+          </a:r>
+        </a:p>
+        <a:p>
+          <a:pPr marL="57150" lvl="1" indent="-57150" algn="l" defTabSz="488950">
+            <a:lnSpc>
+              <a:spcPct val="90000"/>
+            </a:lnSpc>
+            <a:spcBef>
+              <a:spcPct val="0"/>
+            </a:spcBef>
+            <a:spcAft>
+              <a:spcPct val="15000"/>
+            </a:spcAft>
+            <a:buChar char="•"/>
+          </a:pPr>
+          <a:r>
+            <a:rPr lang="en-US" sz="1100" kern="1200" dirty="0"/>
+            <a:t>Location: South Mississippi</a:t>
+          </a:r>
+        </a:p>
+        <a:p>
+          <a:pPr marL="57150" lvl="1" indent="-57150" algn="l" defTabSz="488950">
+            <a:lnSpc>
+              <a:spcPct val="90000"/>
+            </a:lnSpc>
+            <a:spcBef>
+              <a:spcPct val="0"/>
+            </a:spcBef>
+            <a:spcAft>
+              <a:spcPct val="15000"/>
+            </a:spcAft>
+            <a:buChar char="•"/>
+          </a:pPr>
+          <a:r>
+            <a:rPr lang="en-US" sz="1100" kern="1200" dirty="0"/>
+            <a:t>Field Preference: Back-end logic, possibly DB, or full start up. </a:t>
+          </a:r>
+        </a:p>
+      </dsp:txBody>
+      <dsp:txXfrm>
+        <a:off x="2871893" y="636693"/>
+        <a:ext cx="2384213" cy="1463040"/>
+      </dsp:txXfrm>
+    </dsp:sp>
+    <dsp:sp modelId="{52934070-1235-42A5-9AB1-25C063DCA329}">
+      <dsp:nvSpPr>
+        <dsp:cNvPr id="0" name=""/>
+        <dsp:cNvSpPr/>
+      </dsp:nvSpPr>
+      <dsp:spPr>
+        <a:xfrm>
+          <a:off x="3611541" y="2099733"/>
+          <a:ext cx="3251200" cy="3251200"/>
+        </a:xfrm>
+        <a:prstGeom prst="ellipse">
+          <a:avLst/>
+        </a:prstGeom>
+        <a:solidFill>
+          <a:schemeClr val="accent1">
+            <a:alpha val="50000"/>
+            <a:hueOff val="0"/>
+            <a:satOff val="0"/>
+            <a:lumOff val="0"/>
+            <a:alphaOff val="0"/>
+          </a:schemeClr>
+        </a:solidFill>
+        <a:ln w="12700" cap="flat" cmpd="sng" algn="ctr">
+          <a:solidFill>
+            <a:schemeClr val="lt1">
+              <a:hueOff val="0"/>
+              <a:satOff val="0"/>
+              <a:lumOff val="0"/>
+              <a:alphaOff val="0"/>
+            </a:schemeClr>
+          </a:solidFill>
+          <a:prstDash val="solid"/>
+          <a:miter lim="800000"/>
+        </a:ln>
+        <a:effectLst/>
+      </dsp:spPr>
+      <dsp:style>
+        <a:lnRef idx="2">
+          <a:scrgbClr r="0" g="0" b="0"/>
+        </a:lnRef>
+        <a:fillRef idx="1">
+          <a:scrgbClr r="0" g="0" b="0"/>
+        </a:fillRef>
+        <a:effectRef idx="0">
+          <a:scrgbClr r="0" g="0" b="0"/>
+        </a:effectRef>
+        <a:fontRef idx="minor">
+          <a:schemeClr val="tx1"/>
+        </a:fontRef>
+      </dsp:style>
+      <dsp:txBody>
+        <a:bodyPr spcFirstLastPara="0" vert="horz" wrap="square" lIns="0" tIns="0" rIns="0" bIns="0" numCol="1" spcCol="1270" anchor="ctr" anchorCtr="1">
+          <a:noAutofit/>
+        </a:bodyPr>
+        <a:lstStyle/>
+        <a:p>
+          <a:pPr marL="0" lvl="0" indent="0" algn="l" defTabSz="622300">
+            <a:lnSpc>
+              <a:spcPct val="90000"/>
+            </a:lnSpc>
+            <a:spcBef>
+              <a:spcPct val="0"/>
+            </a:spcBef>
+            <a:spcAft>
+              <a:spcPct val="35000"/>
+            </a:spcAft>
+            <a:buNone/>
+          </a:pPr>
+          <a:r>
+            <a:rPr lang="en-US" sz="1400" kern="1200" dirty="0"/>
+            <a:t>Jon</a:t>
+          </a:r>
+        </a:p>
+        <a:p>
+          <a:pPr marL="57150" lvl="1" indent="-57150" algn="l" defTabSz="488950">
+            <a:lnSpc>
+              <a:spcPct val="90000"/>
+            </a:lnSpc>
+            <a:spcBef>
+              <a:spcPct val="0"/>
+            </a:spcBef>
+            <a:spcAft>
+              <a:spcPct val="15000"/>
+            </a:spcAft>
+            <a:buChar char="•"/>
+          </a:pPr>
+          <a:r>
+            <a:rPr lang="en-US" sz="1100" kern="1200" dirty="0"/>
+            <a:t>Descriptors: Loves web development, overly analytical, avid movie buff.
+Location: North Carolina
+Field Preference: Front-end development and Cybersecurity</a:t>
+          </a:r>
+        </a:p>
+        <a:p>
+          <a:pPr marL="57150" lvl="1" indent="-57150" algn="l" defTabSz="488950">
+            <a:lnSpc>
+              <a:spcPct val="90000"/>
+            </a:lnSpc>
+            <a:spcBef>
+              <a:spcPct val="0"/>
+            </a:spcBef>
+            <a:spcAft>
+              <a:spcPct val="15000"/>
+            </a:spcAft>
+            <a:buChar char="•"/>
+          </a:pPr>
+          <a:r>
+            <a:rPr lang="en-US" sz="1100" kern="1200" dirty="0"/>
+            <a:t>Team compliments: Detailed, focused, calm</a:t>
+          </a:r>
+        </a:p>
+      </dsp:txBody>
+      <dsp:txXfrm>
+        <a:off x="4605866" y="2939626"/>
+        <a:ext cx="1950720" cy="1788160"/>
+      </dsp:txXfrm>
+    </dsp:sp>
+    <dsp:sp modelId="{52E3E772-36B1-41A8-994C-C8B52E59C5CC}">
+      <dsp:nvSpPr>
+        <dsp:cNvPr id="0" name=""/>
+        <dsp:cNvSpPr/>
+      </dsp:nvSpPr>
+      <dsp:spPr>
+        <a:xfrm>
+          <a:off x="1265258" y="2099733"/>
+          <a:ext cx="3251200" cy="3251200"/>
+        </a:xfrm>
+        <a:prstGeom prst="ellipse">
+          <a:avLst/>
+        </a:prstGeom>
+        <a:solidFill>
+          <a:schemeClr val="accent1">
+            <a:alpha val="50000"/>
+            <a:hueOff val="0"/>
+            <a:satOff val="0"/>
+            <a:lumOff val="0"/>
+            <a:alphaOff val="0"/>
+          </a:schemeClr>
+        </a:solidFill>
+        <a:ln w="12700" cap="flat" cmpd="sng" algn="ctr">
+          <a:solidFill>
+            <a:schemeClr val="lt1">
+              <a:hueOff val="0"/>
+              <a:satOff val="0"/>
+              <a:lumOff val="0"/>
+              <a:alphaOff val="0"/>
+            </a:schemeClr>
+          </a:solidFill>
+          <a:prstDash val="solid"/>
+          <a:miter lim="800000"/>
+        </a:ln>
+        <a:effectLst/>
+      </dsp:spPr>
+      <dsp:style>
+        <a:lnRef idx="2">
+          <a:scrgbClr r="0" g="0" b="0"/>
+        </a:lnRef>
+        <a:fillRef idx="1">
+          <a:scrgbClr r="0" g="0" b="0"/>
+        </a:fillRef>
+        <a:effectRef idx="0">
+          <a:scrgbClr r="0" g="0" b="0"/>
+        </a:effectRef>
+        <a:fontRef idx="minor">
+          <a:schemeClr val="tx1"/>
+        </a:fontRef>
+      </dsp:style>
+      <dsp:txBody>
+        <a:bodyPr spcFirstLastPara="0" vert="horz" wrap="square" lIns="0" tIns="0" rIns="0" bIns="0" numCol="1" spcCol="1270" anchor="ctr" anchorCtr="1">
+          <a:noAutofit/>
+        </a:bodyPr>
+        <a:lstStyle/>
+        <a:p>
+          <a:pPr marL="0" lvl="0" indent="0" algn="l" defTabSz="622300">
+            <a:lnSpc>
+              <a:spcPct val="90000"/>
+            </a:lnSpc>
+            <a:spcBef>
+              <a:spcPct val="0"/>
+            </a:spcBef>
+            <a:spcAft>
+              <a:spcPct val="35000"/>
+            </a:spcAft>
+            <a:buNone/>
+          </a:pPr>
+          <a:r>
+            <a:rPr lang="en-US" sz="1400" kern="1200" dirty="0"/>
+            <a:t>Austin</a:t>
+          </a:r>
+        </a:p>
+        <a:p>
+          <a:pPr marL="57150" lvl="1" indent="-57150" algn="l" defTabSz="488950">
+            <a:lnSpc>
+              <a:spcPct val="90000"/>
+            </a:lnSpc>
+            <a:spcBef>
+              <a:spcPct val="0"/>
+            </a:spcBef>
+            <a:spcAft>
+              <a:spcPct val="15000"/>
+            </a:spcAft>
+            <a:buChar char="•"/>
+          </a:pPr>
+          <a:r>
+            <a:rPr lang="en-US" sz="1100" kern="1200" dirty="0"/>
+            <a:t>Leader award: Methodical Solver</a:t>
+          </a:r>
+        </a:p>
+        <a:p>
+          <a:pPr marL="57150" lvl="1" indent="-57150" algn="l" defTabSz="488950">
+            <a:lnSpc>
+              <a:spcPct val="90000"/>
+            </a:lnSpc>
+            <a:spcBef>
+              <a:spcPct val="0"/>
+            </a:spcBef>
+            <a:spcAft>
+              <a:spcPct val="15000"/>
+            </a:spcAft>
+            <a:buChar char="•"/>
+          </a:pPr>
+          <a:r>
+            <a:rPr lang="en-US" sz="1100" kern="1200" dirty="0"/>
+            <a:t>Descriptors:</a:t>
+          </a:r>
+        </a:p>
+        <a:p>
+          <a:pPr marL="57150" lvl="1" indent="-57150" algn="l" defTabSz="488950">
+            <a:lnSpc>
+              <a:spcPct val="90000"/>
+            </a:lnSpc>
+            <a:spcBef>
+              <a:spcPct val="0"/>
+            </a:spcBef>
+            <a:spcAft>
+              <a:spcPct val="15000"/>
+            </a:spcAft>
+            <a:buChar char="•"/>
+          </a:pPr>
+          <a:r>
+            <a:rPr lang="en-US" sz="1100" kern="1200" dirty="0"/>
+            <a:t>Location: </a:t>
+          </a:r>
+        </a:p>
+        <a:p>
+          <a:pPr marL="57150" lvl="1" indent="-57150" algn="l" defTabSz="488950">
+            <a:lnSpc>
+              <a:spcPct val="90000"/>
+            </a:lnSpc>
+            <a:spcBef>
+              <a:spcPct val="0"/>
+            </a:spcBef>
+            <a:spcAft>
+              <a:spcPct val="15000"/>
+            </a:spcAft>
+            <a:buChar char="•"/>
+          </a:pPr>
+          <a:r>
+            <a:rPr lang="en-US" sz="1100" kern="1200" dirty="0"/>
+            <a:t>Field Preference: </a:t>
+          </a:r>
+        </a:p>
+        <a:p>
+          <a:pPr marL="57150" lvl="1" indent="-57150" algn="l" defTabSz="488950">
+            <a:lnSpc>
+              <a:spcPct val="90000"/>
+            </a:lnSpc>
+            <a:spcBef>
+              <a:spcPct val="0"/>
+            </a:spcBef>
+            <a:spcAft>
+              <a:spcPct val="15000"/>
+            </a:spcAft>
+            <a:buChar char="•"/>
+          </a:pPr>
+          <a:r>
+            <a:rPr lang="en-US" sz="1100" kern="1200" dirty="0"/>
+            <a:t>Team compliments: Methodical problem solver/troubleshooter, patient</a:t>
+          </a:r>
+        </a:p>
+      </dsp:txBody>
+      <dsp:txXfrm>
+        <a:off x="1571413" y="2939626"/>
+        <a:ext cx="1950720" cy="1788160"/>
+      </dsp:txXfrm>
+    </dsp:sp>
+  </dsp:spTree>
+</dsp:drawing>
+</file>
+
+<file path=ppt/diagrams/drawing2.xml><?xml version="1.0" encoding="utf-8"?>
+<dsp:drawing xmlns:dgm="http://schemas.openxmlformats.org/drawingml/2006/diagram" xmlns:dsp="http://schemas.microsoft.com/office/drawing/2008/diagram" xmlns:a="http://schemas.openxmlformats.org/drawingml/2006/main">
+  <dsp:spTree>
+    <dsp:nvGrpSpPr>
+      <dsp:cNvPr id="0" name=""/>
+      <dsp:cNvGrpSpPr/>
+    </dsp:nvGrpSpPr>
+    <dsp:grpSpPr/>
+    <dsp:sp modelId="{781B6EB3-F7FD-46A2-B3E2-78DA34277DCD}">
+      <dsp:nvSpPr>
+        <dsp:cNvPr id="0" name=""/>
+        <dsp:cNvSpPr/>
+      </dsp:nvSpPr>
+      <dsp:spPr>
+        <a:xfrm>
+          <a:off x="20642" y="0"/>
+          <a:ext cx="9245733" cy="1673677"/>
+        </a:xfrm>
+        <a:prstGeom prst="rect">
+          <a:avLst/>
+        </a:prstGeom>
+        <a:solidFill>
+          <a:schemeClr val="accent1">
+            <a:hueOff val="0"/>
+            <a:satOff val="0"/>
+            <a:lumOff val="0"/>
+            <a:alphaOff val="0"/>
+          </a:schemeClr>
+        </a:solidFill>
+        <a:ln w="12700" cap="flat" cmpd="sng" algn="ctr">
+          <a:solidFill>
+            <a:schemeClr val="lt1">
+              <a:hueOff val="0"/>
+              <a:satOff val="0"/>
+              <a:lumOff val="0"/>
+              <a:alphaOff val="0"/>
+            </a:schemeClr>
+          </a:solidFill>
+          <a:prstDash val="solid"/>
+          <a:miter lim="800000"/>
+        </a:ln>
+        <a:effectLst/>
+      </dsp:spPr>
+      <dsp:style>
+        <a:lnRef idx="2">
+          <a:scrgbClr r="0" g="0" b="0"/>
+        </a:lnRef>
+        <a:fillRef idx="1">
+          <a:scrgbClr r="0" g="0" b="0"/>
+        </a:fillRef>
+        <a:effectRef idx="0">
+          <a:scrgbClr r="0" g="0" b="0"/>
+        </a:effectRef>
+        <a:fontRef idx="minor">
+          <a:schemeClr val="lt1"/>
+        </a:fontRef>
+      </dsp:style>
+      <dsp:txBody>
+        <a:bodyPr spcFirstLastPara="0" vert="horz" wrap="square" lIns="247650" tIns="247650" rIns="247650" bIns="247650" numCol="1" spcCol="1270" anchor="ctr" anchorCtr="0">
+          <a:noAutofit/>
+        </a:bodyPr>
+        <a:lstStyle/>
+        <a:p>
+          <a:pPr marL="0" lvl="0" indent="0" algn="ctr" defTabSz="2889250">
+            <a:lnSpc>
+              <a:spcPct val="90000"/>
+            </a:lnSpc>
+            <a:spcBef>
+              <a:spcPct val="0"/>
+            </a:spcBef>
+            <a:spcAft>
+              <a:spcPct val="35000"/>
+            </a:spcAft>
+            <a:buNone/>
+          </a:pPr>
+          <a:r>
+            <a:rPr lang="en-US" sz="6500" kern="1200" dirty="0"/>
+            <a:t>Austin: </a:t>
+          </a:r>
+        </a:p>
+      </dsp:txBody>
+      <dsp:txXfrm>
+        <a:off x="20642" y="0"/>
+        <a:ext cx="9245733" cy="1673677"/>
+      </dsp:txXfrm>
+    </dsp:sp>
+    <dsp:sp modelId="{B12B6C5B-21F4-428C-9A45-E5EAC19B8396}">
+      <dsp:nvSpPr>
+        <dsp:cNvPr id="0" name=""/>
+        <dsp:cNvSpPr/>
+      </dsp:nvSpPr>
+      <dsp:spPr>
+        <a:xfrm>
+          <a:off x="0" y="1927208"/>
+          <a:ext cx="9249439" cy="2046198"/>
+        </a:xfrm>
+        <a:prstGeom prst="rect">
+          <a:avLst/>
+        </a:prstGeom>
+        <a:solidFill>
+          <a:schemeClr val="accent1">
+            <a:hueOff val="0"/>
+            <a:satOff val="0"/>
+            <a:lumOff val="0"/>
+            <a:alphaOff val="0"/>
+          </a:schemeClr>
+        </a:solidFill>
+        <a:ln w="12700" cap="flat" cmpd="sng" algn="ctr">
+          <a:solidFill>
+            <a:schemeClr val="lt1">
+              <a:hueOff val="0"/>
+              <a:satOff val="0"/>
+              <a:lumOff val="0"/>
+              <a:alphaOff val="0"/>
+            </a:schemeClr>
+          </a:solidFill>
+          <a:prstDash val="solid"/>
+          <a:miter lim="800000"/>
+        </a:ln>
+        <a:effectLst/>
+      </dsp:spPr>
+      <dsp:style>
+        <a:lnRef idx="2">
+          <a:scrgbClr r="0" g="0" b="0"/>
+        </a:lnRef>
+        <a:fillRef idx="1">
+          <a:scrgbClr r="0" g="0" b="0"/>
+        </a:fillRef>
+        <a:effectRef idx="0">
+          <a:scrgbClr r="0" g="0" b="0"/>
+        </a:effectRef>
+        <a:fontRef idx="minor">
+          <a:schemeClr val="lt1"/>
+        </a:fontRef>
+      </dsp:style>
+      <dsp:txBody>
+        <a:bodyPr spcFirstLastPara="0" vert="horz" wrap="square" lIns="247650" tIns="247650" rIns="247650" bIns="247650" numCol="1" spcCol="1270" anchor="ctr" anchorCtr="0">
+          <a:noAutofit/>
+        </a:bodyPr>
+        <a:lstStyle/>
+        <a:p>
+          <a:pPr marL="0" lvl="0" indent="0" algn="ctr" defTabSz="2889250">
+            <a:lnSpc>
+              <a:spcPct val="90000"/>
+            </a:lnSpc>
+            <a:spcBef>
+              <a:spcPct val="0"/>
+            </a:spcBef>
+            <a:spcAft>
+              <a:spcPct val="35000"/>
+            </a:spcAft>
+            <a:buNone/>
+          </a:pPr>
+          <a:r>
+            <a:rPr lang="en-US" sz="6500" kern="1200" dirty="0" err="1"/>
+            <a:t>Nilam</a:t>
+          </a:r>
+          <a:r>
+            <a:rPr lang="en-US" sz="6500" kern="1200" dirty="0"/>
+            <a:t>:</a:t>
+          </a:r>
+        </a:p>
+      </dsp:txBody>
+      <dsp:txXfrm>
+        <a:off x="0" y="1927208"/>
+        <a:ext cx="9249439" cy="2046198"/>
+      </dsp:txXfrm>
+    </dsp:sp>
+  </dsp:spTree>
+</dsp:drawing>
+</file>
+
+<file path=ppt/diagrams/layout1.xml><?xml version="1.0" encoding="utf-8"?>
+<dgm:layoutDef xmlns:dgm="http://schemas.openxmlformats.org/drawingml/2006/diagram" xmlns:a="http://schemas.openxmlformats.org/drawingml/2006/main" uniqueId="urn:microsoft.com/office/officeart/2005/8/layout/venn1">
+  <dgm:title val=""/>
+  <dgm:desc val=""/>
+  <dgm:catLst>
+    <dgm:cat type="relationship" pri="28000"/>
+    <dgm:cat type="convert" pri="19000"/>
+  </dgm:catLst>
+  <dgm:sampData useDef="1">
+    <dgm:dataModel>
+      <dgm:ptLst/>
+      <dgm:bg/>
+      <dgm:whole/>
+    </dgm:dataModel>
+  </dgm:sampData>
+  <dgm:styleData useDef="1">
+    <dgm:dataModel>
+      <dgm:ptLst/>
+      <dgm:bg/>
+      <dgm:whole/>
+    </dgm:dataModel>
+  </dgm:styleData>
+  <dgm:clrData>
+    <dgm:dataModel>
+      <dgm:ptLst>
+        <dgm:pt modelId="0" type="doc"/>
+        <dgm:pt modelId="1"/>
+        <dgm:pt modelId="2"/>
+        <dgm:pt modelId="3"/>
+        <dgm:pt modelId="4"/>
+      </dgm:ptLst>
+      <dgm:cxnLst>
+        <dgm:cxn modelId="7" srcId="0" destId="1" srcOrd="0" destOrd="0"/>
+        <dgm:cxn modelId="8" srcId="0" destId="2" srcOrd="1" destOrd="0"/>
+        <dgm:cxn modelId="9" srcId="0" destId="3" srcOrd="2" destOrd="0"/>
+        <dgm:cxn modelId="10" srcId="0" destId="4" srcOrd="3" destOrd="0"/>
+      </dgm:cxnLst>
+      <dgm:bg/>
+      <dgm:whole/>
+    </dgm:dataModel>
+  </dgm:clrData>
+  <dgm:layoutNode name="compositeShape">
+    <dgm:varLst>
+      <dgm:chMax val="7"/>
+      <dgm:dir/>
+      <dgm:resizeHandles val="exact"/>
+    </dgm:varLst>
+    <dgm:choose name="Name0">
+      <dgm:if name="Name1" axis="ch" ptType="node" func="cnt" op="equ" val="1">
+        <dgm:alg type="composite">
+          <dgm:param type="ar" val="1"/>
+        </dgm:alg>
+      </dgm:if>
+      <dgm:if name="Name2" axis="ch" ptType="node" func="cnt" op="equ" val="2">
+        <dgm:alg type="composite">
+          <dgm:param type="ar" val="1.792"/>
+        </dgm:alg>
+      </dgm:if>
+      <dgm:if name="Name3" axis="ch" ptType="node" func="cnt" op="equ" val="3">
+        <dgm:alg type="composite">
+          <dgm:param type="ar" val="1"/>
+        </dgm:alg>
+      </dgm:if>
+      <dgm:if name="Name4" axis="ch" ptType="node" func="cnt" op="equ" val="4">
+        <dgm:alg type="composite">
+          <dgm:param type="ar" val="1"/>
+        </dgm:alg>
+      </dgm:if>
+      <dgm:if name="Name5" axis="ch" ptType="node" func="cnt" op="equ" val="5">
+        <dgm:alg type="composite">
+          <dgm:param type="ar" val="1.4"/>
+        </dgm:alg>
+      </dgm:if>
+      <dgm:if name="Name6" axis="ch" ptType="node" func="cnt" op="equ" val="6">
+        <dgm:alg type="composite">
+          <dgm:param type="ar" val="1.285"/>
+        </dgm:alg>
+      </dgm:if>
+      <dgm:if name="Name7" axis="ch" ptType="node" func="cnt" op="equ" val="7">
+        <dgm:alg type="composite">
+          <dgm:param type="ar" val="1.359"/>
+        </dgm:alg>
+      </dgm:if>
+      <dgm:else name="Name8">
+        <dgm:alg type="composite">
+          <dgm:param type="ar" val="1.359"/>
+        </dgm:alg>
+      </dgm:else>
+    </dgm:choose>
+    <dgm:shape xmlns:r="http://schemas.openxmlformats.org/officeDocument/2006/relationships" r:blip="">
+      <dgm:adjLst/>
+    </dgm:shape>
+    <dgm:presOf/>
+    <dgm:choose name="Name9">
+      <dgm:if name="Name10" axis="ch" ptType="node" func="cnt" op="equ" val="1">
+        <dgm:constrLst>
+          <dgm:constr type="ctrX" for="ch" forName="circ1TxSh" refType="w" fact="0.5"/>
+          <dgm:constr type="ctrY" for="ch" forName="circ1TxSh" refType="h" fact="0.5"/>
+          <dgm:constr type="w" for="ch" forName="circ1TxSh" refType="w"/>
+          <dgm:constr type="h" for="ch" forName="circ1TxSh" refType="h"/>
+          <dgm:constr type="primFontSz" for="ch" ptType="node" op="equ"/>
+        </dgm:constrLst>
+      </dgm:if>
+      <dgm:if name="Name11" axis="ch" ptType="node" func="cnt" op="equ" val="2">
+        <dgm:constrLst>
+          <dgm:constr type="ctrX" for="ch" forName="circ1" refType="w" fact="0.3"/>
+          <dgm:constr type="ctrY" for="ch" forName="circ1" refType="h" fact="0.5"/>
+          <dgm:constr type="w" for="ch" forName="circ1" refType="w" fact="0.555"/>
+          <dgm:constr type="h" for="ch" forName="circ1" refType="h" fact="0.99456"/>
+          <dgm:constr type="l" for="ch" forName="circ1Tx" refType="w" fact="0.1"/>
+          <dgm:constr type="t" for="ch" forName="circ1Tx" refType="h" fact="0.12"/>
+          <dgm:constr type="w" for="ch" forName="circ1Tx" refType="w" fact="0.32"/>
+          <dgm:constr type="h" for="ch" forName="circ1Tx" refType="h" fact="0.76"/>
+          <dgm:constr type="ctrX" for="ch" forName="circ2" refType="w" fact="0.7"/>
+          <dgm:constr type="ctrY" for="ch" forName="circ2" refType="h" fact="0.5"/>
+          <dgm:constr type="w" for="ch" forName="circ2" refType="w" fact="0.555"/>
+          <dgm:constr type="h" for="ch" forName="circ2" refType="h" fact="0.99456"/>
+          <dgm:constr type="l" for="ch" forName="circ2Tx" refType="w" fact="0.58"/>
+          <dgm:constr type="t" for="ch" forName="circ2Tx" refType="h" fact="0.12"/>
+          <dgm:constr type="w" for="ch" forName="circ2Tx" refType="w" fact="0.32"/>
+          <dgm:constr type="h" for="ch" forName="circ2Tx" refType="h" fact="0.76"/>
+          <dgm:constr type="primFontSz" for="ch" ptType="node" op="equ"/>
+        </dgm:constrLst>
+      </dgm:if>
+      <dgm:if name="Name12" axis="ch" ptType="node" func="cnt" op="equ" val="3">
+        <dgm:constrLst>
+          <dgm:constr type="ctrX" for="ch" forName="circ1" refType="w" fact="0.5"/>
+          <dgm:constr type="ctrY" for="ch" forName="circ1" refType="w" fact="0.25"/>
+          <dgm:constr type="w" for="ch" forName="circ1" refType="w" fact="0.6"/>
+          <dgm:constr type="h" for="ch" forName="circ1" refType="h" fact="0.6"/>
+          <dgm:constr type="l" for="ch" forName="circ1Tx" refType="w" fact="0.28"/>
+          <dgm:constr type="t" for="ch" forName="circ1Tx" refType="h" fact="0.055"/>
+          <dgm:constr type="w" for="ch" forName="circ1Tx" refType="w" fact="0.44"/>
+          <dgm:constr type="h" for="ch" forName="circ1Tx" refType="h" fact="0.27"/>
+          <dgm:constr type="ctrX" for="ch" forName="circ2" refType="w" fact="0.7165"/>
+          <dgm:constr type="ctrY" for="ch" forName="circ2" refType="w" fact="0.625"/>
+          <dgm:constr type="w" for="ch" forName="circ2" refType="w" fact="0.6"/>
+          <dgm:constr type="h" for="ch" forName="circ2" refType="h" fact="0.6"/>
+          <dgm:constr type="l" for="ch" forName="circ2Tx" refType="w" fact="0.6"/>
+          <dgm:constr type="t" for="ch" forName="circ2Tx" refType="h" fact="0.48"/>
+          <dgm:constr type="w" for="ch" forName="circ2Tx" refType="w" fact="0.36"/>
+          <dgm:constr type="h" for="ch" forName="circ2Tx" refType="h" fact="0.33"/>
+          <dgm:constr type="ctrX" for="ch" forName="circ3" refType="w" fact="0.2835"/>
+          <dgm:constr type="ctrY" for="ch" forName="circ3" refType="w" fact="0.625"/>
+          <dgm:constr type="w" for="ch" forName="circ3" refType="w" fact="0.6"/>
+          <dgm:constr type="h" for="ch" forName="circ3" refType="h" fact="0.6"/>
+          <dgm:constr type="l" for="ch" forName="circ3Tx" refType="w" fact="0.04"/>
+          <dgm:constr type="t" for="ch" forName="circ3Tx" refType="h" fact="0.48"/>
+          <dgm:constr type="w" for="ch" forName="circ3Tx" refType="w" fact="0.36"/>
+          <dgm:constr type="h" for="ch" forName="circ3Tx" refType="h" fact="0.33"/>
+          <dgm:constr type="primFontSz" for="ch" ptType="node" op="equ"/>
+        </dgm:constrLst>
+      </dgm:if>
+      <dgm:if name="Name13" axis="ch" ptType="node" func="cnt" op="equ" val="4">
+        <dgm:constrLst>
+          <dgm:constr type="ctrX" for="ch" forName="circ1" refType="w" fact="0.5"/>
+          <dgm:constr type="ctrY" for="ch" forName="circ1" refType="w" fact="0.27"/>
+          <dgm:constr type="w" for="ch" forName="circ1" refType="w" fact="0.52"/>
+          <dgm:constr type="h" for="ch" forName="circ1" refType="h" fact="0.52"/>
+          <dgm:constr type="l" for="ch" forName="circ1Tx" refType="w" fact="0.3"/>
+          <dgm:constr type="t" for="ch" forName="circ1Tx" refType="h" fact="0.08"/>
+          <dgm:constr type="w" for="ch" forName="circ1Tx" refType="w" fact="0.4"/>
+          <dgm:constr type="h" for="ch" forName="circ1Tx" refType="h" fact="0.165"/>
+          <dgm:constr type="ctrX" for="ch" forName="circ2" refType="w" fact="0.73"/>
+          <dgm:constr type="ctrY" for="ch" forName="circ2" refType="w" fact="0.5"/>
+          <dgm:constr type="w" for="ch" forName="circ2" refType="w" fact="0.52"/>
+          <dgm:constr type="h" for="ch" forName="circ2" refType="h" fact="0.52"/>
+          <dgm:constr type="r" for="ch" forName="circ2Tx" refType="w" fact="0.95"/>
+          <dgm:constr type="t" for="ch" forName="circ2Tx" refType="h" fact="0.3"/>
+          <dgm:constr type="w" for="ch" forName="circ2Tx" refType="w" fact="0.2"/>
+          <dgm:constr type="h" for="ch" forName="circ2Tx" refType="h" fact="0.4"/>
+          <dgm:constr type="ctrX" for="ch" forName="circ3" refType="w" fact="0.5"/>
+          <dgm:constr type="ctrY" for="ch" forName="circ3" refType="w" fact="0.73"/>
+          <dgm:constr type="w" for="ch" forName="circ3" refType="w" fact="0.52"/>
+          <dgm:constr type="h" for="ch" forName="circ3" refType="h" fact="0.52"/>
+          <dgm:constr type="l" for="ch" forName="circ3Tx" refType="w" fact="0.3"/>
+          <dgm:constr type="b" for="ch" forName="circ3Tx" refType="h" fact="0.92"/>
+          <dgm:constr type="w" for="ch" forName="circ3Tx" refType="w" fact="0.4"/>
+          <dgm:constr type="h" for="ch" forName="circ3Tx" refType="h" fact="0.165"/>
+          <dgm:constr type="ctrX" for="ch" forName="circ4" refType="w" fact="0.27"/>
+          <dgm:constr type="ctrY" for="ch" forName="circ4" refType="h" fact="0.5"/>
+          <dgm:constr type="w" for="ch" forName="circ4" refType="w" fact="0.52"/>
+          <dgm:constr type="h" for="ch" forName="circ4" refType="h" fact="0.52"/>
+          <dgm:constr type="l" for="ch" forName="circ4Tx" refType="w" fact="0.05"/>
+          <dgm:constr type="t" for="ch" forName="circ4Tx" refType="h" fact="0.3"/>
+          <dgm:constr type="w" for="ch" forName="circ4Tx" refType="w" fact="0.2"/>
+          <dgm:constr type="h" for="ch" forName="circ4Tx" refType="h" fact="0.4"/>
+          <dgm:constr type="primFontSz" for="ch" ptType="node" op="equ"/>
+        </dgm:constrLst>
+      </dgm:if>
+      <dgm:if name="Name14" axis="ch" ptType="node" func="cnt" op="equ" val="5">
+        <dgm:constrLst>
+          <dgm:constr type="ctrX" for="ch" forName="circ1" refType="w" fact="0.5"/>
+          <dgm:constr type="ctrY" for="ch" forName="circ1" refType="h" fact="0.46"/>
+          <dgm:constr type="w" for="ch" forName="circ1" refType="w" fact="0.25"/>
+          <dgm:constr type="h" for="ch" forName="circ1" refType="h" fact="0.35"/>
+          <dgm:constr type="l" for="ch" forName="circ1Tx" refType="w" fact="0.355"/>
+          <dgm:constr type="t" for="ch" forName="circ1Tx"/>
+          <dgm:constr type="w" for="ch" forName="circ1Tx" refType="w" fact="0.29"/>
+          <dgm:constr type="h" for="ch" forName="circ1Tx" refType="h" fact="0.235"/>
+          <dgm:constr type="ctrX" for="ch" forName="circ2" refType="w" fact="0.5951"/>
+          <dgm:constr type="ctrY" for="ch" forName="circ2" refType="h" fact="0.5567"/>
+          <dgm:constr type="w" for="ch" forName="circ2" refType="w" fact="0.25"/>
+          <dgm:constr type="h" for="ch" forName="circ2" refType="h" fact="0.35"/>
+          <dgm:constr type="l" for="ch" forName="circ2Tx" refType="w" fact="0.74"/>
+          <dgm:constr type="t" for="ch" forName="circ2Tx" refType="h" fact="0.31"/>
+          <dgm:constr type="w" for="ch" forName="circ2Tx" refType="w" fact="0.26"/>
+          <dgm:constr type="h" for="ch" forName="circ2Tx" refType="h" fact="0.255"/>
+          <dgm:constr type="ctrX" for="ch" forName="circ3" refType="w" fact="0.5588"/>
+          <dgm:constr type="ctrY" for="ch" forName="circ3" refType="h" fact="0.7133"/>
+          <dgm:constr type="w" for="ch" forName="circ3" refType="w" fact="0.25"/>
+          <dgm:constr type="h" for="ch" forName="circ3" refType="h" fact="0.35"/>
+          <dgm:constr type="l" for="ch" forName="circ3Tx" refType="w" fact="0.7"/>
+          <dgm:constr type="t" for="ch" forName="circ3Tx" refType="h" fact="0.745"/>
+          <dgm:constr type="w" for="ch" forName="circ3Tx" refType="w" fact="0.26"/>
+          <dgm:constr type="h" for="ch" forName="circ3Tx" refType="h" fact="0.255"/>
+          <dgm:constr type="ctrX" for="ch" forName="circ4" refType="w" fact="0.4412"/>
+          <dgm:constr type="ctrY" for="ch" forName="circ4" refType="h" fact="0.7133"/>
+          <dgm:constr type="w" for="ch" forName="circ4" refType="w" fact="0.25"/>
+          <dgm:constr type="h" for="ch" forName="circ4" refType="h" fact="0.35"/>
+          <dgm:constr type="l" for="ch" forName="circ4Tx" refType="w" fact="0.04"/>
+          <dgm:constr type="t" for="ch" forName="circ4Tx" refType="h" fact="0.745"/>
+          <dgm:constr type="w" for="ch" forName="circ4Tx" refType="w" fact="0.26"/>
+          <dgm:constr type="h" for="ch" forName="circ4Tx" refType="h" fact="0.255"/>
+          <dgm:constr type="ctrX" for="ch" forName="circ5" refType="w" fact="0.4049"/>
+          <dgm:constr type="ctrY" for="ch" forName="circ5" refType="h" fact="0.5567"/>
+          <dgm:constr type="w" for="ch" forName="circ5" refType="w" fact="0.25"/>
+          <dgm:constr type="h" for="ch" forName="circ5" refType="h" fact="0.35"/>
+          <dgm:constr type="l" for="ch" forName="circ5Tx"/>
+          <dgm:constr type="t" for="ch" forName="circ5Tx" refType="h" fact="0.31"/>
+          <dgm:constr type="w" for="ch" forName="circ5Tx" refType="w" fact="0.26"/>
+          <dgm:constr type="h" for="ch" forName="circ5Tx" refType="h" fact="0.255"/>
+          <dgm:constr type="primFontSz" for="ch" ptType="node" op="equ"/>
+        </dgm:constrLst>
+      </dgm:if>
+      <dgm:if name="Name15" axis="ch" ptType="node" func="cnt" op="equ" val="6">
+        <dgm:constrLst>
+          <dgm:constr type="ctrX" for="ch" forName="circ1" refType="w" fact="0.5"/>
+          <dgm:constr type="ctrY" for="ch" forName="circ1" refType="h" fact="0.3844"/>
+          <dgm:constr type="w" for="ch" forName="circ1" refType="w" fact="0.24"/>
+          <dgm:constr type="h" for="ch" forName="circ1" refType="h" fact="0.3084"/>
+          <dgm:constr type="l" for="ch" forName="circ1Tx" refType="w" fact="0.35"/>
+          <dgm:constr type="t" for="ch" forName="circ1Tx"/>
+          <dgm:constr type="w" for="ch" forName="circ1Tx" refType="w" fact="0.3"/>
+          <dgm:constr type="h" for="ch" forName="circ1Tx" refType="h" fact="0.21"/>
+          <dgm:constr type="ctrX" for="ch" forName="circ2" refType="w" fact="0.5779"/>
+          <dgm:constr type="ctrY" for="ch" forName="circ2" refType="h" fact="0.4422"/>
+          <dgm:constr type="w" for="ch" forName="circ2" refType="w" fact="0.24"/>
+          <dgm:constr type="h" for="ch" forName="circ2" refType="h" fact="0.3084"/>
+          <dgm:constr type="l" for="ch" forName="circ2Tx" refType="w" fact="0.7157"/>
+          <dgm:constr type="t" for="ch" forName="circ2Tx" refType="h" fact="0.2"/>
+          <dgm:constr type="w" for="ch" forName="circ2Tx" refType="w" fact="0.2843"/>
+          <dgm:constr type="h" for="ch" forName="circ2Tx" refType="h" fact="0.23"/>
+          <dgm:constr type="ctrX" for="ch" forName="circ3" refType="w" fact="0.5779"/>
+          <dgm:constr type="ctrY" for="ch" forName="circ3" refType="h" fact="0.5578"/>
+          <dgm:constr type="w" for="ch" forName="circ3" refType="w" fact="0.24"/>
+          <dgm:constr type="h" for="ch" forName="circ3" refType="h" fact="0.3084"/>
+          <dgm:constr type="l" for="ch" forName="circ3Tx" refType="w" fact="0.7157"/>
+          <dgm:constr type="t" for="ch" forName="circ3Tx" refType="h" fact="0.543"/>
+          <dgm:constr type="w" for="ch" forName="circ3Tx" refType="w" fact="0.2843"/>
+          <dgm:constr type="h" for="ch" forName="circ3Tx" refType="h" fact="0.257"/>
+          <dgm:constr type="ctrX" for="ch" forName="circ4" refType="w" fact="0.5"/>
+          <dgm:constr type="ctrY" for="ch" forName="circ4" refType="h" fact="0.6157"/>
+          <dgm:constr type="w" for="ch" forName="circ4" refType="w" fact="0.24"/>
+          <dgm:constr type="h" for="ch" forName="circ4" refType="h" fact="0.3084"/>
+          <dgm:constr type="l" for="ch" forName="circ4Tx" refType="w" fact="0.35"/>
+          <dgm:constr type="t" for="ch" forName="circ4Tx" refType="h" fact="0.79"/>
+          <dgm:constr type="w" for="ch" forName="circ4Tx" refType="w" fact="0.3"/>
+          <dgm:constr type="h" for="ch" forName="circ4Tx" refType="h" fact="0.21"/>
+          <dgm:constr type="ctrX" for="ch" forName="circ5" refType="w" fact="0.4221"/>
+          <dgm:constr type="ctrY" for="ch" forName="circ5" refType="h" fact="0.5578"/>
+          <dgm:constr type="w" for="ch" forName="circ5" refType="w" fact="0.24"/>
+          <dgm:constr type="h" for="ch" forName="circ5" refType="h" fact="0.3084"/>
+          <dgm:constr type="l" for="ch" forName="circ5Tx" refType="w" fact="0"/>
+          <dgm:constr type="t" for="ch" forName="circ5Tx" refType="h" fact="0.543"/>
+          <dgm:constr type="w" for="ch" forName="circ5Tx" refType="w" fact="0.2843"/>
+          <dgm:constr type="h" for="ch" forName="circ5Tx" refType="h" fact="0.257"/>
+          <dgm:constr type="ctrX" for="ch" forName="circ6" refType="w" fact="0.4221"/>
+          <dgm:constr type="ctrY" for="ch" forName="circ6" refType="h" fact="0.4422"/>
+          <dgm:constr type="w" for="ch" forName="circ6" refType="w" fact="0.24"/>
+          <dgm:constr type="h" for="ch" forName="circ6" refType="h" fact="0.3084"/>
+          <dgm:constr type="l" for="ch" forName="circ6Tx" refType="w" fact="0"/>
+          <dgm:constr type="t" for="ch" forName="circ6Tx" refType="h" fact="0.2"/>
+          <dgm:constr type="w" for="ch" forName="circ6Tx" refType="w" fact="0.2843"/>
+          <dgm:constr type="h" for="ch" forName="circ6Tx" refType="h" fact="0.257"/>
+          <dgm:constr type="primFontSz" for="ch" ptType="node" op="equ"/>
+        </dgm:constrLst>
+      </dgm:if>
+      <dgm:else name="Name16">
+        <dgm:constrLst>
+          <dgm:constr type="ctrX" for="ch" forName="circ1" refType="w" fact="0.5"/>
+          <dgm:constr type="ctrY" for="ch" forName="circ1" refType="h" fact="0.4177"/>
+          <dgm:constr type="w" for="ch" forName="circ1" refType="w" fact="0.24"/>
+          <dgm:constr type="h" for="ch" forName="circ1" refType="h" fact="0.3262"/>
+          <dgm:constr type="l" for="ch" forName="circ1Tx" refType="w" fact="0.3625"/>
+          <dgm:constr type="t" for="ch" forName="circ1Tx"/>
+          <dgm:constr type="w" for="ch" forName="circ1Tx" refType="w" fact="0.275"/>
+          <dgm:constr type="h" for="ch" forName="circ1Tx" refType="h" fact="0.2"/>
+          <dgm:constr type="ctrX" for="ch" forName="circ2" refType="w" fact="0.5704"/>
+          <dgm:constr type="ctrY" for="ch" forName="circ2" refType="h" fact="0.4637"/>
+          <dgm:constr type="w" for="ch" forName="circ2" refType="w" fact="0.24"/>
+          <dgm:constr type="h" for="ch" forName="circ2" refType="h" fact="0.3262"/>
+          <dgm:constr type="l" for="ch" forName="circ2Tx" refType="w" fact="0.72"/>
+          <dgm:constr type="t" for="ch" forName="circ2Tx" refType="h" fact="0.19"/>
+          <dgm:constr type="w" for="ch" forName="circ2Tx" refType="w" fact="0.26"/>
+          <dgm:constr type="h" for="ch" forName="circ2Tx" refType="h" fact="0.22"/>
+          <dgm:constr type="ctrX" for="ch" forName="circ3" refType="w" fact="0.5877"/>
+          <dgm:constr type="ctrY" for="ch" forName="circ3" refType="h" fact="0.5672"/>
+          <dgm:constr type="w" for="ch" forName="circ3" refType="w" fact="0.24"/>
+          <dgm:constr type="h" for="ch" forName="circ3" refType="h" fact="0.3262"/>
+          <dgm:constr type="l" for="ch" forName="circ3Tx" refType="w" fact="0.745"/>
+          <dgm:constr type="t" for="ch" forName="circ3Tx" refType="h" fact="0.47"/>
+          <dgm:constr type="w" for="ch" forName="circ3Tx" refType="w" fact="0.255"/>
+          <dgm:constr type="h" for="ch" forName="circ3Tx" refType="h" fact="0.235"/>
+          <dgm:constr type="ctrX" for="ch" forName="circ4" refType="w" fact="0.539"/>
+          <dgm:constr type="ctrY" for="ch" forName="circ4" refType="h" fact="0.6502"/>
+          <dgm:constr type="w" for="ch" forName="circ4" refType="w" fact="0.24"/>
+          <dgm:constr type="h" for="ch" forName="circ4" refType="h" fact="0.3262"/>
+          <dgm:constr type="l" for="ch" forName="circ4Tx" refType="w" fact="0.635"/>
+          <dgm:constr type="t" for="ch" forName="circ4Tx" refType="h" fact="0.785"/>
+          <dgm:constr type="w" for="ch" forName="circ4Tx" refType="w" fact="0.275"/>
+          <dgm:constr type="h" for="ch" forName="circ4Tx" refType="h" fact="0.215"/>
+          <dgm:constr type="ctrX" for="ch" forName="circ5" refType="w" fact="0.461"/>
+          <dgm:constr type="ctrY" for="ch" forName="circ5" refType="h" fact="0.6502"/>
+          <dgm:constr type="w" for="ch" forName="circ5" refType="w" fact="0.24"/>
+          <dgm:constr type="h" for="ch" forName="circ5" refType="h" fact="0.3262"/>
+          <dgm:constr type="l" for="ch" forName="circ5Tx" refType="w" fact="0.09"/>
+          <dgm:constr type="t" for="ch" forName="circ5Tx" refType="h" fact="0.785"/>
+          <dgm:constr type="w" for="ch" forName="circ5Tx" refType="w" fact="0.275"/>
+          <dgm:constr type="h" for="ch" forName="circ5Tx" refType="h" fact="0.215"/>
+          <dgm:constr type="ctrX" for="ch" forName="circ6" refType="w" fact="0.4123"/>
+          <dgm:constr type="ctrY" for="ch" forName="circ6" refType="h" fact="0.5672"/>
+          <dgm:constr type="w" for="ch" forName="circ6" refType="w" fact="0.24"/>
+          <dgm:constr type="h" for="ch" forName="circ6" refType="h" fact="0.3262"/>
+          <dgm:constr type="l" for="ch" forName="circ6Tx"/>
+          <dgm:constr type="t" for="ch" forName="circ6Tx" refType="h" fact="0.47"/>
+          <dgm:constr type="w" for="ch" forName="circ6Tx" refType="w" fact="0.255"/>
+          <dgm:constr type="h" for="ch" forName="circ6Tx" refType="h" fact="0.235"/>
+          <dgm:constr type="ctrX" for="ch" forName="circ7" refType="w" fact="0.4296"/>
+          <dgm:constr type="ctrY" for="ch" forName="circ7" refType="h" fact="0.4637"/>
+          <dgm:constr type="w" for="ch" forName="circ7" refType="w" fact="0.24"/>
+          <dgm:constr type="h" for="ch" forName="circ7" refType="h" fact="0.3262"/>
+          <dgm:constr type="l" for="ch" forName="circ7Tx" refType="w" fact="0.02"/>
+          <dgm:constr type="t" for="ch" forName="circ7Tx" refType="h" fact="0.19"/>
+          <dgm:constr type="w" for="ch" forName="circ7Tx" refType="w" fact="0.26"/>
+          <dgm:constr type="h" for="ch" forName="circ7Tx" refType="h" fact="0.22"/>
+          <dgm:constr type="primFontSz" for="ch" ptType="node" op="equ"/>
+        </dgm:constrLst>
+      </dgm:else>
+    </dgm:choose>
+    <dgm:ruleLst/>
+    <dgm:forEach name="Name17" axis="ch" ptType="node" cnt="1">
+      <dgm:choose name="Name18">
+        <dgm:if name="Name19" axis="root ch" ptType="all node" func="cnt" op="equ" val="1">
+          <dgm:layoutNode name="circ1TxSh" styleLbl="vennNode1">
+            <dgm:alg type="tx">
+              <dgm:param type="txAnchorHorzCh" val="ctr"/>
+              <dgm:param type="txAnchorVertCh" val="mid"/>
+            </dgm:alg>
+            <dgm:shape xmlns:r="http://schemas.openxmlformats.org/officeDocument/2006/relationships" type="ellipse" r:blip="">
+              <dgm:adjLst/>
+            </dgm:shape>
+            <dgm:choose name="Name20">
+              <dgm:if name="Name21" func="var" arg="dir" op="equ" val="norm">
+                <dgm:choose name="Name22">
+                  <dgm:if name="Name23" axis="root ch" ptType="all node" func="cnt" op="lte" val="4">
+                    <dgm:presOf axis="desOrSelf" ptType="node"/>
+                  </dgm:if>
+                  <dgm:else name="Name24">
+                    <dgm:presOf/>
+                  </dgm:else>
+                </dgm:choose>
+              </dgm:if>
+              <dgm:else name="Name25">
+                <dgm:choose name="Name26">
+                  <dgm:if name="Name27" axis="root ch" ptType="all node" func="cnt" op="equ" val="2">
+                    <dgm:presOf axis="root ch desOrSelf" ptType="all node node" st="1 2 1" cnt="1 1 0"/>
+                  </dgm:if>
+                  <dgm:else name="Name28">
+                    <dgm:presOf axis="desOrSelf" ptType="node"/>
+                  </dgm:else>
+                </dgm:choose>
+              </dgm:else>
+            </dgm:choose>
+            <dgm:constrLst>
+              <dgm:constr type="tMarg"/>
+              <dgm:constr type="bMarg"/>
+              <dgm:constr type="lMarg"/>
+              <dgm:constr type="rMarg"/>
+              <dgm:constr type="primFontSz" val="65"/>
+            </dgm:constrLst>
+            <dgm:ruleLst>
+              <dgm:rule type="primFontSz" val="5" fact="NaN" max="NaN"/>
+            </dgm:ruleLst>
+          </dgm:layoutNode>
+        </dgm:if>
+        <dgm:else name="Name29">
+          <dgm:layoutNode name="circ1" styleLbl="vennNode1">
+            <dgm:alg type="sp"/>
+            <dgm:shape xmlns:r="http://schemas.openxmlformats.org/officeDocument/2006/relationships" type="ellipse" r:blip="">
+              <dgm:adjLst/>
+            </dgm:shape>
+            <dgm:choose name="Name30">
+              <dgm:if name="Name31" func="var" arg="dir" op="equ" val="norm">
+                <dgm:choose name="Name32">
+                  <dgm:if name="Name33" axis="root ch" ptType="all node" func="cnt" op="lte" val="4">
+                    <dgm:presOf axis="desOrSelf" ptType="node"/>
+                  </dgm:if>
+                  <dgm:else name="Name34">
+                    <dgm:presOf/>
+                  </dgm:else>
+                </dgm:choose>
+              </dgm:if>
+              <dgm:else name="Name35">
+                <dgm:choose name="Name36">
+                  <dgm:if name="Name37" axis="root ch" ptType="all node" func="cnt" op="equ" val="2">
+                    <dgm:presOf axis="root ch desOrSelf" ptType="all node node" st="1 2 1" cnt="1 1 0"/>
+                  </dgm:if>
+                  <dgm:else name="Name38">
+                    <dgm:choose name="Name39">
+                      <dgm:if name="Name40" axis="root ch" ptType="all node" func="cnt" op="lte" val="4">
+                        <dgm:presOf axis="desOrSelf" ptType="node"/>
+                      </dgm:if>
+                      <dgm:else name="Name41">
+                        <dgm:presOf/>
+                      </dgm:else>
+                    </dgm:choose>
+                  </dgm:else>
+                </dgm:choose>
+              </dgm:else>
+            </dgm:choose>
+            <dgm:constrLst/>
+            <dgm:ruleLst/>
+          </dgm:layoutNode>
+          <dgm:layoutNode name="circ1Tx" styleLbl="revTx">
+            <dgm:varLst>
+              <dgm:chMax val="0"/>
+              <dgm:chPref val="0"/>
+              <dgm:bulletEnabled val="1"/>
+            </dgm:varLst>
+            <dgm:alg type="tx">
+              <dgm:param type="txAnchorHorzCh" val="ctr"/>
+              <dgm:param type="txAnchorVertCh" val="mid"/>
+            </dgm:alg>
+            <dgm:shape xmlns:r="http://schemas.openxmlformats.org/officeDocument/2006/relationships" type="rect" r:blip="" hideGeom="1">
+              <dgm:adjLst/>
+            </dgm:shape>
+            <dgm:choose name="Name42">
+              <dgm:if name="Name43" func="var" arg="dir" op="equ" val="norm">
+                <dgm:presOf axis="desOrSelf" ptType="node"/>
+              </dgm:if>
+              <dgm:else name="Name44">
+                <dgm:choose name="Name45">
+                  <dgm:if name="Name46" axis="root ch" ptType="all node" func="cnt" op="equ" val="2">
+                    <dgm:presOf axis="root ch desOrSelf" ptType="all node node" st="1 2 1" cnt="1 1 0"/>
+                  </dgm:if>
+                  <dgm:else name="Name47">
+                    <dgm:presOf axis="desOrSelf" ptType="node"/>
+                  </dgm:else>
+                </dgm:choose>
+              </dgm:else>
+            </dgm:choose>
+            <dgm:constrLst>
+              <dgm:constr type="tMarg"/>
+              <dgm:constr type="bMarg"/>
+              <dgm:constr type="lMarg"/>
+              <dgm:constr type="rMarg"/>
+              <dgm:constr type="primFontSz" val="65"/>
+            </dgm:constrLst>
+            <dgm:ruleLst>
+              <dgm:rule type="primFontSz" val="5" fact="NaN" max="NaN"/>
+            </dgm:ruleLst>
+          </dgm:layoutNode>
+        </dgm:else>
+      </dgm:choose>
+    </dgm:forEach>
+    <dgm:forEach name="Name48" axis="ch" ptType="node" st="2" cnt="1">
+      <dgm:layoutNode name="circ2" styleLbl="vennNode1">
+        <dgm:alg type="sp"/>
+        <dgm:shape xmlns:r="http://schemas.openxmlformats.org/officeDocument/2006/relationships" type="ellipse" r:blip="">
+          <dgm:adjLst/>
+        </dgm:shape>
+        <dgm:choose name="Name49">
+          <dgm:if name="Name50" func="var" arg="dir" op="equ" val="norm">
+            <dgm:choose name="Name51">
+              <dgm:if name="Name52" axis="root ch" ptType="all node" func="cnt" op="lte" val="4">
+                <dgm:presOf axis="desOrSelf" ptType="node"/>
+              </dgm:if>
+              <dgm:else name="Name53">
+                <dgm:presOf/>
+              </dgm:else>
+            </dgm:choose>
+          </dgm:if>
+          <dgm:else name="Name54">
+            <dgm:choose name="Name55">
+              <dgm:if name="Name56" axis="root ch" ptType="all node" func="cnt" op="equ" val="2">
+                <dgm:presOf axis="root ch desOrSelf" ptType="all node node" st="1 1 1" cnt="1 1 0"/>
+              </dgm:if>
+              <dgm:if name="Name57" axis="root ch" ptType="all node" func="cnt" op="equ" val="3">
+                <dgm:presOf axis="root ch desOrSelf" ptType="all node node" st="1 3 1" cnt="1 1 0"/>
+              </dgm:if>
+              <dgm:if name="Name58" axis="root ch" ptType="all node" func="cnt" op="equ" val="4">
+                <dgm:presOf axis="root ch desOrSelf" ptType="all node node" st="1 4 1" cnt="1 1 0"/>
+              </dgm:if>
+              <dgm:else name="Name59">
+                <dgm:presOf/>
+              </dgm:else>
+            </dgm:choose>
+          </dgm:else>
+        </dgm:choose>
+        <dgm:constrLst/>
+        <dgm:ruleLst/>
+      </dgm:layoutNode>
+      <dgm:layoutNode name="circ2Tx" styleLbl="revTx">
+        <dgm:varLst>
+          <dgm:chMax val="0"/>
+          <dgm:chPref val="0"/>
+          <dgm:bulletEnabled val="1"/>
+        </dgm:varLst>
+        <dgm:alg type="tx">
+          <dgm:param type="txAnchorHorzCh" val="ctr"/>
+          <dgm:param type="txAnchorVertCh" val="mid"/>
+        </dgm:alg>
+        <dgm:shape xmlns:r="http://schemas.openxmlformats.org/officeDocument/2006/relationships" type="rect" r:blip="" hideGeom="1">
+          <dgm:adjLst/>
+        </dgm:shape>
+        <dgm:choose name="Name60">
+          <dgm:if name="Name61" func="var" arg="dir" op="equ" val="norm">
+            <dgm:presOf axis="desOrSelf" ptType="node"/>
+          </dgm:if>
+          <dgm:else name="Name62">
+            <dgm:choose name="Name63">
+              <dgm:if name="Name64" axis="root ch" ptType="all node" func="cnt" op="equ" val="2">
+                <dgm:presOf axis="root ch desOrSelf" ptType="all node node" st="1 1 1" cnt="1 1 0"/>
+              </dgm:if>
+              <dgm:if name="Name65" axis="root ch" ptType="all node" func="cnt" op="equ" val="3">
+                <dgm:presOf axis="root ch desOrSelf" ptType="all node node" st="1 3 1" cnt="1 1 0"/>
+              </dgm:if>
+              <dgm:if name="Name66" axis="root ch" ptType="all node" func="cnt" op="equ" val="4">
+                <dgm:presOf axis="root ch desOrSelf" ptType="all node node" st="1 4 1" cnt="1 1 0"/>
+              </dgm:if>
+              <dgm:if name="Name67" axis="root ch" ptType="all node" func="cnt" op="equ" val="5">
+                <dgm:presOf axis="root ch desOrSelf" ptType="all node node" st="1 5 1" cnt="1 1 0"/>
+              </dgm:if>
+              <dgm:if name="Name68" axis="root ch" ptType="all node" func="cnt" op="equ" val="6">
+                <dgm:presOf axis="root ch desOrSelf" ptType="all node node" st="1 6 1" cnt="1 1 0"/>
+              </dgm:if>
+              <dgm:else name="Name69">
+                <dgm:presOf axis="root ch desOrSelf" ptType="all node node" st="1 7 1" cnt="1 1 0"/>
+              </dgm:else>
+            </dgm:choose>
+          </dgm:else>
+        </dgm:choose>
+        <dgm:constrLst>
+          <dgm:constr type="tMarg"/>
+          <dgm:constr type="bMarg"/>
+          <dgm:constr type="lMarg"/>
+          <dgm:constr type="rMarg"/>
+          <dgm:constr type="primFontSz" val="65"/>
+        </dgm:constrLst>
+        <dgm:ruleLst>
+          <dgm:rule type="primFontSz" val="5" fact="NaN" max="NaN"/>
+        </dgm:ruleLst>
+      </dgm:layoutNode>
+    </dgm:forEach>
+    <dgm:forEach name="Name70" axis="ch" ptType="node" st="3" cnt="1">
+      <dgm:layoutNode name="circ3" styleLbl="vennNode1">
+        <dgm:alg type="sp"/>
+        <dgm:shape xmlns:r="http://schemas.openxmlformats.org/officeDocument/2006/relationships" type="ellipse" r:blip="">
+          <dgm:adjLst/>
+        </dgm:shape>
+        <dgm:choose name="Name71">
+          <dgm:if name="Name72" func="var" arg="dir" op="equ" val="norm">
+            <dgm:choose name="Name73">
+              <dgm:if name="Name74" axis="root ch" ptType="all node" func="cnt" op="lte" val="4">
+                <dgm:presOf axis="desOrSelf" ptType="node"/>
+              </dgm:if>
+              <dgm:else name="Name75">
+                <dgm:presOf/>
+              </dgm:else>
+            </dgm:choose>
+          </dgm:if>
+          <dgm:else name="Name76">
+            <dgm:choose name="Name77">
+              <dgm:if name="Name78" axis="root ch" ptType="all node" func="cnt" op="equ" val="3">
+                <dgm:presOf axis="root ch desOrSelf" ptType="all node node" st="1 2 1" cnt="1 1 0"/>
+              </dgm:if>
+              <dgm:if name="Name79" axis="root ch" ptType="all node" func="cnt" op="equ" val="4">
+                <dgm:presOf axis="root ch desOrSelf" ptType="all node node" st="1 3 1" cnt="1 1 0"/>
+              </dgm:if>
+              <dgm:else name="Name80">
+                <dgm:presOf/>
+              </dgm:else>
+            </dgm:choose>
+          </dgm:else>
+        </dgm:choose>
+        <dgm:constrLst/>
+        <dgm:ruleLst/>
+      </dgm:layoutNode>
+      <dgm:layoutNode name="circ3Tx" styleLbl="revTx">
+        <dgm:varLst>
+          <dgm:chMax val="0"/>
+          <dgm:chPref val="0"/>
+          <dgm:bulletEnabled val="1"/>
+        </dgm:varLst>
+        <dgm:alg type="tx">
+          <dgm:param type="txAnchorHorzCh" val="ctr"/>
+          <dgm:param type="txAnchorVertCh" val="mid"/>
+        </dgm:alg>
+        <dgm:shape xmlns:r="http://schemas.openxmlformats.org/officeDocument/2006/relationships" type="rect" r:blip="" hideGeom="1">
+          <dgm:adjLst/>
+        </dgm:shape>
+        <dgm:choose name="Name81">
+          <dgm:if name="Name82" func="var" arg="dir" op="equ" val="norm">
+            <dgm:presOf axis="desOrSelf" ptType="node"/>
+          </dgm:if>
+          <dgm:else name="Name83">
+            <dgm:choose name="Name84">
+              <dgm:if name="Name85" axis="root ch" ptType="all node" func="cnt" op="equ" val="3">
+                <dgm:presOf axis="root ch desOrSelf" ptType="all node node" st="1 2 1" cnt="1 1 0"/>
+              </dgm:if>
+              <dgm:if name="Name86" axis="root ch" ptType="all node" func="cnt" op="equ" val="4">
+                <dgm:presOf axis="root ch desOrSelf" ptType="all node node" st="1 3 1" cnt="1 1 0"/>
+              </dgm:if>
+              <dgm:if name="Name87" axis="root ch" ptType="all node" func="cnt" op="equ" val="5">
+                <dgm:presOf axis="root ch desOrSelf" ptType="all node node" st="1 4 1" cnt="1 1 0"/>
+              </dgm:if>
+              <dgm:if name="Name88" axis="root ch" ptType="all node" func="cnt" op="equ" val="6">
+                <dgm:presOf axis="root ch desOrSelf" ptType="all node node" st="1 5 1" cnt="1 1 0"/>
+              </dgm:if>
+              <dgm:else name="Name89">
+                <dgm:presOf axis="root ch desOrSelf" ptType="all node node" st="1 6 1" cnt="1 1 0"/>
+              </dgm:else>
+            </dgm:choose>
+          </dgm:else>
+        </dgm:choose>
+        <dgm:constrLst>
+          <dgm:constr type="tMarg"/>
+          <dgm:constr type="bMarg"/>
+          <dgm:constr type="lMarg"/>
+          <dgm:constr type="rMarg"/>
+          <dgm:constr type="primFontSz" val="65"/>
+        </dgm:constrLst>
+        <dgm:ruleLst>
+          <dgm:rule type="primFontSz" val="5" fact="NaN" max="NaN"/>
+        </dgm:ruleLst>
+      </dgm:layoutNode>
+    </dgm:forEach>
+    <dgm:forEach name="Name90" axis="ch" ptType="node" st="4" cnt="1">
+      <dgm:layoutNode name="circ4" styleLbl="vennNode1">
+        <dgm:alg type="sp"/>
+        <dgm:shape xmlns:r="http://schemas.openxmlformats.org/officeDocument/2006/relationships" type="ellipse" r:blip="">
+          <dgm:adjLst/>
+        </dgm:shape>
+        <dgm:choose name="Name91">
+          <dgm:if name="Name92" func="var" arg="dir" op="equ" val="norm">
+            <dgm:choose name="Name93">
+              <dgm:if name="Name94" axis="root ch" ptType="all node" func="cnt" op="lte" val="4">
+                <dgm:presOf axis="desOrSelf" ptType="node"/>
+              </dgm:if>
+              <dgm:else name="Name95">
+                <dgm:presOf/>
+              </dgm:else>
+            </dgm:choose>
+          </dgm:if>
+          <dgm:else name="Name96">
+            <dgm:choose name="Name97">
+              <dgm:if name="Name98" axis="root ch" ptType="all node" func="cnt" op="equ" val="4">
+                <dgm:presOf axis="root ch desOrSelf" ptType="all node node" st="1 2 1" cnt="1 1 0"/>
+              </dgm:if>
+              <dgm:else name="Name99">
+                <dgm:presOf/>
+              </dgm:else>
+            </dgm:choose>
+          </dgm:else>
+        </dgm:choose>
+        <dgm:constrLst/>
+        <dgm:ruleLst/>
+      </dgm:layoutNode>
+      <dgm:layoutNode name="circ4Tx" styleLbl="revTx">
+        <dgm:varLst>
+          <dgm:chMax val="0"/>
+          <dgm:chPref val="0"/>
+          <dgm:bulletEnabled val="1"/>
+        </dgm:varLst>
+        <dgm:alg type="tx">
+          <dgm:param type="txAnchorHorzCh" val="ctr"/>
+          <dgm:param type="txAnchorVertCh" val="mid"/>
+        </dgm:alg>
+        <dgm:shape xmlns:r="http://schemas.openxmlformats.org/officeDocument/2006/relationships" type="rect" r:blip="" hideGeom="1">
+          <dgm:adjLst/>
+        </dgm:shape>
+        <dgm:choose name="Name100">
+          <dgm:if name="Name101" func="var" arg="dir" op="equ" val="norm">
+            <dgm:presOf axis="desOrSelf" ptType="node"/>
+          </dgm:if>
+          <dgm:else name="Name102">
+            <dgm:choose name="Name103">
+              <dgm:if name="Name104" axis="root ch" ptType="all node" func="cnt" op="equ" val="4">
+                <dgm:presOf axis="root ch desOrSelf" ptType="all node node" st="1 2 1" cnt="1 1 0"/>
+              </dgm:if>
+              <dgm:if name="Name105" axis="root ch" ptType="all node" func="cnt" op="equ" val="5">
+                <dgm:presOf axis="root ch desOrSelf" ptType="all node node" st="1 3 1" cnt="1 1 0"/>
+              </dgm:if>
+              <dgm:if name="Name106" axis="root ch" ptType="all node" func="cnt" op="equ" val="6">
+                <dgm:presOf axis="root ch desOrSelf" ptType="all node node" st="1 4 1" cnt="1 1 0"/>
+              </dgm:if>
+              <dgm:else name="Name107">
+                <dgm:presOf axis="root ch desOrSelf" ptType="all node node" st="1 5 1" cnt="1 1 0"/>
+              </dgm:else>
+            </dgm:choose>
+          </dgm:else>
+        </dgm:choose>
+        <dgm:constrLst>
+          <dgm:constr type="tMarg"/>
+          <dgm:constr type="bMarg"/>
+          <dgm:constr type="lMarg"/>
+          <dgm:constr type="rMarg"/>
+          <dgm:constr type="primFontSz" val="65"/>
+        </dgm:constrLst>
+        <dgm:ruleLst>
+          <dgm:rule type="primFontSz" val="5" fact="NaN" max="NaN"/>
+        </dgm:ruleLst>
+      </dgm:layoutNode>
+    </dgm:forEach>
+    <dgm:forEach name="Name108" axis="ch" ptType="node" st="5" cnt="1">
+      <dgm:layoutNode name="circ5" styleLbl="vennNode1">
+        <dgm:alg type="sp"/>
+        <dgm:shape xmlns:r="http://schemas.openxmlformats.org/officeDocument/2006/relationships" type="ellipse" r:blip="">
+          <dgm:adjLst/>
+        </dgm:shape>
+        <dgm:presOf/>
+        <dgm:constrLst/>
+        <dgm:ruleLst/>
+      </dgm:layoutNode>
+      <dgm:layoutNode name="circ5Tx" styleLbl="revTx">
+        <dgm:varLst>
+          <dgm:chMax val="0"/>
+          <dgm:chPref val="0"/>
+          <dgm:bulletEnabled val="1"/>
+        </dgm:varLst>
+        <dgm:alg type="tx">
+          <dgm:param type="txAnchorHorzCh" val="ctr"/>
+          <dgm:param type="txAnchorVertCh" val="mid"/>
+        </dgm:alg>
+        <dgm:shape xmlns:r="http://schemas.openxmlformats.org/officeDocument/2006/relationships" type="rect" r:blip="" hideGeom="1">
+          <dgm:adjLst/>
+        </dgm:shape>
+        <dgm:choose name="Name109">
+          <dgm:if name="Name110" func="var" arg="dir" op="equ" val="norm">
+            <dgm:presOf axis="desOrSelf" ptType="node"/>
+          </dgm:if>
+          <dgm:else name="Name111">
+            <dgm:choose name="Name112">
+              <dgm:if name="Name113" axis="root ch" ptType="all node" func="cnt" op="equ" val="5">
+                <dgm:presOf axis="root ch desOrSelf" ptType="all node node" st="1 2 1" cnt="1 1 0"/>
+              </dgm:if>
+              <dgm:if name="Name114" axis="root ch" ptType="all node" func="cnt" op="equ" val="6">
+                <dgm:presOf axis="root ch desOrSelf" ptType="all node node" st="1 3 1" cnt="1 1 0"/>
+              </dgm:if>
+              <dgm:else name="Name115">
+                <dgm:presOf axis="root ch desOrSelf" ptType="all node node" st="1 4 1" cnt="1 1 0"/>
+              </dgm:else>
+            </dgm:choose>
+          </dgm:else>
+        </dgm:choose>
+        <dgm:constrLst>
+          <dgm:constr type="tMarg"/>
+          <dgm:constr type="bMarg"/>
+          <dgm:constr type="lMarg"/>
+          <dgm:constr type="rMarg"/>
+          <dgm:constr type="primFontSz" val="65"/>
+        </dgm:constrLst>
+        <dgm:ruleLst>
+          <dgm:rule type="primFontSz" val="5" fact="NaN" max="NaN"/>
+        </dgm:ruleLst>
+      </dgm:layoutNode>
+    </dgm:forEach>
+    <dgm:forEach name="Name116" axis="ch" ptType="node" st="6" cnt="1">
+      <dgm:layoutNode name="circ6" styleLbl="vennNode1">
+        <dgm:alg type="sp"/>
+        <dgm:shape xmlns:r="http://schemas.openxmlformats.org/officeDocument/2006/relationships" type="ellipse" r:blip="">
+          <dgm:adjLst/>
+        </dgm:shape>
+        <dgm:presOf/>
+        <dgm:constrLst/>
+        <dgm:ruleLst/>
+      </dgm:layoutNode>
+      <dgm:layoutNode name="circ6Tx" styleLbl="revTx">
+        <dgm:varLst>
+          <dgm:chMax val="0"/>
+          <dgm:chPref val="0"/>
+          <dgm:bulletEnabled val="1"/>
+        </dgm:varLst>
+        <dgm:alg type="tx">
+          <dgm:param type="txAnchorHorzCh" val="ctr"/>
+          <dgm:param type="txAnchorVertCh" val="mid"/>
+        </dgm:alg>
+        <dgm:shape xmlns:r="http://schemas.openxmlformats.org/officeDocument/2006/relationships" type="rect" r:blip="" hideGeom="1">
+          <dgm:adjLst/>
+        </dgm:shape>
+        <dgm:choose name="Name117">
+          <dgm:if name="Name118" func="var" arg="dir" op="equ" val="norm">
+            <dgm:presOf axis="desOrSelf" ptType="node"/>
+          </dgm:if>
+          <dgm:else name="Name119">
+            <dgm:choose name="Name120">
+              <dgm:if name="Name121" axis="root ch" ptType="all node" func="cnt" op="equ" val="6">
+                <dgm:presOf axis="root ch desOrSelf" ptType="all node node" st="1 2 1" cnt="1 1 0"/>
+              </dgm:if>
+              <dgm:else name="Name122">
+                <dgm:presOf axis="root ch desOrSelf" ptType="all node node" st="1 3 1" cnt="1 1 0"/>
+              </dgm:else>
+            </dgm:choose>
+          </dgm:else>
+        </dgm:choose>
+        <dgm:constrLst>
+          <dgm:constr type="tMarg"/>
+          <dgm:constr type="bMarg"/>
+          <dgm:constr type="lMarg"/>
+          <dgm:constr type="rMarg"/>
+          <dgm:constr type="primFontSz" val="65"/>
+        </dgm:constrLst>
+        <dgm:ruleLst>
+          <dgm:rule type="primFontSz" val="5" fact="NaN" max="NaN"/>
+        </dgm:ruleLst>
+      </dgm:layoutNode>
+    </dgm:forEach>
+    <dgm:forEach name="Name123" axis="ch" ptType="node" st="7" cnt="1">
+      <dgm:layoutNode name="circ7" styleLbl="vennNode1">
+        <dgm:alg type="sp"/>
+        <dgm:shape xmlns:r="http://schemas.openxmlformats.org/officeDocument/2006/relationships" type="ellipse" r:blip="">
+          <dgm:adjLst/>
+        </dgm:shape>
+        <dgm:presOf/>
+        <dgm:constrLst/>
+        <dgm:ruleLst/>
+      </dgm:layoutNode>
+      <dgm:layoutNode name="circ7Tx" styleLbl="revTx">
+        <dgm:varLst>
+          <dgm:chMax val="0"/>
+          <dgm:chPref val="0"/>
+          <dgm:bulletEnabled val="1"/>
+        </dgm:varLst>
+        <dgm:alg type="tx">
+          <dgm:param type="txAnchorHorzCh" val="ctr"/>
+          <dgm:param type="txAnchorVertCh" val="mid"/>
+        </dgm:alg>
+        <dgm:shape xmlns:r="http://schemas.openxmlformats.org/officeDocument/2006/relationships" type="rect" r:blip="" hideGeom="1">
+          <dgm:adjLst/>
+        </dgm:shape>
+        <dgm:choose name="Name124">
+          <dgm:if name="Name125" func="var" arg="dir" op="equ" val="norm">
+            <dgm:presOf axis="desOrSelf" ptType="node"/>
+          </dgm:if>
+          <dgm:else name="Name126">
+            <dgm:presOf axis="root ch desOrSelf" ptType="all node node" st="1 2 1" cnt="1 1 0"/>
+          </dgm:else>
+        </dgm:choose>
+        <dgm:constrLst>
+          <dgm:constr type="tMarg"/>
+          <dgm:constr type="bMarg"/>
+          <dgm:constr type="lMarg"/>
+          <dgm:constr type="rMarg"/>
+          <dgm:constr type="primFontSz" val="65"/>
+        </dgm:constrLst>
+        <dgm:ruleLst>
+          <dgm:rule type="primFontSz" val="5" fact="NaN" max="NaN"/>
+        </dgm:ruleLst>
+      </dgm:layoutNode>
+    </dgm:forEach>
+  </dgm:layoutNode>
+</dgm:layoutDef>
+</file>
+
+<file path=ppt/diagrams/layout2.xml><?xml version="1.0" encoding="utf-8"?>
+<dgm:layoutDef xmlns:dgm="http://schemas.openxmlformats.org/drawingml/2006/diagram" xmlns:a="http://schemas.openxmlformats.org/drawingml/2006/main" uniqueId="urn:microsoft.com/office/officeart/2005/8/layout/default">
+  <dgm:title val=""/>
+  <dgm:desc val=""/>
+  <dgm:catLst>
+    <dgm:cat type="list" pri="400"/>
+  </dgm:catLst>
+  <dgm:sampData>
+    <dgm:dataModel>
+      <dgm:ptLst>
+        <dgm:pt modelId="0" type="doc"/>
+        <dgm:pt modelId="1">
+          <dgm:prSet phldr="1"/>
+        </dgm:pt>
+        <dgm:pt modelId="2">
+          <dgm:prSet phldr="1"/>
+        </dgm:pt>
+        <dgm:pt modelId="3">
+          <dgm:prSet phldr="1"/>
+        </dgm:pt>
+        <dgm:pt modelId="4">
+          <dgm:prSet phldr="1"/>
+        </dgm:pt>
+        <dgm:pt modelId="5">
+          <dgm:prSet phldr="1"/>
+        </dgm:pt>
+      </dgm:ptLst>
+      <dgm:cxnLst>
+        <dgm:cxn modelId="6" srcId="0" destId="1" srcOrd="0" destOrd="0"/>
+        <dgm:cxn modelId="7" srcId="0" destId="2" srcOrd="1" destOrd="0"/>
+        <dgm:cxn modelId="8" srcId="0" destId="3" srcOrd="2" destOrd="0"/>
+        <dgm:cxn modelId="9" srcId="0" destId="4" srcOrd="3" destOrd="0"/>
+        <dgm:cxn modelId="10" srcId="0" destId="5" srcOrd="4" destOrd="0"/>
+      </dgm:cxnLst>
+      <dgm:bg/>
+      <dgm:whole/>
+    </dgm:dataModel>
+  </dgm:sampData>
+  <dgm:styleData>
+    <dgm:dataModel>
+      <dgm:ptLst>
+        <dgm:pt modelId="0" type="doc"/>
+        <dgm:pt modelId="1"/>
+        <dgm:pt modelId="2"/>
+      </dgm:ptLst>
+      <dgm:cxnLst>
+        <dgm:cxn modelId="3" srcId="0" destId="1" srcOrd="0" destOrd="0"/>
+        <dgm:cxn modelId="4" srcId="0" destId="2" srcOrd="1" destOrd="0"/>
+      </dgm:cxnLst>
+      <dgm:bg/>
+      <dgm:whole/>
+    </dgm:dataModel>
+  </dgm:styleData>
+  <dgm:clrData>
+    <dgm:dataModel>
+      <dgm:ptLst>
+        <dgm:pt modelId="0" type="doc"/>
+        <dgm:pt modelId="1"/>
+        <dgm:pt modelId="2"/>
+        <dgm:pt modelId="3"/>
+        <dgm:pt modelId="4"/>
+        <dgm:pt modelId="5"/>
+        <dgm:pt modelId="6"/>
+      </dgm:ptLst>
+      <dgm:cxnLst>
+        <dgm:cxn modelId="7" srcId="0" destId="1" srcOrd="0" destOrd="0"/>
+        <dgm:cxn modelId="8" srcId="0" destId="2" srcOrd="1" destOrd="0"/>
+        <dgm:cxn modelId="9" srcId="0" destId="3" srcOrd="2" destOrd="0"/>
+        <dgm:cxn modelId="10" srcId="0" destId="4" srcOrd="3" destOrd="0"/>
+        <dgm:cxn modelId="11" srcId="0" destId="5" srcOrd="4" destOrd="0"/>
+        <dgm:cxn modelId="12" srcId="0" destId="6" srcOrd="5" destOrd="0"/>
+      </dgm:cxnLst>
+      <dgm:bg/>
+      <dgm:whole/>
+    </dgm:dataModel>
+  </dgm:clrData>
+  <dgm:layoutNode name="diagram">
+    <dgm:varLst>
+      <dgm:dir/>
+      <dgm:resizeHandles val="exact"/>
+    </dgm:varLst>
+    <dgm:choose name="Name0">
+      <dgm:if name="Name1" func="var" arg="dir" op="equ" val="norm">
+        <dgm:alg type="snake">
+          <dgm:param type="grDir" val="tL"/>
+          <dgm:param type="flowDir" val="row"/>
+          <dgm:param type="contDir" val="sameDir"/>
+          <dgm:param type="off" val="ctr"/>
+        </dgm:alg>
+      </dgm:if>
+      <dgm:else name="Name2">
+        <dgm:alg type="snake">
+          <dgm:param type="grDir" val="tR"/>
+          <dgm:param type="flowDir" val="row"/>
+          <dgm:param type="contDir" val="sameDir"/>
+          <dgm:param type="off" val="ctr"/>
+        </dgm:alg>
+      </dgm:else>
+    </dgm:choose>
+    <dgm:shape xmlns:r="http://schemas.openxmlformats.org/officeDocument/2006/relationships" r:blip="">
+      <dgm:adjLst/>
+    </dgm:shape>
+    <dgm:presOf/>
+    <dgm:constrLst>
+      <dgm:constr type="w" for="ch" forName="node" refType="w"/>
+      <dgm:constr type="h" for="ch" forName="node" refType="w" refFor="ch" refForName="node" fact="0.6"/>
+      <dgm:constr type="w" for="ch" forName="sibTrans" refType="w" refFor="ch" refForName="node" fact="0.1"/>
+      <dgm:constr type="sp" refType="w" refFor="ch" refForName="sibTrans"/>
+      <dgm:constr type="primFontSz" for="ch" forName="node" op="equ" val="65"/>
+    </dgm:constrLst>
+    <dgm:ruleLst/>
+    <dgm:forEach name="Name3" axis="ch" ptType="node">
+      <dgm:layoutNode name="node">
+        <dgm:varLst>
+          <dgm:bulletEnabled val="1"/>
+        </dgm:varLst>
+        <dgm:alg type="tx"/>
+        <dgm:shape xmlns:r="http://schemas.openxmlformats.org/officeDocument/2006/relationships" type="rect" r:blip="">
+          <dgm:adjLst/>
+        </dgm:shape>
+        <dgm:presOf axis="desOrSelf" ptType="node"/>
+        <dgm:constrLst>
+          <dgm:constr type="lMarg" refType="primFontSz" fact="0.3"/>
+          <dgm:constr type="rMarg" refType="primFontSz" fact="0.3"/>
+          <dgm:constr type="tMarg" refType="primFontSz" fact="0.3"/>
+          <dgm:constr type="bMarg" refType="primFontSz" fact="0.3"/>
+        </dgm:constrLst>
+        <dgm:ruleLst>
+          <dgm:rule type="primFontSz" val="5" fact="NaN" max="NaN"/>
+        </dgm:ruleLst>
+      </dgm:layoutNode>
+      <dgm:forEach name="Name4" axis="followSib" ptType="sibTrans" cnt="1">
+        <dgm:layoutNode name="sibTrans">
+          <dgm:alg type="sp"/>
+          <dgm:shape xmlns:r="http://schemas.openxmlformats.org/officeDocument/2006/relationships" r:blip="">
+            <dgm:adjLst/>
+          </dgm:shape>
+          <dgm:presOf/>
+          <dgm:constrLst/>
+          <dgm:ruleLst/>
+        </dgm:layoutNode>
+      </dgm:forEach>
+    </dgm:forEach>
+  </dgm:layoutNode>
+</dgm:layoutDef>
+</file>
+
+<file path=ppt/diagrams/quickStyle1.xml><?xml version="1.0" encoding="utf-8"?>
+<dgm:styleDef xmlns:dgm="http://schemas.openxmlformats.org/drawingml/2006/diagram" xmlns:a="http://schemas.openxmlformats.org/drawingml/2006/main" uniqueId="urn:microsoft.com/office/officeart/2005/8/quickstyle/simple1">
+  <dgm:title val=""/>
+  <dgm:desc val=""/>
+  <dgm:catLst>
+    <dgm:cat type="simple" pri="10100"/>
+  </dgm:catLst>
+  <dgm:scene3d>
+    <a:camera prst="orthographicFront"/>
+    <a:lightRig rig="threePt" dir="t"/>
+  </dgm:scene3d>
+  <dgm:styleLbl name="node0">
+    <dgm:scene3d>
+      <a:camera prst="orthographicFront"/>
+      <a:lightRig rig="threePt" dir="t"/>
+    </dgm:scene3d>
+    <dgm:sp3d/>
+    <dgm:txPr/>
+    <dgm:style>
+      <a:lnRef idx="2">
+        <a:scrgbClr r="0" g="0" b="0"/>
+      </a:lnRef>
+      <a:fillRef idx="1">
+        <a:scrgbClr r="0" g="0" b="0"/>
+      </a:fillRef>
+      <a:effectRef idx="0">
+        <a:scrgbClr r="0" g="0" b="0"/>
+      </a:effectRef>
+      <a:fontRef idx="minor">
+        <a:schemeClr val="lt1"/>
+      </a:fontRef>
+    </dgm:style>
+  </dgm:styleLbl>
+  <dgm:styleLbl name="lnNode1">
+    <dgm:scene3d>
+      <a:camera prst="orthographicFront"/>
+      <a:lightRig rig="threePt" dir="t"/>
+    </dgm:scene3d>
+    <dgm:sp3d/>
+    <dgm:txPr/>
+    <dgm:style>
+      <a:lnRef idx="2">
+        <a:scrgbClr r="0" g="0" b="0"/>
+      </a:lnRef>
+      <a:fillRef idx="1">
+        <a:scrgbClr r="0" g="0" b="0"/>
+      </a:fillRef>
+      <a:effectRef idx="0">
+        <a:scrgbClr r="0" g="0" b="0"/>
+      </a:effectRef>
+      <a:fontRef idx="minor">
+        <a:schemeClr val="lt1"/>
+      </a:fontRef>
+    </dgm:style>
+  </dgm:styleLbl>
+  <dgm:styleLbl name="vennNode1">
+    <dgm:scene3d>
+      <a:camera prst="orthographicFront"/>
+      <a:lightRig rig="threePt" dir="t"/>
+    </dgm:scene3d>
+    <dgm:sp3d/>
+    <dgm:txPr/>
+    <dgm:style>
+      <a:lnRef idx="2">
+        <a:scrgbClr r="0" g="0" b="0"/>
+      </a:lnRef>
+      <a:fillRef idx="1">
+        <a:scrgbClr r="0" g="0" b="0"/>
+      </a:fillRef>
+      <a:effectRef idx="0">
+        <a:scrgbClr r="0" g="0" b="0"/>
+      </a:effectRef>
+      <a:fontRef idx="minor">
+        <a:schemeClr val="tx1"/>
+      </a:fontRef>
+    </dgm:style>
+  </dgm:styleLbl>
+  <dgm:styleLbl name="alignNode1">
+    <dgm:scene3d>
+      <a:camera prst="orthographicFront"/>
+      <a:lightRig rig="threePt" dir="t"/>
+    </dgm:scene3d>
+    <dgm:sp3d/>
+    <dgm:txPr/>
+    <dgm:style>
+      <a:lnRef idx="2">
+        <a:scrgbClr r="0" g="0" b="0"/>
+      </a:lnRef>
+      <a:fillRef idx="1">
+        <a:scrgbClr r="0" g="0" b="0"/>
+      </a:fillRef>
+      <a:effectRef idx="0">
+        <a:scrgbClr r="0" g="0" b="0"/>
+      </a:effectRef>
+      <a:fontRef idx="minor">
+        <a:schemeClr val="lt1"/>
+      </a:fontRef>
+    </dgm:style>
+  </dgm:styleLbl>
+  <dgm:styleLbl name="node1">
+    <dgm:scene3d>
+      <a:camera prst="orthographicFront"/>
+      <a:lightRig rig="threePt" dir="t"/>
+    </dgm:scene3d>
+    <dgm:sp3d/>
+    <dgm:txPr/>
+    <dgm:style>
+      <a:lnRef idx="2">
+        <a:scrgbClr r="0" g="0" b="0"/>
+      </a:lnRef>
+      <a:fillRef idx="1">
+        <a:scrgbClr r="0" g="0" b="0"/>
+      </a:fillRef>
+      <a:effectRef idx="0">
+        <a:scrgbClr r="0" g="0" b="0"/>
+      </a:effectRef>
+      <a:fontRef idx="minor">
+        <a:schemeClr val="lt1"/>
+      </a:fontRef>
+    </dgm:style>
+  </dgm:styleLbl>
+  <dgm:styleLbl name="node2">
+    <dgm:scene3d>
+      <a:camera prst="orthographicFront"/>
+      <a:lightRig rig="threePt" dir="t"/>
+    </dgm:scene3d>
+    <dgm:sp3d/>
+    <dgm:txPr/>
+    <dgm:style>
+      <a:lnRef idx="2">
+        <a:scrgbClr r="0" g="0" b="0"/>
+      </a:lnRef>
+      <a:fillRef idx="1">
+        <a:scrgbClr r="0" g="0" b="0"/>
+      </a:fillRef>
+      <a:effectRef idx="0">
+        <a:scrgbClr r="0" g="0" b="0"/>
+      </a:effectRef>
+      <a:fontRef idx="minor">
+        <a:schemeClr val="lt1"/>
+      </a:fontRef>
+    </dgm:style>
+  </dgm:styleLbl>
+  <dgm:styleLbl name="node3">
+    <dgm:scene3d>
+      <a:camera prst="orthographicFront"/>
+      <a:lightRig rig="threePt" dir="t"/>
+    </dgm:scene3d>
+    <dgm:sp3d/>
+    <dgm:txPr/>
+    <dgm:style>
+      <a:lnRef idx="2">
+        <a:scrgbClr r="0" g="0" b="0"/>
+      </a:lnRef>
+      <a:fillRef idx="1">
+        <a:scrgbClr r="0" g="0" b="0"/>
+      </a:fillRef>
+      <a:effectRef idx="0">
+        <a:scrgbClr r="0" g="0" b="0"/>
+      </a:effectRef>
+      <a:fontRef idx="minor">
+        <a:schemeClr val="lt1"/>
+      </a:fontRef>
+    </dgm:style>
+  </dgm:styleLbl>
+  <dgm:styleLbl name="node4">
+    <dgm:scene3d>
+      <a:camera prst="orthographicFront"/>
+      <a:lightRig rig="threePt" dir="t"/>
+    </dgm:scene3d>
+    <dgm:sp3d/>
+    <dgm:txPr/>
+    <dgm:style>
+      <a:lnRef idx="2">
+        <a:scrgbClr r="0" g="0" b="0"/>
+      </a:lnRef>
+      <a:fillRef idx="1">
+        <a:scrgbClr r="0" g="0" b="0"/>
+      </a:fillRef>
+      <a:effectRef idx="0">
+        <a:scrgbClr r="0" g="0" b="0"/>
+      </a:effectRef>
+      <a:fontRef idx="minor">
+        <a:schemeClr val="lt1"/>
+      </a:fontRef>
+    </dgm:style>
+  </dgm:styleLbl>
+  <dgm:styleLbl name="fgImgPlace1">
+    <dgm:scene3d>
+      <a:camera prst="orthographicFront"/>
+      <a:lightRig rig="threePt" dir="t"/>
+    </dgm:scene3d>
+    <dgm:sp3d/>
+    <dgm:txPr/>
+    <dgm:style>
+      <a:lnRef idx="2">
+        <a:scrgbClr r="0" g="0" b="0"/>
+      </a:lnRef>
+      <a:fillRef idx="1">
+        <a:scrgbClr r="0" g="0" b="0"/>
+      </a:fillRef>
+      <a:effectRef idx="0">
+        <a:scrgbClr r="0" g="0" b="0"/>
+      </a:effectRef>
+      <a:fontRef idx="minor"/>
+    </dgm:style>
+  </dgm:styleLbl>
+  <dgm:styleLbl name="alignImgPlace1">
+    <dgm:scene3d>
+      <a:camera prst="orthographicFront"/>
+      <a:lightRig rig="threePt" dir="t"/>
+    </dgm:scene3d>
+    <dgm:sp3d/>
+    <dgm:txPr/>
+    <dgm:style>
+      <a:lnRef idx="2">
+        <a:scrgbClr r="0" g="0" b="0"/>
+      </a:lnRef>
+      <a:fillRef idx="1">
+        <a:scrgbClr r="0" g="0" b="0"/>
+      </a:fillRef>
+      <a:effectRef idx="0">
+        <a:scrgbClr r="0" g="0" b="0"/>
+      </a:effectRef>
+      <a:fontRef idx="minor"/>
+    </dgm:style>
+  </dgm:styleLbl>
+  <dgm:styleLbl name="bgImgPlace1">
+    <dgm:scene3d>
+      <a:camera prst="orthographicFront"/>
+      <a:lightRig rig="threePt" dir="t"/>
+    </dgm:scene3d>
+    <dgm:sp3d/>
+    <dgm:txPr/>
+    <dgm:style>
+      <a:lnRef idx="2">
+        <a:scrgbClr r="0" g="0" b="0"/>
+      </a:lnRef>
+      <a:fillRef idx="1">
+        <a:scrgbClr r="0" g="0" b="0"/>
+      </a:fillRef>
+      <a:effectRef idx="0">
+        <a:scrgbClr r="0" g="0" b="0"/>
+      </a:effectRef>
+      <a:fontRef idx="minor"/>
+    </dgm:style>
+  </dgm:styleLbl>
+  <dgm:styleLbl name="sibTrans2D1">
+    <dgm:scene3d>
+      <a:camera prst="orthographicFront"/>
+      <a:lightRig rig="threePt" dir="t"/>
+    </dgm:scene3d>
+    <dgm:sp3d/>
+    <dgm:txPr/>
+    <dgm:style>
+      <a:lnRef idx="0">
+        <a:scrgbClr r="0" g="0" b="0"/>
+      </a:lnRef>
+      <a:fillRef idx="1">
+        <a:scrgbClr r="0" g="0" b="0"/>
+      </a:fillRef>
+      <a:effectRef idx="0">
+        <a:scrgbClr r="0" g="0" b="0"/>
+      </a:effectRef>
+      <a:fontRef idx="minor">
+        <a:schemeClr val="lt1"/>
+      </a:fontRef>
+    </dgm:style>
+  </dgm:styleLbl>
+  <dgm:styleLbl name="fgSibTrans2D1">
+    <dgm:scene3d>
+      <a:camera prst="orthographicFront"/>
+      <a:lightRig rig="threePt" dir="t"/>
+    </dgm:scene3d>
+    <dgm:sp3d/>
+    <dgm:txPr/>
+    <dgm:style>
+      <a:lnRef idx="0">
+        <a:scrgbClr r="0" g="0" b="0"/>
+      </a:lnRef>
+      <a:fillRef idx="1">
+        <a:scrgbClr r="0" g="0" b="0"/>
+      </a:fillRef>
+      <a:effectRef idx="0">
+        <a:scrgbClr r="0" g="0" b="0"/>
+      </a:effectRef>
+      <a:fontRef idx="minor">
+        <a:schemeClr val="lt1"/>
+      </a:fontRef>
+    </dgm:style>
+  </dgm:styleLbl>
+  <dgm:styleLbl name="bgSibTrans2D1">
+    <dgm:scene3d>
+      <a:camera prst="orthographicFront"/>
+      <a:lightRig rig="threePt" dir="t"/>
+    </dgm:scene3d>
+    <dgm:sp3d/>
+    <dgm:txPr/>
+    <dgm:style>
+      <a:lnRef idx="0">
+        <a:scrgbClr r="0" g="0" b="0"/>
+      </a:lnRef>
+      <a:fillRef idx="1">
+        <a:scrgbClr r="0" g="0" b="0"/>
+      </a:fillRef>
+      <a:effectRef idx="0">
+        <a:scrgbClr r="0" g="0" b="0"/>
+      </a:effectRef>
+      <a:fontRef idx="minor">
+        <a:schemeClr val="lt1"/>
+      </a:fontRef>
+    </dgm:style>
+  </dgm:styleLbl>
+  <dgm:styleLbl name="sibTrans1D1">
+    <dgm:scene3d>
+      <a:camera prst="orthographicFront"/>
+      <a:lightRig rig="threePt" dir="t"/>
+    </dgm:scene3d>
+    <dgm:sp3d/>
+    <dgm:txPr/>
+    <dgm:style>
+      <a:lnRef idx="1">
+        <a:scrgbClr r="0" g="0" b="0"/>
+      </a:lnRef>
+      <a:fillRef idx="0">
+        <a:scrgbClr r="0" g="0" b="0"/>
+      </a:fillRef>
+      <a:effectRef idx="0">
+        <a:scrgbClr r="0" g="0" b="0"/>
+      </a:effectRef>
+      <a:fontRef idx="minor"/>
+    </dgm:style>
+  </dgm:styleLbl>
+  <dgm:styleLbl name="callout">
+    <dgm:scene3d>
+      <a:camera prst="orthographicFront"/>
+      <a:lightRig rig="threePt" dir="t"/>
+    </dgm:scene3d>
+    <dgm:sp3d/>
+    <dgm:txPr/>
+    <dgm:style>
+      <a:lnRef idx="2">
+        <a:scrgbClr r="0" g="0" b="0"/>
+      </a:lnRef>
+      <a:fillRef idx="1">
+        <a:scrgbClr r="0" g="0" b="0"/>
+      </a:fillRef>
+      <a:effectRef idx="0">
+        <a:scrgbClr r="0" g="0" b="0"/>
+      </a:effectRef>
+      <a:fontRef idx="minor"/>
+    </dgm:style>
+  </dgm:styleLbl>
+  <dgm:styleLbl name="asst0">
+    <dgm:scene3d>
+      <a:camera prst="orthographicFront"/>
+      <a:lightRig rig="threePt" dir="t"/>
+    </dgm:scene3d>
+    <dgm:sp3d/>
+    <dgm:txPr/>
+    <dgm:style>
+      <a:lnRef idx="2">
+        <a:scrgbClr r="0" g="0" b="0"/>
+      </a:lnRef>
+      <a:fillRef idx="1">
+        <a:scrgbClr r="0" g="0" b="0"/>
+      </a:fillRef>
+      <a:effectRef idx="0">
+        <a:scrgbClr r="0" g="0" b="0"/>
+      </a:effectRef>
+      <a:fontRef idx="minor">
+        <a:schemeClr val="lt1"/>
+      </a:fontRef>
+    </dgm:style>
+  </dgm:styleLbl>
+  <dgm:styleLbl name="asst1">
+    <dgm:scene3d>
+      <a:camera prst="orthographicFront"/>
+      <a:lightRig rig="threePt" dir="t"/>
+    </dgm:scene3d>
+    <dgm:sp3d/>
+    <dgm:txPr/>
+    <dgm:style>
+      <a:lnRef idx="2">
+        <a:scrgbClr r="0" g="0" b="0"/>
+      </a:lnRef>
+      <a:fillRef idx="1">
+        <a:scrgbClr r="0" g="0" b="0"/>
+      </a:fillRef>
+      <a:effectRef idx="0">
+        <a:scrgbClr r="0" g="0" b="0"/>
+      </a:effectRef>
+      <a:fontRef idx="minor">
+        <a:schemeClr val="lt1"/>
+      </a:fontRef>
+    </dgm:style>
+  </dgm:styleLbl>
+  <dgm:styleLbl name="asst2">
+    <dgm:scene3d>
+      <a:camera prst="orthographicFront"/>
+      <a:lightRig rig="threePt" dir="t"/>
+    </dgm:scene3d>
+    <dgm:sp3d/>
+    <dgm:txPr/>
+    <dgm:style>
+      <a:lnRef idx="2">
+        <a:scrgbClr r="0" g="0" b="0"/>
+      </a:lnRef>
+      <a:fillRef idx="1">
+        <a:scrgbClr r="0" g="0" b="0"/>
+      </a:fillRef>
+      <a:effectRef idx="0">
+        <a:scrgbClr r="0" g="0" b="0"/>
+      </a:effectRef>
+      <a:fontRef idx="minor">
+        <a:schemeClr val="lt1"/>
+      </a:fontRef>
+    </dgm:style>
+  </dgm:styleLbl>
+  <dgm:styleLbl name="asst3">
+    <dgm:scene3d>
+      <a:camera prst="orthographicFront"/>
+      <a:lightRig rig="threePt" dir="t"/>
+    </dgm:scene3d>
+    <dgm:sp3d/>
+    <dgm:txPr/>
+    <dgm:style>
+      <a:lnRef idx="2">
+        <a:scrgbClr r="0" g="0" b="0"/>
+      </a:lnRef>
+      <a:fillRef idx="1">
+        <a:scrgbClr r="0" g="0" b="0"/>
+      </a:fillRef>
+      <a:effectRef idx="0">
+        <a:scrgbClr r="0" g="0" b="0"/>
+      </a:effectRef>
+      <a:fontRef idx="minor">
+        <a:schemeClr val="lt1"/>
+      </a:fontRef>
+    </dgm:style>
+  </dgm:styleLbl>
+  <dgm:styleLbl name="asst4">
+    <dgm:scene3d>
+      <a:camera prst="orthographicFront"/>
+      <a:lightRig rig="threePt" dir="t"/>
+    </dgm:scene3d>
+    <dgm:sp3d/>
+    <dgm:txPr/>
+    <dgm:style>
+      <a:lnRef idx="2">
+        <a:scrgbClr r="0" g="0" b="0"/>
+      </a:lnRef>
+      <a:fillRef idx="1">
+        <a:scrgbClr r="0" g="0" b="0"/>
+      </a:fillRef>
+      <a:effectRef idx="0">
+        <a:scrgbClr r="0" g="0" b="0"/>
+      </a:effectRef>
+      <a:fontRef idx="minor">
+        <a:schemeClr val="lt1"/>
+      </a:fontRef>
+    </dgm:style>
+  </dgm:styleLbl>
+  <dgm:styleLbl name="parChTrans2D1">
+    <dgm:scene3d>
+      <a:camera prst="orthographicFront"/>
+      <a:lightRig rig="threePt" dir="t"/>
+    </dgm:scene3d>
+    <dgm:sp3d/>
+    <dgm:txPr/>
+    <dgm:style>
+      <a:lnRef idx="2">
+        <a:scrgbClr r="0" g="0" b="0"/>
+      </a:lnRef>
+      <a:fillRef idx="1">
+        <a:scrgbClr r="0" g="0" b="0"/>
+      </a:fillRef>
+      <a:effectRef idx="0">
+        <a:scrgbClr r="0" g="0" b="0"/>
+      </a:effectRef>
+      <a:fontRef idx="minor">
+        <a:schemeClr val="lt1"/>
+      </a:fontRef>
+    </dgm:style>
+  </dgm:styleLbl>
+  <dgm:styleLbl name="parChTrans2D2">
+    <dgm:scene3d>
+      <a:camera prst="orthographicFront"/>
+      <a:lightRig rig="threePt" dir="t"/>
+    </dgm:scene3d>
+    <dgm:sp3d/>
+    <dgm:txPr/>
+    <dgm:style>
+      <a:lnRef idx="2">
+        <a:scrgbClr r="0" g="0" b="0"/>
+      </a:lnRef>
+      <a:fillRef idx="1">
+        <a:scrgbClr r="0" g="0" b="0"/>
+      </a:fillRef>
+      <a:effectRef idx="0">
+        <a:scrgbClr r="0" g="0" b="0"/>
+      </a:effectRef>
+      <a:fontRef idx="minor">
+        <a:schemeClr val="lt1"/>
+      </a:fontRef>
+    </dgm:style>
+  </dgm:styleLbl>
+  <dgm:styleLbl name="parChTrans2D3">
+    <dgm:scene3d>
+      <a:camera prst="orthographicFront"/>
+      <a:lightRig rig="threePt" dir="t"/>
+    </dgm:scene3d>
+    <dgm:sp3d/>
+    <dgm:txPr/>
+    <dgm:style>
+      <a:lnRef idx="2">
+        <a:scrgbClr r="0" g="0" b="0"/>
+      </a:lnRef>
+      <a:fillRef idx="1">
+        <a:scrgbClr r="0" g="0" b="0"/>
+      </a:fillRef>
+      <a:effectRef idx="0">
+        <a:scrgbClr r="0" g="0" b="0"/>
+      </a:effectRef>
+      <a:fontRef idx="minor">
+        <a:schemeClr val="lt1"/>
+      </a:fontRef>
+    </dgm:style>
+  </dgm:styleLbl>
+  <dgm:styleLbl name="parChTrans2D4">
+    <dgm:scene3d>
+      <a:camera prst="orthographicFront"/>
+      <a:lightRig rig="threePt" dir="t"/>
+    </dgm:scene3d>
+    <dgm:sp3d/>
+    <dgm:txPr/>
+    <dgm:style>
+      <a:lnRef idx="2">
+        <a:scrgbClr r="0" g="0" b="0"/>
+      </a:lnRef>
+      <a:fillRef idx="1">
+        <a:scrgbClr r="0" g="0" b="0"/>
+      </a:fillRef>
+      <a:effectRef idx="0">
+        <a:scrgbClr r="0" g="0" b="0"/>
+      </a:effectRef>
+      <a:fontRef idx="minor">
+        <a:schemeClr val="lt1"/>
+      </a:fontRef>
+    </dgm:style>
+  </dgm:styleLbl>
+  <dgm:styleLbl name="parChTrans1D1">
+    <dgm:scene3d>
+      <a:camera prst="orthographicFront"/>
+      <a:lightRig rig="threePt" dir="t"/>
+    </dgm:scene3d>
+    <dgm:sp3d/>
+    <dgm:txPr/>
+    <dgm:style>
+      <a:lnRef idx="2">
+        <a:scrgbClr r="0" g="0" b="0"/>
+      </a:lnRef>
+      <a:fillRef idx="0">
+        <a:scrgbClr r="0" g="0" b="0"/>
+      </a:fillRef>
+      <a:effectRef idx="0">
+        <a:scrgbClr r="0" g="0" b="0"/>
+      </a:effectRef>
+      <a:fontRef idx="minor"/>
+    </dgm:style>
+  </dgm:styleLbl>
+  <dgm:styleLbl name="parChTrans1D2">
+    <dgm:scene3d>
+      <a:camera prst="orthographicFront"/>
+      <a:lightRig rig="threePt" dir="t"/>
+    </dgm:scene3d>
+    <dgm:sp3d/>
+    <dgm:txPr/>
+    <dgm:style>
+      <a:lnRef idx="2">
+        <a:scrgbClr r="0" g="0" b="0"/>
+      </a:lnRef>
+      <a:fillRef idx="0">
+        <a:scrgbClr r="0" g="0" b="0"/>
+      </a:fillRef>
+      <a:effectRef idx="0">
+        <a:scrgbClr r="0" g="0" b="0"/>
+      </a:effectRef>
+      <a:fontRef idx="minor"/>
+    </dgm:style>
+  </dgm:styleLbl>
+  <dgm:styleLbl name="parChTrans1D3">
+    <dgm:scene3d>
+      <a:camera prst="orthographicFront"/>
+      <a:lightRig rig="threePt" dir="t"/>
+    </dgm:scene3d>
+    <dgm:sp3d/>
+    <dgm:txPr/>
+    <dgm:style>
+      <a:lnRef idx="2">
+        <a:scrgbClr r="0" g="0" b="0"/>
+      </a:lnRef>
+      <a:fillRef idx="0">
+        <a:scrgbClr r="0" g="0" b="0"/>
+      </a:fillRef>
+      <a:effectRef idx="0">
+        <a:scrgbClr r="0" g="0" b="0"/>
+      </a:effectRef>
+      <a:fontRef idx="minor"/>
+    </dgm:style>
+  </dgm:styleLbl>
+  <dgm:styleLbl name="parChTrans1D4">
+    <dgm:scene3d>
+      <a:camera prst="orthographicFront"/>
+      <a:lightRig rig="threePt" dir="t"/>
+    </dgm:scene3d>
+    <dgm:sp3d/>
+    <dgm:txPr/>
+    <dgm:style>
+      <a:lnRef idx="2">
+        <a:scrgbClr r="0" g="0" b="0"/>
+      </a:lnRef>
+      <a:fillRef idx="0">
+        <a:scrgbClr r="0" g="0" b="0"/>
+      </a:fillRef>
+      <a:effectRef idx="0">
+        <a:scrgbClr r="0" g="0" b="0"/>
+      </a:effectRef>
+      <a:fontRef idx="minor"/>
+    </dgm:style>
+  </dgm:styleLbl>
+  <dgm:styleLbl name="fgAcc1">
+    <dgm:scene3d>
+      <a:camera prst="orthographicFront"/>
+      <a:lightRig rig="threePt" dir="t"/>
+    </dgm:scene3d>
+    <dgm:sp3d/>
+    <dgm:txPr/>
+    <dgm:style>
+      <a:lnRef idx="2">
+        <a:scrgbClr r="0" g="0" b="0"/>
+      </a:lnRef>
+      <a:fillRef idx="1">
+        <a:scrgbClr r="0" g="0" b="0"/>
+      </a:fillRef>
+      <a:effectRef idx="0">
+        <a:scrgbClr r="0" g="0" b="0"/>
+      </a:effectRef>
+      <a:fontRef idx="minor"/>
+    </dgm:style>
+  </dgm:styleLbl>
+  <dgm:styleLbl name="conFgAcc1">
+    <dgm:scene3d>
+      <a:camera prst="orthographicFront"/>
+      <a:lightRig rig="threePt" dir="t"/>
+    </dgm:scene3d>
+    <dgm:sp3d/>
+    <dgm:txPr/>
+    <dgm:style>
+      <a:lnRef idx="2">
+        <a:scrgbClr r="0" g="0" b="0"/>
+      </a:lnRef>
+      <a:fillRef idx="1">
+        <a:scrgbClr r="0" g="0" b="0"/>
+      </a:fillRef>
+      <a:effectRef idx="0">
+        <a:scrgbClr r="0" g="0" b="0"/>
+      </a:effectRef>
+      <a:fontRef idx="minor"/>
+    </dgm:style>
+  </dgm:styleLbl>
+  <dgm:styleLbl name="alignAcc1">
+    <dgm:scene3d>
+      <a:camera prst="orthographicFront"/>
+      <a:lightRig rig="threePt" dir="t"/>
+    </dgm:scene3d>
+    <dgm:sp3d/>
+    <dgm:txPr/>
+    <dgm:style>
+      <a:lnRef idx="2">
+        <a:scrgbClr r="0" g="0" b="0"/>
+      </a:lnRef>
+      <a:fillRef idx="1">
+        <a:scrgbClr r="0" g="0" b="0"/>
+      </a:fillRef>
+      <a:effectRef idx="0">
+        <a:scrgbClr r="0" g="0" b="0"/>
+      </a:effectRef>
+      <a:fontRef idx="minor"/>
+    </dgm:style>
+  </dgm:styleLbl>
+  <dgm:styleLbl name="trAlignAcc1">
+    <dgm:scene3d>
+      <a:camera prst="orthographicFront"/>
+      <a:lightRig rig="threePt" dir="t"/>
+    </dgm:scene3d>
+    <dgm:sp3d/>
+    <dgm:txPr/>
+    <dgm:style>
+      <a:lnRef idx="1">
+        <a:scrgbClr r="0" g="0" b="0"/>
+      </a:lnRef>
+      <a:fillRef idx="1">
+        <a:scrgbClr r="0" g="0" b="0"/>
+      </a:fillRef>
+      <a:effectRef idx="0">
+        <a:scrgbClr r="0" g="0" b="0"/>
+      </a:effectRef>
+      <a:fontRef idx="minor"/>
+    </dgm:style>
+  </dgm:styleLbl>
+  <dgm:styleLbl name="bgAcc1">
+    <dgm:scene3d>
+      <a:camera prst="orthographicFront"/>
+      <a:lightRig rig="threePt" dir="t"/>
+    </dgm:scene3d>
+    <dgm:sp3d/>
+    <dgm:txPr/>
+    <dgm:style>
+      <a:lnRef idx="2">
+        <a:scrgbClr r="0" g="0" b="0"/>
+      </a:lnRef>
+      <a:fillRef idx="1">
+        <a:scrgbClr r="0" g="0" b="0"/>
+      </a:fillRef>
+      <a:effectRef idx="0">
+        <a:scrgbClr r="0" g="0" b="0"/>
+      </a:effectRef>
+      <a:fontRef idx="minor"/>
+    </dgm:style>
+  </dgm:styleLbl>
+  <dgm:styleLbl name="solidFgAcc1">
+    <dgm:scene3d>
+      <a:camera prst="orthographicFront"/>
+      <a:lightRig rig="threePt" dir="t"/>
+    </dgm:scene3d>
+    <dgm:sp3d/>
+    <dgm:txPr/>
+    <dgm:style>
+      <a:lnRef idx="2">
+        <a:scrgbClr r="0" g="0" b="0"/>
+      </a:lnRef>
+      <a:fillRef idx="1">
+        <a:scrgbClr r="0" g="0" b="0"/>
+      </a:fillRef>
+      <a:effectRef idx="0">
+        <a:scrgbClr r="0" g="0" b="0"/>
+      </a:effectRef>
+      <a:fontRef idx="minor"/>
+    </dgm:style>
+  </dgm:styleLbl>
+  <dgm:styleLbl name="solidAlignAcc1">
+    <dgm:scene3d>
+      <a:camera prst="orthographicFront"/>
+      <a:lightRig rig="threePt" dir="t"/>
+    </dgm:scene3d>
+    <dgm:sp3d/>
+    <dgm:txPr/>
+    <dgm:style>
+      <a:lnRef idx="2">
+        <a:scrgbClr r="0" g="0" b="0"/>
+      </a:lnRef>
+      <a:fillRef idx="1">
+        <a:scrgbClr r="0" g="0" b="0"/>
+      </a:fillRef>
+      <a:effectRef idx="0">
+        <a:scrgbClr r="0" g="0" b="0"/>
+      </a:effectRef>
+      <a:fontRef idx="minor"/>
+    </dgm:style>
+  </dgm:styleLbl>
+  <dgm:styleLbl name="solidBgAcc1">
+    <dgm:scene3d>
+      <a:camera prst="orthographicFront"/>
+      <a:lightRig rig="threePt" dir="t"/>
+    </dgm:scene3d>
+    <dgm:sp3d/>
+    <dgm:txPr/>
+    <dgm:style>
+      <a:lnRef idx="2">
+        <a:scrgbClr r="0" g="0" b="0"/>
+      </a:lnRef>
+      <a:fillRef idx="1">
+        <a:scrgbClr r="0" g="0" b="0"/>
+      </a:fillRef>
+      <a:effectRef idx="0">
+        <a:scrgbClr r="0" g="0" b="0"/>
+      </a:effectRef>
+      <a:fontRef idx="minor"/>
+    </dgm:style>
+  </dgm:styleLbl>
+  <dgm:styleLbl name="fgAccFollowNode1">
+    <dgm:scene3d>
+      <a:camera prst="orthographicFront"/>
+      <a:lightRig rig="threePt" dir="t"/>
+    </dgm:scene3d>
+    <dgm:sp3d/>
+    <dgm:txPr/>
+    <dgm:style>
+      <a:lnRef idx="2">
+        <a:scrgbClr r="0" g="0" b="0"/>
+      </a:lnRef>
+      <a:fillRef idx="1">
+        <a:scrgbClr r="0" g="0" b="0"/>
+      </a:fillRef>
+      <a:effectRef idx="0">
+        <a:scrgbClr r="0" g="0" b="0"/>
+      </a:effectRef>
+      <a:fontRef idx="minor"/>
+    </dgm:style>
+  </dgm:styleLbl>
+  <dgm:styleLbl name="alignAccFollowNode1">
+    <dgm:scene3d>
+      <a:camera prst="orthographicFront"/>
+      <a:lightRig rig="threePt" dir="t"/>
+    </dgm:scene3d>
+    <dgm:sp3d/>
+    <dgm:txPr/>
+    <dgm:style>
+      <a:lnRef idx="2">
+        <a:scrgbClr r="0" g="0" b="0"/>
+      </a:lnRef>
+      <a:fillRef idx="1">
+        <a:scrgbClr r="0" g="0" b="0"/>
+      </a:fillRef>
+      <a:effectRef idx="0">
+        <a:scrgbClr r="0" g="0" b="0"/>
+      </a:effectRef>
+      <a:fontRef idx="minor"/>
+    </dgm:style>
+  </dgm:styleLbl>
+  <dgm:styleLbl name="bgAccFollowNode1">
+    <dgm:scene3d>
+      <a:camera prst="orthographicFront"/>
+      <a:lightRig rig="threePt" dir="t"/>
+    </dgm:scene3d>
+    <dgm:sp3d/>
+    <dgm:txPr/>
+    <dgm:style>
+      <a:lnRef idx="2">
+        <a:scrgbClr r="0" g="0" b="0"/>
+      </a:lnRef>
+      <a:fillRef idx="1">
+        <a:scrgbClr r="0" g="0" b="0"/>
+      </a:fillRef>
+      <a:effectRef idx="0">
+        <a:scrgbClr r="0" g="0" b="0"/>
+      </a:effectRef>
+      <a:fontRef idx="minor"/>
+    </dgm:style>
+  </dgm:styleLbl>
+  <dgm:styleLbl name="fgAcc0">
+    <dgm:scene3d>
+      <a:camera prst="orthographicFront"/>
+      <a:lightRig rig="threePt" dir="t"/>
+    </dgm:scene3d>
+    <dgm:sp3d/>
+    <dgm:txPr/>
+    <dgm:style>
+      <a:lnRef idx="2">
+        <a:scrgbClr r="0" g="0" b="0"/>
+      </a:lnRef>
+      <a:fillRef idx="1">
+        <a:scrgbClr r="0" g="0" b="0"/>
+      </a:fillRef>
+      <a:effectRef idx="0">
+        <a:scrgbClr r="0" g="0" b="0"/>
+      </a:effectRef>
+      <a:fontRef idx="minor"/>
+    </dgm:style>
+  </dgm:styleLbl>
+  <dgm:styleLbl name="fgAcc2">
+    <dgm:scene3d>
+      <a:camera prst="orthographicFront"/>
+      <a:lightRig rig="threePt" dir="t"/>
+    </dgm:scene3d>
+    <dgm:sp3d/>
+    <dgm:txPr/>
+    <dgm:style>
+      <a:lnRef idx="2">
+        <a:scrgbClr r="0" g="0" b="0"/>
+      </a:lnRef>
+      <a:fillRef idx="1">
+        <a:scrgbClr r="0" g="0" b="0"/>
+      </a:fillRef>
+      <a:effectRef idx="0">
+        <a:scrgbClr r="0" g="0" b="0"/>
+      </a:effectRef>
+      <a:fontRef idx="minor"/>
+    </dgm:style>
+  </dgm:styleLbl>
+  <dgm:styleLbl name="fgAcc3">
+    <dgm:scene3d>
+      <a:camera prst="orthographicFront"/>
+      <a:lightRig rig="threePt" dir="t"/>
+    </dgm:scene3d>
+    <dgm:sp3d/>
+    <dgm:txPr/>
+    <dgm:style>
+      <a:lnRef idx="2">
+        <a:scrgbClr r="0" g="0" b="0"/>
+      </a:lnRef>
+      <a:fillRef idx="1">
+        <a:scrgbClr r="0" g="0" b="0"/>
+      </a:fillRef>
+      <a:effectRef idx="0">
+        <a:scrgbClr r="0" g="0" b="0"/>
+      </a:effectRef>
+      <a:fontRef idx="minor"/>
+    </dgm:style>
+  </dgm:styleLbl>
+  <dgm:styleLbl name="fgAcc4">
+    <dgm:scene3d>
+      <a:camera prst="orthographicFront"/>
+      <a:lightRig rig="threePt" dir="t"/>
+    </dgm:scene3d>
+    <dgm:sp3d/>
+    <dgm:txPr/>
+    <dgm:style>
+      <a:lnRef idx="2">
+        <a:scrgbClr r="0" g="0" b="0"/>
+      </a:lnRef>
+      <a:fillRef idx="1">
+        <a:scrgbClr r="0" g="0" b="0"/>
+      </a:fillRef>
+      <a:effectRef idx="0">
+        <a:scrgbClr r="0" g="0" b="0"/>
+      </a:effectRef>
+      <a:fontRef idx="minor"/>
+    </dgm:style>
+  </dgm:styleLbl>
+  <dgm:styleLbl name="bgShp">
+    <dgm:scene3d>
+      <a:camera prst="orthographicFront"/>
+      <a:lightRig rig="threePt" dir="t"/>
+    </dgm:scene3d>
+    <dgm:sp3d/>
+    <dgm:txPr/>
+    <dgm:style>
+      <a:lnRef idx="0">
+        <a:scrgbClr r="0" g="0" b="0"/>
+      </a:lnRef>
+      <a:fillRef idx="1">
+        <a:scrgbClr r="0" g="0" b="0"/>
+      </a:fillRef>
+      <a:effectRef idx="0">
+        <a:scrgbClr r="0" g="0" b="0"/>
+      </a:effectRef>
+      <a:fontRef idx="minor"/>
+    </dgm:style>
+  </dgm:styleLbl>
+  <dgm:styleLbl name="dkBgShp">
+    <dgm:scene3d>
+      <a:camera prst="orthographicFront"/>
+      <a:lightRig rig="threePt" dir="t"/>
+    </dgm:scene3d>
+    <dgm:sp3d/>
+    <dgm:txPr/>
+    <dgm:style>
+      <a:lnRef idx="0">
+        <a:scrgbClr r="0" g="0" b="0"/>
+      </a:lnRef>
+      <a:fillRef idx="1">
+        <a:scrgbClr r="0" g="0" b="0"/>
+      </a:fillRef>
+      <a:effectRef idx="0">
+        <a:scrgbClr r="0" g="0" b="0"/>
+      </a:effectRef>
+      <a:fontRef idx="minor"/>
+    </dgm:style>
+  </dgm:styleLbl>
+  <dgm:styleLbl name="trBgShp">
+    <dgm:scene3d>
+      <a:camera prst="orthographicFront"/>
+      <a:lightRig rig="threePt" dir="t"/>
+    </dgm:scene3d>
+    <dgm:sp3d/>
+    <dgm:txPr/>
+    <dgm:style>
+      <a:lnRef idx="0">
+        <a:scrgbClr r="0" g="0" b="0"/>
+      </a:lnRef>
+      <a:fillRef idx="1">
+        <a:scrgbClr r="0" g="0" b="0"/>
+      </a:fillRef>
+      <a:effectRef idx="0">
+        <a:scrgbClr r="0" g="0" b="0"/>
+      </a:effectRef>
+      <a:fontRef idx="minor"/>
+    </dgm:style>
+  </dgm:styleLbl>
+  <dgm:styleLbl name="fgShp">
+    <dgm:scene3d>
+      <a:camera prst="orthographicFront"/>
+      <a:lightRig rig="threePt" dir="t"/>
+    </dgm:scene3d>
+    <dgm:sp3d/>
+    <dgm:txPr/>
+    <dgm:style>
+      <a:lnRef idx="2">
+        <a:scrgbClr r="0" g="0" b="0"/>
+      </a:lnRef>
+      <a:fillRef idx="1">
+        <a:scrgbClr r="0" g="0" b="0"/>
+      </a:fillRef>
+      <a:effectRef idx="0">
+        <a:scrgbClr r="0" g="0" b="0"/>
+      </a:effectRef>
+      <a:fontRef idx="minor"/>
+    </dgm:style>
+  </dgm:styleLbl>
+  <dgm:styleLbl name="revTx">
+    <dgm:scene3d>
+      <a:camera prst="orthographicFront"/>
+      <a:lightRig rig="threePt" dir="t"/>
+    </dgm:scene3d>
+    <dgm:sp3d/>
+    <dgm:txPr/>
+    <dgm:style>
+      <a:lnRef idx="0">
+        <a:scrgbClr r="0" g="0" b="0"/>
+      </a:lnRef>
+      <a:fillRef idx="0">
+        <a:scrgbClr r="0" g="0" b="0"/>
+      </a:fillRef>
+      <a:effectRef idx="0">
+        <a:scrgbClr r="0" g="0" b="0"/>
+      </a:effectRef>
+      <a:fontRef idx="minor"/>
+    </dgm:style>
+  </dgm:styleLbl>
+</dgm:styleDef>
+</file>
+
+<file path=ppt/diagrams/quickStyle2.xml><?xml version="1.0" encoding="utf-8"?>
+<dgm:styleDef xmlns:dgm="http://schemas.openxmlformats.org/drawingml/2006/diagram" xmlns:a="http://schemas.openxmlformats.org/drawingml/2006/main" uniqueId="urn:microsoft.com/office/officeart/2005/8/quickstyle/simple1">
+  <dgm:title val=""/>
+  <dgm:desc val=""/>
+  <dgm:catLst>
+    <dgm:cat type="simple" pri="10100"/>
+  </dgm:catLst>
+  <dgm:scene3d>
+    <a:camera prst="orthographicFront"/>
+    <a:lightRig rig="threePt" dir="t"/>
+  </dgm:scene3d>
+  <dgm:styleLbl name="node0">
+    <dgm:scene3d>
+      <a:camera prst="orthographicFront"/>
+      <a:lightRig rig="threePt" dir="t"/>
+    </dgm:scene3d>
+    <dgm:sp3d/>
+    <dgm:txPr/>
+    <dgm:style>
+      <a:lnRef idx="2">
+        <a:scrgbClr r="0" g="0" b="0"/>
+      </a:lnRef>
+      <a:fillRef idx="1">
+        <a:scrgbClr r="0" g="0" b="0"/>
+      </a:fillRef>
+      <a:effectRef idx="0">
+        <a:scrgbClr r="0" g="0" b="0"/>
+      </a:effectRef>
+      <a:fontRef idx="minor">
+        <a:schemeClr val="lt1"/>
+      </a:fontRef>
+    </dgm:style>
+  </dgm:styleLbl>
+  <dgm:styleLbl name="lnNode1">
+    <dgm:scene3d>
+      <a:camera prst="orthographicFront"/>
+      <a:lightRig rig="threePt" dir="t"/>
+    </dgm:scene3d>
+    <dgm:sp3d/>
+    <dgm:txPr/>
+    <dgm:style>
+      <a:lnRef idx="2">
+        <a:scrgbClr r="0" g="0" b="0"/>
+      </a:lnRef>
+      <a:fillRef idx="1">
+        <a:scrgbClr r="0" g="0" b="0"/>
+      </a:fillRef>
+      <a:effectRef idx="0">
+        <a:scrgbClr r="0" g="0" b="0"/>
+      </a:effectRef>
+      <a:fontRef idx="minor">
+        <a:schemeClr val="lt1"/>
+      </a:fontRef>
+    </dgm:style>
+  </dgm:styleLbl>
+  <dgm:styleLbl name="vennNode1">
+    <dgm:scene3d>
+      <a:camera prst="orthographicFront"/>
+      <a:lightRig rig="threePt" dir="t"/>
+    </dgm:scene3d>
+    <dgm:sp3d/>
+    <dgm:txPr/>
+    <dgm:style>
+      <a:lnRef idx="2">
+        <a:scrgbClr r="0" g="0" b="0"/>
+      </a:lnRef>
+      <a:fillRef idx="1">
+        <a:scrgbClr r="0" g="0" b="0"/>
+      </a:fillRef>
+      <a:effectRef idx="0">
+        <a:scrgbClr r="0" g="0" b="0"/>
+      </a:effectRef>
+      <a:fontRef idx="minor">
+        <a:schemeClr val="tx1"/>
+      </a:fontRef>
+    </dgm:style>
+  </dgm:styleLbl>
+  <dgm:styleLbl name="alignNode1">
+    <dgm:scene3d>
+      <a:camera prst="orthographicFront"/>
+      <a:lightRig rig="threePt" dir="t"/>
+    </dgm:scene3d>
+    <dgm:sp3d/>
+    <dgm:txPr/>
+    <dgm:style>
+      <a:lnRef idx="2">
+        <a:scrgbClr r="0" g="0" b="0"/>
+      </a:lnRef>
+      <a:fillRef idx="1">
+        <a:scrgbClr r="0" g="0" b="0"/>
+      </a:fillRef>
+      <a:effectRef idx="0">
+        <a:scrgbClr r="0" g="0" b="0"/>
+      </a:effectRef>
+      <a:fontRef idx="minor">
+        <a:schemeClr val="lt1"/>
+      </a:fontRef>
+    </dgm:style>
+  </dgm:styleLbl>
+  <dgm:styleLbl name="node1">
+    <dgm:scene3d>
+      <a:camera prst="orthographicFront"/>
+      <a:lightRig rig="threePt" dir="t"/>
+    </dgm:scene3d>
+    <dgm:sp3d/>
+    <dgm:txPr/>
+    <dgm:style>
+      <a:lnRef idx="2">
+        <a:scrgbClr r="0" g="0" b="0"/>
+      </a:lnRef>
+      <a:fillRef idx="1">
+        <a:scrgbClr r="0" g="0" b="0"/>
+      </a:fillRef>
+      <a:effectRef idx="0">
+        <a:scrgbClr r="0" g="0" b="0"/>
+      </a:effectRef>
+      <a:fontRef idx="minor">
+        <a:schemeClr val="lt1"/>
+      </a:fontRef>
+    </dgm:style>
+  </dgm:styleLbl>
+  <dgm:styleLbl name="node2">
+    <dgm:scene3d>
+      <a:camera prst="orthographicFront"/>
+      <a:lightRig rig="threePt" dir="t"/>
+    </dgm:scene3d>
+    <dgm:sp3d/>
+    <dgm:txPr/>
+    <dgm:style>
+      <a:lnRef idx="2">
+        <a:scrgbClr r="0" g="0" b="0"/>
+      </a:lnRef>
+      <a:fillRef idx="1">
+        <a:scrgbClr r="0" g="0" b="0"/>
+      </a:fillRef>
+      <a:effectRef idx="0">
+        <a:scrgbClr r="0" g="0" b="0"/>
+      </a:effectRef>
+      <a:fontRef idx="minor">
+        <a:schemeClr val="lt1"/>
+      </a:fontRef>
+    </dgm:style>
+  </dgm:styleLbl>
+  <dgm:styleLbl name="node3">
+    <dgm:scene3d>
+      <a:camera prst="orthographicFront"/>
+      <a:lightRig rig="threePt" dir="t"/>
+    </dgm:scene3d>
+    <dgm:sp3d/>
+    <dgm:txPr/>
+    <dgm:style>
+      <a:lnRef idx="2">
+        <a:scrgbClr r="0" g="0" b="0"/>
+      </a:lnRef>
+      <a:fillRef idx="1">
+        <a:scrgbClr r="0" g="0" b="0"/>
+      </a:fillRef>
+      <a:effectRef idx="0">
+        <a:scrgbClr r="0" g="0" b="0"/>
+      </a:effectRef>
+      <a:fontRef idx="minor">
+        <a:schemeClr val="lt1"/>
+      </a:fontRef>
+    </dgm:style>
+  </dgm:styleLbl>
+  <dgm:styleLbl name="node4">
+    <dgm:scene3d>
+      <a:camera prst="orthographicFront"/>
+      <a:lightRig rig="threePt" dir="t"/>
+    </dgm:scene3d>
+    <dgm:sp3d/>
+    <dgm:txPr/>
+    <dgm:style>
+      <a:lnRef idx="2">
+        <a:scrgbClr r="0" g="0" b="0"/>
+      </a:lnRef>
+      <a:fillRef idx="1">
+        <a:scrgbClr r="0" g="0" b="0"/>
+      </a:fillRef>
+      <a:effectRef idx="0">
+        <a:scrgbClr r="0" g="0" b="0"/>
+      </a:effectRef>
+      <a:fontRef idx="minor">
+        <a:schemeClr val="lt1"/>
+      </a:fontRef>
+    </dgm:style>
+  </dgm:styleLbl>
+  <dgm:styleLbl name="fgImgPlace1">
+    <dgm:scene3d>
+      <a:camera prst="orthographicFront"/>
+      <a:lightRig rig="threePt" dir="t"/>
+    </dgm:scene3d>
+    <dgm:sp3d/>
+    <dgm:txPr/>
+    <dgm:style>
+      <a:lnRef idx="2">
+        <a:scrgbClr r="0" g="0" b="0"/>
+      </a:lnRef>
+      <a:fillRef idx="1">
+        <a:scrgbClr r="0" g="0" b="0"/>
+      </a:fillRef>
+      <a:effectRef idx="0">
+        <a:scrgbClr r="0" g="0" b="0"/>
+      </a:effectRef>
+      <a:fontRef idx="minor"/>
+    </dgm:style>
+  </dgm:styleLbl>
+  <dgm:styleLbl name="alignImgPlace1">
+    <dgm:scene3d>
+      <a:camera prst="orthographicFront"/>
+      <a:lightRig rig="threePt" dir="t"/>
+    </dgm:scene3d>
+    <dgm:sp3d/>
+    <dgm:txPr/>
+    <dgm:style>
+      <a:lnRef idx="2">
+        <a:scrgbClr r="0" g="0" b="0"/>
+      </a:lnRef>
+      <a:fillRef idx="1">
+        <a:scrgbClr r="0" g="0" b="0"/>
+      </a:fillRef>
+      <a:effectRef idx="0">
+        <a:scrgbClr r="0" g="0" b="0"/>
+      </a:effectRef>
+      <a:fontRef idx="minor"/>
+    </dgm:style>
+  </dgm:styleLbl>
+  <dgm:styleLbl name="bgImgPlace1">
+    <dgm:scene3d>
+      <a:camera prst="orthographicFront"/>
+      <a:lightRig rig="threePt" dir="t"/>
+    </dgm:scene3d>
+    <dgm:sp3d/>
+    <dgm:txPr/>
+    <dgm:style>
+      <a:lnRef idx="2">
+        <a:scrgbClr r="0" g="0" b="0"/>
+      </a:lnRef>
+      <a:fillRef idx="1">
+        <a:scrgbClr r="0" g="0" b="0"/>
+      </a:fillRef>
+      <a:effectRef idx="0">
+        <a:scrgbClr r="0" g="0" b="0"/>
+      </a:effectRef>
+      <a:fontRef idx="minor"/>
+    </dgm:style>
+  </dgm:styleLbl>
+  <dgm:styleLbl name="sibTrans2D1">
+    <dgm:scene3d>
+      <a:camera prst="orthographicFront"/>
+      <a:lightRig rig="threePt" dir="t"/>
+    </dgm:scene3d>
+    <dgm:sp3d/>
+    <dgm:txPr/>
+    <dgm:style>
+      <a:lnRef idx="0">
+        <a:scrgbClr r="0" g="0" b="0"/>
+      </a:lnRef>
+      <a:fillRef idx="1">
+        <a:scrgbClr r="0" g="0" b="0"/>
+      </a:fillRef>
+      <a:effectRef idx="0">
+        <a:scrgbClr r="0" g="0" b="0"/>
+      </a:effectRef>
+      <a:fontRef idx="minor">
+        <a:schemeClr val="lt1"/>
+      </a:fontRef>
+    </dgm:style>
+  </dgm:styleLbl>
+  <dgm:styleLbl name="fgSibTrans2D1">
+    <dgm:scene3d>
+      <a:camera prst="orthographicFront"/>
+      <a:lightRig rig="threePt" dir="t"/>
+    </dgm:scene3d>
+    <dgm:sp3d/>
+    <dgm:txPr/>
+    <dgm:style>
+      <a:lnRef idx="0">
+        <a:scrgbClr r="0" g="0" b="0"/>
+      </a:lnRef>
+      <a:fillRef idx="1">
+        <a:scrgbClr r="0" g="0" b="0"/>
+      </a:fillRef>
+      <a:effectRef idx="0">
+        <a:scrgbClr r="0" g="0" b="0"/>
+      </a:effectRef>
+      <a:fontRef idx="minor">
+        <a:schemeClr val="lt1"/>
+      </a:fontRef>
+    </dgm:style>
+  </dgm:styleLbl>
+  <dgm:styleLbl name="bgSibTrans2D1">
+    <dgm:scene3d>
+      <a:camera prst="orthographicFront"/>
+      <a:lightRig rig="threePt" dir="t"/>
+    </dgm:scene3d>
+    <dgm:sp3d/>
+    <dgm:txPr/>
+    <dgm:style>
+      <a:lnRef idx="0">
+        <a:scrgbClr r="0" g="0" b="0"/>
+      </a:lnRef>
+      <a:fillRef idx="1">
+        <a:scrgbClr r="0" g="0" b="0"/>
+      </a:fillRef>
+      <a:effectRef idx="0">
+        <a:scrgbClr r="0" g="0" b="0"/>
+      </a:effectRef>
+      <a:fontRef idx="minor">
+        <a:schemeClr val="lt1"/>
+      </a:fontRef>
+    </dgm:style>
+  </dgm:styleLbl>
+  <dgm:styleLbl name="sibTrans1D1">
+    <dgm:scene3d>
+      <a:camera prst="orthographicFront"/>
+      <a:lightRig rig="threePt" dir="t"/>
+    </dgm:scene3d>
+    <dgm:sp3d/>
+    <dgm:txPr/>
+    <dgm:style>
+      <a:lnRef idx="1">
+        <a:scrgbClr r="0" g="0" b="0"/>
+      </a:lnRef>
+      <a:fillRef idx="0">
+        <a:scrgbClr r="0" g="0" b="0"/>
+      </a:fillRef>
+      <a:effectRef idx="0">
+        <a:scrgbClr r="0" g="0" b="0"/>
+      </a:effectRef>
+      <a:fontRef idx="minor"/>
+    </dgm:style>
+  </dgm:styleLbl>
+  <dgm:styleLbl name="callout">
+    <dgm:scene3d>
+      <a:camera prst="orthographicFront"/>
+      <a:lightRig rig="threePt" dir="t"/>
+    </dgm:scene3d>
+    <dgm:sp3d/>
+    <dgm:txPr/>
+    <dgm:style>
+      <a:lnRef idx="2">
+        <a:scrgbClr r="0" g="0" b="0"/>
+      </a:lnRef>
+      <a:fillRef idx="1">
+        <a:scrgbClr r="0" g="0" b="0"/>
+      </a:fillRef>
+      <a:effectRef idx="0">
+        <a:scrgbClr r="0" g="0" b="0"/>
+      </a:effectRef>
+      <a:fontRef idx="minor"/>
+    </dgm:style>
+  </dgm:styleLbl>
+  <dgm:styleLbl name="asst0">
+    <dgm:scene3d>
+      <a:camera prst="orthographicFront"/>
+      <a:lightRig rig="threePt" dir="t"/>
+    </dgm:scene3d>
+    <dgm:sp3d/>
+    <dgm:txPr/>
+    <dgm:style>
+      <a:lnRef idx="2">
+        <a:scrgbClr r="0" g="0" b="0"/>
+      </a:lnRef>
+      <a:fillRef idx="1">
+        <a:scrgbClr r="0" g="0" b="0"/>
+      </a:fillRef>
+      <a:effectRef idx="0">
+        <a:scrgbClr r="0" g="0" b="0"/>
+      </a:effectRef>
+      <a:fontRef idx="minor">
+        <a:schemeClr val="lt1"/>
+      </a:fontRef>
+    </dgm:style>
+  </dgm:styleLbl>
+  <dgm:styleLbl name="asst1">
+    <dgm:scene3d>
+      <a:camera prst="orthographicFront"/>
+      <a:lightRig rig="threePt" dir="t"/>
+    </dgm:scene3d>
+    <dgm:sp3d/>
+    <dgm:txPr/>
+    <dgm:style>
+      <a:lnRef idx="2">
+        <a:scrgbClr r="0" g="0" b="0"/>
+      </a:lnRef>
+      <a:fillRef idx="1">
+        <a:scrgbClr r="0" g="0" b="0"/>
+      </a:fillRef>
+      <a:effectRef idx="0">
+        <a:scrgbClr r="0" g="0" b="0"/>
+      </a:effectRef>
+      <a:fontRef idx="minor">
+        <a:schemeClr val="lt1"/>
+      </a:fontRef>
+    </dgm:style>
+  </dgm:styleLbl>
+  <dgm:styleLbl name="asst2">
+    <dgm:scene3d>
+      <a:camera prst="orthographicFront"/>
+      <a:lightRig rig="threePt" dir="t"/>
+    </dgm:scene3d>
+    <dgm:sp3d/>
+    <dgm:txPr/>
+    <dgm:style>
+      <a:lnRef idx="2">
+        <a:scrgbClr r="0" g="0" b="0"/>
+      </a:lnRef>
+      <a:fillRef idx="1">
+        <a:scrgbClr r="0" g="0" b="0"/>
+      </a:fillRef>
+      <a:effectRef idx="0">
+        <a:scrgbClr r="0" g="0" b="0"/>
+      </a:effectRef>
+      <a:fontRef idx="minor">
+        <a:schemeClr val="lt1"/>
+      </a:fontRef>
+    </dgm:style>
+  </dgm:styleLbl>
+  <dgm:styleLbl name="asst3">
+    <dgm:scene3d>
+      <a:camera prst="orthographicFront"/>
+      <a:lightRig rig="threePt" dir="t"/>
+    </dgm:scene3d>
+    <dgm:sp3d/>
+    <dgm:txPr/>
+    <dgm:style>
+      <a:lnRef idx="2">
+        <a:scrgbClr r="0" g="0" b="0"/>
+      </a:lnRef>
+      <a:fillRef idx="1">
+        <a:scrgbClr r="0" g="0" b="0"/>
+      </a:fillRef>
+      <a:effectRef idx="0">
+        <a:scrgbClr r="0" g="0" b="0"/>
+      </a:effectRef>
+      <a:fontRef idx="minor">
+        <a:schemeClr val="lt1"/>
+      </a:fontRef>
+    </dgm:style>
+  </dgm:styleLbl>
+  <dgm:styleLbl name="asst4">
+    <dgm:scene3d>
+      <a:camera prst="orthographicFront"/>
+      <a:lightRig rig="threePt" dir="t"/>
+    </dgm:scene3d>
+    <dgm:sp3d/>
+    <dgm:txPr/>
+    <dgm:style>
+      <a:lnRef idx="2">
+        <a:scrgbClr r="0" g="0" b="0"/>
+      </a:lnRef>
+      <a:fillRef idx="1">
+        <a:scrgbClr r="0" g="0" b="0"/>
+      </a:fillRef>
+      <a:effectRef idx="0">
+        <a:scrgbClr r="0" g="0" b="0"/>
+      </a:effectRef>
+      <a:fontRef idx="minor">
+        <a:schemeClr val="lt1"/>
+      </a:fontRef>
+    </dgm:style>
+  </dgm:styleLbl>
+  <dgm:styleLbl name="parChTrans2D1">
+    <dgm:scene3d>
+      <a:camera prst="orthographicFront"/>
+      <a:lightRig rig="threePt" dir="t"/>
+    </dgm:scene3d>
+    <dgm:sp3d/>
+    <dgm:txPr/>
+    <dgm:style>
+      <a:lnRef idx="2">
+        <a:scrgbClr r="0" g="0" b="0"/>
+      </a:lnRef>
+      <a:fillRef idx="1">
+        <a:scrgbClr r="0" g="0" b="0"/>
+      </a:fillRef>
+      <a:effectRef idx="0">
+        <a:scrgbClr r="0" g="0" b="0"/>
+      </a:effectRef>
+      <a:fontRef idx="minor">
+        <a:schemeClr val="lt1"/>
+      </a:fontRef>
+    </dgm:style>
+  </dgm:styleLbl>
+  <dgm:styleLbl name="parChTrans2D2">
+    <dgm:scene3d>
+      <a:camera prst="orthographicFront"/>
+      <a:lightRig rig="threePt" dir="t"/>
+    </dgm:scene3d>
+    <dgm:sp3d/>
+    <dgm:txPr/>
+    <dgm:style>
+      <a:lnRef idx="2">
+        <a:scrgbClr r="0" g="0" b="0"/>
+      </a:lnRef>
+      <a:fillRef idx="1">
+        <a:scrgbClr r="0" g="0" b="0"/>
+      </a:fillRef>
+      <a:effectRef idx="0">
+        <a:scrgbClr r="0" g="0" b="0"/>
+      </a:effectRef>
+      <a:fontRef idx="minor">
+        <a:schemeClr val="lt1"/>
+      </a:fontRef>
+    </dgm:style>
+  </dgm:styleLbl>
+  <dgm:styleLbl name="parChTrans2D3">
+    <dgm:scene3d>
+      <a:camera prst="orthographicFront"/>
+      <a:lightRig rig="threePt" dir="t"/>
+    </dgm:scene3d>
+    <dgm:sp3d/>
+    <dgm:txPr/>
+    <dgm:style>
+      <a:lnRef idx="2">
+        <a:scrgbClr r="0" g="0" b="0"/>
+      </a:lnRef>
+      <a:fillRef idx="1">
+        <a:scrgbClr r="0" g="0" b="0"/>
+      </a:fillRef>
+      <a:effectRef idx="0">
+        <a:scrgbClr r="0" g="0" b="0"/>
+      </a:effectRef>
+      <a:fontRef idx="minor">
+        <a:schemeClr val="lt1"/>
+      </a:fontRef>
+    </dgm:style>
+  </dgm:styleLbl>
+  <dgm:styleLbl name="parChTrans2D4">
+    <dgm:scene3d>
+      <a:camera prst="orthographicFront"/>
+      <a:lightRig rig="threePt" dir="t"/>
+    </dgm:scene3d>
+    <dgm:sp3d/>
+    <dgm:txPr/>
+    <dgm:style>
+      <a:lnRef idx="2">
+        <a:scrgbClr r="0" g="0" b="0"/>
+      </a:lnRef>
+      <a:fillRef idx="1">
+        <a:scrgbClr r="0" g="0" b="0"/>
+      </a:fillRef>
+      <a:effectRef idx="0">
+        <a:scrgbClr r="0" g="0" b="0"/>
+      </a:effectRef>
+      <a:fontRef idx="minor">
+        <a:schemeClr val="lt1"/>
+      </a:fontRef>
+    </dgm:style>
+  </dgm:styleLbl>
+  <dgm:styleLbl name="parChTrans1D1">
+    <dgm:scene3d>
+      <a:camera prst="orthographicFront"/>
+      <a:lightRig rig="threePt" dir="t"/>
+    </dgm:scene3d>
+    <dgm:sp3d/>
+    <dgm:txPr/>
+    <dgm:style>
+      <a:lnRef idx="2">
+        <a:scrgbClr r="0" g="0" b="0"/>
+      </a:lnRef>
+      <a:fillRef idx="0">
+        <a:scrgbClr r="0" g="0" b="0"/>
+      </a:fillRef>
+      <a:effectRef idx="0">
+        <a:scrgbClr r="0" g="0" b="0"/>
+      </a:effectRef>
+      <a:fontRef idx="minor"/>
+    </dgm:style>
+  </dgm:styleLbl>
+  <dgm:styleLbl name="parChTrans1D2">
+    <dgm:scene3d>
+      <a:camera prst="orthographicFront"/>
+      <a:lightRig rig="threePt" dir="t"/>
+    </dgm:scene3d>
+    <dgm:sp3d/>
+    <dgm:txPr/>
+    <dgm:style>
+      <a:lnRef idx="2">
+        <a:scrgbClr r="0" g="0" b="0"/>
+      </a:lnRef>
+      <a:fillRef idx="0">
+        <a:scrgbClr r="0" g="0" b="0"/>
+      </a:fillRef>
+      <a:effectRef idx="0">
+        <a:scrgbClr r="0" g="0" b="0"/>
+      </a:effectRef>
+      <a:fontRef idx="minor"/>
+    </dgm:style>
+  </dgm:styleLbl>
+  <dgm:styleLbl name="parChTrans1D3">
+    <dgm:scene3d>
+      <a:camera prst="orthographicFront"/>
+      <a:lightRig rig="threePt" dir="t"/>
+    </dgm:scene3d>
+    <dgm:sp3d/>
+    <dgm:txPr/>
+    <dgm:style>
+      <a:lnRef idx="2">
+        <a:scrgbClr r="0" g="0" b="0"/>
+      </a:lnRef>
+      <a:fillRef idx="0">
+        <a:scrgbClr r="0" g="0" b="0"/>
+      </a:fillRef>
+      <a:effectRef idx="0">
+        <a:scrgbClr r="0" g="0" b="0"/>
+      </a:effectRef>
+      <a:fontRef idx="minor"/>
+    </dgm:style>
+  </dgm:styleLbl>
+  <dgm:styleLbl name="parChTrans1D4">
+    <dgm:scene3d>
+      <a:camera prst="orthographicFront"/>
+      <a:lightRig rig="threePt" dir="t"/>
+    </dgm:scene3d>
+    <dgm:sp3d/>
+    <dgm:txPr/>
+    <dgm:style>
+      <a:lnRef idx="2">
+        <a:scrgbClr r="0" g="0" b="0"/>
+      </a:lnRef>
+      <a:fillRef idx="0">
+        <a:scrgbClr r="0" g="0" b="0"/>
+      </a:fillRef>
+      <a:effectRef idx="0">
+        <a:scrgbClr r="0" g="0" b="0"/>
+      </a:effectRef>
+      <a:fontRef idx="minor"/>
+    </dgm:style>
+  </dgm:styleLbl>
+  <dgm:styleLbl name="fgAcc1">
+    <dgm:scene3d>
+      <a:camera prst="orthographicFront"/>
+      <a:lightRig rig="threePt" dir="t"/>
+    </dgm:scene3d>
+    <dgm:sp3d/>
+    <dgm:txPr/>
+    <dgm:style>
+      <a:lnRef idx="2">
+        <a:scrgbClr r="0" g="0" b="0"/>
+      </a:lnRef>
+      <a:fillRef idx="1">
+        <a:scrgbClr r="0" g="0" b="0"/>
+      </a:fillRef>
+      <a:effectRef idx="0">
+        <a:scrgbClr r="0" g="0" b="0"/>
+      </a:effectRef>
+      <a:fontRef idx="minor"/>
+    </dgm:style>
+  </dgm:styleLbl>
+  <dgm:styleLbl name="conFgAcc1">
+    <dgm:scene3d>
+      <a:camera prst="orthographicFront"/>
+      <a:lightRig rig="threePt" dir="t"/>
+    </dgm:scene3d>
+    <dgm:sp3d/>
+    <dgm:txPr/>
+    <dgm:style>
+      <a:lnRef idx="2">
+        <a:scrgbClr r="0" g="0" b="0"/>
+      </a:lnRef>
+      <a:fillRef idx="1">
+        <a:scrgbClr r="0" g="0" b="0"/>
+      </a:fillRef>
+      <a:effectRef idx="0">
+        <a:scrgbClr r="0" g="0" b="0"/>
+      </a:effectRef>
+      <a:fontRef idx="minor"/>
+    </dgm:style>
+  </dgm:styleLbl>
+  <dgm:styleLbl name="alignAcc1">
+    <dgm:scene3d>
+      <a:camera prst="orthographicFront"/>
+      <a:lightRig rig="threePt" dir="t"/>
+    </dgm:scene3d>
+    <dgm:sp3d/>
+    <dgm:txPr/>
+    <dgm:style>
+      <a:lnRef idx="2">
+        <a:scrgbClr r="0" g="0" b="0"/>
+      </a:lnRef>
+      <a:fillRef idx="1">
+        <a:scrgbClr r="0" g="0" b="0"/>
+      </a:fillRef>
+      <a:effectRef idx="0">
+        <a:scrgbClr r="0" g="0" b="0"/>
+      </a:effectRef>
+      <a:fontRef idx="minor"/>
+    </dgm:style>
+  </dgm:styleLbl>
+  <dgm:styleLbl name="trAlignAcc1">
+    <dgm:scene3d>
+      <a:camera prst="orthographicFront"/>
+      <a:lightRig rig="threePt" dir="t"/>
+    </dgm:scene3d>
+    <dgm:sp3d/>
+    <dgm:txPr/>
+    <dgm:style>
+      <a:lnRef idx="1">
+        <a:scrgbClr r="0" g="0" b="0"/>
+      </a:lnRef>
+      <a:fillRef idx="1">
+        <a:scrgbClr r="0" g="0" b="0"/>
+      </a:fillRef>
+      <a:effectRef idx="0">
+        <a:scrgbClr r="0" g="0" b="0"/>
+      </a:effectRef>
+      <a:fontRef idx="minor"/>
+    </dgm:style>
+  </dgm:styleLbl>
+  <dgm:styleLbl name="bgAcc1">
+    <dgm:scene3d>
+      <a:camera prst="orthographicFront"/>
+      <a:lightRig rig="threePt" dir="t"/>
+    </dgm:scene3d>
+    <dgm:sp3d/>
+    <dgm:txPr/>
+    <dgm:style>
+      <a:lnRef idx="2">
+        <a:scrgbClr r="0" g="0" b="0"/>
+      </a:lnRef>
+      <a:fillRef idx="1">
+        <a:scrgbClr r="0" g="0" b="0"/>
+      </a:fillRef>
+      <a:effectRef idx="0">
+        <a:scrgbClr r="0" g="0" b="0"/>
+      </a:effectRef>
+      <a:fontRef idx="minor"/>
+    </dgm:style>
+  </dgm:styleLbl>
+  <dgm:styleLbl name="solidFgAcc1">
+    <dgm:scene3d>
+      <a:camera prst="orthographicFront"/>
+      <a:lightRig rig="threePt" dir="t"/>
+    </dgm:scene3d>
+    <dgm:sp3d/>
+    <dgm:txPr/>
+    <dgm:style>
+      <a:lnRef idx="2">
+        <a:scrgbClr r="0" g="0" b="0"/>
+      </a:lnRef>
+      <a:fillRef idx="1">
+        <a:scrgbClr r="0" g="0" b="0"/>
+      </a:fillRef>
+      <a:effectRef idx="0">
+        <a:scrgbClr r="0" g="0" b="0"/>
+      </a:effectRef>
+      <a:fontRef idx="minor"/>
+    </dgm:style>
+  </dgm:styleLbl>
+  <dgm:styleLbl name="solidAlignAcc1">
+    <dgm:scene3d>
+      <a:camera prst="orthographicFront"/>
+      <a:lightRig rig="threePt" dir="t"/>
+    </dgm:scene3d>
+    <dgm:sp3d/>
+    <dgm:txPr/>
+    <dgm:style>
+      <a:lnRef idx="2">
+        <a:scrgbClr r="0" g="0" b="0"/>
+      </a:lnRef>
+      <a:fillRef idx="1">
+        <a:scrgbClr r="0" g="0" b="0"/>
+      </a:fillRef>
+      <a:effectRef idx="0">
+        <a:scrgbClr r="0" g="0" b="0"/>
+      </a:effectRef>
+      <a:fontRef idx="minor"/>
+    </dgm:style>
+  </dgm:styleLbl>
+  <dgm:styleLbl name="solidBgAcc1">
+    <dgm:scene3d>
+      <a:camera prst="orthographicFront"/>
+      <a:lightRig rig="threePt" dir="t"/>
+    </dgm:scene3d>
+    <dgm:sp3d/>
+    <dgm:txPr/>
+    <dgm:style>
+      <a:lnRef idx="2">
+        <a:scrgbClr r="0" g="0" b="0"/>
+      </a:lnRef>
+      <a:fillRef idx="1">
+        <a:scrgbClr r="0" g="0" b="0"/>
+      </a:fillRef>
+      <a:effectRef idx="0">
+        <a:scrgbClr r="0" g="0" b="0"/>
+      </a:effectRef>
+      <a:fontRef idx="minor"/>
+    </dgm:style>
+  </dgm:styleLbl>
+  <dgm:styleLbl name="fgAccFollowNode1">
+    <dgm:scene3d>
+      <a:camera prst="orthographicFront"/>
+      <a:lightRig rig="threePt" dir="t"/>
+    </dgm:scene3d>
+    <dgm:sp3d/>
+    <dgm:txPr/>
+    <dgm:style>
+      <a:lnRef idx="2">
+        <a:scrgbClr r="0" g="0" b="0"/>
+      </a:lnRef>
+      <a:fillRef idx="1">
+        <a:scrgbClr r="0" g="0" b="0"/>
+      </a:fillRef>
+      <a:effectRef idx="0">
+        <a:scrgbClr r="0" g="0" b="0"/>
+      </a:effectRef>
+      <a:fontRef idx="minor"/>
+    </dgm:style>
+  </dgm:styleLbl>
+  <dgm:styleLbl name="alignAccFollowNode1">
+    <dgm:scene3d>
+      <a:camera prst="orthographicFront"/>
+      <a:lightRig rig="threePt" dir="t"/>
+    </dgm:scene3d>
+    <dgm:sp3d/>
+    <dgm:txPr/>
+    <dgm:style>
+      <a:lnRef idx="2">
+        <a:scrgbClr r="0" g="0" b="0"/>
+      </a:lnRef>
+      <a:fillRef idx="1">
+        <a:scrgbClr r="0" g="0" b="0"/>
+      </a:fillRef>
+      <a:effectRef idx="0">
+        <a:scrgbClr r="0" g="0" b="0"/>
+      </a:effectRef>
+      <a:fontRef idx="minor"/>
+    </dgm:style>
+  </dgm:styleLbl>
+  <dgm:styleLbl name="bgAccFollowNode1">
+    <dgm:scene3d>
+      <a:camera prst="orthographicFront"/>
+      <a:lightRig rig="threePt" dir="t"/>
+    </dgm:scene3d>
+    <dgm:sp3d/>
+    <dgm:txPr/>
+    <dgm:style>
+      <a:lnRef idx="2">
+        <a:scrgbClr r="0" g="0" b="0"/>
+      </a:lnRef>
+      <a:fillRef idx="1">
+        <a:scrgbClr r="0" g="0" b="0"/>
+      </a:fillRef>
+      <a:effectRef idx="0">
+        <a:scrgbClr r="0" g="0" b="0"/>
+      </a:effectRef>
+      <a:fontRef idx="minor"/>
+    </dgm:style>
+  </dgm:styleLbl>
+  <dgm:styleLbl name="fgAcc0">
+    <dgm:scene3d>
+      <a:camera prst="orthographicFront"/>
+      <a:lightRig rig="threePt" dir="t"/>
+    </dgm:scene3d>
+    <dgm:sp3d/>
+    <dgm:txPr/>
+    <dgm:style>
+      <a:lnRef idx="2">
+        <a:scrgbClr r="0" g="0" b="0"/>
+      </a:lnRef>
+      <a:fillRef idx="1">
+        <a:scrgbClr r="0" g="0" b="0"/>
+      </a:fillRef>
+      <a:effectRef idx="0">
+        <a:scrgbClr r="0" g="0" b="0"/>
+      </a:effectRef>
+      <a:fontRef idx="minor"/>
+    </dgm:style>
+  </dgm:styleLbl>
+  <dgm:styleLbl name="fgAcc2">
+    <dgm:scene3d>
+      <a:camera prst="orthographicFront"/>
+      <a:lightRig rig="threePt" dir="t"/>
+    </dgm:scene3d>
+    <dgm:sp3d/>
+    <dgm:txPr/>
+    <dgm:style>
+      <a:lnRef idx="2">
+        <a:scrgbClr r="0" g="0" b="0"/>
+      </a:lnRef>
+      <a:fillRef idx="1">
+        <a:scrgbClr r="0" g="0" b="0"/>
+      </a:fillRef>
+      <a:effectRef idx="0">
+        <a:scrgbClr r="0" g="0" b="0"/>
+      </a:effectRef>
+      <a:fontRef idx="minor"/>
+    </dgm:style>
+  </dgm:styleLbl>
+  <dgm:styleLbl name="fgAcc3">
+    <dgm:scene3d>
+      <a:camera prst="orthographicFront"/>
+      <a:lightRig rig="threePt" dir="t"/>
+    </dgm:scene3d>
+    <dgm:sp3d/>
+    <dgm:txPr/>
+    <dgm:style>
+      <a:lnRef idx="2">
+        <a:scrgbClr r="0" g="0" b="0"/>
+      </a:lnRef>
+      <a:fillRef idx="1">
+        <a:scrgbClr r="0" g="0" b="0"/>
+      </a:fillRef>
+      <a:effectRef idx="0">
+        <a:scrgbClr r="0" g="0" b="0"/>
+      </a:effectRef>
+      <a:fontRef idx="minor"/>
+    </dgm:style>
+  </dgm:styleLbl>
+  <dgm:styleLbl name="fgAcc4">
+    <dgm:scene3d>
+      <a:camera prst="orthographicFront"/>
+      <a:lightRig rig="threePt" dir="t"/>
+    </dgm:scene3d>
+    <dgm:sp3d/>
+    <dgm:txPr/>
+    <dgm:style>
+      <a:lnRef idx="2">
+        <a:scrgbClr r="0" g="0" b="0"/>
+      </a:lnRef>
+      <a:fillRef idx="1">
+        <a:scrgbClr r="0" g="0" b="0"/>
+      </a:fillRef>
+      <a:effectRef idx="0">
+        <a:scrgbClr r="0" g="0" b="0"/>
+      </a:effectRef>
+      <a:fontRef idx="minor"/>
+    </dgm:style>
+  </dgm:styleLbl>
+  <dgm:styleLbl name="bgShp">
+    <dgm:scene3d>
+      <a:camera prst="orthographicFront"/>
+      <a:lightRig rig="threePt" dir="t"/>
+    </dgm:scene3d>
+    <dgm:sp3d/>
+    <dgm:txPr/>
+    <dgm:style>
+      <a:lnRef idx="0">
+        <a:scrgbClr r="0" g="0" b="0"/>
+      </a:lnRef>
+      <a:fillRef idx="1">
+        <a:scrgbClr r="0" g="0" b="0"/>
+      </a:fillRef>
+      <a:effectRef idx="0">
+        <a:scrgbClr r="0" g="0" b="0"/>
+      </a:effectRef>
+      <a:fontRef idx="minor"/>
+    </dgm:style>
+  </dgm:styleLbl>
+  <dgm:styleLbl name="dkBgShp">
+    <dgm:scene3d>
+      <a:camera prst="orthographicFront"/>
+      <a:lightRig rig="threePt" dir="t"/>
+    </dgm:scene3d>
+    <dgm:sp3d/>
+    <dgm:txPr/>
+    <dgm:style>
+      <a:lnRef idx="0">
+        <a:scrgbClr r="0" g="0" b="0"/>
+      </a:lnRef>
+      <a:fillRef idx="1">
+        <a:scrgbClr r="0" g="0" b="0"/>
+      </a:fillRef>
+      <a:effectRef idx="0">
+        <a:scrgbClr r="0" g="0" b="0"/>
+      </a:effectRef>
+      <a:fontRef idx="minor"/>
+    </dgm:style>
+  </dgm:styleLbl>
+  <dgm:styleLbl name="trBgShp">
+    <dgm:scene3d>
+      <a:camera prst="orthographicFront"/>
+      <a:lightRig rig="threePt" dir="t"/>
+    </dgm:scene3d>
+    <dgm:sp3d/>
+    <dgm:txPr/>
+    <dgm:style>
+      <a:lnRef idx="0">
+        <a:scrgbClr r="0" g="0" b="0"/>
+      </a:lnRef>
+      <a:fillRef idx="1">
+        <a:scrgbClr r="0" g="0" b="0"/>
+      </a:fillRef>
+      <a:effectRef idx="0">
+        <a:scrgbClr r="0" g="0" b="0"/>
+      </a:effectRef>
+      <a:fontRef idx="minor"/>
+    </dgm:style>
+  </dgm:styleLbl>
+  <dgm:styleLbl name="fgShp">
+    <dgm:scene3d>
+      <a:camera prst="orthographicFront"/>
+      <a:lightRig rig="threePt" dir="t"/>
+    </dgm:scene3d>
+    <dgm:sp3d/>
+    <dgm:txPr/>
+    <dgm:style>
+      <a:lnRef idx="2">
+        <a:scrgbClr r="0" g="0" b="0"/>
+      </a:lnRef>
+      <a:fillRef idx="1">
+        <a:scrgbClr r="0" g="0" b="0"/>
+      </a:fillRef>
+      <a:effectRef idx="0">
+        <a:scrgbClr r="0" g="0" b="0"/>
+      </a:effectRef>
+      <a:fontRef idx="minor"/>
+    </dgm:style>
+  </dgm:styleLbl>
+  <dgm:styleLbl name="revTx">
+    <dgm:scene3d>
+      <a:camera prst="orthographicFront"/>
+      <a:lightRig rig="threePt" dir="t"/>
+    </dgm:scene3d>
+    <dgm:sp3d/>
+    <dgm:txPr/>
+    <dgm:style>
+      <a:lnRef idx="0">
+        <a:scrgbClr r="0" g="0" b="0"/>
+      </a:lnRef>
+      <a:fillRef idx="0">
+        <a:scrgbClr r="0" g="0" b="0"/>
+      </a:fillRef>
+      <a:effectRef idx="0">
+        <a:scrgbClr r="0" g="0" b="0"/>
+      </a:effectRef>
+      <a:fontRef idx="minor"/>
+    </dgm:style>
+  </dgm:styleLbl>
+</dgm:styleDef>
+</file>
+
 <file path=ppt/handoutMasters/handoutMaster1.xml><?xml version="1.0" encoding="utf-8"?>
 <p:handoutMaster xmlns:a="http://schemas.openxmlformats.org/drawingml/2006/main" xmlns:r="http://schemas.openxmlformats.org/officeDocument/2006/relationships" xmlns:p="http://schemas.openxmlformats.org/presentationml/2006/main">
   <p:cSld>
@@ -239,7 +6157,7 @@
           <a:p>
             <a:fld id="{27C7415F-6970-4DE4-93F1-94FEF07D0F1C}" type="datetimeFigureOut">
               <a:rPr lang="en-US" smtClean="0"/>
-              <a:t>12/12/2024</a:t>
+              <a:t>12/13/2024</a:t>
             </a:fld>
             <a:endParaRPr lang="en-US" dirty="0"/>
           </a:p>
@@ -416,7 +6334,7 @@
           <a:p>
             <a:fld id="{EB86E6E5-5A19-4AE7-8D4E-049C5315C9A0}" type="datetimeFigureOut">
               <a:rPr lang="en-US" smtClean="0"/>
-              <a:t>12/12/2024</a:t>
+              <a:t>12/13/2024</a:t>
             </a:fld>
             <a:endParaRPr lang="en-US" dirty="0"/>
           </a:p>
@@ -832,7 +6750,7 @@
           <a:p>
             <a:fld id="{115A580F-E35D-42E1-AF82-E41CC201EA91}" type="slidenum">
               <a:rPr lang="en-US" smtClean="0"/>
-              <a:t>11</a:t>
+              <a:t>14</a:t>
             </a:fld>
             <a:endParaRPr lang="en-US" dirty="0"/>
           </a:p>
@@ -916,7 +6834,7 @@
           <a:p>
             <a:fld id="{115A580F-E35D-42E1-AF82-E41CC201EA91}" type="slidenum">
               <a:rPr lang="en-US" smtClean="0"/>
-              <a:t>12</a:t>
+              <a:t>15</a:t>
             </a:fld>
             <a:endParaRPr lang="en-US" dirty="0"/>
           </a:p>
@@ -1000,7 +6918,7 @@
           <a:p>
             <a:fld id="{115A580F-E35D-42E1-AF82-E41CC201EA91}" type="slidenum">
               <a:rPr lang="en-US" smtClean="0"/>
-              <a:t>13</a:t>
+              <a:t>16</a:t>
             </a:fld>
             <a:endParaRPr lang="en-US" dirty="0"/>
           </a:p>
@@ -1084,7 +7002,7 @@
           <a:p>
             <a:fld id="{115A580F-E35D-42E1-AF82-E41CC201EA91}" type="slidenum">
               <a:rPr lang="en-US" smtClean="0"/>
-              <a:t>14</a:t>
+              <a:t>17</a:t>
             </a:fld>
             <a:endParaRPr lang="en-US" dirty="0"/>
           </a:p>
@@ -1252,7 +7170,7 @@
           <a:p>
             <a:fld id="{115A580F-E35D-42E1-AF82-E41CC201EA91}" type="slidenum">
               <a:rPr lang="en-US" smtClean="0"/>
-              <a:t>3</a:t>
+              <a:t>6</a:t>
             </a:fld>
             <a:endParaRPr lang="en-US" dirty="0"/>
           </a:p>
@@ -1336,7 +7254,7 @@
           <a:p>
             <a:fld id="{115A580F-E35D-42E1-AF82-E41CC201EA91}" type="slidenum">
               <a:rPr lang="en-US" smtClean="0"/>
-              <a:t>5</a:t>
+              <a:t>8</a:t>
             </a:fld>
             <a:endParaRPr lang="en-US" dirty="0"/>
           </a:p>
@@ -1420,7 +7338,7 @@
           <a:p>
             <a:fld id="{115A580F-E35D-42E1-AF82-E41CC201EA91}" type="slidenum">
               <a:rPr lang="en-US" smtClean="0"/>
-              <a:t>6</a:t>
+              <a:t>9</a:t>
             </a:fld>
             <a:endParaRPr lang="en-US" dirty="0"/>
           </a:p>
@@ -1504,7 +7422,7 @@
           <a:p>
             <a:fld id="{115A580F-E35D-42E1-AF82-E41CC201EA91}" type="slidenum">
               <a:rPr lang="en-US" smtClean="0"/>
-              <a:t>7</a:t>
+              <a:t>10</a:t>
             </a:fld>
             <a:endParaRPr lang="en-US" dirty="0"/>
           </a:p>
@@ -1588,7 +7506,7 @@
           <a:p>
             <a:fld id="{115A580F-E35D-42E1-AF82-E41CC201EA91}" type="slidenum">
               <a:rPr lang="en-US" smtClean="0"/>
-              <a:t>8</a:t>
+              <a:t>11</a:t>
             </a:fld>
             <a:endParaRPr lang="en-US" dirty="0"/>
           </a:p>
@@ -1672,7 +7590,7 @@
           <a:p>
             <a:fld id="{115A580F-E35D-42E1-AF82-E41CC201EA91}" type="slidenum">
               <a:rPr lang="en-US" smtClean="0"/>
-              <a:t>9</a:t>
+              <a:t>12</a:t>
             </a:fld>
             <a:endParaRPr lang="en-US" dirty="0"/>
           </a:p>
@@ -1756,7 +7674,7 @@
           <a:p>
             <a:fld id="{115A580F-E35D-42E1-AF82-E41CC201EA91}" type="slidenum">
               <a:rPr lang="en-US" smtClean="0"/>
-              <a:t>10</a:t>
+              <a:t>13</a:t>
             </a:fld>
             <a:endParaRPr lang="en-US" dirty="0"/>
           </a:p>
@@ -9115,6 +15033,454 @@
       </p:grpSpPr>
       <p:sp>
         <p:nvSpPr>
+          <p:cNvPr id="4" name="Title 3">
+            <a:extLst>
+              <a:ext uri="{FF2B5EF4-FFF2-40B4-BE49-F238E27FC236}">
+                <a16:creationId xmlns:a16="http://schemas.microsoft.com/office/drawing/2014/main" id="{90E82A33-7ED3-A4A3-7E06-B568D6D134CD}"/>
+              </a:ext>
+            </a:extLst>
+          </p:cNvPr>
+          <p:cNvSpPr>
+            <a:spLocks noGrp="1"/>
+          </p:cNvSpPr>
+          <p:nvPr>
+            <p:ph type="title"/>
+          </p:nvPr>
+        </p:nvSpPr>
+        <p:spPr/>
+        <p:txBody>
+          <a:bodyPr/>
+          <a:lstStyle/>
+          <a:p>
+            <a:r>
+              <a:rPr lang="en-US" dirty="0"/>
+              <a:t>More testing</a:t>
+            </a:r>
+          </a:p>
+        </p:txBody>
+      </p:sp>
+      <p:sp>
+        <p:nvSpPr>
+          <p:cNvPr id="9" name="Content Placeholder 8">
+            <a:extLst>
+              <a:ext uri="{FF2B5EF4-FFF2-40B4-BE49-F238E27FC236}">
+                <a16:creationId xmlns:a16="http://schemas.microsoft.com/office/drawing/2014/main" id="{6777958E-E73E-C5A9-C0E3-3DD9808453DB}"/>
+              </a:ext>
+            </a:extLst>
+          </p:cNvPr>
+          <p:cNvSpPr>
+            <a:spLocks noGrp="1"/>
+          </p:cNvSpPr>
+          <p:nvPr>
+            <p:ph sz="quarter" idx="11"/>
+          </p:nvPr>
+        </p:nvSpPr>
+        <p:spPr/>
+        <p:txBody>
+          <a:bodyPr/>
+          <a:lstStyle/>
+          <a:p>
+            <a:r>
+              <a:rPr lang="en-US" noProof="1"/>
+              <a:t>Highlight feedback/errors</a:t>
+            </a:r>
+          </a:p>
+          <a:p>
+            <a:r>
+              <a:rPr lang="en-US" noProof="1"/>
+              <a:t>“links to attractions”</a:t>
+            </a:r>
+          </a:p>
+          <a:p>
+            <a:endParaRPr lang="en-US" noProof="1"/>
+          </a:p>
+        </p:txBody>
+      </p:sp>
+      <p:pic>
+        <p:nvPicPr>
+          <p:cNvPr id="14" name="Picture Placeholder 33" descr="A river with boats in it surrounded by trees">
+            <a:extLst>
+              <a:ext uri="{FF2B5EF4-FFF2-40B4-BE49-F238E27FC236}">
+                <a16:creationId xmlns:a16="http://schemas.microsoft.com/office/drawing/2014/main" id="{C87A0E87-E987-D779-B17A-3A89F2E6F373}"/>
+              </a:ext>
+            </a:extLst>
+          </p:cNvPr>
+          <p:cNvPicPr>
+            <a:picLocks noGrp="1" noChangeAspect="1"/>
+          </p:cNvPicPr>
+          <p:nvPr>
+            <p:ph type="pic" sz="quarter" idx="10"/>
+          </p:nvPr>
+        </p:nvPicPr>
+        <p:blipFill>
+          <a:blip r:embed="rId3"/>
+          <a:srcRect l="18580" r="18580"/>
+          <a:stretch/>
+        </p:blipFill>
+        <p:spPr/>
+      </p:pic>
+    </p:spTree>
+    <p:extLst>
+      <p:ext uri="{BB962C8B-B14F-4D97-AF65-F5344CB8AC3E}">
+        <p14:creationId xmlns:p14="http://schemas.microsoft.com/office/powerpoint/2010/main" val="209861386"/>
+      </p:ext>
+    </p:extLst>
+  </p:cSld>
+  <p:clrMapOvr>
+    <a:masterClrMapping/>
+  </p:clrMapOvr>
+</p:sld>
+</file>
+
+<file path=ppt/slides/slide11.xml><?xml version="1.0" encoding="utf-8"?>
+<p:sld xmlns:a="http://schemas.openxmlformats.org/drawingml/2006/main" xmlns:r="http://schemas.openxmlformats.org/officeDocument/2006/relationships" xmlns:p="http://schemas.openxmlformats.org/presentationml/2006/main">
+  <p:cSld>
+    <p:spTree>
+      <p:nvGrpSpPr>
+        <p:cNvPr id="1" name=""/>
+        <p:cNvGrpSpPr/>
+        <p:nvPr/>
+      </p:nvGrpSpPr>
+      <p:grpSpPr>
+        <a:xfrm>
+          <a:off x="0" y="0"/>
+          <a:ext cx="0" cy="0"/>
+          <a:chOff x="0" y="0"/>
+          <a:chExt cx="0" cy="0"/>
+        </a:xfrm>
+      </p:grpSpPr>
+      <p:sp>
+        <p:nvSpPr>
+          <p:cNvPr id="2" name="Title 1">
+            <a:extLst>
+              <a:ext uri="{FF2B5EF4-FFF2-40B4-BE49-F238E27FC236}">
+                <a16:creationId xmlns:a16="http://schemas.microsoft.com/office/drawing/2014/main" id="{53F9FE95-42FD-9AB0-913D-DFE3A18AFAE9}"/>
+              </a:ext>
+            </a:extLst>
+          </p:cNvPr>
+          <p:cNvSpPr>
+            <a:spLocks noGrp="1"/>
+          </p:cNvSpPr>
+          <p:nvPr>
+            <p:ph type="title"/>
+          </p:nvPr>
+        </p:nvSpPr>
+        <p:spPr>
+          <a:xfrm>
+            <a:off x="734591" y="976997"/>
+            <a:ext cx="11034713" cy="1188227"/>
+          </a:xfrm>
+        </p:spPr>
+        <p:txBody>
+          <a:bodyPr/>
+          <a:lstStyle/>
+          <a:p>
+            <a:r>
+              <a:rPr lang="en-US" dirty="0"/>
+              <a:t>Probably more testing</a:t>
+            </a:r>
+          </a:p>
+        </p:txBody>
+      </p:sp>
+      <p:sp>
+        <p:nvSpPr>
+          <p:cNvPr id="4" name="Content Placeholder 3">
+            <a:extLst>
+              <a:ext uri="{FF2B5EF4-FFF2-40B4-BE49-F238E27FC236}">
+                <a16:creationId xmlns:a16="http://schemas.microsoft.com/office/drawing/2014/main" id="{85DD9D89-0B97-5577-308E-9F320E5DC495}"/>
+              </a:ext>
+            </a:extLst>
+          </p:cNvPr>
+          <p:cNvSpPr>
+            <a:spLocks noGrp="1"/>
+          </p:cNvSpPr>
+          <p:nvPr>
+            <p:ph sz="quarter" idx="10"/>
+          </p:nvPr>
+        </p:nvSpPr>
+        <p:spPr/>
+        <p:txBody>
+          <a:bodyPr/>
+          <a:lstStyle/>
+          <a:p>
+            <a:r>
+              <a:rPr lang="en-US" noProof="1"/>
+              <a:t>Add images and one – two sentences explaining test thought and outcome</a:t>
+            </a:r>
+          </a:p>
+        </p:txBody>
+      </p:sp>
+      <p:sp>
+        <p:nvSpPr>
+          <p:cNvPr id="8" name="Content Placeholder 7">
+            <a:extLst>
+              <a:ext uri="{FF2B5EF4-FFF2-40B4-BE49-F238E27FC236}">
+                <a16:creationId xmlns:a16="http://schemas.microsoft.com/office/drawing/2014/main" id="{A021E0D1-93E4-278F-190D-F92AD1861694}"/>
+              </a:ext>
+            </a:extLst>
+          </p:cNvPr>
+          <p:cNvSpPr>
+            <a:spLocks noGrp="1"/>
+          </p:cNvSpPr>
+          <p:nvPr>
+            <p:ph sz="quarter" idx="11"/>
+          </p:nvPr>
+        </p:nvSpPr>
+        <p:spPr/>
+        <p:txBody>
+          <a:bodyPr/>
+          <a:lstStyle/>
+          <a:p>
+            <a:r>
+              <a:rPr lang="en-US" noProof="1"/>
+              <a:t>Add pics of success and failure if possible</a:t>
+            </a:r>
+          </a:p>
+        </p:txBody>
+      </p:sp>
+      <p:sp>
+        <p:nvSpPr>
+          <p:cNvPr id="3" name="Slide Number Placeholder 2">
+            <a:extLst>
+              <a:ext uri="{FF2B5EF4-FFF2-40B4-BE49-F238E27FC236}">
+                <a16:creationId xmlns:a16="http://schemas.microsoft.com/office/drawing/2014/main" id="{DCBC99EE-15DF-A164-D7A5-05B6D09C808B}"/>
+              </a:ext>
+            </a:extLst>
+          </p:cNvPr>
+          <p:cNvSpPr>
+            <a:spLocks noGrp="1"/>
+          </p:cNvSpPr>
+          <p:nvPr>
+            <p:ph type="sldNum" sz="quarter" idx="4"/>
+          </p:nvPr>
+        </p:nvSpPr>
+        <p:spPr/>
+        <p:txBody>
+          <a:bodyPr/>
+          <a:lstStyle/>
+          <a:p>
+            <a:fld id="{C3DB2ADC-AF19-4574-8C10-79B5B04FCA27}" type="slidenum">
+              <a:rPr lang="en-US" smtClean="0"/>
+              <a:pPr/>
+              <a:t>11</a:t>
+            </a:fld>
+            <a:endParaRPr lang="en-US" dirty="0"/>
+          </a:p>
+        </p:txBody>
+      </p:sp>
+    </p:spTree>
+    <p:extLst>
+      <p:ext uri="{BB962C8B-B14F-4D97-AF65-F5344CB8AC3E}">
+        <p14:creationId xmlns:p14="http://schemas.microsoft.com/office/powerpoint/2010/main" val="2656198574"/>
+      </p:ext>
+    </p:extLst>
+  </p:cSld>
+  <p:clrMapOvr>
+    <a:masterClrMapping/>
+  </p:clrMapOvr>
+</p:sld>
+</file>
+
+<file path=ppt/slides/slide12.xml><?xml version="1.0" encoding="utf-8"?>
+<p:sld xmlns:a="http://schemas.openxmlformats.org/drawingml/2006/main" xmlns:r="http://schemas.openxmlformats.org/officeDocument/2006/relationships" xmlns:p="http://schemas.openxmlformats.org/presentationml/2006/main">
+  <p:cSld>
+    <p:spTree>
+      <p:nvGrpSpPr>
+        <p:cNvPr id="1" name=""/>
+        <p:cNvGrpSpPr/>
+        <p:nvPr/>
+      </p:nvGrpSpPr>
+      <p:grpSpPr>
+        <a:xfrm>
+          <a:off x="0" y="0"/>
+          <a:ext cx="0" cy="0"/>
+          <a:chOff x="0" y="0"/>
+          <a:chExt cx="0" cy="0"/>
+        </a:xfrm>
+      </p:grpSpPr>
+      <p:sp>
+        <p:nvSpPr>
+          <p:cNvPr id="2" name="Title 1">
+            <a:extLst>
+              <a:ext uri="{FF2B5EF4-FFF2-40B4-BE49-F238E27FC236}">
+                <a16:creationId xmlns:a16="http://schemas.microsoft.com/office/drawing/2014/main" id="{5B56E1DE-D988-960C-DAB5-9F76114BF8AF}"/>
+              </a:ext>
+            </a:extLst>
+          </p:cNvPr>
+          <p:cNvSpPr>
+            <a:spLocks noGrp="1"/>
+          </p:cNvSpPr>
+          <p:nvPr>
+            <p:ph type="title"/>
+          </p:nvPr>
+        </p:nvSpPr>
+        <p:spPr/>
+        <p:txBody>
+          <a:bodyPr/>
+          <a:lstStyle/>
+          <a:p>
+            <a:r>
+              <a:rPr lang="en-US" dirty="0"/>
+              <a:t>Favorite features</a:t>
+            </a:r>
+          </a:p>
+        </p:txBody>
+      </p:sp>
+      <p:sp>
+        <p:nvSpPr>
+          <p:cNvPr id="8" name="Content Placeholder 7">
+            <a:extLst>
+              <a:ext uri="{FF2B5EF4-FFF2-40B4-BE49-F238E27FC236}">
+                <a16:creationId xmlns:a16="http://schemas.microsoft.com/office/drawing/2014/main" id="{6B4A257E-4735-6F03-8A06-72A76A187FFA}"/>
+              </a:ext>
+            </a:extLst>
+          </p:cNvPr>
+          <p:cNvSpPr>
+            <a:spLocks noGrp="1"/>
+          </p:cNvSpPr>
+          <p:nvPr>
+            <p:ph sz="quarter" idx="10"/>
+          </p:nvPr>
+        </p:nvSpPr>
+        <p:spPr/>
+        <p:txBody>
+          <a:bodyPr/>
+          <a:lstStyle/>
+          <a:p>
+            <a:r>
+              <a:rPr lang="en-US" dirty="0"/>
+              <a:t>Cool features</a:t>
+            </a:r>
+          </a:p>
+          <a:p>
+            <a:r>
+              <a:rPr lang="en-US" dirty="0"/>
+              <a:t>Each </a:t>
+            </a:r>
+            <a:r>
+              <a:rPr lang="en-US" dirty="0" err="1"/>
+              <a:t>devs</a:t>
+            </a:r>
+            <a:r>
+              <a:rPr lang="en-US" dirty="0"/>
+              <a:t> favorite?</a:t>
+            </a:r>
+          </a:p>
+        </p:txBody>
+      </p:sp>
+      <p:sp>
+        <p:nvSpPr>
+          <p:cNvPr id="13" name="Content Placeholder 12">
+            <a:extLst>
+              <a:ext uri="{FF2B5EF4-FFF2-40B4-BE49-F238E27FC236}">
+                <a16:creationId xmlns:a16="http://schemas.microsoft.com/office/drawing/2014/main" id="{2EBEEF04-935C-A06F-62F6-BCFF0B291A24}"/>
+              </a:ext>
+            </a:extLst>
+          </p:cNvPr>
+          <p:cNvSpPr>
+            <a:spLocks noGrp="1"/>
+          </p:cNvSpPr>
+          <p:nvPr>
+            <p:ph sz="quarter" idx="11"/>
+          </p:nvPr>
+        </p:nvSpPr>
+        <p:spPr>
+          <a:xfrm>
+            <a:off x="4407226" y="2244725"/>
+            <a:ext cx="7060200" cy="3912896"/>
+          </a:xfrm>
+        </p:spPr>
+        <p:txBody>
+          <a:bodyPr/>
+          <a:lstStyle/>
+          <a:p>
+            <a:r>
+              <a:rPr lang="en-US" dirty="0"/>
+              <a:t>Only product specifically dedicated to this niche market</a:t>
+            </a:r>
+          </a:p>
+          <a:p>
+            <a:r>
+              <a:rPr lang="en-US" dirty="0"/>
+              <a:t>First beautifully designed product that's both stylish and functional</a:t>
+            </a:r>
+          </a:p>
+          <a:p>
+            <a:r>
+              <a:rPr lang="en-US" dirty="0"/>
+              <a:t>Conducted testing with college students in the area</a:t>
+            </a:r>
+          </a:p>
+          <a:p>
+            <a:r>
+              <a:rPr lang="en-US" dirty="0"/>
+              <a:t>Designed with the help and input of experts in the field </a:t>
+            </a:r>
+          </a:p>
+        </p:txBody>
+      </p:sp>
+      <p:sp>
+        <p:nvSpPr>
+          <p:cNvPr id="3" name="Slide Number Placeholder 2">
+            <a:extLst>
+              <a:ext uri="{FF2B5EF4-FFF2-40B4-BE49-F238E27FC236}">
+                <a16:creationId xmlns:a16="http://schemas.microsoft.com/office/drawing/2014/main" id="{522643B0-B668-8150-0AAC-AFA1C43109DF}"/>
+              </a:ext>
+            </a:extLst>
+          </p:cNvPr>
+          <p:cNvSpPr>
+            <a:spLocks noGrp="1"/>
+          </p:cNvSpPr>
+          <p:nvPr>
+            <p:ph type="sldNum" sz="quarter" idx="4"/>
+          </p:nvPr>
+        </p:nvSpPr>
+        <p:spPr/>
+        <p:txBody>
+          <a:bodyPr/>
+          <a:lstStyle/>
+          <a:p>
+            <a:fld id="{C3DB2ADC-AF19-4574-8C10-79B5B04FCA27}" type="slidenum">
+              <a:rPr lang="en-US" smtClean="0"/>
+              <a:pPr/>
+              <a:t>12</a:t>
+            </a:fld>
+            <a:endParaRPr lang="en-US" dirty="0"/>
+          </a:p>
+        </p:txBody>
+      </p:sp>
+    </p:spTree>
+    <p:extLst>
+      <p:ext uri="{BB962C8B-B14F-4D97-AF65-F5344CB8AC3E}">
+        <p14:creationId xmlns:p14="http://schemas.microsoft.com/office/powerpoint/2010/main" val="1475236966"/>
+      </p:ext>
+    </p:extLst>
+  </p:cSld>
+  <p:clrMapOvr>
+    <a:masterClrMapping/>
+  </p:clrMapOvr>
+</p:sld>
+</file>
+
+<file path=ppt/slides/slide13.xml><?xml version="1.0" encoding="utf-8"?>
+<p:sld xmlns:a="http://schemas.openxmlformats.org/drawingml/2006/main" xmlns:r="http://schemas.openxmlformats.org/officeDocument/2006/relationships" xmlns:p="http://schemas.openxmlformats.org/presentationml/2006/main">
+  <p:cSld>
+    <p:spTree>
+      <p:nvGrpSpPr>
+        <p:cNvPr id="1" name=""/>
+        <p:cNvGrpSpPr/>
+        <p:nvPr/>
+      </p:nvGrpSpPr>
+      <p:grpSpPr>
+        <a:xfrm>
+          <a:off x="0" y="0"/>
+          <a:ext cx="0" cy="0"/>
+          <a:chOff x="0" y="0"/>
+          <a:chExt cx="0" cy="0"/>
+        </a:xfrm>
+      </p:grpSpPr>
+      <p:sp>
+        <p:nvSpPr>
           <p:cNvPr id="5" name="Title 4">
             <a:extLst>
               <a:ext uri="{FF2B5EF4-FFF2-40B4-BE49-F238E27FC236}">
@@ -9223,7 +15589,7 @@
             <a:fld id="{C3DB2ADC-AF19-4574-8C10-79B5B04FCA27}" type="slidenum">
               <a:rPr lang="en-US" smtClean="0"/>
               <a:pPr/>
-              <a:t>10</a:t>
+              <a:t>13</a:t>
             </a:fld>
             <a:endParaRPr lang="en-US" dirty="0"/>
           </a:p>
@@ -9242,7 +15608,7 @@
 </p:sld>
 </file>
 
-<file path=ppt/slides/slide11.xml><?xml version="1.0" encoding="utf-8"?>
+<file path=ppt/slides/slide14.xml><?xml version="1.0" encoding="utf-8"?>
 <p:sld xmlns:a="http://schemas.openxmlformats.org/drawingml/2006/main" xmlns:r="http://schemas.openxmlformats.org/officeDocument/2006/relationships" xmlns:p="http://schemas.openxmlformats.org/presentationml/2006/main">
   <p:cSld>
     <p:spTree>
@@ -10141,7 +16507,7 @@
             <a:fld id="{C3DB2ADC-AF19-4574-8C10-79B5B04FCA27}" type="slidenum">
               <a:rPr lang="en-US" smtClean="0"/>
               <a:pPr/>
-              <a:t>11</a:t>
+              <a:t>14</a:t>
             </a:fld>
             <a:endParaRPr lang="en-US" dirty="0"/>
           </a:p>
@@ -10160,7 +16526,7 @@
 </p:sld>
 </file>
 
-<file path=ppt/slides/slide12.xml><?xml version="1.0" encoding="utf-8"?>
+<file path=ppt/slides/slide15.xml><?xml version="1.0" encoding="utf-8"?>
 <p:sld xmlns:a="http://schemas.openxmlformats.org/drawingml/2006/main" xmlns:r="http://schemas.openxmlformats.org/officeDocument/2006/relationships" xmlns:p="http://schemas.openxmlformats.org/presentationml/2006/main">
   <p:cSld>
     <p:spTree>
@@ -10321,7 +16687,7 @@
             <a:fld id="{C3DB2ADC-AF19-4574-8C10-79B5B04FCA27}" type="slidenum">
               <a:rPr lang="en-US" smtClean="0"/>
               <a:pPr/>
-              <a:t>12</a:t>
+              <a:t>15</a:t>
             </a:fld>
             <a:endParaRPr lang="en-US" dirty="0"/>
           </a:p>
@@ -10340,7 +16706,7 @@
 </p:sld>
 </file>
 
-<file path=ppt/slides/slide13.xml><?xml version="1.0" encoding="utf-8"?>
+<file path=ppt/slides/slide16.xml><?xml version="1.0" encoding="utf-8"?>
 <p:sld xmlns:a="http://schemas.openxmlformats.org/drawingml/2006/main" xmlns:r="http://schemas.openxmlformats.org/officeDocument/2006/relationships" xmlns:p="http://schemas.openxmlformats.org/presentationml/2006/main">
   <p:cSld>
     <p:spTree>
@@ -11220,7 +17586,7 @@
             <a:fld id="{C3DB2ADC-AF19-4574-8C10-79B5B04FCA27}" type="slidenum">
               <a:rPr lang="en-US" smtClean="0"/>
               <a:pPr/>
-              <a:t>13</a:t>
+              <a:t>16</a:t>
             </a:fld>
             <a:endParaRPr lang="en-US" dirty="0"/>
           </a:p>
@@ -11239,7 +17605,7 @@
 </p:sld>
 </file>
 
-<file path=ppt/slides/slide14.xml><?xml version="1.0" encoding="utf-8"?>
+<file path=ppt/slides/slide17.xml><?xml version="1.0" encoding="utf-8"?>
 <p:sld xmlns:a="http://schemas.openxmlformats.org/drawingml/2006/main" xmlns:r="http://schemas.openxmlformats.org/officeDocument/2006/relationships" xmlns:p="http://schemas.openxmlformats.org/presentationml/2006/main">
   <p:cSld>
     <p:spTree>
@@ -11393,10 +17759,15 @@
             <p:ph sz="quarter" idx="10"/>
           </p:nvPr>
         </p:nvSpPr>
-        <p:spPr/>
+        <p:spPr>
+          <a:xfrm>
+            <a:off x="252567" y="1660007"/>
+            <a:ext cx="4410489" cy="3444199"/>
+          </a:xfrm>
+        </p:spPr>
         <p:txBody>
           <a:bodyPr>
-            <a:normAutofit fontScale="92500" lnSpcReduction="20000"/>
+            <a:normAutofit fontScale="77500" lnSpcReduction="20000"/>
           </a:bodyPr>
           <a:lstStyle/>
           <a:p>
@@ -11506,6 +17877,34 @@
           </a:p>
         </p:txBody>
       </p:sp>
+      <p:graphicFrame>
+        <p:nvGraphicFramePr>
+          <p:cNvPr id="5" name="Diagram 4">
+            <a:extLst>
+              <a:ext uri="{FF2B5EF4-FFF2-40B4-BE49-F238E27FC236}">
+                <a16:creationId xmlns:a16="http://schemas.microsoft.com/office/drawing/2014/main" id="{D88D269F-0653-2500-A4AF-8A1EDA8EAE27}"/>
+              </a:ext>
+            </a:extLst>
+          </p:cNvPr>
+          <p:cNvGraphicFramePr/>
+          <p:nvPr>
+            <p:extLst>
+              <p:ext uri="{D42A27DB-BD31-4B8C-83A1-F6EECF244321}">
+                <p14:modId xmlns:p14="http://schemas.microsoft.com/office/powerpoint/2010/main" val="1556666320"/>
+              </p:ext>
+            </p:extLst>
+          </p:nvPr>
+        </p:nvGraphicFramePr>
+        <p:xfrm>
+          <a:off x="3463366" y="723900"/>
+          <a:ext cx="8128000" cy="5418667"/>
+        </p:xfrm>
+        <a:graphic>
+          <a:graphicData uri="http://schemas.openxmlformats.org/drawingml/2006/diagram">
+            <dgm:relIds xmlns:dgm="http://schemas.openxmlformats.org/drawingml/2006/diagram" xmlns:r="http://schemas.openxmlformats.org/officeDocument/2006/relationships" r:dm="rId3" r:lo="rId4" r:qs="rId5" r:cs="rId6"/>
+          </a:graphicData>
+        </a:graphic>
+      </p:graphicFrame>
     </p:spTree>
     <p:extLst>
       <p:ext uri="{BB962C8B-B14F-4D97-AF65-F5344CB8AC3E}">
@@ -11538,10 +17937,10 @@
       </p:grpSpPr>
       <p:sp>
         <p:nvSpPr>
-          <p:cNvPr id="8" name="Title 7">
+          <p:cNvPr id="2" name="Title 1">
             <a:extLst>
               <a:ext uri="{FF2B5EF4-FFF2-40B4-BE49-F238E27FC236}">
-                <a16:creationId xmlns:a16="http://schemas.microsoft.com/office/drawing/2014/main" id="{10417AF4-08C0-FC51-8823-C041945D63A4}"/>
+                <a16:creationId xmlns:a16="http://schemas.microsoft.com/office/drawing/2014/main" id="{52AC9BE3-778E-47CC-CA2C-5409B900F64D}"/>
               </a:ext>
             </a:extLst>
           </p:cNvPr>
@@ -11552,51 +17951,187 @@
             <p:ph type="title"/>
           </p:nvPr>
         </p:nvSpPr>
+        <p:spPr>
+          <a:xfrm>
+            <a:off x="705934" y="723900"/>
+            <a:ext cx="6456866" cy="5316415"/>
+          </a:xfrm>
+        </p:spPr>
+        <p:txBody>
+          <a:bodyPr/>
+          <a:lstStyle/>
+          <a:p>
+            <a:r>
+              <a:rPr lang="en-US" dirty="0"/>
+              <a:t>Lessons learned by the team: </a:t>
+            </a:r>
+          </a:p>
+        </p:txBody>
+      </p:sp>
+      <p:sp>
+        <p:nvSpPr>
+          <p:cNvPr id="13" name="Thought Bubble: Cloud 12">
+            <a:extLst>
+              <a:ext uri="{FF2B5EF4-FFF2-40B4-BE49-F238E27FC236}">
+                <a16:creationId xmlns:a16="http://schemas.microsoft.com/office/drawing/2014/main" id="{518C8C7F-F392-08ED-EEFF-836256D68916}"/>
+              </a:ext>
+            </a:extLst>
+          </p:cNvPr>
+          <p:cNvSpPr/>
+          <p:nvPr/>
+        </p:nvSpPr>
+        <p:spPr>
+          <a:xfrm>
+            <a:off x="1774371" y="1061641"/>
+            <a:ext cx="9896781" cy="4675130"/>
+          </a:xfrm>
+          <a:prstGeom prst="cloudCallout">
+            <a:avLst>
+              <a:gd name="adj1" fmla="val -54887"/>
+              <a:gd name="adj2" fmla="val 33861"/>
+            </a:avLst>
+          </a:prstGeom>
+        </p:spPr>
+        <p:style>
+          <a:lnRef idx="2">
+            <a:schemeClr val="accent1">
+              <a:shade val="15000"/>
+            </a:schemeClr>
+          </a:lnRef>
+          <a:fillRef idx="1">
+            <a:schemeClr val="accent1"/>
+          </a:fillRef>
+          <a:effectRef idx="0">
+            <a:schemeClr val="accent1"/>
+          </a:effectRef>
+          <a:fontRef idx="minor">
+            <a:schemeClr val="lt1"/>
+          </a:fontRef>
+        </p:style>
+        <p:txBody>
+          <a:bodyPr rtlCol="0" anchor="ctr"/>
+          <a:lstStyle/>
+          <a:p>
+            <a:pPr marL="0" lvl="0" indent="0" algn="l" defTabSz="933450">
+              <a:lnSpc>
+                <a:spcPct val="90000"/>
+              </a:lnSpc>
+              <a:spcBef>
+                <a:spcPct val="0"/>
+              </a:spcBef>
+              <a:spcAft>
+                <a:spcPct val="35000"/>
+              </a:spcAft>
+              <a:buNone/>
+            </a:pPr>
+            <a:endParaRPr lang="en-US" sz="2100" kern="1200" dirty="0"/>
+          </a:p>
+          <a:p>
+            <a:pPr marL="0" lvl="1" algn="ctr" defTabSz="800100">
+              <a:lnSpc>
+                <a:spcPct val="90000"/>
+              </a:lnSpc>
+              <a:spcBef>
+                <a:spcPct val="0"/>
+              </a:spcBef>
+              <a:spcAft>
+                <a:spcPct val="15000"/>
+              </a:spcAft>
+            </a:pPr>
+            <a:r>
+              <a:rPr lang="en-US" sz="1800" kern="1200" dirty="0"/>
+              <a:t>	I have never done well at depending on others, so relying on a group was very difficult at first. I didn't know what to expect but overall, it has turned out well in my opinion. My team excelled at working within the project structure provided by claiming tasks, offering opinions and delivering work on time, and it made the process a lot less stressful in the end due to distribution of work.</a:t>
+            </a:r>
+          </a:p>
+          <a:p>
+            <a:pPr algn="ctr"/>
+            <a:endParaRPr lang="en-US" dirty="0"/>
+          </a:p>
+        </p:txBody>
+      </p:sp>
+      <p:sp>
+        <p:nvSpPr>
+          <p:cNvPr id="4" name="Slide Number Placeholder 3">
+            <a:extLst>
+              <a:ext uri="{FF2B5EF4-FFF2-40B4-BE49-F238E27FC236}">
+                <a16:creationId xmlns:a16="http://schemas.microsoft.com/office/drawing/2014/main" id="{C2AD0862-B2FA-1FA9-4D81-C7778BE908EB}"/>
+              </a:ext>
+            </a:extLst>
+          </p:cNvPr>
+          <p:cNvSpPr>
+            <a:spLocks noGrp="1"/>
+          </p:cNvSpPr>
+          <p:nvPr>
+            <p:ph type="sldNum" sz="quarter" idx="4"/>
+          </p:nvPr>
+        </p:nvSpPr>
         <p:spPr/>
         <p:txBody>
           <a:bodyPr/>
           <a:lstStyle/>
           <a:p>
-            <a:r>
-              <a:rPr lang="en-US" dirty="0"/>
-              <a:t>Team overview</a:t>
-            </a:r>
+            <a:fld id="{C3DB2ADC-AF19-4574-8C10-79B5B04FCA27}" type="slidenum">
+              <a:rPr lang="en-US" smtClean="0"/>
+              <a:pPr/>
+              <a:t>3</a:t>
+            </a:fld>
+            <a:endParaRPr lang="en-US" dirty="0"/>
           </a:p>
         </p:txBody>
       </p:sp>
-      <p:pic>
-        <p:nvPicPr>
-          <p:cNvPr id="5" name="Picture Placeholder 16" descr="Logs Stacked ">
+      <p:sp>
+        <p:nvSpPr>
+          <p:cNvPr id="14" name="Cloud 13">
             <a:extLst>
               <a:ext uri="{FF2B5EF4-FFF2-40B4-BE49-F238E27FC236}">
-                <a16:creationId xmlns:a16="http://schemas.microsoft.com/office/drawing/2014/main" id="{91CDF817-5DD8-B6A6-422E-3161F6D60CCA}"/>
+                <a16:creationId xmlns:a16="http://schemas.microsoft.com/office/drawing/2014/main" id="{28DE613F-74BF-3471-6806-378AC7C72215}"/>
               </a:ext>
             </a:extLst>
           </p:cNvPr>
-          <p:cNvPicPr>
-            <a:picLocks noGrp="1" noChangeAspect="1"/>
-          </p:cNvPicPr>
-          <p:nvPr>
-            <p:ph type="pic" sz="quarter" idx="13"/>
-          </p:nvPr>
-        </p:nvPicPr>
-        <p:blipFill rotWithShape="1">
-          <a:blip r:embed="rId3" cstate="screen">
-            <a:extLst>
-              <a:ext uri="{28A0092B-C50C-407E-A947-70E740481C1C}">
-                <a14:useLocalDpi xmlns:a14="http://schemas.microsoft.com/office/drawing/2010/main"/>
-              </a:ext>
-            </a:extLst>
-          </a:blip>
-          <a:srcRect l="258" r="258"/>
-          <a:stretch/>
-        </p:blipFill>
-        <p:spPr/>
-      </p:pic>
+          <p:cNvSpPr/>
+          <p:nvPr/>
+        </p:nvSpPr>
+        <p:spPr>
+          <a:xfrm>
+            <a:off x="325753" y="4822371"/>
+            <a:ext cx="914400" cy="914400"/>
+          </a:xfrm>
+          <a:prstGeom prst="cloud">
+            <a:avLst/>
+          </a:prstGeom>
+        </p:spPr>
+        <p:style>
+          <a:lnRef idx="2">
+            <a:schemeClr val="accent1">
+              <a:shade val="15000"/>
+            </a:schemeClr>
+          </a:lnRef>
+          <a:fillRef idx="1">
+            <a:schemeClr val="accent1"/>
+          </a:fillRef>
+          <a:effectRef idx="0">
+            <a:schemeClr val="accent1"/>
+          </a:effectRef>
+          <a:fontRef idx="minor">
+            <a:schemeClr val="lt1"/>
+          </a:fontRef>
+        </p:style>
+        <p:txBody>
+          <a:bodyPr rtlCol="0" anchor="ctr"/>
+          <a:lstStyle/>
+          <a:p>
+            <a:pPr algn="ctr"/>
+            <a:r>
+              <a:rPr lang="en-US" dirty="0"/>
+              <a:t>Jaci</a:t>
+            </a:r>
+          </a:p>
+        </p:txBody>
+      </p:sp>
     </p:spTree>
     <p:extLst>
       <p:ext uri="{BB962C8B-B14F-4D97-AF65-F5344CB8AC3E}">
-        <p14:creationId xmlns:p14="http://schemas.microsoft.com/office/powerpoint/2010/main" val="3250560684"/>
+        <p14:creationId xmlns:p14="http://schemas.microsoft.com/office/powerpoint/2010/main" val="1406458814"/>
       </p:ext>
     </p:extLst>
   </p:cSld>
@@ -11611,7 +18146,13 @@
   <p:cSld>
     <p:spTree>
       <p:nvGrpSpPr>
-        <p:cNvPr id="1" name=""/>
+        <p:cNvPr id="1" name="">
+          <a:extLst>
+            <a:ext uri="{FF2B5EF4-FFF2-40B4-BE49-F238E27FC236}">
+              <a16:creationId xmlns:a16="http://schemas.microsoft.com/office/drawing/2014/main" id="{4D8EF8A2-76EC-8AC8-D182-F5F6C30D49BF}"/>
+            </a:ext>
+          </a:extLst>
+        </p:cNvPr>
         <p:cNvGrpSpPr/>
         <p:nvPr/>
       </p:nvGrpSpPr>
@@ -11625,10 +18166,59 @@
       </p:grpSpPr>
       <p:sp>
         <p:nvSpPr>
-          <p:cNvPr id="4" name="Title 3">
+          <p:cNvPr id="6" name="Cloud 5">
             <a:extLst>
               <a:ext uri="{FF2B5EF4-FFF2-40B4-BE49-F238E27FC236}">
-                <a16:creationId xmlns:a16="http://schemas.microsoft.com/office/drawing/2014/main" id="{5E73AA60-1D5D-5384-7EA7-7E2A21243B3C}"/>
+                <a16:creationId xmlns:a16="http://schemas.microsoft.com/office/drawing/2014/main" id="{2F3DCAC3-AAEF-37D4-D6C1-F975F301853B}"/>
+              </a:ext>
+            </a:extLst>
+          </p:cNvPr>
+          <p:cNvSpPr/>
+          <p:nvPr/>
+        </p:nvSpPr>
+        <p:spPr>
+          <a:xfrm>
+            <a:off x="10625476" y="768989"/>
+            <a:ext cx="1283496" cy="1034141"/>
+          </a:xfrm>
+          <a:prstGeom prst="cloud">
+            <a:avLst/>
+          </a:prstGeom>
+        </p:spPr>
+        <p:style>
+          <a:lnRef idx="2">
+            <a:schemeClr val="accent1">
+              <a:shade val="15000"/>
+            </a:schemeClr>
+          </a:lnRef>
+          <a:fillRef idx="1">
+            <a:schemeClr val="accent1"/>
+          </a:fillRef>
+          <a:effectRef idx="0">
+            <a:schemeClr val="accent1"/>
+          </a:effectRef>
+          <a:fontRef idx="minor">
+            <a:schemeClr val="lt1"/>
+          </a:fontRef>
+        </p:style>
+        <p:txBody>
+          <a:bodyPr rtlCol="0" anchor="ctr"/>
+          <a:lstStyle/>
+          <a:p>
+            <a:pPr algn="ctr"/>
+            <a:r>
+              <a:rPr lang="en-US" dirty="0"/>
+              <a:t>Jon</a:t>
+            </a:r>
+          </a:p>
+        </p:txBody>
+      </p:sp>
+      <p:sp>
+        <p:nvSpPr>
+          <p:cNvPr id="4" name="Slide Number Placeholder 3">
+            <a:extLst>
+              <a:ext uri="{FF2B5EF4-FFF2-40B4-BE49-F238E27FC236}">
+                <a16:creationId xmlns:a16="http://schemas.microsoft.com/office/drawing/2014/main" id="{31B3DD47-900D-2D79-2821-E380315F3570}"/>
               </a:ext>
             </a:extLst>
           </p:cNvPr>
@@ -11636,7 +18226,7 @@
             <a:spLocks noGrp="1"/>
           </p:cNvSpPr>
           <p:nvPr>
-            <p:ph type="title"/>
+            <p:ph type="sldNum" sz="quarter" idx="4"/>
           </p:nvPr>
         </p:nvSpPr>
         <p:spPr/>
@@ -11644,19 +18234,77 @@
           <a:bodyPr/>
           <a:lstStyle/>
           <a:p>
-            <a:r>
-              <a:rPr lang="en-US" dirty="0"/>
-              <a:t>Rough prototypes</a:t>
-            </a:r>
+            <a:fld id="{C3DB2ADC-AF19-4574-8C10-79B5B04FCA27}" type="slidenum">
+              <a:rPr lang="en-US" smtClean="0"/>
+              <a:pPr/>
+              <a:t>4</a:t>
+            </a:fld>
+            <a:endParaRPr lang="en-US" dirty="0"/>
           </a:p>
         </p:txBody>
       </p:sp>
       <p:sp>
         <p:nvSpPr>
-          <p:cNvPr id="5" name="Picture Placeholder 4">
+          <p:cNvPr id="5" name="Thought Bubble: Cloud 4">
             <a:extLst>
               <a:ext uri="{FF2B5EF4-FFF2-40B4-BE49-F238E27FC236}">
-                <a16:creationId xmlns:a16="http://schemas.microsoft.com/office/drawing/2014/main" id="{AEB44CD9-42F2-460C-DB8C-7F49C017C774}"/>
+                <a16:creationId xmlns:a16="http://schemas.microsoft.com/office/drawing/2014/main" id="{73C4D9CD-81CF-D119-F645-534B0455D07F}"/>
+              </a:ext>
+            </a:extLst>
+          </p:cNvPr>
+          <p:cNvSpPr/>
+          <p:nvPr/>
+        </p:nvSpPr>
+        <p:spPr>
+          <a:xfrm>
+            <a:off x="100624" y="1132117"/>
+            <a:ext cx="11385441" cy="4778829"/>
+          </a:xfrm>
+          <a:prstGeom prst="cloudCallout">
+            <a:avLst>
+              <a:gd name="adj1" fmla="val 42267"/>
+              <a:gd name="adj2" fmla="val -42635"/>
+            </a:avLst>
+          </a:prstGeom>
+        </p:spPr>
+        <p:style>
+          <a:lnRef idx="2">
+            <a:schemeClr val="accent1">
+              <a:shade val="15000"/>
+            </a:schemeClr>
+          </a:lnRef>
+          <a:fillRef idx="1">
+            <a:schemeClr val="accent1"/>
+          </a:fillRef>
+          <a:effectRef idx="0">
+            <a:schemeClr val="accent1"/>
+          </a:effectRef>
+          <a:fontRef idx="minor">
+            <a:schemeClr val="lt1"/>
+          </a:fontRef>
+        </p:style>
+        <p:txBody>
+          <a:bodyPr rtlCol="0" anchor="t"/>
+          <a:lstStyle/>
+          <a:p>
+            <a:pPr lvl="1" algn="ctr"/>
+            <a:r>
+              <a:rPr lang="en-US" dirty="0"/>
+              <a:t>	Working in a team environment is critical as the majority of development careers will involve this business culture. The team experience on this project has allowed me to learn quite a bit in regard to effectively working together, meeting deadlines, overcoming hurdles, as well as the importance foundational leadership in a group setting. Effective communication is key as it maintains the structure of the project and ensures that everyone’s work is consistent and on schedule. Another lesson learned is how effective communication and realistic expectations for the project work in tandem. The output must be obtainable based on a realistic time schedule, otherwise it can create an unpleasant result due to the bar being set too high.</a:t>
+            </a:r>
+          </a:p>
+          <a:p>
+            <a:pPr algn="ctr"/>
+            <a:endParaRPr lang="en-US" dirty="0"/>
+          </a:p>
+        </p:txBody>
+      </p:sp>
+      <p:sp>
+        <p:nvSpPr>
+          <p:cNvPr id="2" name="Title 1">
+            <a:extLst>
+              <a:ext uri="{FF2B5EF4-FFF2-40B4-BE49-F238E27FC236}">
+                <a16:creationId xmlns:a16="http://schemas.microsoft.com/office/drawing/2014/main" id="{606AFE81-841F-9F35-665B-B92A89FCAD6C}"/>
               </a:ext>
             </a:extLst>
           </p:cNvPr>
@@ -11664,22 +18312,30 @@
             <a:spLocks noGrp="1"/>
           </p:cNvSpPr>
           <p:nvPr>
-            <p:ph type="pic" sz="quarter" idx="10"/>
+            <p:ph type="title"/>
           </p:nvPr>
         </p:nvSpPr>
-        <p:spPr/>
+        <p:spPr>
+          <a:xfrm>
+            <a:off x="283028" y="723900"/>
+            <a:ext cx="6204857" cy="1997529"/>
+          </a:xfrm>
+        </p:spPr>
         <p:txBody>
           <a:bodyPr/>
           <a:lstStyle/>
           <a:p>
-            <a:endParaRPr lang="en-US"/>
+            <a:r>
+              <a:rPr lang="en-US" dirty="0"/>
+              <a:t>Lessons learned by the team: </a:t>
+            </a:r>
           </a:p>
         </p:txBody>
       </p:sp>
     </p:spTree>
     <p:extLst>
       <p:ext uri="{BB962C8B-B14F-4D97-AF65-F5344CB8AC3E}">
-        <p14:creationId xmlns:p14="http://schemas.microsoft.com/office/powerpoint/2010/main" val="688264831"/>
+        <p14:creationId xmlns:p14="http://schemas.microsoft.com/office/powerpoint/2010/main" val="2244152353"/>
       </p:ext>
     </p:extLst>
   </p:cSld>
@@ -11694,122 +18350,13 @@
   <p:cSld>
     <p:spTree>
       <p:nvGrpSpPr>
-        <p:cNvPr id="1" name=""/>
-        <p:cNvGrpSpPr/>
-        <p:nvPr/>
-      </p:nvGrpSpPr>
-      <p:grpSpPr>
-        <a:xfrm>
-          <a:off x="0" y="0"/>
-          <a:ext cx="0" cy="0"/>
-          <a:chOff x="0" y="0"/>
-          <a:chExt cx="0" cy="0"/>
-        </a:xfrm>
-      </p:grpSpPr>
-      <p:sp>
-        <p:nvSpPr>
-          <p:cNvPr id="13" name="Title 12">
-            <a:extLst>
-              <a:ext uri="{FF2B5EF4-FFF2-40B4-BE49-F238E27FC236}">
-                <a16:creationId xmlns:a16="http://schemas.microsoft.com/office/drawing/2014/main" id="{2BF5439E-A994-3EE5-80B8-64D8C5A922E8}"/>
-              </a:ext>
-            </a:extLst>
-          </p:cNvPr>
-          <p:cNvSpPr>
-            <a:spLocks noGrp="1"/>
-          </p:cNvSpPr>
-          <p:nvPr>
-            <p:ph type="ctrTitle"/>
-          </p:nvPr>
-        </p:nvSpPr>
-        <p:spPr/>
-        <p:txBody>
-          <a:bodyPr/>
-          <a:lstStyle/>
-          <a:p>
-            <a:r>
-              <a:rPr lang="en-US" dirty="0"/>
-              <a:t>Prototypes in action</a:t>
-            </a:r>
-          </a:p>
-        </p:txBody>
-      </p:sp>
-      <p:sp>
-        <p:nvSpPr>
-          <p:cNvPr id="23" name="Subtitle 22">
-            <a:extLst>
-              <a:ext uri="{FF2B5EF4-FFF2-40B4-BE49-F238E27FC236}">
-                <a16:creationId xmlns:a16="http://schemas.microsoft.com/office/drawing/2014/main" id="{D5FF0C52-0A5C-D2E2-6605-0DCC0E0DCE6C}"/>
-              </a:ext>
-            </a:extLst>
-          </p:cNvPr>
-          <p:cNvSpPr>
-            <a:spLocks noGrp="1"/>
-          </p:cNvSpPr>
-          <p:nvPr>
-            <p:ph type="subTitle" idx="1"/>
-          </p:nvPr>
-        </p:nvSpPr>
-        <p:spPr/>
-        <p:txBody>
-          <a:bodyPr/>
-          <a:lstStyle/>
-          <a:p>
-            <a:r>
-              <a:rPr lang="en-US" dirty="0"/>
-              <a:t>More current images of protype meeting real life</a:t>
-            </a:r>
-          </a:p>
-        </p:txBody>
-      </p:sp>
-      <p:pic>
-        <p:nvPicPr>
-          <p:cNvPr id="8" name="Picture Placeholder 12" descr="A dog sitting in the sun rays coming through the trees in a forest ">
-            <a:extLst>
-              <a:ext uri="{FF2B5EF4-FFF2-40B4-BE49-F238E27FC236}">
-                <a16:creationId xmlns:a16="http://schemas.microsoft.com/office/drawing/2014/main" id="{D97472DC-8A80-1368-489B-875AC64FA5D8}"/>
-              </a:ext>
-            </a:extLst>
-          </p:cNvPr>
-          <p:cNvPicPr>
-            <a:picLocks noGrp="1" noChangeAspect="1"/>
-          </p:cNvPicPr>
-          <p:nvPr>
-            <p:ph type="pic" sz="quarter" idx="13"/>
-          </p:nvPr>
-        </p:nvPicPr>
-        <p:blipFill rotWithShape="1">
-          <a:blip r:embed="rId3" cstate="screen">
-            <a:extLst>
-              <a:ext uri="{28A0092B-C50C-407E-A947-70E740481C1C}">
-                <a14:useLocalDpi xmlns:a14="http://schemas.microsoft.com/office/drawing/2010/main"/>
-              </a:ext>
-            </a:extLst>
-          </a:blip>
-          <a:srcRect l="6989" r="6989"/>
-          <a:stretch/>
-        </p:blipFill>
-        <p:spPr/>
-      </p:pic>
-    </p:spTree>
-    <p:extLst>
-      <p:ext uri="{BB962C8B-B14F-4D97-AF65-F5344CB8AC3E}">
-        <p14:creationId xmlns:p14="http://schemas.microsoft.com/office/powerpoint/2010/main" val="1889560571"/>
-      </p:ext>
-    </p:extLst>
-  </p:cSld>
-  <p:clrMapOvr>
-    <a:masterClrMapping/>
-  </p:clrMapOvr>
-</p:sld>
-</file>
-
-<file path=ppt/slides/slide6.xml><?xml version="1.0" encoding="utf-8"?>
-<p:sld xmlns:a="http://schemas.openxmlformats.org/drawingml/2006/main" xmlns:r="http://schemas.openxmlformats.org/officeDocument/2006/relationships" xmlns:p="http://schemas.openxmlformats.org/presentationml/2006/main">
-  <p:cSld>
-    <p:spTree>
-      <p:nvGrpSpPr>
-        <p:cNvPr id="1" name=""/>
+        <p:cNvPr id="1" name="">
+          <a:extLst>
+            <a:ext uri="{FF2B5EF4-FFF2-40B4-BE49-F238E27FC236}">
+              <a16:creationId xmlns:a16="http://schemas.microsoft.com/office/drawing/2014/main" id="{02CA1CD4-4036-B7F5-ABAF-F4677258F420}"/>
+            </a:ext>
+          </a:extLst>
+        </p:cNvPr>
         <p:cNvGrpSpPr/>
         <p:nvPr/>
       </p:nvGrpSpPr>
@@ -11826,7 +18373,7 @@
           <p:cNvPr id="2" name="Title 1">
             <a:extLst>
               <a:ext uri="{FF2B5EF4-FFF2-40B4-BE49-F238E27FC236}">
-                <a16:creationId xmlns:a16="http://schemas.microsoft.com/office/drawing/2014/main" id="{2BF6C19A-30E3-001C-1A19-8812A6F8D8EC}"/>
+                <a16:creationId xmlns:a16="http://schemas.microsoft.com/office/drawing/2014/main" id="{866A4146-3619-9855-98FE-9117A5F0F42F}"/>
               </a:ext>
             </a:extLst>
           </p:cNvPr>
@@ -11837,53 +18384,29 @@
             <p:ph type="title"/>
           </p:nvPr>
         </p:nvSpPr>
-        <p:spPr/>
+        <p:spPr>
+          <a:xfrm>
+            <a:off x="705934" y="723900"/>
+            <a:ext cx="6456866" cy="5316415"/>
+          </a:xfrm>
+        </p:spPr>
         <p:txBody>
           <a:bodyPr/>
           <a:lstStyle/>
           <a:p>
             <a:r>
               <a:rPr lang="en-US" dirty="0"/>
-              <a:t>ERD AND TESTING</a:t>
+              <a:t>Lessons learned by the team: </a:t>
             </a:r>
           </a:p>
         </p:txBody>
       </p:sp>
-      <p:pic>
-        <p:nvPicPr>
-          <p:cNvPr id="5" name="Content Placeholder 4" descr="A screenshot of a computer&#10;&#10;Description automatically generated">
+      <p:sp>
+        <p:nvSpPr>
+          <p:cNvPr id="4" name="Slide Number Placeholder 3">
             <a:extLst>
               <a:ext uri="{FF2B5EF4-FFF2-40B4-BE49-F238E27FC236}">
-                <a16:creationId xmlns:a16="http://schemas.microsoft.com/office/drawing/2014/main" id="{E44C3514-DED8-D141-2DC0-4F54B64C364A}"/>
-              </a:ext>
-            </a:extLst>
-          </p:cNvPr>
-          <p:cNvPicPr>
-            <a:picLocks noGrp="1" noChangeAspect="1"/>
-          </p:cNvPicPr>
-          <p:nvPr>
-            <p:ph sz="quarter" idx="10"/>
-          </p:nvPr>
-        </p:nvPicPr>
-        <p:blipFill>
-          <a:blip r:embed="rId3"/>
-          <a:stretch>
-            <a:fillRect/>
-          </a:stretch>
-        </p:blipFill>
-        <p:spPr>
-          <a:xfrm>
-            <a:off x="734592" y="1860117"/>
-            <a:ext cx="7626742" cy="3587934"/>
-          </a:xfrm>
-        </p:spPr>
-      </p:pic>
-      <p:sp>
-        <p:nvSpPr>
-          <p:cNvPr id="3" name="Slide Number Placeholder 2">
-            <a:extLst>
-              <a:ext uri="{FF2B5EF4-FFF2-40B4-BE49-F238E27FC236}">
-                <a16:creationId xmlns:a16="http://schemas.microsoft.com/office/drawing/2014/main" id="{CE941DE2-1E04-BCDD-5770-8991998B6B7B}"/>
+                <a16:creationId xmlns:a16="http://schemas.microsoft.com/office/drawing/2014/main" id="{B4E0F629-D275-EA15-896F-481CE9546251}"/>
               </a:ext>
             </a:extLst>
           </p:cNvPr>
@@ -11902,16 +18425,44 @@
             <a:fld id="{C3DB2ADC-AF19-4574-8C10-79B5B04FCA27}" type="slidenum">
               <a:rPr lang="en-US" smtClean="0"/>
               <a:pPr/>
-              <a:t>6</a:t>
+              <a:t>5</a:t>
             </a:fld>
             <a:endParaRPr lang="en-US" dirty="0"/>
           </a:p>
         </p:txBody>
       </p:sp>
+      <p:graphicFrame>
+        <p:nvGraphicFramePr>
+          <p:cNvPr id="8" name="Diagram 7">
+            <a:extLst>
+              <a:ext uri="{FF2B5EF4-FFF2-40B4-BE49-F238E27FC236}">
+                <a16:creationId xmlns:a16="http://schemas.microsoft.com/office/drawing/2014/main" id="{F853A56F-3F14-9799-D95B-E84A32A80956}"/>
+              </a:ext>
+            </a:extLst>
+          </p:cNvPr>
+          <p:cNvGraphicFramePr/>
+          <p:nvPr>
+            <p:extLst>
+              <p:ext uri="{D42A27DB-BD31-4B8C-83A1-F6EECF244321}">
+                <p14:modId xmlns:p14="http://schemas.microsoft.com/office/powerpoint/2010/main" val="710259488"/>
+              </p:ext>
+            </p:extLst>
+          </p:nvPr>
+        </p:nvGraphicFramePr>
+        <p:xfrm>
+          <a:off x="705934" y="1648902"/>
+          <a:ext cx="9266376" cy="4625172"/>
+        </p:xfrm>
+        <a:graphic>
+          <a:graphicData uri="http://schemas.openxmlformats.org/drawingml/2006/diagram">
+            <dgm:relIds xmlns:dgm="http://schemas.openxmlformats.org/drawingml/2006/diagram" xmlns:r="http://schemas.openxmlformats.org/officeDocument/2006/relationships" r:dm="rId2" r:lo="rId3" r:qs="rId4" r:cs="rId5"/>
+          </a:graphicData>
+        </a:graphic>
+      </p:graphicFrame>
     </p:spTree>
     <p:extLst>
       <p:ext uri="{BB962C8B-B14F-4D97-AF65-F5344CB8AC3E}">
-        <p14:creationId xmlns:p14="http://schemas.microsoft.com/office/powerpoint/2010/main" val="1553300136"/>
+        <p14:creationId xmlns:p14="http://schemas.microsoft.com/office/powerpoint/2010/main" val="1666766664"/>
       </p:ext>
     </p:extLst>
   </p:cSld>
@@ -11921,9 +18472,17 @@
 </p:sld>
 </file>
 
-<file path=ppt/slides/slide7.xml><?xml version="1.0" encoding="utf-8"?>
+<file path=ppt/slides/slide6.xml><?xml version="1.0" encoding="utf-8"?>
 <p:sld xmlns:a="http://schemas.openxmlformats.org/drawingml/2006/main" xmlns:r="http://schemas.openxmlformats.org/officeDocument/2006/relationships" xmlns:p="http://schemas.openxmlformats.org/presentationml/2006/main">
   <p:cSld>
+    <p:bg>
+      <p:bgPr>
+        <a:solidFill>
+          <a:schemeClr val="bg1"/>
+        </a:solidFill>
+        <a:effectLst/>
+      </p:bgPr>
+    </p:bg>
     <p:spTree>
       <p:nvGrpSpPr>
         <p:cNvPr id="1" name=""/>
@@ -11938,12 +18497,362 @@
           <a:chExt cx="0" cy="0"/>
         </a:xfrm>
       </p:grpSpPr>
+      <p:cxnSp>
+        <p:nvCxnSpPr>
+          <p:cNvPr id="22" name="Straight Connector 21">
+            <a:extLst>
+              <a:ext uri="{FF2B5EF4-FFF2-40B4-BE49-F238E27FC236}">
+                <a16:creationId xmlns:a16="http://schemas.microsoft.com/office/drawing/2014/main" id="{F64F9B95-9045-48D2-B9F3-2927E98F54AA}"/>
+              </a:ext>
+              <a:ext uri="{C183D7F6-B498-43B3-948B-1728B52AA6E4}">
+                <adec:decorative xmlns:adec="http://schemas.microsoft.com/office/drawing/2017/decorative" val="1"/>
+              </a:ext>
+            </a:extLst>
+          </p:cNvPr>
+          <p:cNvCxnSpPr>
+            <a:cxnSpLocks noGrp="1" noRot="1" noChangeAspect="1" noMove="1" noResize="1" noEditPoints="1" noAdjustHandles="1" noChangeArrowheads="1" noChangeShapeType="1"/>
+          </p:cNvCxnSpPr>
+          <p:nvPr>
+            <p:extLst>
+              <p:ext uri="{386F3935-93C4-4BCD-93E2-E3B085C9AB24}">
+                <p16:designElem xmlns:p16="http://schemas.microsoft.com/office/powerpoint/2015/main" val="1"/>
+              </p:ext>
+            </p:extLst>
+          </p:nvPr>
+        </p:nvCxnSpPr>
+        <p:spPr>
+          <a:xfrm>
+            <a:off x="800100" y="723900"/>
+            <a:ext cx="10591800" cy="0"/>
+          </a:xfrm>
+          <a:prstGeom prst="line">
+            <a:avLst/>
+          </a:prstGeom>
+          <a:ln w="44450">
+            <a:solidFill>
+              <a:schemeClr val="tx1"/>
+            </a:solidFill>
+          </a:ln>
+        </p:spPr>
+        <p:style>
+          <a:lnRef idx="1">
+            <a:schemeClr val="accent1"/>
+          </a:lnRef>
+          <a:fillRef idx="0">
+            <a:schemeClr val="accent1"/>
+          </a:fillRef>
+          <a:effectRef idx="0">
+            <a:schemeClr val="accent1"/>
+          </a:effectRef>
+          <a:fontRef idx="minor">
+            <a:schemeClr val="tx1"/>
+          </a:fontRef>
+        </p:style>
+      </p:cxnSp>
+      <p:cxnSp>
+        <p:nvCxnSpPr>
+          <p:cNvPr id="23" name="Straight Connector 22">
+            <a:extLst>
+              <a:ext uri="{FF2B5EF4-FFF2-40B4-BE49-F238E27FC236}">
+                <a16:creationId xmlns:a16="http://schemas.microsoft.com/office/drawing/2014/main" id="{085AA86F-6A4D-4BCB-A045-D992CDC2959B}"/>
+              </a:ext>
+              <a:ext uri="{C183D7F6-B498-43B3-948B-1728B52AA6E4}">
+                <adec:decorative xmlns:adec="http://schemas.microsoft.com/office/drawing/2017/decorative" val="1"/>
+              </a:ext>
+            </a:extLst>
+          </p:cNvPr>
+          <p:cNvCxnSpPr>
+            <a:cxnSpLocks noGrp="1" noRot="1" noChangeAspect="1" noMove="1" noResize="1" noEditPoints="1" noAdjustHandles="1" noChangeArrowheads="1" noChangeShapeType="1"/>
+          </p:cNvCxnSpPr>
+          <p:nvPr>
+            <p:extLst>
+              <p:ext uri="{386F3935-93C4-4BCD-93E2-E3B085C9AB24}">
+                <p16:designElem xmlns:p16="http://schemas.microsoft.com/office/powerpoint/2015/main" val="1"/>
+              </p:ext>
+            </p:extLst>
+          </p:nvPr>
+        </p:nvCxnSpPr>
+        <p:spPr>
+          <a:xfrm>
+            <a:off x="800100" y="6142781"/>
+            <a:ext cx="10591800" cy="0"/>
+          </a:xfrm>
+          <a:prstGeom prst="line">
+            <a:avLst/>
+          </a:prstGeom>
+          <a:ln w="12700">
+            <a:solidFill>
+              <a:schemeClr val="tx1"/>
+            </a:solidFill>
+          </a:ln>
+        </p:spPr>
+        <p:style>
+          <a:lnRef idx="1">
+            <a:schemeClr val="accent1"/>
+          </a:lnRef>
+          <a:fillRef idx="0">
+            <a:schemeClr val="accent1"/>
+          </a:fillRef>
+          <a:effectRef idx="0">
+            <a:schemeClr val="accent1"/>
+          </a:effectRef>
+          <a:fontRef idx="minor">
+            <a:schemeClr val="tx1"/>
+          </a:fontRef>
+        </p:style>
+      </p:cxnSp>
+      <p:sp useBgFill="1">
+        <p:nvSpPr>
+          <p:cNvPr id="24" name="Rectangle 23">
+            <a:extLst>
+              <a:ext uri="{FF2B5EF4-FFF2-40B4-BE49-F238E27FC236}">
+                <a16:creationId xmlns:a16="http://schemas.microsoft.com/office/drawing/2014/main" id="{E49D7415-2F11-44C2-B6AA-13A25B6814B9}"/>
+              </a:ext>
+              <a:ext uri="{C183D7F6-B498-43B3-948B-1728B52AA6E4}">
+                <adec:decorative xmlns:adec="http://schemas.microsoft.com/office/drawing/2017/decorative" val="1"/>
+              </a:ext>
+            </a:extLst>
+          </p:cNvPr>
+          <p:cNvSpPr>
+            <a:spLocks noGrp="1" noRot="1" noChangeAspect="1" noMove="1" noResize="1" noEditPoints="1" noAdjustHandles="1" noChangeArrowheads="1" noChangeShapeType="1" noTextEdit="1"/>
+          </p:cNvSpPr>
+          <p:nvPr>
+            <p:extLst>
+              <p:ext uri="{386F3935-93C4-4BCD-93E2-E3B085C9AB24}">
+                <p16:designElem xmlns:p16="http://schemas.microsoft.com/office/powerpoint/2015/main" val="1"/>
+              </p:ext>
+            </p:extLst>
+          </p:nvPr>
+        </p:nvSpPr>
+        <p:spPr>
+          <a:xfrm>
+            <a:off x="0" y="0"/>
+            <a:ext cx="12192000" cy="6858000"/>
+          </a:xfrm>
+          <a:prstGeom prst="rect">
+            <a:avLst/>
+          </a:prstGeom>
+          <a:ln w="12700" cap="flat" cmpd="sng" algn="ctr">
+            <a:noFill/>
+            <a:prstDash val="solid"/>
+            <a:miter lim="800000"/>
+          </a:ln>
+          <a:effectLst/>
+          <a:extLst>
+            <a:ext uri="{91240B29-F687-4F45-9708-019B960494DF}">
+              <a14:hiddenLine xmlns:a14="http://schemas.microsoft.com/office/drawing/2010/main" w="12700" cap="flat" cmpd="sng" algn="ctr">
+                <a:solidFill>
+                  <a:schemeClr val="accent1">
+                    <a:shade val="50000"/>
+                  </a:schemeClr>
+                </a:solidFill>
+                <a:prstDash val="solid"/>
+                <a:miter lim="800000"/>
+              </a14:hiddenLine>
+            </a:ext>
+          </a:extLst>
+        </p:spPr>
+        <p:style>
+          <a:lnRef idx="2">
+            <a:schemeClr val="accent1">
+              <a:shade val="50000"/>
+            </a:schemeClr>
+          </a:lnRef>
+          <a:fillRef idx="1">
+            <a:schemeClr val="accent1"/>
+          </a:fillRef>
+          <a:effectRef idx="0">
+            <a:schemeClr val="accent1"/>
+          </a:effectRef>
+          <a:fontRef idx="minor">
+            <a:schemeClr val="lt1"/>
+          </a:fontRef>
+        </p:style>
+        <p:txBody>
+          <a:bodyPr rtlCol="0" anchor="ctr"/>
+          <a:lstStyle/>
+          <a:p>
+            <a:pPr algn="ctr"/>
+            <a:endParaRPr lang="en-US"/>
+          </a:p>
+        </p:txBody>
+      </p:sp>
+      <p:cxnSp>
+        <p:nvCxnSpPr>
+          <p:cNvPr id="25" name="Straight Connector 24">
+            <a:extLst>
+              <a:ext uri="{FF2B5EF4-FFF2-40B4-BE49-F238E27FC236}">
+                <a16:creationId xmlns:a16="http://schemas.microsoft.com/office/drawing/2014/main" id="{C19EF34C-5622-413F-9C9F-AC937E306E7B}"/>
+              </a:ext>
+              <a:ext uri="{C183D7F6-B498-43B3-948B-1728B52AA6E4}">
+                <adec:decorative xmlns:adec="http://schemas.microsoft.com/office/drawing/2017/decorative" val="1"/>
+              </a:ext>
+            </a:extLst>
+          </p:cNvPr>
+          <p:cNvCxnSpPr>
+            <a:cxnSpLocks noGrp="1" noRot="1" noChangeAspect="1" noMove="1" noResize="1" noEditPoints="1" noAdjustHandles="1" noChangeArrowheads="1" noChangeShapeType="1"/>
+          </p:cNvCxnSpPr>
+          <p:nvPr>
+            <p:extLst>
+              <p:ext uri="{386F3935-93C4-4BCD-93E2-E3B085C9AB24}">
+                <p16:designElem xmlns:p16="http://schemas.microsoft.com/office/powerpoint/2015/main" val="1"/>
+              </p:ext>
+            </p:extLst>
+          </p:nvPr>
+        </p:nvCxnSpPr>
+        <p:spPr>
+          <a:xfrm>
+            <a:off x="800100" y="723900"/>
+            <a:ext cx="10591800" cy="0"/>
+          </a:xfrm>
+          <a:prstGeom prst="line">
+            <a:avLst/>
+          </a:prstGeom>
+          <a:ln w="44450">
+            <a:solidFill>
+              <a:schemeClr val="tx1"/>
+            </a:solidFill>
+          </a:ln>
+        </p:spPr>
+        <p:style>
+          <a:lnRef idx="1">
+            <a:schemeClr val="accent1"/>
+          </a:lnRef>
+          <a:fillRef idx="0">
+            <a:schemeClr val="accent1"/>
+          </a:fillRef>
+          <a:effectRef idx="0">
+            <a:schemeClr val="accent1"/>
+          </a:effectRef>
+          <a:fontRef idx="minor">
+            <a:schemeClr val="tx1"/>
+          </a:fontRef>
+        </p:style>
+      </p:cxnSp>
+      <p:cxnSp>
+        <p:nvCxnSpPr>
+          <p:cNvPr id="21" name="Straight Connector 20">
+            <a:extLst>
+              <a:ext uri="{FF2B5EF4-FFF2-40B4-BE49-F238E27FC236}">
+                <a16:creationId xmlns:a16="http://schemas.microsoft.com/office/drawing/2014/main" id="{28549954-3C0C-48B7-9BE6-9B32C39D0444}"/>
+              </a:ext>
+              <a:ext uri="{C183D7F6-B498-43B3-948B-1728B52AA6E4}">
+                <adec:decorative xmlns:adec="http://schemas.microsoft.com/office/drawing/2017/decorative" val="1"/>
+              </a:ext>
+            </a:extLst>
+          </p:cNvPr>
+          <p:cNvCxnSpPr>
+            <a:cxnSpLocks noGrp="1" noRot="1" noChangeAspect="1" noMove="1" noResize="1" noEditPoints="1" noAdjustHandles="1" noChangeArrowheads="1" noChangeShapeType="1"/>
+          </p:cNvCxnSpPr>
+          <p:nvPr>
+            <p:extLst>
+              <p:ext uri="{386F3935-93C4-4BCD-93E2-E3B085C9AB24}">
+                <p16:designElem xmlns:p16="http://schemas.microsoft.com/office/powerpoint/2015/main" val="1"/>
+              </p:ext>
+            </p:extLst>
+          </p:nvPr>
+        </p:nvCxnSpPr>
+        <p:spPr>
+          <a:xfrm>
+            <a:off x="800100" y="6142781"/>
+            <a:ext cx="10591800" cy="0"/>
+          </a:xfrm>
+          <a:prstGeom prst="line">
+            <a:avLst/>
+          </a:prstGeom>
+          <a:ln w="12700">
+            <a:solidFill>
+              <a:schemeClr val="tx1"/>
+            </a:solidFill>
+          </a:ln>
+        </p:spPr>
+        <p:style>
+          <a:lnRef idx="1">
+            <a:schemeClr val="accent1"/>
+          </a:lnRef>
+          <a:fillRef idx="0">
+            <a:schemeClr val="accent1"/>
+          </a:fillRef>
+          <a:effectRef idx="0">
+            <a:schemeClr val="accent1"/>
+          </a:effectRef>
+          <a:fontRef idx="minor">
+            <a:schemeClr val="tx1"/>
+          </a:fontRef>
+        </p:style>
+      </p:cxnSp>
+      <p:pic>
+        <p:nvPicPr>
+          <p:cNvPr id="5" name="Picture Placeholder 16" descr="Logs Stacked ">
+            <a:extLst>
+              <a:ext uri="{FF2B5EF4-FFF2-40B4-BE49-F238E27FC236}">
+                <a16:creationId xmlns:a16="http://schemas.microsoft.com/office/drawing/2014/main" id="{91CDF817-5DD8-B6A6-422E-3161F6D60CCA}"/>
+              </a:ext>
+            </a:extLst>
+          </p:cNvPr>
+          <p:cNvPicPr>
+            <a:picLocks noGrp="1" noChangeAspect="1"/>
+          </p:cNvPicPr>
+          <p:nvPr>
+            <p:ph type="pic" sz="quarter" idx="13"/>
+          </p:nvPr>
+        </p:nvPicPr>
+        <p:blipFill rotWithShape="1">
+          <a:blip r:embed="rId3" cstate="screen">
+            <a:extLst>
+              <a:ext uri="{28A0092B-C50C-407E-A947-70E740481C1C}">
+                <a14:useLocalDpi xmlns:a14="http://schemas.microsoft.com/office/drawing/2010/main"/>
+              </a:ext>
+            </a:extLst>
+          </a:blip>
+          <a:srcRect t="28326" b="33548"/>
+          <a:stretch/>
+        </p:blipFill>
+        <p:spPr>
+          <a:xfrm>
+            <a:off x="800100" y="3048000"/>
+            <a:ext cx="5133990" cy="2737551"/>
+          </a:xfrm>
+          <a:prstGeom prst="rect">
+            <a:avLst/>
+          </a:prstGeom>
+        </p:spPr>
+      </p:pic>
+      <p:pic>
+        <p:nvPicPr>
+          <p:cNvPr id="4" name="Picture 3" descr="A house on a hill by the ocean&#10;&#10;Description automatically generated">
+            <a:extLst>
+              <a:ext uri="{FF2B5EF4-FFF2-40B4-BE49-F238E27FC236}">
+                <a16:creationId xmlns:a16="http://schemas.microsoft.com/office/drawing/2014/main" id="{F2B4EFCF-AF99-E986-2E66-C484AB13FBCB}"/>
+              </a:ext>
+            </a:extLst>
+          </p:cNvPr>
+          <p:cNvPicPr>
+            <a:picLocks noChangeAspect="1"/>
+          </p:cNvPicPr>
+          <p:nvPr/>
+        </p:nvPicPr>
+        <p:blipFill>
+          <a:blip r:embed="rId4"/>
+          <a:srcRect t="20563" r="2" b="2"/>
+          <a:stretch/>
+        </p:blipFill>
+        <p:spPr>
+          <a:xfrm>
+            <a:off x="6209622" y="3048000"/>
+            <a:ext cx="5182278" cy="2737551"/>
+          </a:xfrm>
+          <a:prstGeom prst="rect">
+            <a:avLst/>
+          </a:prstGeom>
+        </p:spPr>
+      </p:pic>
       <p:sp>
         <p:nvSpPr>
-          <p:cNvPr id="4" name="Title 3">
+          <p:cNvPr id="8" name="Title 7">
             <a:extLst>
               <a:ext uri="{FF2B5EF4-FFF2-40B4-BE49-F238E27FC236}">
-                <a16:creationId xmlns:a16="http://schemas.microsoft.com/office/drawing/2014/main" id="{90E82A33-7ED3-A4A3-7E06-B568D6D134CD}"/>
+                <a16:creationId xmlns:a16="http://schemas.microsoft.com/office/drawing/2014/main" id="{10417AF4-08C0-FC51-8823-C041945D63A4}"/>
               </a:ext>
             </a:extLst>
           </p:cNvPr>
@@ -11954,82 +18863,73 @@
             <p:ph type="title"/>
           </p:nvPr>
         </p:nvSpPr>
-        <p:spPr/>
+        <p:spPr>
+          <a:xfrm>
+            <a:off x="704088" y="904729"/>
+            <a:ext cx="4206240" cy="1821525"/>
+          </a:xfrm>
+        </p:spPr>
         <p:txBody>
-          <a:bodyPr/>
+          <a:bodyPr vert="horz" lIns="91440" tIns="45720" rIns="91440" bIns="45720" rtlCol="0" anchor="t">
+            <a:normAutofit/>
+          </a:bodyPr>
           <a:lstStyle/>
           <a:p>
             <a:r>
-              <a:rPr lang="en-US" dirty="0"/>
-              <a:t>More testing</a:t>
+              <a:rPr lang="en-US" sz="4000"/>
+              <a:t>Design process</a:t>
             </a:r>
           </a:p>
         </p:txBody>
       </p:sp>
       <p:sp>
         <p:nvSpPr>
-          <p:cNvPr id="9" name="Content Placeholder 8">
+          <p:cNvPr id="2" name="TextBox 1">
             <a:extLst>
               <a:ext uri="{FF2B5EF4-FFF2-40B4-BE49-F238E27FC236}">
-                <a16:creationId xmlns:a16="http://schemas.microsoft.com/office/drawing/2014/main" id="{6777958E-E73E-C5A9-C0E3-3DD9808453DB}"/>
+                <a16:creationId xmlns:a16="http://schemas.microsoft.com/office/drawing/2014/main" id="{71F98B05-02D8-455F-2AF7-F4DFF42616CD}"/>
               </a:ext>
             </a:extLst>
           </p:cNvPr>
-          <p:cNvSpPr>
-            <a:spLocks noGrp="1"/>
-          </p:cNvSpPr>
-          <p:nvPr>
-            <p:ph sz="quarter" idx="11"/>
-          </p:nvPr>
+          <p:cNvSpPr txBox="1"/>
+          <p:nvPr/>
         </p:nvSpPr>
-        <p:spPr/>
+        <p:spPr>
+          <a:xfrm>
+            <a:off x="5133974" y="952368"/>
+            <a:ext cx="6418727" cy="1773893"/>
+          </a:xfrm>
+          <a:prstGeom prst="rect">
+            <a:avLst/>
+          </a:prstGeom>
+        </p:spPr>
         <p:txBody>
-          <a:bodyPr/>
+          <a:bodyPr vert="horz" lIns="91440" tIns="45720" rIns="91440" bIns="45720" rtlCol="0">
+            <a:normAutofit/>
+          </a:bodyPr>
           <a:lstStyle/>
           <a:p>
-            <a:r>
-              <a:rPr lang="en-US" noProof="1"/>
-              <a:t>Highlight feedback/errors</a:t>
-            </a:r>
-          </a:p>
-          <a:p>
-            <a:r>
-              <a:rPr lang="en-US" noProof="1"/>
-              <a:t>“links to attractions”</a:t>
-            </a:r>
-          </a:p>
-          <a:p>
-            <a:endParaRPr lang="en-US" noProof="1"/>
+            <a:pPr indent="-228600">
+              <a:lnSpc>
+                <a:spcPct val="110000"/>
+              </a:lnSpc>
+              <a:spcAft>
+                <a:spcPts val="600"/>
+              </a:spcAft>
+              <a:buFont typeface="Arial" panose="020B0604020202020204" pitchFamily="34" charset="0"/>
+              <a:buChar char="•"/>
+            </a:pPr>
+            <a:r>
+              <a:rPr lang="en-US"/>
+              <a:t>While building a website to represent Moffat Bay Lodge, we considered the surrounding area carefully. We wanted to bring to life the spirit of the experience here on Joviesda Island. </a:t>
+            </a:r>
           </a:p>
         </p:txBody>
       </p:sp>
-      <p:pic>
-        <p:nvPicPr>
-          <p:cNvPr id="14" name="Picture Placeholder 33" descr="A river with boats in it surrounded by trees">
-            <a:extLst>
-              <a:ext uri="{FF2B5EF4-FFF2-40B4-BE49-F238E27FC236}">
-                <a16:creationId xmlns:a16="http://schemas.microsoft.com/office/drawing/2014/main" id="{C87A0E87-E987-D779-B17A-3A89F2E6F373}"/>
-              </a:ext>
-            </a:extLst>
-          </p:cNvPr>
-          <p:cNvPicPr>
-            <a:picLocks noGrp="1" noChangeAspect="1"/>
-          </p:cNvPicPr>
-          <p:nvPr>
-            <p:ph type="pic" sz="quarter" idx="10"/>
-          </p:nvPr>
-        </p:nvPicPr>
-        <p:blipFill>
-          <a:blip r:embed="rId3"/>
-          <a:srcRect l="18580" r="18580"/>
-          <a:stretch/>
-        </p:blipFill>
-        <p:spPr/>
-      </p:pic>
     </p:spTree>
     <p:extLst>
       <p:ext uri="{BB962C8B-B14F-4D97-AF65-F5344CB8AC3E}">
-        <p14:creationId xmlns:p14="http://schemas.microsoft.com/office/powerpoint/2010/main" val="209861386"/>
+        <p14:creationId xmlns:p14="http://schemas.microsoft.com/office/powerpoint/2010/main" val="3250560684"/>
       </p:ext>
     </p:extLst>
   </p:cSld>
@@ -12039,9 +18939,17 @@
 </p:sld>
 </file>
 
-<file path=ppt/slides/slide8.xml><?xml version="1.0" encoding="utf-8"?>
+<file path=ppt/slides/slide7.xml><?xml version="1.0" encoding="utf-8"?>
 <p:sld xmlns:a="http://schemas.openxmlformats.org/drawingml/2006/main" xmlns:r="http://schemas.openxmlformats.org/officeDocument/2006/relationships" xmlns:p="http://schemas.openxmlformats.org/presentationml/2006/main">
   <p:cSld>
+    <p:bg>
+      <p:bgPr>
+        <a:solidFill>
+          <a:schemeClr val="bg1"/>
+        </a:solidFill>
+        <a:effectLst/>
+      </p:bgPr>
+    </p:bg>
     <p:spTree>
       <p:nvGrpSpPr>
         <p:cNvPr id="1" name=""/>
@@ -12056,12 +18964,304 @@
           <a:chExt cx="0" cy="0"/>
         </a:xfrm>
       </p:grpSpPr>
+      <p:cxnSp>
+        <p:nvCxnSpPr>
+          <p:cNvPr id="12" name="Straight Connector 11">
+            <a:extLst>
+              <a:ext uri="{FF2B5EF4-FFF2-40B4-BE49-F238E27FC236}">
+                <a16:creationId xmlns:a16="http://schemas.microsoft.com/office/drawing/2014/main" id="{F64F9B95-9045-48D2-B9F3-2927E98F54AA}"/>
+              </a:ext>
+              <a:ext uri="{C183D7F6-B498-43B3-948B-1728B52AA6E4}">
+                <adec:decorative xmlns:adec="http://schemas.microsoft.com/office/drawing/2017/decorative" val="1"/>
+              </a:ext>
+            </a:extLst>
+          </p:cNvPr>
+          <p:cNvCxnSpPr>
+            <a:cxnSpLocks noGrp="1" noRot="1" noChangeAspect="1" noMove="1" noResize="1" noEditPoints="1" noAdjustHandles="1" noChangeArrowheads="1" noChangeShapeType="1"/>
+          </p:cNvCxnSpPr>
+          <p:nvPr>
+            <p:extLst>
+              <p:ext uri="{386F3935-93C4-4BCD-93E2-E3B085C9AB24}">
+                <p16:designElem xmlns:p16="http://schemas.microsoft.com/office/powerpoint/2015/main" val="1"/>
+              </p:ext>
+            </p:extLst>
+          </p:nvPr>
+        </p:nvCxnSpPr>
+        <p:spPr>
+          <a:xfrm>
+            <a:off x="800100" y="723900"/>
+            <a:ext cx="10591800" cy="0"/>
+          </a:xfrm>
+          <a:prstGeom prst="line">
+            <a:avLst/>
+          </a:prstGeom>
+          <a:ln w="44450">
+            <a:solidFill>
+              <a:schemeClr val="tx1"/>
+            </a:solidFill>
+          </a:ln>
+        </p:spPr>
+        <p:style>
+          <a:lnRef idx="1">
+            <a:schemeClr val="accent1"/>
+          </a:lnRef>
+          <a:fillRef idx="0">
+            <a:schemeClr val="accent1"/>
+          </a:fillRef>
+          <a:effectRef idx="0">
+            <a:schemeClr val="accent1"/>
+          </a:effectRef>
+          <a:fontRef idx="minor">
+            <a:schemeClr val="tx1"/>
+          </a:fontRef>
+        </p:style>
+      </p:cxnSp>
+      <p:cxnSp>
+        <p:nvCxnSpPr>
+          <p:cNvPr id="14" name="Straight Connector 13">
+            <a:extLst>
+              <a:ext uri="{FF2B5EF4-FFF2-40B4-BE49-F238E27FC236}">
+                <a16:creationId xmlns:a16="http://schemas.microsoft.com/office/drawing/2014/main" id="{085AA86F-6A4D-4BCB-A045-D992CDC2959B}"/>
+              </a:ext>
+              <a:ext uri="{C183D7F6-B498-43B3-948B-1728B52AA6E4}">
+                <adec:decorative xmlns:adec="http://schemas.microsoft.com/office/drawing/2017/decorative" val="1"/>
+              </a:ext>
+            </a:extLst>
+          </p:cNvPr>
+          <p:cNvCxnSpPr>
+            <a:cxnSpLocks noGrp="1" noRot="1" noChangeAspect="1" noMove="1" noResize="1" noEditPoints="1" noAdjustHandles="1" noChangeArrowheads="1" noChangeShapeType="1"/>
+          </p:cNvCxnSpPr>
+          <p:nvPr>
+            <p:extLst>
+              <p:ext uri="{386F3935-93C4-4BCD-93E2-E3B085C9AB24}">
+                <p16:designElem xmlns:p16="http://schemas.microsoft.com/office/powerpoint/2015/main" val="1"/>
+              </p:ext>
+            </p:extLst>
+          </p:nvPr>
+        </p:nvCxnSpPr>
+        <p:spPr>
+          <a:xfrm>
+            <a:off x="800100" y="6142781"/>
+            <a:ext cx="10591800" cy="0"/>
+          </a:xfrm>
+          <a:prstGeom prst="line">
+            <a:avLst/>
+          </a:prstGeom>
+          <a:ln w="12700">
+            <a:solidFill>
+              <a:schemeClr val="tx1"/>
+            </a:solidFill>
+          </a:ln>
+        </p:spPr>
+        <p:style>
+          <a:lnRef idx="1">
+            <a:schemeClr val="accent1"/>
+          </a:lnRef>
+          <a:fillRef idx="0">
+            <a:schemeClr val="accent1"/>
+          </a:fillRef>
+          <a:effectRef idx="0">
+            <a:schemeClr val="accent1"/>
+          </a:effectRef>
+          <a:fontRef idx="minor">
+            <a:schemeClr val="tx1"/>
+          </a:fontRef>
+        </p:style>
+      </p:cxnSp>
+      <p:sp useBgFill="1">
+        <p:nvSpPr>
+          <p:cNvPr id="16" name="Rectangle 15">
+            <a:extLst>
+              <a:ext uri="{FF2B5EF4-FFF2-40B4-BE49-F238E27FC236}">
+                <a16:creationId xmlns:a16="http://schemas.microsoft.com/office/drawing/2014/main" id="{97215483-AD0C-4E00-BF87-04C4DA6ACE3A}"/>
+              </a:ext>
+              <a:ext uri="{C183D7F6-B498-43B3-948B-1728B52AA6E4}">
+                <adec:decorative xmlns:adec="http://schemas.microsoft.com/office/drawing/2017/decorative" val="1"/>
+              </a:ext>
+            </a:extLst>
+          </p:cNvPr>
+          <p:cNvSpPr>
+            <a:spLocks noGrp="1" noRot="1" noChangeAspect="1" noMove="1" noResize="1" noEditPoints="1" noAdjustHandles="1" noChangeArrowheads="1" noChangeShapeType="1" noTextEdit="1"/>
+          </p:cNvSpPr>
+          <p:nvPr>
+            <p:extLst>
+              <p:ext uri="{386F3935-93C4-4BCD-93E2-E3B085C9AB24}">
+                <p16:designElem xmlns:p16="http://schemas.microsoft.com/office/powerpoint/2015/main" val="1"/>
+              </p:ext>
+            </p:extLst>
+          </p:nvPr>
+        </p:nvSpPr>
+        <p:spPr>
+          <a:xfrm>
+            <a:off x="0" y="0"/>
+            <a:ext cx="12192000" cy="6858000"/>
+          </a:xfrm>
+          <a:prstGeom prst="rect">
+            <a:avLst/>
+          </a:prstGeom>
+          <a:ln w="12700" cap="flat" cmpd="sng" algn="ctr">
+            <a:noFill/>
+            <a:prstDash val="solid"/>
+            <a:miter lim="800000"/>
+          </a:ln>
+          <a:effectLst/>
+          <a:extLst>
+            <a:ext uri="{91240B29-F687-4F45-9708-019B960494DF}">
+              <a14:hiddenLine xmlns:a14="http://schemas.microsoft.com/office/drawing/2010/main" w="12700" cap="flat" cmpd="sng" algn="ctr">
+                <a:solidFill>
+                  <a:schemeClr val="accent1">
+                    <a:shade val="50000"/>
+                  </a:schemeClr>
+                </a:solidFill>
+                <a:prstDash val="solid"/>
+                <a:miter lim="800000"/>
+              </a14:hiddenLine>
+            </a:ext>
+          </a:extLst>
+        </p:spPr>
+        <p:style>
+          <a:lnRef idx="2">
+            <a:schemeClr val="accent1">
+              <a:shade val="50000"/>
+            </a:schemeClr>
+          </a:lnRef>
+          <a:fillRef idx="1">
+            <a:schemeClr val="accent1"/>
+          </a:fillRef>
+          <a:effectRef idx="0">
+            <a:schemeClr val="accent1"/>
+          </a:effectRef>
+          <a:fontRef idx="minor">
+            <a:schemeClr val="lt1"/>
+          </a:fontRef>
+        </p:style>
+        <p:txBody>
+          <a:bodyPr rtlCol="0" anchor="ctr"/>
+          <a:lstStyle/>
+          <a:p>
+            <a:pPr algn="ctr"/>
+            <a:endParaRPr lang="en-US"/>
+          </a:p>
+        </p:txBody>
+      </p:sp>
+      <p:cxnSp>
+        <p:nvCxnSpPr>
+          <p:cNvPr id="18" name="Straight Connector 17">
+            <a:extLst>
+              <a:ext uri="{FF2B5EF4-FFF2-40B4-BE49-F238E27FC236}">
+                <a16:creationId xmlns:a16="http://schemas.microsoft.com/office/drawing/2014/main" id="{87F9F470-C7B7-4B96-90CD-6D53EA02006D}"/>
+              </a:ext>
+              <a:ext uri="{C183D7F6-B498-43B3-948B-1728B52AA6E4}">
+                <adec:decorative xmlns:adec="http://schemas.microsoft.com/office/drawing/2017/decorative" val="1"/>
+              </a:ext>
+            </a:extLst>
+          </p:cNvPr>
+          <p:cNvCxnSpPr>
+            <a:cxnSpLocks noGrp="1" noRot="1" noChangeAspect="1" noMove="1" noResize="1" noEditPoints="1" noAdjustHandles="1" noChangeArrowheads="1" noChangeShapeType="1"/>
+          </p:cNvCxnSpPr>
+          <p:nvPr>
+            <p:extLst>
+              <p:ext uri="{386F3935-93C4-4BCD-93E2-E3B085C9AB24}">
+                <p16:designElem xmlns:p16="http://schemas.microsoft.com/office/powerpoint/2015/main" val="1"/>
+              </p:ext>
+            </p:extLst>
+          </p:nvPr>
+        </p:nvCxnSpPr>
+        <p:spPr>
+          <a:xfrm>
+            <a:off x="800100" y="723900"/>
+            <a:ext cx="1638300" cy="0"/>
+          </a:xfrm>
+          <a:prstGeom prst="line">
+            <a:avLst/>
+          </a:prstGeom>
+          <a:ln w="44450">
+            <a:solidFill>
+              <a:schemeClr val="tx1"/>
+            </a:solidFill>
+          </a:ln>
+        </p:spPr>
+        <p:style>
+          <a:lnRef idx="1">
+            <a:schemeClr val="accent1"/>
+          </a:lnRef>
+          <a:fillRef idx="0">
+            <a:schemeClr val="accent1"/>
+          </a:fillRef>
+          <a:effectRef idx="0">
+            <a:schemeClr val="accent1"/>
+          </a:effectRef>
+          <a:fontRef idx="minor">
+            <a:schemeClr val="tx1"/>
+          </a:fontRef>
+        </p:style>
+      </p:cxnSp>
+      <p:pic>
+        <p:nvPicPr>
+          <p:cNvPr id="7" name="Picture 6">
+            <a:extLst>
+              <a:ext uri="{FF2B5EF4-FFF2-40B4-BE49-F238E27FC236}">
+                <a16:creationId xmlns:a16="http://schemas.microsoft.com/office/drawing/2014/main" id="{0DD8D81D-5512-17B6-DD02-611D71654E45}"/>
+              </a:ext>
+            </a:extLst>
+          </p:cNvPr>
+          <p:cNvPicPr>
+            <a:picLocks noChangeAspect="1"/>
+          </p:cNvPicPr>
+          <p:nvPr/>
+        </p:nvPicPr>
+        <p:blipFill>
+          <a:blip r:embed="rId2"/>
+          <a:srcRect t="1647" b="1647"/>
+          <a:stretch/>
+        </p:blipFill>
+        <p:spPr>
+          <a:xfrm>
+            <a:off x="-2" y="2657893"/>
+            <a:ext cx="6107959" cy="4200106"/>
+          </a:xfrm>
+          <a:prstGeom prst="rect">
+            <a:avLst/>
+          </a:prstGeom>
+        </p:spPr>
+      </p:pic>
+      <p:pic>
+        <p:nvPicPr>
+          <p:cNvPr id="3" name="Picture Placeholder 2" descr="A screenshot of a computer&#10;&#10;Description automatically generated">
+            <a:extLst>
+              <a:ext uri="{FF2B5EF4-FFF2-40B4-BE49-F238E27FC236}">
+                <a16:creationId xmlns:a16="http://schemas.microsoft.com/office/drawing/2014/main" id="{5D8948B6-8C67-F6E1-DDC1-0E0FB78A5655}"/>
+              </a:ext>
+            </a:extLst>
+          </p:cNvPr>
+          <p:cNvPicPr>
+            <a:picLocks noGrp="1" noChangeAspect="1"/>
+          </p:cNvPicPr>
+          <p:nvPr>
+            <p:ph type="pic" sz="quarter" idx="10"/>
+          </p:nvPr>
+        </p:nvPicPr>
+        <p:blipFill>
+          <a:blip r:embed="rId3"/>
+          <a:srcRect t="6555" r="-1" b="11747"/>
+          <a:stretch/>
+        </p:blipFill>
+        <p:spPr>
+          <a:xfrm>
+            <a:off x="6107958" y="2657893"/>
+            <a:ext cx="6084042" cy="4200106"/>
+          </a:xfrm>
+          <a:prstGeom prst="rect">
+            <a:avLst/>
+          </a:prstGeom>
+        </p:spPr>
+      </p:pic>
       <p:sp>
         <p:nvSpPr>
-          <p:cNvPr id="2" name="Title 1">
+          <p:cNvPr id="4" name="Title 3">
             <a:extLst>
               <a:ext uri="{FF2B5EF4-FFF2-40B4-BE49-F238E27FC236}">
-                <a16:creationId xmlns:a16="http://schemas.microsoft.com/office/drawing/2014/main" id="{53F9FE95-42FD-9AB0-913D-DFE3A18AFAE9}"/>
+                <a16:creationId xmlns:a16="http://schemas.microsoft.com/office/drawing/2014/main" id="{5E73AA60-1D5D-5384-7EA7-7E2A21243B3C}"/>
               </a:ext>
             </a:extLst>
           </p:cNvPr>
@@ -12074,117 +19274,697 @@
         </p:nvSpPr>
         <p:spPr>
           <a:xfrm>
-            <a:off x="734591" y="976997"/>
-            <a:ext cx="11034713" cy="1188227"/>
+            <a:off x="704088" y="902669"/>
+            <a:ext cx="10848975" cy="743371"/>
           </a:xfrm>
         </p:spPr>
         <p:txBody>
-          <a:bodyPr/>
+          <a:bodyPr vert="horz" lIns="91440" tIns="45720" rIns="91440" bIns="45720" rtlCol="0" anchor="t">
+            <a:normAutofit/>
+          </a:bodyPr>
           <a:lstStyle/>
           <a:p>
             <a:r>
-              <a:rPr lang="en-US" dirty="0"/>
-              <a:t>Probably more testing</a:t>
+              <a:rPr lang="en-US" sz="4000" dirty="0"/>
+              <a:t>Rough prototypes</a:t>
             </a:r>
           </a:p>
         </p:txBody>
       </p:sp>
       <p:sp>
         <p:nvSpPr>
-          <p:cNvPr id="4" name="Content Placeholder 3">
+          <p:cNvPr id="8" name="TextBox 7">
             <a:extLst>
               <a:ext uri="{FF2B5EF4-FFF2-40B4-BE49-F238E27FC236}">
-                <a16:creationId xmlns:a16="http://schemas.microsoft.com/office/drawing/2014/main" id="{85DD9D89-0B97-5577-308E-9F320E5DC495}"/>
+                <a16:creationId xmlns:a16="http://schemas.microsoft.com/office/drawing/2014/main" id="{42563AB7-124D-D1C4-63A4-3A6D6352E275}"/>
               </a:ext>
             </a:extLst>
           </p:cNvPr>
-          <p:cNvSpPr>
-            <a:spLocks noGrp="1"/>
-          </p:cNvSpPr>
-          <p:nvPr>
-            <p:ph sz="quarter" idx="10"/>
-          </p:nvPr>
+          <p:cNvSpPr txBox="1"/>
+          <p:nvPr/>
         </p:nvSpPr>
-        <p:spPr/>
+        <p:spPr>
+          <a:xfrm>
+            <a:off x="800099" y="1626571"/>
+            <a:ext cx="10105793" cy="646331"/>
+          </a:xfrm>
+          <a:prstGeom prst="rect">
+            <a:avLst/>
+          </a:prstGeom>
+          <a:noFill/>
+        </p:spPr>
         <p:txBody>
-          <a:bodyPr/>
+          <a:bodyPr wrap="square" rtlCol="0">
+            <a:spAutoFit/>
+          </a:bodyPr>
           <a:lstStyle/>
           <a:p>
             <a:r>
-              <a:rPr lang="en-US" noProof="1"/>
-              <a:t>Add images and one – two sentences explaining test thought and outcome</a:t>
-            </a:r>
-          </a:p>
-        </p:txBody>
-      </p:sp>
-      <p:sp>
-        <p:nvSpPr>
-          <p:cNvPr id="8" name="Content Placeholder 7">
-            <a:extLst>
-              <a:ext uri="{FF2B5EF4-FFF2-40B4-BE49-F238E27FC236}">
-                <a16:creationId xmlns:a16="http://schemas.microsoft.com/office/drawing/2014/main" id="{A021E0D1-93E4-278F-190D-F92AD1861694}"/>
-              </a:ext>
-            </a:extLst>
-          </p:cNvPr>
-          <p:cNvSpPr>
-            <a:spLocks noGrp="1"/>
-          </p:cNvSpPr>
-          <p:nvPr>
-            <p:ph sz="quarter" idx="11"/>
-          </p:nvPr>
-        </p:nvSpPr>
-        <p:spPr/>
-        <p:txBody>
-          <a:bodyPr/>
-          <a:lstStyle/>
-          <a:p>
-            <a:r>
-              <a:rPr lang="en-US" noProof="1"/>
-              <a:t>Add pics of success and failure if possible</a:t>
-            </a:r>
-          </a:p>
-        </p:txBody>
-      </p:sp>
-      <p:sp>
-        <p:nvSpPr>
-          <p:cNvPr id="3" name="Slide Number Placeholder 2">
-            <a:extLst>
-              <a:ext uri="{FF2B5EF4-FFF2-40B4-BE49-F238E27FC236}">
-                <a16:creationId xmlns:a16="http://schemas.microsoft.com/office/drawing/2014/main" id="{DCBC99EE-15DF-A164-D7A5-05B6D09C808B}"/>
-              </a:ext>
-            </a:extLst>
-          </p:cNvPr>
-          <p:cNvSpPr>
-            <a:spLocks noGrp="1"/>
-          </p:cNvSpPr>
-          <p:nvPr>
-            <p:ph type="sldNum" sz="quarter" idx="4"/>
-          </p:nvPr>
-        </p:nvSpPr>
-        <p:spPr/>
-        <p:txBody>
-          <a:bodyPr/>
-          <a:lstStyle/>
-          <a:p>
-            <a:fld id="{C3DB2ADC-AF19-4574-8C10-79B5B04FCA27}" type="slidenum">
-              <a:rPr lang="en-US" smtClean="0"/>
-              <a:pPr/>
-              <a:t>8</a:t>
-            </a:fld>
-            <a:endParaRPr lang="en-US" dirty="0"/>
+              <a:rPr lang="en-US" dirty="0"/>
+              <a:t>Initially, our designs were very basic. We naturally aligned to having contrast for text and menu bars. The goal was to have a mental image to hold while coding, and a way to see the requirements visually. </a:t>
+            </a:r>
           </a:p>
         </p:txBody>
       </p:sp>
     </p:spTree>
     <p:extLst>
       <p:ext uri="{BB962C8B-B14F-4D97-AF65-F5344CB8AC3E}">
-        <p14:creationId xmlns:p14="http://schemas.microsoft.com/office/powerpoint/2010/main" val="2656198574"/>
+        <p14:creationId xmlns:p14="http://schemas.microsoft.com/office/powerpoint/2010/main" val="688264831"/>
       </p:ext>
     </p:extLst>
   </p:cSld>
   <p:clrMapOvr>
     <a:masterClrMapping/>
   </p:clrMapOvr>
+  <p:timing>
+    <p:tnLst>
+      <p:par>
+        <p:cTn id="1" dur="indefinite" restart="never" nodeType="tmRoot">
+          <p:childTnLst>
+            <p:seq concurrent="1" nextAc="seek">
+              <p:cTn id="2" dur="indefinite" nodeType="mainSeq">
+                <p:childTnLst>
+                  <p:par>
+                    <p:cTn id="3" fill="hold">
+                      <p:stCondLst>
+                        <p:cond delay="indefinite"/>
+                        <p:cond evt="onBegin" delay="0">
+                          <p:tn val="2"/>
+                        </p:cond>
+                      </p:stCondLst>
+                      <p:childTnLst>
+                        <p:par>
+                          <p:cTn id="4" fill="hold">
+                            <p:stCondLst>
+                              <p:cond delay="0"/>
+                            </p:stCondLst>
+                            <p:childTnLst>
+                              <p:par>
+                                <p:cTn id="5" presetID="10" presetClass="entr" presetSubtype="0" fill="hold" grpId="0" nodeType="withEffect">
+                                  <p:stCondLst>
+                                    <p:cond delay="1000"/>
+                                  </p:stCondLst>
+                                  <p:iterate>
+                                    <p:tmPct val="10000"/>
+                                  </p:iterate>
+                                  <p:childTnLst>
+                                    <p:set>
+                                      <p:cBhvr>
+                                        <p:cTn id="6" dur="1" fill="hold">
+                                          <p:stCondLst>
+                                            <p:cond delay="0"/>
+                                          </p:stCondLst>
+                                        </p:cTn>
+                                        <p:tgtEl>
+                                          <p:spTgt spid="4"/>
+                                        </p:tgtEl>
+                                        <p:attrNameLst>
+                                          <p:attrName>style.visibility</p:attrName>
+                                        </p:attrNameLst>
+                                      </p:cBhvr>
+                                      <p:to>
+                                        <p:strVal val="visible"/>
+                                      </p:to>
+                                    </p:set>
+                                    <p:animEffect transition="in" filter="fade">
+                                      <p:cBhvr>
+                                        <p:cTn id="7" dur="700"/>
+                                        <p:tgtEl>
+                                          <p:spTgt spid="4"/>
+                                        </p:tgtEl>
+                                      </p:cBhvr>
+                                    </p:animEffect>
+                                  </p:childTnLst>
+                                </p:cTn>
+                              </p:par>
+                            </p:childTnLst>
+                          </p:cTn>
+                        </p:par>
+                      </p:childTnLst>
+                    </p:cTn>
+                  </p:par>
+                </p:childTnLst>
+              </p:cTn>
+              <p:prevCondLst>
+                <p:cond evt="onPrev" delay="0">
+                  <p:tgtEl>
+                    <p:sldTgt/>
+                  </p:tgtEl>
+                </p:cond>
+              </p:prevCondLst>
+              <p:nextCondLst>
+                <p:cond evt="onNext" delay="0">
+                  <p:tgtEl>
+                    <p:sldTgt/>
+                  </p:tgtEl>
+                </p:cond>
+              </p:nextCondLst>
+            </p:seq>
+          </p:childTnLst>
+        </p:cTn>
+      </p:par>
+    </p:tnLst>
+    <p:bldLst>
+      <p:bldP spid="4" grpId="0"/>
+    </p:bldLst>
+  </p:timing>
+</p:sld>
+</file>
+
+<file path=ppt/slides/slide8.xml><?xml version="1.0" encoding="utf-8"?>
+<p:sld xmlns:a="http://schemas.openxmlformats.org/drawingml/2006/main" xmlns:r="http://schemas.openxmlformats.org/officeDocument/2006/relationships" xmlns:p="http://schemas.openxmlformats.org/presentationml/2006/main">
+  <p:cSld>
+    <p:bg>
+      <p:bgPr>
+        <a:solidFill>
+          <a:schemeClr val="bg1"/>
+        </a:solidFill>
+        <a:effectLst/>
+      </p:bgPr>
+    </p:bg>
+    <p:spTree>
+      <p:nvGrpSpPr>
+        <p:cNvPr id="1" name=""/>
+        <p:cNvGrpSpPr/>
+        <p:nvPr/>
+      </p:nvGrpSpPr>
+      <p:grpSpPr>
+        <a:xfrm>
+          <a:off x="0" y="0"/>
+          <a:ext cx="0" cy="0"/>
+          <a:chOff x="0" y="0"/>
+          <a:chExt cx="0" cy="0"/>
+        </a:xfrm>
+      </p:grpSpPr>
+      <p:cxnSp>
+        <p:nvCxnSpPr>
+          <p:cNvPr id="28" name="Straight Connector 27">
+            <a:extLst>
+              <a:ext uri="{FF2B5EF4-FFF2-40B4-BE49-F238E27FC236}">
+                <a16:creationId xmlns:a16="http://schemas.microsoft.com/office/drawing/2014/main" id="{F64F9B95-9045-48D2-B9F3-2927E98F54AA}"/>
+              </a:ext>
+              <a:ext uri="{C183D7F6-B498-43B3-948B-1728B52AA6E4}">
+                <adec:decorative xmlns:adec="http://schemas.microsoft.com/office/drawing/2017/decorative" val="1"/>
+              </a:ext>
+            </a:extLst>
+          </p:cNvPr>
+          <p:cNvCxnSpPr>
+            <a:cxnSpLocks noGrp="1" noRot="1" noChangeAspect="1" noMove="1" noResize="1" noEditPoints="1" noAdjustHandles="1" noChangeArrowheads="1" noChangeShapeType="1"/>
+          </p:cNvCxnSpPr>
+          <p:nvPr>
+            <p:extLst>
+              <p:ext uri="{386F3935-93C4-4BCD-93E2-E3B085C9AB24}">
+                <p16:designElem xmlns:p16="http://schemas.microsoft.com/office/powerpoint/2015/main" val="1"/>
+              </p:ext>
+            </p:extLst>
+          </p:nvPr>
+        </p:nvCxnSpPr>
+        <p:spPr>
+          <a:xfrm>
+            <a:off x="800100" y="723900"/>
+            <a:ext cx="10591800" cy="0"/>
+          </a:xfrm>
+          <a:prstGeom prst="line">
+            <a:avLst/>
+          </a:prstGeom>
+          <a:ln w="44450">
+            <a:solidFill>
+              <a:schemeClr val="tx1"/>
+            </a:solidFill>
+          </a:ln>
+        </p:spPr>
+        <p:style>
+          <a:lnRef idx="1">
+            <a:schemeClr val="accent1"/>
+          </a:lnRef>
+          <a:fillRef idx="0">
+            <a:schemeClr val="accent1"/>
+          </a:fillRef>
+          <a:effectRef idx="0">
+            <a:schemeClr val="accent1"/>
+          </a:effectRef>
+          <a:fontRef idx="minor">
+            <a:schemeClr val="tx1"/>
+          </a:fontRef>
+        </p:style>
+      </p:cxnSp>
+      <p:cxnSp>
+        <p:nvCxnSpPr>
+          <p:cNvPr id="30" name="Straight Connector 29">
+            <a:extLst>
+              <a:ext uri="{FF2B5EF4-FFF2-40B4-BE49-F238E27FC236}">
+                <a16:creationId xmlns:a16="http://schemas.microsoft.com/office/drawing/2014/main" id="{085AA86F-6A4D-4BCB-A045-D992CDC2959B}"/>
+              </a:ext>
+              <a:ext uri="{C183D7F6-B498-43B3-948B-1728B52AA6E4}">
+                <adec:decorative xmlns:adec="http://schemas.microsoft.com/office/drawing/2017/decorative" val="1"/>
+              </a:ext>
+            </a:extLst>
+          </p:cNvPr>
+          <p:cNvCxnSpPr>
+            <a:cxnSpLocks noGrp="1" noRot="1" noChangeAspect="1" noMove="1" noResize="1" noEditPoints="1" noAdjustHandles="1" noChangeArrowheads="1" noChangeShapeType="1"/>
+          </p:cNvCxnSpPr>
+          <p:nvPr>
+            <p:extLst>
+              <p:ext uri="{386F3935-93C4-4BCD-93E2-E3B085C9AB24}">
+                <p16:designElem xmlns:p16="http://schemas.microsoft.com/office/powerpoint/2015/main" val="1"/>
+              </p:ext>
+            </p:extLst>
+          </p:nvPr>
+        </p:nvCxnSpPr>
+        <p:spPr>
+          <a:xfrm>
+            <a:off x="800100" y="6142781"/>
+            <a:ext cx="10591800" cy="0"/>
+          </a:xfrm>
+          <a:prstGeom prst="line">
+            <a:avLst/>
+          </a:prstGeom>
+          <a:ln w="12700">
+            <a:solidFill>
+              <a:schemeClr val="tx1"/>
+            </a:solidFill>
+          </a:ln>
+        </p:spPr>
+        <p:style>
+          <a:lnRef idx="1">
+            <a:schemeClr val="accent1"/>
+          </a:lnRef>
+          <a:fillRef idx="0">
+            <a:schemeClr val="accent1"/>
+          </a:fillRef>
+          <a:effectRef idx="0">
+            <a:schemeClr val="accent1"/>
+          </a:effectRef>
+          <a:fontRef idx="minor">
+            <a:schemeClr val="tx1"/>
+          </a:fontRef>
+        </p:style>
+      </p:cxnSp>
+      <p:sp useBgFill="1">
+        <p:nvSpPr>
+          <p:cNvPr id="32" name="Rectangle 31">
+            <a:extLst>
+              <a:ext uri="{FF2B5EF4-FFF2-40B4-BE49-F238E27FC236}">
+                <a16:creationId xmlns:a16="http://schemas.microsoft.com/office/drawing/2014/main" id="{341BFA31-6544-45C2-9DA0-9E1C5E0B1959}"/>
+              </a:ext>
+              <a:ext uri="{C183D7F6-B498-43B3-948B-1728B52AA6E4}">
+                <adec:decorative xmlns:adec="http://schemas.microsoft.com/office/drawing/2017/decorative" val="1"/>
+              </a:ext>
+            </a:extLst>
+          </p:cNvPr>
+          <p:cNvSpPr>
+            <a:spLocks noGrp="1" noRot="1" noChangeAspect="1" noMove="1" noResize="1" noEditPoints="1" noAdjustHandles="1" noChangeArrowheads="1" noChangeShapeType="1" noTextEdit="1"/>
+          </p:cNvSpPr>
+          <p:nvPr>
+            <p:extLst>
+              <p:ext uri="{386F3935-93C4-4BCD-93E2-E3B085C9AB24}">
+                <p16:designElem xmlns:p16="http://schemas.microsoft.com/office/powerpoint/2015/main" val="1"/>
+              </p:ext>
+            </p:extLst>
+          </p:nvPr>
+        </p:nvSpPr>
+        <p:spPr>
+          <a:xfrm>
+            <a:off x="0" y="0"/>
+            <a:ext cx="12192000" cy="6858000"/>
+          </a:xfrm>
+          <a:prstGeom prst="rect">
+            <a:avLst/>
+          </a:prstGeom>
+          <a:ln w="12700" cap="flat" cmpd="sng" algn="ctr">
+            <a:noFill/>
+            <a:prstDash val="solid"/>
+            <a:miter lim="800000"/>
+          </a:ln>
+          <a:effectLst/>
+          <a:extLst>
+            <a:ext uri="{91240B29-F687-4F45-9708-019B960494DF}">
+              <a14:hiddenLine xmlns:a14="http://schemas.microsoft.com/office/drawing/2010/main" w="12700" cap="flat" cmpd="sng" algn="ctr">
+                <a:solidFill>
+                  <a:schemeClr val="accent1">
+                    <a:shade val="50000"/>
+                  </a:schemeClr>
+                </a:solidFill>
+                <a:prstDash val="solid"/>
+                <a:miter lim="800000"/>
+              </a14:hiddenLine>
+            </a:ext>
+          </a:extLst>
+        </p:spPr>
+        <p:style>
+          <a:lnRef idx="2">
+            <a:schemeClr val="accent1">
+              <a:shade val="50000"/>
+            </a:schemeClr>
+          </a:lnRef>
+          <a:fillRef idx="1">
+            <a:schemeClr val="accent1"/>
+          </a:fillRef>
+          <a:effectRef idx="0">
+            <a:schemeClr val="accent1"/>
+          </a:effectRef>
+          <a:fontRef idx="minor">
+            <a:schemeClr val="lt1"/>
+          </a:fontRef>
+        </p:style>
+        <p:txBody>
+          <a:bodyPr rtlCol="0" anchor="ctr"/>
+          <a:lstStyle/>
+          <a:p>
+            <a:pPr algn="ctr"/>
+            <a:endParaRPr lang="en-US"/>
+          </a:p>
+        </p:txBody>
+      </p:sp>
+      <p:cxnSp>
+        <p:nvCxnSpPr>
+          <p:cNvPr id="34" name="Straight Connector 33">
+            <a:extLst>
+              <a:ext uri="{FF2B5EF4-FFF2-40B4-BE49-F238E27FC236}">
+                <a16:creationId xmlns:a16="http://schemas.microsoft.com/office/drawing/2014/main" id="{DC36F877-5419-44C1-A2CD-376BDDDC3E41}"/>
+              </a:ext>
+              <a:ext uri="{C183D7F6-B498-43B3-948B-1728B52AA6E4}">
+                <adec:decorative xmlns:adec="http://schemas.microsoft.com/office/drawing/2017/decorative" val="1"/>
+              </a:ext>
+            </a:extLst>
+          </p:cNvPr>
+          <p:cNvCxnSpPr>
+            <a:cxnSpLocks noGrp="1" noRot="1" noChangeAspect="1" noMove="1" noResize="1" noEditPoints="1" noAdjustHandles="1" noChangeArrowheads="1" noChangeShapeType="1"/>
+          </p:cNvCxnSpPr>
+          <p:nvPr>
+            <p:extLst>
+              <p:ext uri="{386F3935-93C4-4BCD-93E2-E3B085C9AB24}">
+                <p16:designElem xmlns:p16="http://schemas.microsoft.com/office/powerpoint/2015/main" val="1"/>
+              </p:ext>
+            </p:extLst>
+          </p:nvPr>
+        </p:nvCxnSpPr>
+        <p:spPr>
+          <a:xfrm>
+            <a:off x="800100" y="723900"/>
+            <a:ext cx="1638300" cy="0"/>
+          </a:xfrm>
+          <a:prstGeom prst="line">
+            <a:avLst/>
+          </a:prstGeom>
+          <a:ln w="44450">
+            <a:solidFill>
+              <a:schemeClr val="tx1"/>
+            </a:solidFill>
+          </a:ln>
+        </p:spPr>
+        <p:style>
+          <a:lnRef idx="1">
+            <a:schemeClr val="accent1"/>
+          </a:lnRef>
+          <a:fillRef idx="0">
+            <a:schemeClr val="accent1"/>
+          </a:fillRef>
+          <a:effectRef idx="0">
+            <a:schemeClr val="accent1"/>
+          </a:effectRef>
+          <a:fontRef idx="minor">
+            <a:schemeClr val="tx1"/>
+          </a:fontRef>
+        </p:style>
+      </p:cxnSp>
+      <p:pic>
+        <p:nvPicPr>
+          <p:cNvPr id="7" name="Picture 6" descr="A screenshot of a contact us&#10;&#10;Description automatically generated">
+            <a:extLst>
+              <a:ext uri="{FF2B5EF4-FFF2-40B4-BE49-F238E27FC236}">
+                <a16:creationId xmlns:a16="http://schemas.microsoft.com/office/drawing/2014/main" id="{41E490FF-76D5-C07B-8624-83C4A9DBBC3A}"/>
+              </a:ext>
+            </a:extLst>
+          </p:cNvPr>
+          <p:cNvPicPr>
+            <a:picLocks noChangeAspect="1"/>
+          </p:cNvPicPr>
+          <p:nvPr/>
+        </p:nvPicPr>
+        <p:blipFill>
+          <a:blip r:embed="rId3"/>
+          <a:srcRect r="13922" b="-1"/>
+          <a:stretch/>
+        </p:blipFill>
+        <p:spPr>
+          <a:xfrm>
+            <a:off x="6312488" y="232810"/>
+            <a:ext cx="5242186" cy="4339190"/>
+          </a:xfrm>
+          <a:prstGeom prst="rect">
+            <a:avLst/>
+          </a:prstGeom>
+        </p:spPr>
+      </p:pic>
+      <p:pic>
+        <p:nvPicPr>
+          <p:cNvPr id="5" name="Picture 4" descr="A screenshot of a contact form&#10;&#10;Description automatically generated">
+            <a:extLst>
+              <a:ext uri="{FF2B5EF4-FFF2-40B4-BE49-F238E27FC236}">
+                <a16:creationId xmlns:a16="http://schemas.microsoft.com/office/drawing/2014/main" id="{B619A055-8123-103F-AC03-97866318C8C1}"/>
+              </a:ext>
+            </a:extLst>
+          </p:cNvPr>
+          <p:cNvPicPr>
+            <a:picLocks noChangeAspect="1"/>
+          </p:cNvPicPr>
+          <p:nvPr/>
+        </p:nvPicPr>
+        <p:blipFill>
+          <a:blip r:embed="rId4"/>
+          <a:srcRect l="453" r="37473" b="3"/>
+          <a:stretch/>
+        </p:blipFill>
+        <p:spPr>
+          <a:xfrm>
+            <a:off x="513049" y="1948405"/>
+            <a:ext cx="5687700" cy="4581239"/>
+          </a:xfrm>
+          <a:prstGeom prst="rect">
+            <a:avLst/>
+          </a:prstGeom>
+        </p:spPr>
+      </p:pic>
+      <p:sp>
+        <p:nvSpPr>
+          <p:cNvPr id="23" name="Subtitle 22">
+            <a:extLst>
+              <a:ext uri="{FF2B5EF4-FFF2-40B4-BE49-F238E27FC236}">
+                <a16:creationId xmlns:a16="http://schemas.microsoft.com/office/drawing/2014/main" id="{D5FF0C52-0A5C-D2E2-6605-0DCC0E0DCE6C}"/>
+              </a:ext>
+            </a:extLst>
+          </p:cNvPr>
+          <p:cNvSpPr>
+            <a:spLocks noGrp="1"/>
+          </p:cNvSpPr>
+          <p:nvPr>
+            <p:ph type="subTitle" idx="1"/>
+          </p:nvPr>
+        </p:nvSpPr>
+        <p:spPr>
+          <a:xfrm>
+            <a:off x="6838075" y="4573621"/>
+            <a:ext cx="4828338" cy="1883543"/>
+          </a:xfrm>
+        </p:spPr>
+        <p:txBody>
+          <a:bodyPr vert="horz" lIns="91440" tIns="45720" rIns="91440" bIns="45720" rtlCol="0" anchor="ctr">
+            <a:normAutofit/>
+          </a:bodyPr>
+          <a:lstStyle/>
+          <a:p>
+            <a:r>
+              <a:rPr lang="en-US" sz="1800" dirty="0"/>
+              <a:t>Some of the designs evolved as we settled on a cohesive style. Representing consistency was often highlighted to increase customer trust.</a:t>
+            </a:r>
+          </a:p>
+        </p:txBody>
+      </p:sp>
+      <p:sp>
+        <p:nvSpPr>
+          <p:cNvPr id="13" name="Title 12">
+            <a:extLst>
+              <a:ext uri="{FF2B5EF4-FFF2-40B4-BE49-F238E27FC236}">
+                <a16:creationId xmlns:a16="http://schemas.microsoft.com/office/drawing/2014/main" id="{2BF5439E-A994-3EE5-80B8-64D8C5A922E8}"/>
+              </a:ext>
+            </a:extLst>
+          </p:cNvPr>
+          <p:cNvSpPr>
+            <a:spLocks noGrp="1"/>
+          </p:cNvSpPr>
+          <p:nvPr>
+            <p:ph type="ctrTitle"/>
+          </p:nvPr>
+        </p:nvSpPr>
+        <p:spPr>
+          <a:xfrm>
+            <a:off x="685799" y="920306"/>
+            <a:ext cx="5775587" cy="3651694"/>
+          </a:xfrm>
+        </p:spPr>
+        <p:txBody>
+          <a:bodyPr vert="horz" lIns="91440" tIns="45720" rIns="91440" bIns="45720" rtlCol="0" anchor="t">
+            <a:normAutofit/>
+          </a:bodyPr>
+          <a:lstStyle/>
+          <a:p>
+            <a:r>
+              <a:rPr lang="en-US" sz="4000" dirty="0"/>
+              <a:t>Prototypes in action:</a:t>
+            </a:r>
+          </a:p>
+        </p:txBody>
+      </p:sp>
+    </p:spTree>
+    <p:extLst>
+      <p:ext uri="{BB962C8B-B14F-4D97-AF65-F5344CB8AC3E}">
+        <p14:creationId xmlns:p14="http://schemas.microsoft.com/office/powerpoint/2010/main" val="1889560571"/>
+      </p:ext>
+    </p:extLst>
+  </p:cSld>
+  <p:clrMapOvr>
+    <a:masterClrMapping/>
+  </p:clrMapOvr>
+  <p:timing>
+    <p:tnLst>
+      <p:par>
+        <p:cTn id="1" dur="indefinite" restart="never" nodeType="tmRoot">
+          <p:childTnLst>
+            <p:seq concurrent="1" nextAc="seek">
+              <p:cTn id="2" dur="indefinite" nodeType="mainSeq">
+                <p:childTnLst>
+                  <p:par>
+                    <p:cTn id="3" fill="hold">
+                      <p:stCondLst>
+                        <p:cond delay="indefinite"/>
+                        <p:cond evt="onBegin" delay="0">
+                          <p:tn val="2"/>
+                        </p:cond>
+                      </p:stCondLst>
+                      <p:childTnLst>
+                        <p:par>
+                          <p:cTn id="4" fill="hold">
+                            <p:stCondLst>
+                              <p:cond delay="0"/>
+                            </p:stCondLst>
+                            <p:childTnLst>
+                              <p:par>
+                                <p:cTn id="5" presetID="10" presetClass="entr" presetSubtype="0" fill="hold" grpId="0" nodeType="withEffect">
+                                  <p:stCondLst>
+                                    <p:cond delay="1000"/>
+                                  </p:stCondLst>
+                                  <p:iterate>
+                                    <p:tmPct val="10000"/>
+                                  </p:iterate>
+                                  <p:childTnLst>
+                                    <p:set>
+                                      <p:cBhvr>
+                                        <p:cTn id="6" dur="1" fill="hold">
+                                          <p:stCondLst>
+                                            <p:cond delay="0"/>
+                                          </p:stCondLst>
+                                        </p:cTn>
+                                        <p:tgtEl>
+                                          <p:spTgt spid="13"/>
+                                        </p:tgtEl>
+                                        <p:attrNameLst>
+                                          <p:attrName>style.visibility</p:attrName>
+                                        </p:attrNameLst>
+                                      </p:cBhvr>
+                                      <p:to>
+                                        <p:strVal val="visible"/>
+                                      </p:to>
+                                    </p:set>
+                                    <p:animEffect transition="in" filter="fade">
+                                      <p:cBhvr>
+                                        <p:cTn id="7" dur="700"/>
+                                        <p:tgtEl>
+                                          <p:spTgt spid="13"/>
+                                        </p:tgtEl>
+                                      </p:cBhvr>
+                                    </p:animEffect>
+                                  </p:childTnLst>
+                                </p:cTn>
+                              </p:par>
+                              <p:par>
+                                <p:cTn id="8" presetID="10" presetClass="entr" presetSubtype="0" fill="hold" grpId="0" nodeType="withEffect">
+                                  <p:stCondLst>
+                                    <p:cond delay="1500"/>
+                                  </p:stCondLst>
+                                  <p:iterate>
+                                    <p:tmPct val="10000"/>
+                                  </p:iterate>
+                                  <p:childTnLst>
+                                    <p:set>
+                                      <p:cBhvr>
+                                        <p:cTn id="9" dur="1" fill="hold">
+                                          <p:stCondLst>
+                                            <p:cond delay="0"/>
+                                          </p:stCondLst>
+                                        </p:cTn>
+                                        <p:tgtEl>
+                                          <p:spTgt spid="23">
+                                            <p:txEl>
+                                              <p:pRg st="0" end="0"/>
+                                            </p:txEl>
+                                          </p:spTgt>
+                                        </p:tgtEl>
+                                        <p:attrNameLst>
+                                          <p:attrName>style.visibility</p:attrName>
+                                        </p:attrNameLst>
+                                      </p:cBhvr>
+                                      <p:to>
+                                        <p:strVal val="visible"/>
+                                      </p:to>
+                                    </p:set>
+                                    <p:animEffect transition="in" filter="fade">
+                                      <p:cBhvr>
+                                        <p:cTn id="10" dur="700"/>
+                                        <p:tgtEl>
+                                          <p:spTgt spid="23">
+                                            <p:txEl>
+                                              <p:pRg st="0" end="0"/>
+                                            </p:txEl>
+                                          </p:spTgt>
+                                        </p:tgtEl>
+                                      </p:cBhvr>
+                                    </p:animEffect>
+                                  </p:childTnLst>
+                                </p:cTn>
+                              </p:par>
+                            </p:childTnLst>
+                          </p:cTn>
+                        </p:par>
+                      </p:childTnLst>
+                    </p:cTn>
+                  </p:par>
+                </p:childTnLst>
+              </p:cTn>
+              <p:prevCondLst>
+                <p:cond evt="onPrev" delay="0">
+                  <p:tgtEl>
+                    <p:sldTgt/>
+                  </p:tgtEl>
+                </p:cond>
+              </p:prevCondLst>
+              <p:nextCondLst>
+                <p:cond evt="onNext" delay="0">
+                  <p:tgtEl>
+                    <p:sldTgt/>
+                  </p:tgtEl>
+                </p:cond>
+              </p:nextCondLst>
+            </p:seq>
+          </p:childTnLst>
+        </p:cTn>
+      </p:par>
+    </p:tnLst>
+    <p:bldLst>
+      <p:bldP spid="23" grpId="0" build="p"/>
+      <p:bldP spid="13" grpId="0"/>
+    </p:bldLst>
+  </p:timing>
 </p:sld>
 </file>
 
@@ -12210,7 +19990,7 @@
           <p:cNvPr id="2" name="Title 1">
             <a:extLst>
               <a:ext uri="{FF2B5EF4-FFF2-40B4-BE49-F238E27FC236}">
-                <a16:creationId xmlns:a16="http://schemas.microsoft.com/office/drawing/2014/main" id="{5B56E1DE-D988-960C-DAB5-9F76114BF8AF}"/>
+                <a16:creationId xmlns:a16="http://schemas.microsoft.com/office/drawing/2014/main" id="{2BF6C19A-30E3-001C-1A19-8812A6F8D8EC}"/>
               </a:ext>
             </a:extLst>
           </p:cNvPr>
@@ -12228,110 +20008,46 @@
           <a:p>
             <a:r>
               <a:rPr lang="en-US" dirty="0"/>
-              <a:t>Favorite features</a:t>
+              <a:t>ERD AND TESTING</a:t>
             </a:r>
           </a:p>
         </p:txBody>
       </p:sp>
-      <p:sp>
-        <p:nvSpPr>
-          <p:cNvPr id="8" name="Content Placeholder 7">
+      <p:pic>
+        <p:nvPicPr>
+          <p:cNvPr id="5" name="Content Placeholder 4" descr="A screenshot of a computer&#10;&#10;Description automatically generated">
             <a:extLst>
               <a:ext uri="{FF2B5EF4-FFF2-40B4-BE49-F238E27FC236}">
-                <a16:creationId xmlns:a16="http://schemas.microsoft.com/office/drawing/2014/main" id="{6B4A257E-4735-6F03-8A06-72A76A187FFA}"/>
+                <a16:creationId xmlns:a16="http://schemas.microsoft.com/office/drawing/2014/main" id="{E44C3514-DED8-D141-2DC0-4F54B64C364A}"/>
               </a:ext>
             </a:extLst>
           </p:cNvPr>
-          <p:cNvSpPr>
-            <a:spLocks noGrp="1"/>
-          </p:cNvSpPr>
+          <p:cNvPicPr>
+            <a:picLocks noGrp="1" noChangeAspect="1"/>
+          </p:cNvPicPr>
           <p:nvPr>
             <p:ph sz="quarter" idx="10"/>
           </p:nvPr>
-        </p:nvSpPr>
-        <p:spPr/>
-        <p:txBody>
-          <a:bodyPr/>
-          <a:lstStyle/>
-          <a:p>
-            <a:r>
-              <a:rPr lang="en-US" dirty="0"/>
-              <a:t>Cool features</a:t>
-            </a:r>
-          </a:p>
-          <a:p>
-            <a:r>
-              <a:rPr lang="en-US" dirty="0"/>
-              <a:t>Each </a:t>
-            </a:r>
-            <a:r>
-              <a:rPr lang="en-US" dirty="0" err="1"/>
-              <a:t>devs</a:t>
-            </a:r>
-            <a:r>
-              <a:rPr lang="en-US" dirty="0"/>
-              <a:t> favorite?</a:t>
-            </a:r>
-          </a:p>
-        </p:txBody>
-      </p:sp>
-      <p:sp>
-        <p:nvSpPr>
-          <p:cNvPr id="13" name="Content Placeholder 12">
-            <a:extLst>
-              <a:ext uri="{FF2B5EF4-FFF2-40B4-BE49-F238E27FC236}">
-                <a16:creationId xmlns:a16="http://schemas.microsoft.com/office/drawing/2014/main" id="{2EBEEF04-935C-A06F-62F6-BCFF0B291A24}"/>
-              </a:ext>
-            </a:extLst>
-          </p:cNvPr>
-          <p:cNvSpPr>
-            <a:spLocks noGrp="1"/>
-          </p:cNvSpPr>
-          <p:nvPr>
-            <p:ph sz="quarter" idx="11"/>
-          </p:nvPr>
-        </p:nvSpPr>
+        </p:nvPicPr>
+        <p:blipFill>
+          <a:blip r:embed="rId3"/>
+          <a:stretch>
+            <a:fillRect/>
+          </a:stretch>
+        </p:blipFill>
         <p:spPr>
           <a:xfrm>
-            <a:off x="4407226" y="2244725"/>
-            <a:ext cx="7060200" cy="3912896"/>
+            <a:off x="734592" y="2492699"/>
+            <a:ext cx="7626742" cy="3587934"/>
           </a:xfrm>
         </p:spPr>
-        <p:txBody>
-          <a:bodyPr/>
-          <a:lstStyle/>
-          <a:p>
-            <a:r>
-              <a:rPr lang="en-US" dirty="0"/>
-              <a:t>Only product specifically dedicated to this niche market</a:t>
-            </a:r>
-          </a:p>
-          <a:p>
-            <a:r>
-              <a:rPr lang="en-US" dirty="0"/>
-              <a:t>First beautifully designed product that's both stylish and functional</a:t>
-            </a:r>
-          </a:p>
-          <a:p>
-            <a:r>
-              <a:rPr lang="en-US" dirty="0"/>
-              <a:t>Conducted testing with college students in the area</a:t>
-            </a:r>
-          </a:p>
-          <a:p>
-            <a:r>
-              <a:rPr lang="en-US" dirty="0"/>
-              <a:t>Designed with the help and input of experts in the field </a:t>
-            </a:r>
-          </a:p>
-        </p:txBody>
-      </p:sp>
+      </p:pic>
       <p:sp>
         <p:nvSpPr>
           <p:cNvPr id="3" name="Slide Number Placeholder 2">
             <a:extLst>
               <a:ext uri="{FF2B5EF4-FFF2-40B4-BE49-F238E27FC236}">
-                <a16:creationId xmlns:a16="http://schemas.microsoft.com/office/drawing/2014/main" id="{522643B0-B668-8150-0AAC-AFA1C43109DF}"/>
+                <a16:creationId xmlns:a16="http://schemas.microsoft.com/office/drawing/2014/main" id="{CE941DE2-1E04-BCDD-5770-8991998B6B7B}"/>
               </a:ext>
             </a:extLst>
           </p:cNvPr>
@@ -12356,10 +20072,75 @@
           </a:p>
         </p:txBody>
       </p:sp>
+      <p:pic>
+        <p:nvPicPr>
+          <p:cNvPr id="4" name="Picture 3">
+            <a:extLst>
+              <a:ext uri="{FF2B5EF4-FFF2-40B4-BE49-F238E27FC236}">
+                <a16:creationId xmlns:a16="http://schemas.microsoft.com/office/drawing/2014/main" id="{12F47842-5A29-87E7-9E26-39A977161E9A}"/>
+              </a:ext>
+            </a:extLst>
+          </p:cNvPr>
+          <p:cNvPicPr>
+            <a:picLocks noChangeAspect="1"/>
+          </p:cNvPicPr>
+          <p:nvPr/>
+        </p:nvPicPr>
+        <p:blipFill>
+          <a:blip r:embed="rId4"/>
+          <a:stretch>
+            <a:fillRect/>
+          </a:stretch>
+        </p:blipFill>
+        <p:spPr>
+          <a:xfrm>
+            <a:off x="8744287" y="976997"/>
+            <a:ext cx="2847079" cy="4986960"/>
+          </a:xfrm>
+          <a:prstGeom prst="rect">
+            <a:avLst/>
+          </a:prstGeom>
+        </p:spPr>
+      </p:pic>
+      <p:sp>
+        <p:nvSpPr>
+          <p:cNvPr id="6" name="TextBox 5">
+            <a:extLst>
+              <a:ext uri="{FF2B5EF4-FFF2-40B4-BE49-F238E27FC236}">
+                <a16:creationId xmlns:a16="http://schemas.microsoft.com/office/drawing/2014/main" id="{9680BE3B-B9D0-9FA9-F9DF-20A3119E0900}"/>
+              </a:ext>
+            </a:extLst>
+          </p:cNvPr>
+          <p:cNvSpPr txBox="1"/>
+          <p:nvPr/>
+        </p:nvSpPr>
+        <p:spPr>
+          <a:xfrm>
+            <a:off x="914400" y="1596989"/>
+            <a:ext cx="7315200" cy="923330"/>
+          </a:xfrm>
+          <a:prstGeom prst="rect">
+            <a:avLst/>
+          </a:prstGeom>
+          <a:noFill/>
+        </p:spPr>
+        <p:txBody>
+          <a:bodyPr wrap="square" rtlCol="0">
+            <a:spAutoFit/>
+          </a:bodyPr>
+          <a:lstStyle/>
+          <a:p>
+            <a:r>
+              <a:rPr lang="en-US" dirty="0"/>
+              <a:t>Our design initially only included customer data and reservations. As we began working, we soon realized we had overlooked storing the messages from the contact page. However, </a:t>
+            </a:r>
+          </a:p>
+        </p:txBody>
+      </p:sp>
     </p:spTree>
     <p:extLst>
       <p:ext uri="{BB962C8B-B14F-4D97-AF65-F5344CB8AC3E}">
-        <p14:creationId xmlns:p14="http://schemas.microsoft.com/office/powerpoint/2010/main" val="1475236966"/>
+        <p14:creationId xmlns:p14="http://schemas.microsoft.com/office/powerpoint/2010/main" val="1553300136"/>
       </p:ext>
     </p:extLst>
   </p:cSld>
@@ -13161,35 +20942,6 @@
 </file>
 
 <file path=customXml/item1.xml><?xml version="1.0" encoding="utf-8"?>
-<?mso-contentType ?>
-<FormTemplates xmlns="http://schemas.microsoft.com/sharepoint/v3/contenttype/forms">
-  <Display>DocumentLibraryForm</Display>
-  <Edit>DocumentLibraryForm</Edit>
-  <New>DocumentLibraryForm</New>
-</FormTemplates>
-</file>
-
-<file path=customXml/item2.xml><?xml version="1.0" encoding="utf-8"?>
-<p:properties xmlns:p="http://schemas.microsoft.com/office/2006/metadata/properties" xmlns:xsi="http://www.w3.org/2001/XMLSchema-instance" xmlns:pc="http://schemas.microsoft.com/office/infopath/2007/PartnerControls">
-  <documentManagement>
-    <_ip_UnifiedCompliancePolicyUIAction xmlns="http://schemas.microsoft.com/sharepoint/v3" xsi:nil="true"/>
-    <Image xmlns="71af3243-3dd4-4a8d-8c0d-dd76da1f02a5">
-      <Url xsi:nil="true"/>
-      <Description xsi:nil="true"/>
-    </Image>
-    <Status xmlns="71af3243-3dd4-4a8d-8c0d-dd76da1f02a5">Not started</Status>
-    <Background xmlns="71af3243-3dd4-4a8d-8c0d-dd76da1f02a5">false</Background>
-    <_ip_UnifiedCompliancePolicyProperties xmlns="http://schemas.microsoft.com/sharepoint/v3" xsi:nil="true"/>
-    <ImageTagsTaxHTField xmlns="71af3243-3dd4-4a8d-8c0d-dd76da1f02a5">
-      <Terms xmlns="http://schemas.microsoft.com/office/infopath/2007/PartnerControls"/>
-    </ImageTagsTaxHTField>
-    <TaxCatchAll xmlns="230e9df3-be65-4c73-a93b-d1236ebd677e" xsi:nil="true"/>
-    <MediaServiceKeyPoints xmlns="71af3243-3dd4-4a8d-8c0d-dd76da1f02a5" xsi:nil="true"/>
-  </documentManagement>
-</p:properties>
-</file>
-
-<file path=customXml/item3.xml><?xml version="1.0" encoding="utf-8"?>
 <ct:contentTypeSchema xmlns:ct="http://schemas.microsoft.com/office/2006/metadata/contentType" xmlns:ma="http://schemas.microsoft.com/office/2006/metadata/properties/metaAttributes" ct:_="" ma:_="" ma:contentTypeName="Document" ma:contentTypeID="0x01010079F111ED35F8CC479449609E8A0923A6" ma:contentTypeVersion="28" ma:contentTypeDescription="Create a new document." ma:contentTypeScope="" ma:versionID="60f5a4f2d2b0abadcf532d48ebf9cb71">
   <xsd:schema xmlns:xsd="http://www.w3.org/2001/XMLSchema" xmlns:xs="http://www.w3.org/2001/XMLSchema" xmlns:p="http://schemas.microsoft.com/office/2006/metadata/properties" xmlns:ns1="http://schemas.microsoft.com/sharepoint/v3" xmlns:ns2="71af3243-3dd4-4a8d-8c0d-dd76da1f02a5" xmlns:ns3="16c05727-aa75-4e4a-9b5f-8a80a1165891" xmlns:ns4="230e9df3-be65-4c73-a93b-d1236ebd677e" targetNamespace="http://schemas.microsoft.com/office/2006/metadata/properties" ma:root="true" ma:fieldsID="7dd78129e6a1811f84807ad11c651531" ns1:_="" ns2:_="" ns3:_="" ns4:_="">
     <xsd:import namespace="http://schemas.microsoft.com/sharepoint/v3"/>
@@ -13501,27 +21253,36 @@
 </ct:contentTypeSchema>
 </file>
 
-<file path=customXml/itemProps1.xml><?xml version="1.0" encoding="utf-8"?>
-<ds:datastoreItem xmlns:ds="http://schemas.openxmlformats.org/officeDocument/2006/customXml" ds:itemID="{7B916DD8-9028-41F0-AB19-FE384D2009A2}">
-  <ds:schemaRefs>
-    <ds:schemaRef ds:uri="http://schemas.microsoft.com/sharepoint/v3/contenttype/forms"/>
-  </ds:schemaRefs>
-</ds:datastoreItem>
+<file path=customXml/item2.xml><?xml version="1.0" encoding="utf-8"?>
+<p:properties xmlns:p="http://schemas.microsoft.com/office/2006/metadata/properties" xmlns:xsi="http://www.w3.org/2001/XMLSchema-instance" xmlns:pc="http://schemas.microsoft.com/office/infopath/2007/PartnerControls">
+  <documentManagement>
+    <_ip_UnifiedCompliancePolicyUIAction xmlns="http://schemas.microsoft.com/sharepoint/v3" xsi:nil="true"/>
+    <Image xmlns="71af3243-3dd4-4a8d-8c0d-dd76da1f02a5">
+      <Url xsi:nil="true"/>
+      <Description xsi:nil="true"/>
+    </Image>
+    <Status xmlns="71af3243-3dd4-4a8d-8c0d-dd76da1f02a5">Not started</Status>
+    <Background xmlns="71af3243-3dd4-4a8d-8c0d-dd76da1f02a5">false</Background>
+    <_ip_UnifiedCompliancePolicyProperties xmlns="http://schemas.microsoft.com/sharepoint/v3" xsi:nil="true"/>
+    <ImageTagsTaxHTField xmlns="71af3243-3dd4-4a8d-8c0d-dd76da1f02a5">
+      <Terms xmlns="http://schemas.microsoft.com/office/infopath/2007/PartnerControls"/>
+    </ImageTagsTaxHTField>
+    <TaxCatchAll xmlns="230e9df3-be65-4c73-a93b-d1236ebd677e" xsi:nil="true"/>
+    <MediaServiceKeyPoints xmlns="71af3243-3dd4-4a8d-8c0d-dd76da1f02a5" xsi:nil="true"/>
+  </documentManagement>
+</p:properties>
 </file>
 
-<file path=customXml/itemProps2.xml><?xml version="1.0" encoding="utf-8"?>
-<ds:datastoreItem xmlns:ds="http://schemas.openxmlformats.org/officeDocument/2006/customXml" ds:itemID="{D1C92F81-A6B6-4190-80A1-406B3B4C18B8}">
-  <ds:schemaRefs>
-    <ds:schemaRef ds:uri="http://schemas.microsoft.com/office/2006/metadata/properties"/>
-    <ds:schemaRef ds:uri="http://schemas.microsoft.com/office/infopath/2007/PartnerControls"/>
-    <ds:schemaRef ds:uri="http://schemas.microsoft.com/sharepoint/v3"/>
-    <ds:schemaRef ds:uri="71af3243-3dd4-4a8d-8c0d-dd76da1f02a5"/>
-    <ds:schemaRef ds:uri="230e9df3-be65-4c73-a93b-d1236ebd677e"/>
-  </ds:schemaRefs>
-</ds:datastoreItem>
+<file path=customXml/item3.xml><?xml version="1.0" encoding="utf-8"?>
+<?mso-contentType ?>
+<FormTemplates xmlns="http://schemas.microsoft.com/sharepoint/v3/contenttype/forms">
+  <Display>DocumentLibraryForm</Display>
+  <Edit>DocumentLibraryForm</Edit>
+  <New>DocumentLibraryForm</New>
+</FormTemplates>
 </file>
 
-<file path=customXml/itemProps3.xml><?xml version="1.0" encoding="utf-8"?>
+<file path=customXml/itemProps1.xml><?xml version="1.0" encoding="utf-8"?>
 <ds:datastoreItem xmlns:ds="http://schemas.openxmlformats.org/officeDocument/2006/customXml" ds:itemID="{778B3239-FE1A-45AC-BACA-CC3412D875A1}">
   <ds:schemaRefs>
     <ds:schemaRef ds:uri="http://schemas.microsoft.com/office/2006/metadata/contentType"/>
@@ -13542,6 +21303,26 @@
 </ds:datastoreItem>
 </file>
 
+<file path=customXml/itemProps2.xml><?xml version="1.0" encoding="utf-8"?>
+<ds:datastoreItem xmlns:ds="http://schemas.openxmlformats.org/officeDocument/2006/customXml" ds:itemID="{D1C92F81-A6B6-4190-80A1-406B3B4C18B8}">
+  <ds:schemaRefs>
+    <ds:schemaRef ds:uri="http://schemas.microsoft.com/office/2006/metadata/properties"/>
+    <ds:schemaRef ds:uri="http://schemas.microsoft.com/office/infopath/2007/PartnerControls"/>
+    <ds:schemaRef ds:uri="http://schemas.microsoft.com/sharepoint/v3"/>
+    <ds:schemaRef ds:uri="71af3243-3dd4-4a8d-8c0d-dd76da1f02a5"/>
+    <ds:schemaRef ds:uri="230e9df3-be65-4c73-a93b-d1236ebd677e"/>
+  </ds:schemaRefs>
+</ds:datastoreItem>
+</file>
+
+<file path=customXml/itemProps3.xml><?xml version="1.0" encoding="utf-8"?>
+<ds:datastoreItem xmlns:ds="http://schemas.openxmlformats.org/officeDocument/2006/customXml" ds:itemID="{7B916DD8-9028-41F0-AB19-FE384D2009A2}">
+  <ds:schemaRefs>
+    <ds:schemaRef ds:uri="http://schemas.microsoft.com/sharepoint/v3/contenttype/forms"/>
+  </ds:schemaRefs>
+</ds:datastoreItem>
+</file>
+
 <file path=docMetadata/LabelInfo.xml><?xml version="1.0" encoding="utf-8"?>
 <clbl:labelList xmlns:clbl="http://schemas.microsoft.com/office/2020/mipLabelMetadata"/>
 </file>